--- a/前端網頁導覽版面設計.pptx
+++ b/前端網頁導覽版面設計.pptx
@@ -106,6 +106,11 @@
       </a:defRPr>
     </a:lvl9pPr>
   </p:defaultTextStyle>
+  <p:extLst>
+    <p:ext uri="{EFAFB233-063F-42B5-8137-9DF3F51BA10A}">
+      <p15:sldGuideLst xmlns:p15="http://schemas.microsoft.com/office/powerpoint/2012/main"/>
+    </p:ext>
+  </p:extLst>
 </p:presentation>
 </file>
 
@@ -280,7 +285,7 @@
           <a:p>
             <a:fld id="{11A1DDC2-9279-4E20-B66E-447FAB20CB64}" type="datetimeFigureOut">
               <a:rPr lang="zh-TW" altLang="en-US" smtClean="0"/>
-              <a:t>2018/4/10</a:t>
+              <a:t>2018/4/24</a:t>
             </a:fld>
             <a:endParaRPr lang="zh-TW" altLang="en-US"/>
           </a:p>
@@ -592,7 +597,7 @@
           <a:p>
             <a:fld id="{11A1DDC2-9279-4E20-B66E-447FAB20CB64}" type="datetimeFigureOut">
               <a:rPr lang="zh-TW" altLang="en-US" smtClean="0"/>
-              <a:t>2018/4/10</a:t>
+              <a:t>2018/4/24</a:t>
             </a:fld>
             <a:endParaRPr lang="zh-TW" altLang="en-US"/>
           </a:p>
@@ -814,7 +819,7 @@
           <a:p>
             <a:fld id="{11A1DDC2-9279-4E20-B66E-447FAB20CB64}" type="datetimeFigureOut">
               <a:rPr lang="zh-TW" altLang="en-US" smtClean="0"/>
-              <a:t>2018/4/10</a:t>
+              <a:t>2018/4/24</a:t>
             </a:fld>
             <a:endParaRPr lang="zh-TW" altLang="en-US"/>
           </a:p>
@@ -1105,7 +1110,7 @@
           <a:p>
             <a:fld id="{11A1DDC2-9279-4E20-B66E-447FAB20CB64}" type="datetimeFigureOut">
               <a:rPr lang="zh-TW" altLang="en-US" smtClean="0"/>
-              <a:t>2018/4/10</a:t>
+              <a:t>2018/4/24</a:t>
             </a:fld>
             <a:endParaRPr lang="zh-TW" altLang="en-US"/>
           </a:p>
@@ -1559,7 +1564,7 @@
           <a:p>
             <a:fld id="{11A1DDC2-9279-4E20-B66E-447FAB20CB64}" type="datetimeFigureOut">
               <a:rPr lang="zh-TW" altLang="en-US" smtClean="0"/>
-              <a:t>2018/4/10</a:t>
+              <a:t>2018/4/24</a:t>
             </a:fld>
             <a:endParaRPr lang="zh-TW" altLang="en-US"/>
           </a:p>
@@ -2135,7 +2140,7 @@
           <a:p>
             <a:fld id="{11A1DDC2-9279-4E20-B66E-447FAB20CB64}" type="datetimeFigureOut">
               <a:rPr lang="zh-TW" altLang="en-US" smtClean="0"/>
-              <a:t>2018/4/10</a:t>
+              <a:t>2018/4/24</a:t>
             </a:fld>
             <a:endParaRPr lang="zh-TW" altLang="en-US"/>
           </a:p>
@@ -2987,7 +2992,7 @@
           <a:p>
             <a:fld id="{11A1DDC2-9279-4E20-B66E-447FAB20CB64}" type="datetimeFigureOut">
               <a:rPr lang="zh-TW" altLang="en-US" smtClean="0"/>
-              <a:t>2018/4/10</a:t>
+              <a:t>2018/4/24</a:t>
             </a:fld>
             <a:endParaRPr lang="zh-TW" altLang="en-US"/>
           </a:p>
@@ -3192,7 +3197,7 @@
           <a:p>
             <a:fld id="{11A1DDC2-9279-4E20-B66E-447FAB20CB64}" type="datetimeFigureOut">
               <a:rPr lang="zh-TW" altLang="en-US" smtClean="0"/>
-              <a:t>2018/4/10</a:t>
+              <a:t>2018/4/24</a:t>
             </a:fld>
             <a:endParaRPr lang="zh-TW" altLang="en-US"/>
           </a:p>
@@ -3406,7 +3411,7 @@
           <a:p>
             <a:fld id="{11A1DDC2-9279-4E20-B66E-447FAB20CB64}" type="datetimeFigureOut">
               <a:rPr lang="zh-TW" altLang="en-US" smtClean="0"/>
-              <a:t>2018/4/10</a:t>
+              <a:t>2018/4/24</a:t>
             </a:fld>
             <a:endParaRPr lang="zh-TW" altLang="en-US"/>
           </a:p>
@@ -3611,7 +3616,7 @@
           <a:p>
             <a:fld id="{11A1DDC2-9279-4E20-B66E-447FAB20CB64}" type="datetimeFigureOut">
               <a:rPr lang="zh-TW" altLang="en-US" smtClean="0"/>
-              <a:t>2018/4/10</a:t>
+              <a:t>2018/4/24</a:t>
             </a:fld>
             <a:endParaRPr lang="zh-TW" altLang="en-US"/>
           </a:p>
@@ -3891,7 +3896,7 @@
           <a:p>
             <a:fld id="{11A1DDC2-9279-4E20-B66E-447FAB20CB64}" type="datetimeFigureOut">
               <a:rPr lang="zh-TW" altLang="en-US" smtClean="0"/>
-              <a:t>2018/4/10</a:t>
+              <a:t>2018/4/24</a:t>
             </a:fld>
             <a:endParaRPr lang="zh-TW" altLang="en-US"/>
           </a:p>
@@ -4158,7 +4163,7 @@
           <a:p>
             <a:fld id="{11A1DDC2-9279-4E20-B66E-447FAB20CB64}" type="datetimeFigureOut">
               <a:rPr lang="zh-TW" altLang="en-US" smtClean="0"/>
-              <a:t>2018/4/10</a:t>
+              <a:t>2018/4/24</a:t>
             </a:fld>
             <a:endParaRPr lang="zh-TW" altLang="en-US"/>
           </a:p>
@@ -4573,7 +4578,7 @@
           <a:p>
             <a:fld id="{11A1DDC2-9279-4E20-B66E-447FAB20CB64}" type="datetimeFigureOut">
               <a:rPr lang="zh-TW" altLang="en-US" smtClean="0"/>
-              <a:t>2018/4/10</a:t>
+              <a:t>2018/4/24</a:t>
             </a:fld>
             <a:endParaRPr lang="zh-TW" altLang="en-US"/>
           </a:p>
@@ -4721,7 +4726,7 @@
           <a:p>
             <a:fld id="{11A1DDC2-9279-4E20-B66E-447FAB20CB64}" type="datetimeFigureOut">
               <a:rPr lang="zh-TW" altLang="en-US" smtClean="0"/>
-              <a:t>2018/4/10</a:t>
+              <a:t>2018/4/24</a:t>
             </a:fld>
             <a:endParaRPr lang="zh-TW" altLang="en-US"/>
           </a:p>
@@ -4846,7 +4851,7 @@
           <a:p>
             <a:fld id="{11A1DDC2-9279-4E20-B66E-447FAB20CB64}" type="datetimeFigureOut">
               <a:rPr lang="zh-TW" altLang="en-US" smtClean="0"/>
-              <a:t>2018/4/10</a:t>
+              <a:t>2018/4/24</a:t>
             </a:fld>
             <a:endParaRPr lang="zh-TW" altLang="en-US"/>
           </a:p>
@@ -5125,7 +5130,7 @@
           <a:p>
             <a:fld id="{11A1DDC2-9279-4E20-B66E-447FAB20CB64}" type="datetimeFigureOut">
               <a:rPr lang="zh-TW" altLang="en-US" smtClean="0"/>
-              <a:t>2018/4/10</a:t>
+              <a:t>2018/4/24</a:t>
             </a:fld>
             <a:endParaRPr lang="zh-TW" altLang="en-US"/>
           </a:p>
@@ -5437,7 +5442,7 @@
           <a:p>
             <a:fld id="{11A1DDC2-9279-4E20-B66E-447FAB20CB64}" type="datetimeFigureOut">
               <a:rPr lang="zh-TW" altLang="en-US" smtClean="0"/>
-              <a:t>2018/4/10</a:t>
+              <a:t>2018/4/24</a:t>
             </a:fld>
             <a:endParaRPr lang="zh-TW" altLang="en-US"/>
           </a:p>
@@ -5690,7 +5695,7 @@
           <a:p>
             <a:fld id="{11A1DDC2-9279-4E20-B66E-447FAB20CB64}" type="datetimeFigureOut">
               <a:rPr lang="zh-TW" altLang="en-US" smtClean="0"/>
-              <a:t>2018/4/10</a:t>
+              <a:t>2018/4/24</a:t>
             </a:fld>
             <a:endParaRPr lang="zh-TW" altLang="en-US"/>
           </a:p>
@@ -6144,22 +6149,21 @@
             <p:ph type="ctrTitle"/>
           </p:nvPr>
         </p:nvSpPr>
-        <p:spPr/>
-        <p:txBody>
-          <a:bodyPr/>
+        <p:spPr>
+          <a:xfrm>
+            <a:off x="1751012" y="1300786"/>
+            <a:ext cx="8689976" cy="880712"/>
+          </a:xfrm>
+        </p:spPr>
+        <p:txBody>
+          <a:bodyPr>
+            <a:normAutofit/>
+          </a:bodyPr>
           <a:lstStyle/>
           <a:p>
             <a:r>
               <a:rPr lang="zh-TW" altLang="en-US" dirty="0" smtClean="0"/>
-              <a:t>資工二 </a:t>
-            </a:r>
-            <a:r>
-              <a:rPr lang="en-US" altLang="zh-TW" dirty="0" smtClean="0"/>
-              <a:t>105590031</a:t>
-            </a:r>
-            <a:r>
-              <a:rPr lang="zh-TW" altLang="en-US" dirty="0" smtClean="0"/>
-              <a:t> 李朝勳</a:t>
+              <a:t>前端工程設計與開發期中專題</a:t>
             </a:r>
             <a:endParaRPr lang="zh-TW" altLang="en-US" dirty="0"/>
           </a:p>
@@ -6181,7 +6185,7 @@
         </p:blipFill>
         <p:spPr>
           <a:xfrm>
-            <a:off x="5950132" y="4285047"/>
+            <a:off x="5351416" y="2801026"/>
             <a:ext cx="1703391" cy="476544"/>
           </a:xfrm>
           <a:prstGeom prst="rect">
@@ -6211,7 +6215,7 @@
         </p:blipFill>
         <p:spPr>
           <a:xfrm>
-            <a:off x="5368835" y="4180294"/>
+            <a:off x="4749072" y="2696273"/>
             <a:ext cx="581297" cy="581297"/>
           </a:xfrm>
           <a:prstGeom prst="rect">
@@ -6235,7 +6239,7 @@
         </p:blipFill>
         <p:spPr>
           <a:xfrm>
-            <a:off x="2874418" y="4202305"/>
+            <a:off x="2254655" y="2718284"/>
             <a:ext cx="2494417" cy="559286"/>
           </a:xfrm>
           <a:prstGeom prst="rect">
@@ -6243,6 +6247,113 @@
           </a:prstGeom>
         </p:spPr>
       </p:pic>
+      <p:sp>
+        <p:nvSpPr>
+          <p:cNvPr id="6" name="標題 1"/>
+          <p:cNvSpPr txBox="1">
+            <a:spLocks/>
+          </p:cNvSpPr>
+          <p:nvPr/>
+        </p:nvSpPr>
+        <p:spPr>
+          <a:xfrm>
+            <a:off x="5434147" y="4395656"/>
+            <a:ext cx="5477103" cy="880712"/>
+          </a:xfrm>
+          <a:prstGeom prst="rect">
+            <a:avLst/>
+          </a:prstGeom>
+        </p:spPr>
+        <p:txBody>
+          <a:bodyPr vert="horz" lIns="91440" tIns="45720" rIns="91440" bIns="45720" rtlCol="0" anchor="b">
+            <a:normAutofit/>
+          </a:bodyPr>
+          <a:lstStyle>
+            <a:lvl1pPr algn="ctr" defTabSz="914400" rtl="0" eaLnBrk="1" latinLnBrk="0" hangingPunct="1">
+              <a:lnSpc>
+                <a:spcPct val="90000"/>
+              </a:lnSpc>
+              <a:spcBef>
+                <a:spcPct val="0"/>
+              </a:spcBef>
+              <a:buNone/>
+              <a:defRPr sz="4800" kern="1200" cap="all" baseline="0">
+                <a:solidFill>
+                  <a:schemeClr val="tx1"/>
+                </a:solidFill>
+                <a:effectLst/>
+                <a:latin typeface="+mj-lt"/>
+                <a:ea typeface="+mj-ea"/>
+                <a:cs typeface="+mj-cs"/>
+              </a:defRPr>
+            </a:lvl1pPr>
+          </a:lstStyle>
+          <a:p>
+            <a:r>
+              <a:rPr lang="zh-TW" altLang="en-US" sz="2800" dirty="0" smtClean="0">
+                <a:latin typeface="+mn-ea"/>
+                <a:ea typeface="+mn-ea"/>
+              </a:rPr>
+              <a:t>資工二 </a:t>
+            </a:r>
+            <a:r>
+              <a:rPr lang="en-US" altLang="zh-TW" sz="2800" dirty="0" smtClean="0">
+                <a:latin typeface="+mn-ea"/>
+                <a:ea typeface="+mn-ea"/>
+              </a:rPr>
+              <a:t>105590031</a:t>
+            </a:r>
+            <a:r>
+              <a:rPr lang="zh-TW" altLang="en-US" sz="2800" dirty="0" smtClean="0">
+                <a:latin typeface="+mn-ea"/>
+                <a:ea typeface="+mn-ea"/>
+              </a:rPr>
+              <a:t> 李朝勳</a:t>
+            </a:r>
+            <a:endParaRPr lang="en-US" altLang="zh-TW" sz="2800" dirty="0" smtClean="0">
+              <a:latin typeface="+mn-ea"/>
+              <a:ea typeface="+mn-ea"/>
+            </a:endParaRPr>
+          </a:p>
+          <a:p>
+            <a:r>
+              <a:rPr lang="zh-TW" altLang="en-US" sz="2800" dirty="0" smtClean="0">
+                <a:latin typeface="+mn-ea"/>
+                <a:ea typeface="+mn-ea"/>
+              </a:rPr>
+              <a:t>資工二</a:t>
+            </a:r>
+            <a:r>
+              <a:rPr lang="zh-TW" altLang="en-US" sz="2800" dirty="0">
+                <a:latin typeface="+mn-ea"/>
+                <a:ea typeface="+mn-ea"/>
+              </a:rPr>
+              <a:t> </a:t>
+            </a:r>
+            <a:r>
+              <a:rPr lang="en-US" altLang="zh-TW" sz="2800" dirty="0" smtClean="0">
+                <a:latin typeface="+mn-ea"/>
+                <a:ea typeface="+mn-ea"/>
+              </a:rPr>
+              <a:t>105590033</a:t>
+            </a:r>
+            <a:r>
+              <a:rPr lang="zh-TW" altLang="en-US" sz="2800" dirty="0" smtClean="0">
+                <a:latin typeface="+mn-ea"/>
+                <a:ea typeface="+mn-ea"/>
+              </a:rPr>
+              <a:t> 許邦</a:t>
+            </a:r>
+            <a:r>
+              <a:rPr lang="zh-TW" altLang="en-US" sz="2800" dirty="0">
+                <a:latin typeface="+mn-ea"/>
+                <a:ea typeface="+mn-ea"/>
+              </a:rPr>
+              <a:t>毅</a:t>
+            </a:r>
+          </a:p>
+        </p:txBody>
+      </p:sp>
     </p:spTree>
     <p:extLst>
       <p:ext uri="{BB962C8B-B14F-4D97-AF65-F5344CB8AC3E}">

--- a/前端網頁導覽版面設計.pptx
+++ b/前端網頁導覽版面設計.pptx
@@ -8,6 +8,14 @@
     <p:sldId id="256" r:id="rId2"/>
     <p:sldId id="257" r:id="rId3"/>
     <p:sldId id="258" r:id="rId4"/>
+    <p:sldId id="259" r:id="rId5"/>
+    <p:sldId id="260" r:id="rId6"/>
+    <p:sldId id="261" r:id="rId7"/>
+    <p:sldId id="262" r:id="rId8"/>
+    <p:sldId id="263" r:id="rId9"/>
+    <p:sldId id="264" r:id="rId10"/>
+    <p:sldId id="265" r:id="rId11"/>
+    <p:sldId id="266" r:id="rId12"/>
   </p:sldIdLst>
   <p:sldSz cx="12192000" cy="6858000"/>
   <p:notesSz cx="6858000" cy="9144000"/>
@@ -6157,13 +6165,13 @@
         </p:spPr>
         <p:txBody>
           <a:bodyPr>
-            <a:normAutofit/>
+            <a:normAutofit fontScale="90000"/>
           </a:bodyPr>
           <a:lstStyle/>
           <a:p>
             <a:r>
               <a:rPr lang="zh-TW" altLang="en-US" dirty="0" smtClean="0"/>
-              <a:t>前端工程設計與開發期中專題</a:t>
+              <a:t>前端工程設計與開發期中專題導覽</a:t>
             </a:r>
             <a:endParaRPr lang="zh-TW" altLang="en-US" dirty="0"/>
           </a:p>
@@ -6358,6 +6366,2360 @@
     <p:extLst>
       <p:ext uri="{BB962C8B-B14F-4D97-AF65-F5344CB8AC3E}">
         <p14:creationId xmlns:p14="http://schemas.microsoft.com/office/powerpoint/2010/main" val="3863016705"/>
+      </p:ext>
+    </p:extLst>
+  </p:cSld>
+  <p:clrMapOvr>
+    <a:masterClrMapping/>
+  </p:clrMapOvr>
+  <p:timing>
+    <p:tnLst>
+      <p:par>
+        <p:cTn id="1" dur="indefinite" restart="never" nodeType="tmRoot"/>
+      </p:par>
+    </p:tnLst>
+  </p:timing>
+</p:sld>
+</file>
+
+<file path=ppt/slides/slide10.xml><?xml version="1.0" encoding="utf-8"?>
+<p:sld xmlns:a="http://schemas.openxmlformats.org/drawingml/2006/main" xmlns:r="http://schemas.openxmlformats.org/officeDocument/2006/relationships" xmlns:p="http://schemas.openxmlformats.org/presentationml/2006/main">
+  <p:cSld>
+    <p:spTree>
+      <p:nvGrpSpPr>
+        <p:cNvPr id="1" name=""/>
+        <p:cNvGrpSpPr/>
+        <p:nvPr/>
+      </p:nvGrpSpPr>
+      <p:grpSpPr>
+        <a:xfrm>
+          <a:off x="0" y="0"/>
+          <a:ext cx="0" cy="0"/>
+          <a:chOff x="0" y="0"/>
+          <a:chExt cx="0" cy="0"/>
+        </a:xfrm>
+      </p:grpSpPr>
+      <p:pic>
+        <p:nvPicPr>
+          <p:cNvPr id="2" name="圖片 1"/>
+          <p:cNvPicPr>
+            <a:picLocks noChangeAspect="1"/>
+          </p:cNvPicPr>
+          <p:nvPr/>
+        </p:nvPicPr>
+        <p:blipFill>
+          <a:blip r:embed="rId2">
+            <a:extLst>
+              <a:ext uri="{28A0092B-C50C-407E-A947-70E740481C1C}">
+                <a14:useLocalDpi xmlns:a14="http://schemas.microsoft.com/office/drawing/2010/main" val="0"/>
+              </a:ext>
+            </a:extLst>
+          </a:blip>
+          <a:stretch>
+            <a:fillRect/>
+          </a:stretch>
+        </p:blipFill>
+        <p:spPr>
+          <a:xfrm>
+            <a:off x="385133" y="0"/>
+            <a:ext cx="6550925" cy="6858000"/>
+          </a:xfrm>
+          <a:prstGeom prst="rect">
+            <a:avLst/>
+          </a:prstGeom>
+        </p:spPr>
+      </p:pic>
+      <p:sp>
+        <p:nvSpPr>
+          <p:cNvPr id="5" name="橢圓 4"/>
+          <p:cNvSpPr/>
+          <p:nvPr/>
+        </p:nvSpPr>
+        <p:spPr>
+          <a:xfrm>
+            <a:off x="5143832" y="368127"/>
+            <a:ext cx="226577" cy="218485"/>
+          </a:xfrm>
+          <a:prstGeom prst="ellipse">
+            <a:avLst/>
+          </a:prstGeom>
+        </p:spPr>
+        <p:style>
+          <a:lnRef idx="2">
+            <a:schemeClr val="accent1">
+              <a:shade val="50000"/>
+            </a:schemeClr>
+          </a:lnRef>
+          <a:fillRef idx="1">
+            <a:schemeClr val="accent1"/>
+          </a:fillRef>
+          <a:effectRef idx="0">
+            <a:schemeClr val="accent1"/>
+          </a:effectRef>
+          <a:fontRef idx="minor">
+            <a:schemeClr val="lt1"/>
+          </a:fontRef>
+        </p:style>
+        <p:txBody>
+          <a:bodyPr rtlCol="0" anchor="ctr"/>
+          <a:lstStyle/>
+          <a:p>
+            <a:pPr algn="ctr"/>
+            <a:r>
+              <a:rPr lang="en-US" altLang="zh-TW" dirty="0" smtClean="0"/>
+              <a:t>1</a:t>
+            </a:r>
+            <a:endParaRPr lang="zh-TW" altLang="en-US" dirty="0"/>
+          </a:p>
+        </p:txBody>
+      </p:sp>
+      <p:cxnSp>
+        <p:nvCxnSpPr>
+          <p:cNvPr id="7" name="直線單箭頭接點 6"/>
+          <p:cNvCxnSpPr/>
+          <p:nvPr/>
+        </p:nvCxnSpPr>
+        <p:spPr>
+          <a:xfrm>
+            <a:off x="5606426" y="496209"/>
+            <a:ext cx="873940" cy="0"/>
+          </a:xfrm>
+          <a:prstGeom prst="straightConnector1">
+            <a:avLst/>
+          </a:prstGeom>
+          <a:ln>
+            <a:tailEnd type="triangle"/>
+          </a:ln>
+        </p:spPr>
+        <p:style>
+          <a:lnRef idx="1">
+            <a:schemeClr val="accent1"/>
+          </a:lnRef>
+          <a:fillRef idx="0">
+            <a:schemeClr val="accent1"/>
+          </a:fillRef>
+          <a:effectRef idx="0">
+            <a:schemeClr val="accent1"/>
+          </a:effectRef>
+          <a:fontRef idx="minor">
+            <a:schemeClr val="tx1"/>
+          </a:fontRef>
+        </p:style>
+      </p:cxnSp>
+      <p:sp>
+        <p:nvSpPr>
+          <p:cNvPr id="9" name="文字方塊 8"/>
+          <p:cNvSpPr txBox="1"/>
+          <p:nvPr/>
+        </p:nvSpPr>
+        <p:spPr>
+          <a:xfrm>
+            <a:off x="6480366" y="311543"/>
+            <a:ext cx="1116702" cy="369332"/>
+          </a:xfrm>
+          <a:prstGeom prst="rect">
+            <a:avLst/>
+          </a:prstGeom>
+          <a:noFill/>
+        </p:spPr>
+        <p:txBody>
+          <a:bodyPr wrap="square" rtlCol="0">
+            <a:spAutoFit/>
+          </a:bodyPr>
+          <a:lstStyle/>
+          <a:p>
+            <a:r>
+              <a:rPr lang="zh-TW" altLang="en-US" dirty="0" smtClean="0"/>
+              <a:t>主導覽列</a:t>
+            </a:r>
+            <a:endParaRPr lang="zh-TW" altLang="en-US" dirty="0"/>
+          </a:p>
+        </p:txBody>
+      </p:sp>
+      <p:sp>
+        <p:nvSpPr>
+          <p:cNvPr id="11" name="橢圓 10"/>
+          <p:cNvSpPr/>
+          <p:nvPr/>
+        </p:nvSpPr>
+        <p:spPr>
+          <a:xfrm>
+            <a:off x="2877930" y="1860043"/>
+            <a:ext cx="226577" cy="218485"/>
+          </a:xfrm>
+          <a:prstGeom prst="ellipse">
+            <a:avLst/>
+          </a:prstGeom>
+        </p:spPr>
+        <p:style>
+          <a:lnRef idx="2">
+            <a:schemeClr val="accent1">
+              <a:shade val="50000"/>
+            </a:schemeClr>
+          </a:lnRef>
+          <a:fillRef idx="1">
+            <a:schemeClr val="accent1"/>
+          </a:fillRef>
+          <a:effectRef idx="0">
+            <a:schemeClr val="accent1"/>
+          </a:effectRef>
+          <a:fontRef idx="minor">
+            <a:schemeClr val="lt1"/>
+          </a:fontRef>
+        </p:style>
+        <p:txBody>
+          <a:bodyPr rtlCol="0" anchor="ctr"/>
+          <a:lstStyle/>
+          <a:p>
+            <a:pPr algn="ctr"/>
+            <a:r>
+              <a:rPr lang="en-US" altLang="zh-TW" dirty="0"/>
+              <a:t>2</a:t>
+            </a:r>
+            <a:endParaRPr lang="zh-TW" altLang="en-US" dirty="0"/>
+          </a:p>
+        </p:txBody>
+      </p:sp>
+      <p:sp>
+        <p:nvSpPr>
+          <p:cNvPr id="18" name="橢圓 17"/>
+          <p:cNvSpPr/>
+          <p:nvPr/>
+        </p:nvSpPr>
+        <p:spPr>
+          <a:xfrm>
+            <a:off x="3870989" y="5898809"/>
+            <a:ext cx="226577" cy="218485"/>
+          </a:xfrm>
+          <a:prstGeom prst="ellipse">
+            <a:avLst/>
+          </a:prstGeom>
+        </p:spPr>
+        <p:style>
+          <a:lnRef idx="2">
+            <a:schemeClr val="accent1">
+              <a:shade val="50000"/>
+            </a:schemeClr>
+          </a:lnRef>
+          <a:fillRef idx="1">
+            <a:schemeClr val="accent1"/>
+          </a:fillRef>
+          <a:effectRef idx="0">
+            <a:schemeClr val="accent1"/>
+          </a:effectRef>
+          <a:fontRef idx="minor">
+            <a:schemeClr val="lt1"/>
+          </a:fontRef>
+        </p:style>
+        <p:txBody>
+          <a:bodyPr rtlCol="0" anchor="ctr"/>
+          <a:lstStyle/>
+          <a:p>
+            <a:pPr algn="ctr"/>
+            <a:r>
+              <a:rPr lang="en-US" altLang="zh-TW" dirty="0"/>
+              <a:t>5</a:t>
+            </a:r>
+            <a:endParaRPr lang="zh-TW" altLang="en-US" dirty="0"/>
+          </a:p>
+        </p:txBody>
+      </p:sp>
+      <p:cxnSp>
+        <p:nvCxnSpPr>
+          <p:cNvPr id="21" name="直線單箭頭接點 20"/>
+          <p:cNvCxnSpPr/>
+          <p:nvPr/>
+        </p:nvCxnSpPr>
+        <p:spPr>
+          <a:xfrm>
+            <a:off x="3223626" y="1969285"/>
+            <a:ext cx="873940" cy="0"/>
+          </a:xfrm>
+          <a:prstGeom prst="straightConnector1">
+            <a:avLst/>
+          </a:prstGeom>
+          <a:ln>
+            <a:tailEnd type="triangle"/>
+          </a:ln>
+        </p:spPr>
+        <p:style>
+          <a:lnRef idx="1">
+            <a:schemeClr val="accent1"/>
+          </a:lnRef>
+          <a:fillRef idx="0">
+            <a:schemeClr val="accent1"/>
+          </a:fillRef>
+          <a:effectRef idx="0">
+            <a:schemeClr val="accent1"/>
+          </a:effectRef>
+          <a:fontRef idx="minor">
+            <a:schemeClr val="tx1"/>
+          </a:fontRef>
+        </p:style>
+      </p:cxnSp>
+      <p:cxnSp>
+        <p:nvCxnSpPr>
+          <p:cNvPr id="25" name="直線單箭頭接點 24"/>
+          <p:cNvCxnSpPr/>
+          <p:nvPr/>
+        </p:nvCxnSpPr>
+        <p:spPr>
+          <a:xfrm>
+            <a:off x="4163345" y="6008051"/>
+            <a:ext cx="873940" cy="0"/>
+          </a:xfrm>
+          <a:prstGeom prst="straightConnector1">
+            <a:avLst/>
+          </a:prstGeom>
+          <a:ln>
+            <a:tailEnd type="triangle"/>
+          </a:ln>
+        </p:spPr>
+        <p:style>
+          <a:lnRef idx="1">
+            <a:schemeClr val="accent1"/>
+          </a:lnRef>
+          <a:fillRef idx="0">
+            <a:schemeClr val="accent1"/>
+          </a:fillRef>
+          <a:effectRef idx="0">
+            <a:schemeClr val="accent1"/>
+          </a:effectRef>
+          <a:fontRef idx="minor">
+            <a:schemeClr val="tx1"/>
+          </a:fontRef>
+        </p:style>
+      </p:cxnSp>
+      <p:cxnSp>
+        <p:nvCxnSpPr>
+          <p:cNvPr id="26" name="直線單箭頭接點 25"/>
+          <p:cNvCxnSpPr/>
+          <p:nvPr/>
+        </p:nvCxnSpPr>
+        <p:spPr>
+          <a:xfrm>
+            <a:off x="5531515" y="6689482"/>
+            <a:ext cx="873940" cy="0"/>
+          </a:xfrm>
+          <a:prstGeom prst="straightConnector1">
+            <a:avLst/>
+          </a:prstGeom>
+          <a:ln>
+            <a:tailEnd type="triangle"/>
+          </a:ln>
+        </p:spPr>
+        <p:style>
+          <a:lnRef idx="1">
+            <a:schemeClr val="accent1"/>
+          </a:lnRef>
+          <a:fillRef idx="0">
+            <a:schemeClr val="accent1"/>
+          </a:fillRef>
+          <a:effectRef idx="0">
+            <a:schemeClr val="accent1"/>
+          </a:effectRef>
+          <a:fontRef idx="minor">
+            <a:schemeClr val="tx1"/>
+          </a:fontRef>
+        </p:style>
+      </p:cxnSp>
+      <p:sp>
+        <p:nvSpPr>
+          <p:cNvPr id="28" name="文字方塊 27"/>
+          <p:cNvSpPr txBox="1"/>
+          <p:nvPr/>
+        </p:nvSpPr>
+        <p:spPr>
+          <a:xfrm>
+            <a:off x="4163345" y="1724677"/>
+            <a:ext cx="2242844" cy="369332"/>
+          </a:xfrm>
+          <a:prstGeom prst="rect">
+            <a:avLst/>
+          </a:prstGeom>
+          <a:noFill/>
+        </p:spPr>
+        <p:txBody>
+          <a:bodyPr wrap="square" rtlCol="0">
+            <a:spAutoFit/>
+          </a:bodyPr>
+          <a:lstStyle/>
+          <a:p>
+            <a:r>
+              <a:rPr lang="zh-TW" altLang="en-US" dirty="0" smtClean="0"/>
+              <a:t>課程講師</a:t>
+            </a:r>
+            <a:endParaRPr lang="zh-TW" altLang="en-US" dirty="0"/>
+          </a:p>
+        </p:txBody>
+      </p:sp>
+      <p:sp>
+        <p:nvSpPr>
+          <p:cNvPr id="34" name="文字方塊 33"/>
+          <p:cNvSpPr txBox="1"/>
+          <p:nvPr/>
+        </p:nvSpPr>
+        <p:spPr>
+          <a:xfrm>
+            <a:off x="6405455" y="6488668"/>
+            <a:ext cx="1861168" cy="369332"/>
+          </a:xfrm>
+          <a:prstGeom prst="rect">
+            <a:avLst/>
+          </a:prstGeom>
+          <a:noFill/>
+        </p:spPr>
+        <p:txBody>
+          <a:bodyPr wrap="square" rtlCol="0">
+            <a:spAutoFit/>
+          </a:bodyPr>
+          <a:lstStyle/>
+          <a:p>
+            <a:r>
+              <a:rPr lang="zh-TW" altLang="en-US" dirty="0" smtClean="0"/>
+              <a:t>頁尾及相關資訊</a:t>
+            </a:r>
+            <a:endParaRPr lang="zh-TW" altLang="en-US" dirty="0"/>
+          </a:p>
+        </p:txBody>
+      </p:sp>
+      <p:sp>
+        <p:nvSpPr>
+          <p:cNvPr id="35" name="橢圓 34"/>
+          <p:cNvSpPr/>
+          <p:nvPr/>
+        </p:nvSpPr>
+        <p:spPr>
+          <a:xfrm>
+            <a:off x="9126468" y="296606"/>
+            <a:ext cx="226577" cy="218485"/>
+          </a:xfrm>
+          <a:prstGeom prst="ellipse">
+            <a:avLst/>
+          </a:prstGeom>
+        </p:spPr>
+        <p:style>
+          <a:lnRef idx="2">
+            <a:schemeClr val="accent1">
+              <a:shade val="50000"/>
+            </a:schemeClr>
+          </a:lnRef>
+          <a:fillRef idx="1">
+            <a:schemeClr val="accent1"/>
+          </a:fillRef>
+          <a:effectRef idx="0">
+            <a:schemeClr val="accent1"/>
+          </a:effectRef>
+          <a:fontRef idx="minor">
+            <a:schemeClr val="lt1"/>
+          </a:fontRef>
+        </p:style>
+        <p:txBody>
+          <a:bodyPr rtlCol="0" anchor="ctr"/>
+          <a:lstStyle/>
+          <a:p>
+            <a:pPr algn="ctr"/>
+            <a:r>
+              <a:rPr lang="en-US" altLang="zh-TW" dirty="0" smtClean="0"/>
+              <a:t>1</a:t>
+            </a:r>
+            <a:endParaRPr lang="zh-TW" altLang="en-US" dirty="0"/>
+          </a:p>
+        </p:txBody>
+      </p:sp>
+      <p:sp>
+        <p:nvSpPr>
+          <p:cNvPr id="36" name="橢圓 35"/>
+          <p:cNvSpPr/>
+          <p:nvPr/>
+        </p:nvSpPr>
+        <p:spPr>
+          <a:xfrm>
+            <a:off x="9126464" y="842300"/>
+            <a:ext cx="226577" cy="218485"/>
+          </a:xfrm>
+          <a:prstGeom prst="ellipse">
+            <a:avLst/>
+          </a:prstGeom>
+        </p:spPr>
+        <p:style>
+          <a:lnRef idx="2">
+            <a:schemeClr val="accent1">
+              <a:shade val="50000"/>
+            </a:schemeClr>
+          </a:lnRef>
+          <a:fillRef idx="1">
+            <a:schemeClr val="accent1"/>
+          </a:fillRef>
+          <a:effectRef idx="0">
+            <a:schemeClr val="accent1"/>
+          </a:effectRef>
+          <a:fontRef idx="minor">
+            <a:schemeClr val="lt1"/>
+          </a:fontRef>
+        </p:style>
+        <p:txBody>
+          <a:bodyPr rtlCol="0" anchor="ctr"/>
+          <a:lstStyle/>
+          <a:p>
+            <a:pPr algn="ctr"/>
+            <a:r>
+              <a:rPr lang="en-US" altLang="zh-TW" dirty="0"/>
+              <a:t>2</a:t>
+            </a:r>
+            <a:endParaRPr lang="zh-TW" altLang="en-US" dirty="0"/>
+          </a:p>
+        </p:txBody>
+      </p:sp>
+      <p:sp>
+        <p:nvSpPr>
+          <p:cNvPr id="37" name="橢圓 36"/>
+          <p:cNvSpPr/>
+          <p:nvPr/>
+        </p:nvSpPr>
+        <p:spPr>
+          <a:xfrm>
+            <a:off x="9126464" y="1358324"/>
+            <a:ext cx="226577" cy="218485"/>
+          </a:xfrm>
+          <a:prstGeom prst="ellipse">
+            <a:avLst/>
+          </a:prstGeom>
+        </p:spPr>
+        <p:style>
+          <a:lnRef idx="2">
+            <a:schemeClr val="accent1">
+              <a:shade val="50000"/>
+            </a:schemeClr>
+          </a:lnRef>
+          <a:fillRef idx="1">
+            <a:schemeClr val="accent1"/>
+          </a:fillRef>
+          <a:effectRef idx="0">
+            <a:schemeClr val="accent1"/>
+          </a:effectRef>
+          <a:fontRef idx="minor">
+            <a:schemeClr val="lt1"/>
+          </a:fontRef>
+        </p:style>
+        <p:txBody>
+          <a:bodyPr rtlCol="0" anchor="ctr"/>
+          <a:lstStyle/>
+          <a:p>
+            <a:pPr algn="ctr"/>
+            <a:r>
+              <a:rPr lang="en-US" altLang="zh-TW" dirty="0"/>
+              <a:t>3</a:t>
+            </a:r>
+            <a:endParaRPr lang="zh-TW" altLang="en-US" dirty="0"/>
+          </a:p>
+        </p:txBody>
+      </p:sp>
+      <p:sp>
+        <p:nvSpPr>
+          <p:cNvPr id="38" name="橢圓 37"/>
+          <p:cNvSpPr/>
+          <p:nvPr/>
+        </p:nvSpPr>
+        <p:spPr>
+          <a:xfrm>
+            <a:off x="9126464" y="1913820"/>
+            <a:ext cx="226577" cy="218485"/>
+          </a:xfrm>
+          <a:prstGeom prst="ellipse">
+            <a:avLst/>
+          </a:prstGeom>
+        </p:spPr>
+        <p:style>
+          <a:lnRef idx="2">
+            <a:schemeClr val="accent1">
+              <a:shade val="50000"/>
+            </a:schemeClr>
+          </a:lnRef>
+          <a:fillRef idx="1">
+            <a:schemeClr val="accent1"/>
+          </a:fillRef>
+          <a:effectRef idx="0">
+            <a:schemeClr val="accent1"/>
+          </a:effectRef>
+          <a:fontRef idx="minor">
+            <a:schemeClr val="lt1"/>
+          </a:fontRef>
+        </p:style>
+        <p:txBody>
+          <a:bodyPr rtlCol="0" anchor="ctr"/>
+          <a:lstStyle/>
+          <a:p>
+            <a:pPr algn="ctr"/>
+            <a:r>
+              <a:rPr lang="en-US" altLang="zh-TW" dirty="0"/>
+              <a:t>4</a:t>
+            </a:r>
+            <a:endParaRPr lang="zh-TW" altLang="en-US" dirty="0"/>
+          </a:p>
+        </p:txBody>
+      </p:sp>
+      <p:sp>
+        <p:nvSpPr>
+          <p:cNvPr id="39" name="橢圓 38"/>
+          <p:cNvSpPr/>
+          <p:nvPr/>
+        </p:nvSpPr>
+        <p:spPr>
+          <a:xfrm>
+            <a:off x="9126464" y="2463345"/>
+            <a:ext cx="226577" cy="218485"/>
+          </a:xfrm>
+          <a:prstGeom prst="ellipse">
+            <a:avLst/>
+          </a:prstGeom>
+        </p:spPr>
+        <p:style>
+          <a:lnRef idx="2">
+            <a:schemeClr val="accent1">
+              <a:shade val="50000"/>
+            </a:schemeClr>
+          </a:lnRef>
+          <a:fillRef idx="1">
+            <a:schemeClr val="accent1"/>
+          </a:fillRef>
+          <a:effectRef idx="0">
+            <a:schemeClr val="accent1"/>
+          </a:effectRef>
+          <a:fontRef idx="minor">
+            <a:schemeClr val="lt1"/>
+          </a:fontRef>
+        </p:style>
+        <p:txBody>
+          <a:bodyPr rtlCol="0" anchor="ctr"/>
+          <a:lstStyle/>
+          <a:p>
+            <a:pPr algn="ctr"/>
+            <a:r>
+              <a:rPr lang="en-US" altLang="zh-TW" dirty="0"/>
+              <a:t>5</a:t>
+            </a:r>
+            <a:endParaRPr lang="zh-TW" altLang="en-US" dirty="0"/>
+          </a:p>
+        </p:txBody>
+      </p:sp>
+      <p:sp>
+        <p:nvSpPr>
+          <p:cNvPr id="41" name="文字方塊 40"/>
+          <p:cNvSpPr txBox="1"/>
+          <p:nvPr/>
+        </p:nvSpPr>
+        <p:spPr>
+          <a:xfrm>
+            <a:off x="9409688" y="236119"/>
+            <a:ext cx="1116702" cy="369332"/>
+          </a:xfrm>
+          <a:prstGeom prst="rect">
+            <a:avLst/>
+          </a:prstGeom>
+          <a:noFill/>
+        </p:spPr>
+        <p:txBody>
+          <a:bodyPr wrap="square" rtlCol="0">
+            <a:spAutoFit/>
+          </a:bodyPr>
+          <a:lstStyle/>
+          <a:p>
+            <a:r>
+              <a:rPr lang="zh-TW" altLang="en-US" dirty="0" smtClean="0"/>
+              <a:t>主導覽</a:t>
+            </a:r>
+            <a:r>
+              <a:rPr lang="zh-TW" altLang="en-US" dirty="0"/>
+              <a:t>列</a:t>
+            </a:r>
+            <a:endParaRPr lang="zh-TW" altLang="en-US" dirty="0"/>
+          </a:p>
+        </p:txBody>
+      </p:sp>
+      <p:sp>
+        <p:nvSpPr>
+          <p:cNvPr id="46" name="文字方塊 45"/>
+          <p:cNvSpPr txBox="1"/>
+          <p:nvPr/>
+        </p:nvSpPr>
+        <p:spPr>
+          <a:xfrm>
+            <a:off x="9409688" y="766876"/>
+            <a:ext cx="2391015" cy="369332"/>
+          </a:xfrm>
+          <a:prstGeom prst="rect">
+            <a:avLst/>
+          </a:prstGeom>
+          <a:noFill/>
+        </p:spPr>
+        <p:txBody>
+          <a:bodyPr wrap="square" rtlCol="0">
+            <a:spAutoFit/>
+          </a:bodyPr>
+          <a:lstStyle/>
+          <a:p>
+            <a:r>
+              <a:rPr lang="zh-TW" altLang="en-US" dirty="0" smtClean="0"/>
+              <a:t>課程講師</a:t>
+            </a:r>
+            <a:endParaRPr lang="zh-TW" altLang="en-US" dirty="0"/>
+          </a:p>
+        </p:txBody>
+      </p:sp>
+      <p:sp>
+        <p:nvSpPr>
+          <p:cNvPr id="47" name="文字方塊 46"/>
+          <p:cNvSpPr txBox="1"/>
+          <p:nvPr/>
+        </p:nvSpPr>
+        <p:spPr>
+          <a:xfrm>
+            <a:off x="9409689" y="1282900"/>
+            <a:ext cx="2391014" cy="646331"/>
+          </a:xfrm>
+          <a:prstGeom prst="rect">
+            <a:avLst/>
+          </a:prstGeom>
+          <a:noFill/>
+        </p:spPr>
+        <p:txBody>
+          <a:bodyPr wrap="square" rtlCol="0">
+            <a:spAutoFit/>
+          </a:bodyPr>
+          <a:lstStyle/>
+          <a:p>
+            <a:r>
+              <a:rPr lang="zh-TW" altLang="en-US" dirty="0" smtClean="0"/>
+              <a:t>主題</a:t>
+            </a:r>
+            <a:r>
+              <a:rPr lang="zh-TW" altLang="en-US" dirty="0"/>
+              <a:t>介紹</a:t>
+            </a:r>
+          </a:p>
+          <a:p>
+            <a:endParaRPr lang="zh-TW" altLang="en-US" dirty="0"/>
+          </a:p>
+        </p:txBody>
+      </p:sp>
+      <p:sp>
+        <p:nvSpPr>
+          <p:cNvPr id="48" name="文字方塊 47"/>
+          <p:cNvSpPr txBox="1"/>
+          <p:nvPr/>
+        </p:nvSpPr>
+        <p:spPr>
+          <a:xfrm>
+            <a:off x="9412785" y="1838396"/>
+            <a:ext cx="1716862" cy="369332"/>
+          </a:xfrm>
+          <a:prstGeom prst="rect">
+            <a:avLst/>
+          </a:prstGeom>
+          <a:noFill/>
+        </p:spPr>
+        <p:txBody>
+          <a:bodyPr wrap="square" rtlCol="0">
+            <a:spAutoFit/>
+          </a:bodyPr>
+          <a:lstStyle/>
+          <a:p>
+            <a:r>
+              <a:rPr lang="zh-TW" altLang="en-US" dirty="0" smtClean="0"/>
+              <a:t>課程大綱</a:t>
+            </a:r>
+            <a:endParaRPr lang="zh-TW" altLang="en-US" dirty="0"/>
+          </a:p>
+        </p:txBody>
+      </p:sp>
+      <p:sp>
+        <p:nvSpPr>
+          <p:cNvPr id="49" name="文字方塊 48"/>
+          <p:cNvSpPr txBox="1"/>
+          <p:nvPr/>
+        </p:nvSpPr>
+        <p:spPr>
+          <a:xfrm>
+            <a:off x="9409688" y="2932656"/>
+            <a:ext cx="2007955" cy="646331"/>
+          </a:xfrm>
+          <a:prstGeom prst="rect">
+            <a:avLst/>
+          </a:prstGeom>
+          <a:noFill/>
+        </p:spPr>
+        <p:txBody>
+          <a:bodyPr wrap="square" rtlCol="0">
+            <a:spAutoFit/>
+          </a:bodyPr>
+          <a:lstStyle/>
+          <a:p>
+            <a:r>
+              <a:rPr lang="zh-TW" altLang="en-US" dirty="0"/>
+              <a:t>頁尾及相關資訊</a:t>
+            </a:r>
+          </a:p>
+          <a:p>
+            <a:endParaRPr lang="zh-TW" altLang="en-US" dirty="0"/>
+          </a:p>
+        </p:txBody>
+      </p:sp>
+      <p:sp>
+        <p:nvSpPr>
+          <p:cNvPr id="54" name="橢圓 53"/>
+          <p:cNvSpPr/>
+          <p:nvPr/>
+        </p:nvSpPr>
+        <p:spPr>
+          <a:xfrm>
+            <a:off x="4942416" y="6583875"/>
+            <a:ext cx="226577" cy="218485"/>
+          </a:xfrm>
+          <a:prstGeom prst="ellipse">
+            <a:avLst/>
+          </a:prstGeom>
+        </p:spPr>
+        <p:style>
+          <a:lnRef idx="2">
+            <a:schemeClr val="accent1">
+              <a:shade val="50000"/>
+            </a:schemeClr>
+          </a:lnRef>
+          <a:fillRef idx="1">
+            <a:schemeClr val="accent1"/>
+          </a:fillRef>
+          <a:effectRef idx="0">
+            <a:schemeClr val="accent1"/>
+          </a:effectRef>
+          <a:fontRef idx="minor">
+            <a:schemeClr val="lt1"/>
+          </a:fontRef>
+        </p:style>
+        <p:txBody>
+          <a:bodyPr rtlCol="0" anchor="ctr"/>
+          <a:lstStyle/>
+          <a:p>
+            <a:pPr algn="ctr"/>
+            <a:r>
+              <a:rPr lang="en-US" altLang="zh-TW" dirty="0"/>
+              <a:t>6</a:t>
+            </a:r>
+            <a:endParaRPr lang="zh-TW" altLang="en-US" dirty="0"/>
+          </a:p>
+        </p:txBody>
+      </p:sp>
+      <p:sp>
+        <p:nvSpPr>
+          <p:cNvPr id="27" name="文字方塊 26"/>
+          <p:cNvSpPr txBox="1"/>
+          <p:nvPr/>
+        </p:nvSpPr>
+        <p:spPr>
+          <a:xfrm>
+            <a:off x="5037285" y="5747364"/>
+            <a:ext cx="1716862" cy="369332"/>
+          </a:xfrm>
+          <a:prstGeom prst="rect">
+            <a:avLst/>
+          </a:prstGeom>
+          <a:noFill/>
+        </p:spPr>
+        <p:txBody>
+          <a:bodyPr wrap="square" rtlCol="0">
+            <a:spAutoFit/>
+          </a:bodyPr>
+          <a:lstStyle/>
+          <a:p>
+            <a:r>
+              <a:rPr lang="zh-TW" altLang="en-US" dirty="0" smtClean="0"/>
+              <a:t>回首頁按鈕</a:t>
+            </a:r>
+            <a:endParaRPr lang="zh-TW" altLang="en-US" dirty="0"/>
+          </a:p>
+        </p:txBody>
+      </p:sp>
+      <p:sp>
+        <p:nvSpPr>
+          <p:cNvPr id="29" name="橢圓 28"/>
+          <p:cNvSpPr/>
+          <p:nvPr/>
+        </p:nvSpPr>
+        <p:spPr>
+          <a:xfrm>
+            <a:off x="5379849" y="2898837"/>
+            <a:ext cx="226577" cy="218485"/>
+          </a:xfrm>
+          <a:prstGeom prst="ellipse">
+            <a:avLst/>
+          </a:prstGeom>
+        </p:spPr>
+        <p:style>
+          <a:lnRef idx="2">
+            <a:schemeClr val="accent1">
+              <a:shade val="50000"/>
+            </a:schemeClr>
+          </a:lnRef>
+          <a:fillRef idx="1">
+            <a:schemeClr val="accent1"/>
+          </a:fillRef>
+          <a:effectRef idx="0">
+            <a:schemeClr val="accent1"/>
+          </a:effectRef>
+          <a:fontRef idx="minor">
+            <a:schemeClr val="lt1"/>
+          </a:fontRef>
+        </p:style>
+        <p:txBody>
+          <a:bodyPr rtlCol="0" anchor="ctr"/>
+          <a:lstStyle/>
+          <a:p>
+            <a:pPr algn="ctr"/>
+            <a:r>
+              <a:rPr lang="en-US" altLang="zh-TW" dirty="0"/>
+              <a:t>3</a:t>
+            </a:r>
+            <a:endParaRPr lang="zh-TW" altLang="en-US" dirty="0"/>
+          </a:p>
+        </p:txBody>
+      </p:sp>
+      <p:cxnSp>
+        <p:nvCxnSpPr>
+          <p:cNvPr id="31" name="直線單箭頭接點 30"/>
+          <p:cNvCxnSpPr/>
+          <p:nvPr/>
+        </p:nvCxnSpPr>
+        <p:spPr>
+          <a:xfrm>
+            <a:off x="5699292" y="3008079"/>
+            <a:ext cx="873940" cy="0"/>
+          </a:xfrm>
+          <a:prstGeom prst="straightConnector1">
+            <a:avLst/>
+          </a:prstGeom>
+          <a:ln>
+            <a:tailEnd type="triangle"/>
+          </a:ln>
+        </p:spPr>
+        <p:style>
+          <a:lnRef idx="1">
+            <a:schemeClr val="accent1"/>
+          </a:lnRef>
+          <a:fillRef idx="0">
+            <a:schemeClr val="accent1"/>
+          </a:fillRef>
+          <a:effectRef idx="0">
+            <a:schemeClr val="accent1"/>
+          </a:effectRef>
+          <a:fontRef idx="minor">
+            <a:schemeClr val="tx1"/>
+          </a:fontRef>
+        </p:style>
+      </p:cxnSp>
+      <p:sp>
+        <p:nvSpPr>
+          <p:cNvPr id="32" name="橢圓 31"/>
+          <p:cNvSpPr/>
+          <p:nvPr/>
+        </p:nvSpPr>
+        <p:spPr>
+          <a:xfrm>
+            <a:off x="4889734" y="3723302"/>
+            <a:ext cx="226577" cy="218485"/>
+          </a:xfrm>
+          <a:prstGeom prst="ellipse">
+            <a:avLst/>
+          </a:prstGeom>
+        </p:spPr>
+        <p:style>
+          <a:lnRef idx="2">
+            <a:schemeClr val="accent1">
+              <a:shade val="50000"/>
+            </a:schemeClr>
+          </a:lnRef>
+          <a:fillRef idx="1">
+            <a:schemeClr val="accent1"/>
+          </a:fillRef>
+          <a:effectRef idx="0">
+            <a:schemeClr val="accent1"/>
+          </a:effectRef>
+          <a:fontRef idx="minor">
+            <a:schemeClr val="lt1"/>
+          </a:fontRef>
+        </p:style>
+        <p:txBody>
+          <a:bodyPr rtlCol="0" anchor="ctr"/>
+          <a:lstStyle/>
+          <a:p>
+            <a:pPr algn="ctr"/>
+            <a:r>
+              <a:rPr lang="en-US" altLang="zh-TW" dirty="0"/>
+              <a:t>4</a:t>
+            </a:r>
+            <a:endParaRPr lang="zh-TW" altLang="en-US" dirty="0"/>
+          </a:p>
+        </p:txBody>
+      </p:sp>
+      <p:cxnSp>
+        <p:nvCxnSpPr>
+          <p:cNvPr id="33" name="直線單箭頭接點 32"/>
+          <p:cNvCxnSpPr/>
+          <p:nvPr/>
+        </p:nvCxnSpPr>
+        <p:spPr>
+          <a:xfrm>
+            <a:off x="5169456" y="3832544"/>
+            <a:ext cx="873940" cy="0"/>
+          </a:xfrm>
+          <a:prstGeom prst="straightConnector1">
+            <a:avLst/>
+          </a:prstGeom>
+          <a:ln>
+            <a:tailEnd type="triangle"/>
+          </a:ln>
+        </p:spPr>
+        <p:style>
+          <a:lnRef idx="1">
+            <a:schemeClr val="accent1"/>
+          </a:lnRef>
+          <a:fillRef idx="0">
+            <a:schemeClr val="accent1"/>
+          </a:fillRef>
+          <a:effectRef idx="0">
+            <a:schemeClr val="accent1"/>
+          </a:effectRef>
+          <a:fontRef idx="minor">
+            <a:schemeClr val="tx1"/>
+          </a:fontRef>
+        </p:style>
+      </p:cxnSp>
+      <p:sp>
+        <p:nvSpPr>
+          <p:cNvPr id="40" name="文字方塊 39"/>
+          <p:cNvSpPr txBox="1"/>
+          <p:nvPr/>
+        </p:nvSpPr>
+        <p:spPr>
+          <a:xfrm>
+            <a:off x="6629878" y="2747990"/>
+            <a:ext cx="2242844" cy="369332"/>
+          </a:xfrm>
+          <a:prstGeom prst="rect">
+            <a:avLst/>
+          </a:prstGeom>
+          <a:noFill/>
+        </p:spPr>
+        <p:txBody>
+          <a:bodyPr wrap="square" rtlCol="0">
+            <a:spAutoFit/>
+          </a:bodyPr>
+          <a:lstStyle/>
+          <a:p>
+            <a:r>
+              <a:rPr lang="zh-TW" altLang="en-US" dirty="0" smtClean="0"/>
+              <a:t>主題</a:t>
+            </a:r>
+            <a:r>
+              <a:rPr lang="zh-TW" altLang="en-US" dirty="0"/>
+              <a:t>介紹</a:t>
+            </a:r>
+            <a:endParaRPr lang="zh-TW" altLang="en-US" dirty="0"/>
+          </a:p>
+        </p:txBody>
+      </p:sp>
+      <p:sp>
+        <p:nvSpPr>
+          <p:cNvPr id="42" name="文字方塊 41"/>
+          <p:cNvSpPr txBox="1"/>
+          <p:nvPr/>
+        </p:nvSpPr>
+        <p:spPr>
+          <a:xfrm>
+            <a:off x="6081463" y="3639058"/>
+            <a:ext cx="2242844" cy="369332"/>
+          </a:xfrm>
+          <a:prstGeom prst="rect">
+            <a:avLst/>
+          </a:prstGeom>
+          <a:noFill/>
+        </p:spPr>
+        <p:txBody>
+          <a:bodyPr wrap="square" rtlCol="0">
+            <a:spAutoFit/>
+          </a:bodyPr>
+          <a:lstStyle/>
+          <a:p>
+            <a:r>
+              <a:rPr lang="zh-TW" altLang="en-US" dirty="0" smtClean="0"/>
+              <a:t>課程</a:t>
+            </a:r>
+            <a:r>
+              <a:rPr lang="zh-TW" altLang="en-US" dirty="0"/>
+              <a:t>大綱</a:t>
+            </a:r>
+            <a:endParaRPr lang="zh-TW" altLang="en-US" dirty="0"/>
+          </a:p>
+        </p:txBody>
+      </p:sp>
+      <p:sp>
+        <p:nvSpPr>
+          <p:cNvPr id="43" name="文字方塊 42"/>
+          <p:cNvSpPr txBox="1"/>
+          <p:nvPr/>
+        </p:nvSpPr>
+        <p:spPr>
+          <a:xfrm>
+            <a:off x="9451166" y="2387921"/>
+            <a:ext cx="1716862" cy="369332"/>
+          </a:xfrm>
+          <a:prstGeom prst="rect">
+            <a:avLst/>
+          </a:prstGeom>
+          <a:noFill/>
+        </p:spPr>
+        <p:txBody>
+          <a:bodyPr wrap="square" rtlCol="0">
+            <a:spAutoFit/>
+          </a:bodyPr>
+          <a:lstStyle/>
+          <a:p>
+            <a:r>
+              <a:rPr lang="zh-TW" altLang="en-US" dirty="0" smtClean="0"/>
+              <a:t>回首頁</a:t>
+            </a:r>
+            <a:r>
+              <a:rPr lang="zh-TW" altLang="en-US" dirty="0"/>
+              <a:t>按鈕</a:t>
+            </a:r>
+            <a:endParaRPr lang="zh-TW" altLang="en-US" dirty="0"/>
+          </a:p>
+        </p:txBody>
+      </p:sp>
+      <p:sp>
+        <p:nvSpPr>
+          <p:cNvPr id="44" name="橢圓 43"/>
+          <p:cNvSpPr/>
+          <p:nvPr/>
+        </p:nvSpPr>
+        <p:spPr>
+          <a:xfrm>
+            <a:off x="9126463" y="3008079"/>
+            <a:ext cx="226577" cy="218485"/>
+          </a:xfrm>
+          <a:prstGeom prst="ellipse">
+            <a:avLst/>
+          </a:prstGeom>
+        </p:spPr>
+        <p:style>
+          <a:lnRef idx="2">
+            <a:schemeClr val="accent1">
+              <a:shade val="50000"/>
+            </a:schemeClr>
+          </a:lnRef>
+          <a:fillRef idx="1">
+            <a:schemeClr val="accent1"/>
+          </a:fillRef>
+          <a:effectRef idx="0">
+            <a:schemeClr val="accent1"/>
+          </a:effectRef>
+          <a:fontRef idx="minor">
+            <a:schemeClr val="lt1"/>
+          </a:fontRef>
+        </p:style>
+        <p:txBody>
+          <a:bodyPr rtlCol="0" anchor="ctr"/>
+          <a:lstStyle/>
+          <a:p>
+            <a:pPr algn="ctr"/>
+            <a:r>
+              <a:rPr lang="en-US" altLang="zh-TW" dirty="0"/>
+              <a:t>6</a:t>
+            </a:r>
+            <a:endParaRPr lang="zh-TW" altLang="en-US" dirty="0"/>
+          </a:p>
+        </p:txBody>
+      </p:sp>
+    </p:spTree>
+    <p:extLst>
+      <p:ext uri="{BB962C8B-B14F-4D97-AF65-F5344CB8AC3E}">
+        <p14:creationId xmlns:p14="http://schemas.microsoft.com/office/powerpoint/2010/main" val="2404833598"/>
+      </p:ext>
+    </p:extLst>
+  </p:cSld>
+  <p:clrMapOvr>
+    <a:masterClrMapping/>
+  </p:clrMapOvr>
+  <p:timing>
+    <p:tnLst>
+      <p:par>
+        <p:cTn id="1" dur="indefinite" restart="never" nodeType="tmRoot"/>
+      </p:par>
+    </p:tnLst>
+  </p:timing>
+</p:sld>
+</file>
+
+<file path=ppt/slides/slide11.xml><?xml version="1.0" encoding="utf-8"?>
+<p:sld xmlns:a="http://schemas.openxmlformats.org/drawingml/2006/main" xmlns:r="http://schemas.openxmlformats.org/officeDocument/2006/relationships" xmlns:p="http://schemas.openxmlformats.org/presentationml/2006/main">
+  <p:cSld>
+    <p:spTree>
+      <p:nvGrpSpPr>
+        <p:cNvPr id="1" name=""/>
+        <p:cNvGrpSpPr/>
+        <p:nvPr/>
+      </p:nvGrpSpPr>
+      <p:grpSpPr>
+        <a:xfrm>
+          <a:off x="0" y="0"/>
+          <a:ext cx="0" cy="0"/>
+          <a:chOff x="0" y="0"/>
+          <a:chExt cx="0" cy="0"/>
+        </a:xfrm>
+      </p:grpSpPr>
+      <p:pic>
+        <p:nvPicPr>
+          <p:cNvPr id="3" name="圖片 2"/>
+          <p:cNvPicPr>
+            <a:picLocks noChangeAspect="1"/>
+          </p:cNvPicPr>
+          <p:nvPr/>
+        </p:nvPicPr>
+        <p:blipFill>
+          <a:blip r:embed="rId2">
+            <a:extLst>
+              <a:ext uri="{28A0092B-C50C-407E-A947-70E740481C1C}">
+                <a14:useLocalDpi xmlns:a14="http://schemas.microsoft.com/office/drawing/2010/main" val="0"/>
+              </a:ext>
+            </a:extLst>
+          </a:blip>
+          <a:stretch>
+            <a:fillRect/>
+          </a:stretch>
+        </p:blipFill>
+        <p:spPr>
+          <a:xfrm>
+            <a:off x="385133" y="0"/>
+            <a:ext cx="6550925" cy="6858000"/>
+          </a:xfrm>
+          <a:prstGeom prst="rect">
+            <a:avLst/>
+          </a:prstGeom>
+        </p:spPr>
+      </p:pic>
+      <p:sp>
+        <p:nvSpPr>
+          <p:cNvPr id="5" name="橢圓 4"/>
+          <p:cNvSpPr/>
+          <p:nvPr/>
+        </p:nvSpPr>
+        <p:spPr>
+          <a:xfrm>
+            <a:off x="5143832" y="368127"/>
+            <a:ext cx="226577" cy="218485"/>
+          </a:xfrm>
+          <a:prstGeom prst="ellipse">
+            <a:avLst/>
+          </a:prstGeom>
+        </p:spPr>
+        <p:style>
+          <a:lnRef idx="2">
+            <a:schemeClr val="accent1">
+              <a:shade val="50000"/>
+            </a:schemeClr>
+          </a:lnRef>
+          <a:fillRef idx="1">
+            <a:schemeClr val="accent1"/>
+          </a:fillRef>
+          <a:effectRef idx="0">
+            <a:schemeClr val="accent1"/>
+          </a:effectRef>
+          <a:fontRef idx="minor">
+            <a:schemeClr val="lt1"/>
+          </a:fontRef>
+        </p:style>
+        <p:txBody>
+          <a:bodyPr rtlCol="0" anchor="ctr"/>
+          <a:lstStyle/>
+          <a:p>
+            <a:pPr algn="ctr"/>
+            <a:r>
+              <a:rPr lang="en-US" altLang="zh-TW" dirty="0" smtClean="0"/>
+              <a:t>1</a:t>
+            </a:r>
+            <a:endParaRPr lang="zh-TW" altLang="en-US" dirty="0"/>
+          </a:p>
+        </p:txBody>
+      </p:sp>
+      <p:cxnSp>
+        <p:nvCxnSpPr>
+          <p:cNvPr id="7" name="直線單箭頭接點 6"/>
+          <p:cNvCxnSpPr/>
+          <p:nvPr/>
+        </p:nvCxnSpPr>
+        <p:spPr>
+          <a:xfrm>
+            <a:off x="5606426" y="496209"/>
+            <a:ext cx="873940" cy="0"/>
+          </a:xfrm>
+          <a:prstGeom prst="straightConnector1">
+            <a:avLst/>
+          </a:prstGeom>
+          <a:ln>
+            <a:tailEnd type="triangle"/>
+          </a:ln>
+        </p:spPr>
+        <p:style>
+          <a:lnRef idx="1">
+            <a:schemeClr val="accent1"/>
+          </a:lnRef>
+          <a:fillRef idx="0">
+            <a:schemeClr val="accent1"/>
+          </a:fillRef>
+          <a:effectRef idx="0">
+            <a:schemeClr val="accent1"/>
+          </a:effectRef>
+          <a:fontRef idx="minor">
+            <a:schemeClr val="tx1"/>
+          </a:fontRef>
+        </p:style>
+      </p:cxnSp>
+      <p:sp>
+        <p:nvSpPr>
+          <p:cNvPr id="9" name="文字方塊 8"/>
+          <p:cNvSpPr txBox="1"/>
+          <p:nvPr/>
+        </p:nvSpPr>
+        <p:spPr>
+          <a:xfrm>
+            <a:off x="6480366" y="311543"/>
+            <a:ext cx="1116702" cy="369332"/>
+          </a:xfrm>
+          <a:prstGeom prst="rect">
+            <a:avLst/>
+          </a:prstGeom>
+          <a:noFill/>
+        </p:spPr>
+        <p:txBody>
+          <a:bodyPr wrap="square" rtlCol="0">
+            <a:spAutoFit/>
+          </a:bodyPr>
+          <a:lstStyle/>
+          <a:p>
+            <a:r>
+              <a:rPr lang="zh-TW" altLang="en-US" dirty="0" smtClean="0"/>
+              <a:t>主導覽列</a:t>
+            </a:r>
+            <a:endParaRPr lang="zh-TW" altLang="en-US" dirty="0"/>
+          </a:p>
+        </p:txBody>
+      </p:sp>
+      <p:sp>
+        <p:nvSpPr>
+          <p:cNvPr id="11" name="橢圓 10"/>
+          <p:cNvSpPr/>
+          <p:nvPr/>
+        </p:nvSpPr>
+        <p:spPr>
+          <a:xfrm>
+            <a:off x="2877930" y="1860043"/>
+            <a:ext cx="226577" cy="218485"/>
+          </a:xfrm>
+          <a:prstGeom prst="ellipse">
+            <a:avLst/>
+          </a:prstGeom>
+        </p:spPr>
+        <p:style>
+          <a:lnRef idx="2">
+            <a:schemeClr val="accent1">
+              <a:shade val="50000"/>
+            </a:schemeClr>
+          </a:lnRef>
+          <a:fillRef idx="1">
+            <a:schemeClr val="accent1"/>
+          </a:fillRef>
+          <a:effectRef idx="0">
+            <a:schemeClr val="accent1"/>
+          </a:effectRef>
+          <a:fontRef idx="minor">
+            <a:schemeClr val="lt1"/>
+          </a:fontRef>
+        </p:style>
+        <p:txBody>
+          <a:bodyPr rtlCol="0" anchor="ctr"/>
+          <a:lstStyle/>
+          <a:p>
+            <a:pPr algn="ctr"/>
+            <a:r>
+              <a:rPr lang="en-US" altLang="zh-TW" dirty="0"/>
+              <a:t>2</a:t>
+            </a:r>
+            <a:endParaRPr lang="zh-TW" altLang="en-US" dirty="0"/>
+          </a:p>
+        </p:txBody>
+      </p:sp>
+      <p:sp>
+        <p:nvSpPr>
+          <p:cNvPr id="18" name="橢圓 17"/>
+          <p:cNvSpPr/>
+          <p:nvPr/>
+        </p:nvSpPr>
+        <p:spPr>
+          <a:xfrm>
+            <a:off x="3870989" y="5898809"/>
+            <a:ext cx="226577" cy="218485"/>
+          </a:xfrm>
+          <a:prstGeom prst="ellipse">
+            <a:avLst/>
+          </a:prstGeom>
+        </p:spPr>
+        <p:style>
+          <a:lnRef idx="2">
+            <a:schemeClr val="accent1">
+              <a:shade val="50000"/>
+            </a:schemeClr>
+          </a:lnRef>
+          <a:fillRef idx="1">
+            <a:schemeClr val="accent1"/>
+          </a:fillRef>
+          <a:effectRef idx="0">
+            <a:schemeClr val="accent1"/>
+          </a:effectRef>
+          <a:fontRef idx="minor">
+            <a:schemeClr val="lt1"/>
+          </a:fontRef>
+        </p:style>
+        <p:txBody>
+          <a:bodyPr rtlCol="0" anchor="ctr"/>
+          <a:lstStyle/>
+          <a:p>
+            <a:pPr algn="ctr"/>
+            <a:r>
+              <a:rPr lang="en-US" altLang="zh-TW" dirty="0"/>
+              <a:t>5</a:t>
+            </a:r>
+            <a:endParaRPr lang="zh-TW" altLang="en-US" dirty="0"/>
+          </a:p>
+        </p:txBody>
+      </p:sp>
+      <p:cxnSp>
+        <p:nvCxnSpPr>
+          <p:cNvPr id="21" name="直線單箭頭接點 20"/>
+          <p:cNvCxnSpPr/>
+          <p:nvPr/>
+        </p:nvCxnSpPr>
+        <p:spPr>
+          <a:xfrm>
+            <a:off x="3223626" y="1969285"/>
+            <a:ext cx="873940" cy="0"/>
+          </a:xfrm>
+          <a:prstGeom prst="straightConnector1">
+            <a:avLst/>
+          </a:prstGeom>
+          <a:ln>
+            <a:tailEnd type="triangle"/>
+          </a:ln>
+        </p:spPr>
+        <p:style>
+          <a:lnRef idx="1">
+            <a:schemeClr val="accent1"/>
+          </a:lnRef>
+          <a:fillRef idx="0">
+            <a:schemeClr val="accent1"/>
+          </a:fillRef>
+          <a:effectRef idx="0">
+            <a:schemeClr val="accent1"/>
+          </a:effectRef>
+          <a:fontRef idx="minor">
+            <a:schemeClr val="tx1"/>
+          </a:fontRef>
+        </p:style>
+      </p:cxnSp>
+      <p:cxnSp>
+        <p:nvCxnSpPr>
+          <p:cNvPr id="25" name="直線單箭頭接點 24"/>
+          <p:cNvCxnSpPr/>
+          <p:nvPr/>
+        </p:nvCxnSpPr>
+        <p:spPr>
+          <a:xfrm>
+            <a:off x="4163345" y="6008051"/>
+            <a:ext cx="873940" cy="0"/>
+          </a:xfrm>
+          <a:prstGeom prst="straightConnector1">
+            <a:avLst/>
+          </a:prstGeom>
+          <a:ln>
+            <a:tailEnd type="triangle"/>
+          </a:ln>
+        </p:spPr>
+        <p:style>
+          <a:lnRef idx="1">
+            <a:schemeClr val="accent1"/>
+          </a:lnRef>
+          <a:fillRef idx="0">
+            <a:schemeClr val="accent1"/>
+          </a:fillRef>
+          <a:effectRef idx="0">
+            <a:schemeClr val="accent1"/>
+          </a:effectRef>
+          <a:fontRef idx="minor">
+            <a:schemeClr val="tx1"/>
+          </a:fontRef>
+        </p:style>
+      </p:cxnSp>
+      <p:cxnSp>
+        <p:nvCxnSpPr>
+          <p:cNvPr id="26" name="直線單箭頭接點 25"/>
+          <p:cNvCxnSpPr/>
+          <p:nvPr/>
+        </p:nvCxnSpPr>
+        <p:spPr>
+          <a:xfrm>
+            <a:off x="5531515" y="6689482"/>
+            <a:ext cx="873940" cy="0"/>
+          </a:xfrm>
+          <a:prstGeom prst="straightConnector1">
+            <a:avLst/>
+          </a:prstGeom>
+          <a:ln>
+            <a:tailEnd type="triangle"/>
+          </a:ln>
+        </p:spPr>
+        <p:style>
+          <a:lnRef idx="1">
+            <a:schemeClr val="accent1"/>
+          </a:lnRef>
+          <a:fillRef idx="0">
+            <a:schemeClr val="accent1"/>
+          </a:fillRef>
+          <a:effectRef idx="0">
+            <a:schemeClr val="accent1"/>
+          </a:effectRef>
+          <a:fontRef idx="minor">
+            <a:schemeClr val="tx1"/>
+          </a:fontRef>
+        </p:style>
+      </p:cxnSp>
+      <p:sp>
+        <p:nvSpPr>
+          <p:cNvPr id="28" name="文字方塊 27"/>
+          <p:cNvSpPr txBox="1"/>
+          <p:nvPr/>
+        </p:nvSpPr>
+        <p:spPr>
+          <a:xfrm>
+            <a:off x="4163345" y="1724677"/>
+            <a:ext cx="2242844" cy="369332"/>
+          </a:xfrm>
+          <a:prstGeom prst="rect">
+            <a:avLst/>
+          </a:prstGeom>
+          <a:noFill/>
+        </p:spPr>
+        <p:txBody>
+          <a:bodyPr wrap="square" rtlCol="0">
+            <a:spAutoFit/>
+          </a:bodyPr>
+          <a:lstStyle/>
+          <a:p>
+            <a:r>
+              <a:rPr lang="zh-TW" altLang="en-US" dirty="0" smtClean="0"/>
+              <a:t>課程講師</a:t>
+            </a:r>
+            <a:endParaRPr lang="zh-TW" altLang="en-US" dirty="0"/>
+          </a:p>
+        </p:txBody>
+      </p:sp>
+      <p:sp>
+        <p:nvSpPr>
+          <p:cNvPr id="34" name="文字方塊 33"/>
+          <p:cNvSpPr txBox="1"/>
+          <p:nvPr/>
+        </p:nvSpPr>
+        <p:spPr>
+          <a:xfrm>
+            <a:off x="6405455" y="6488668"/>
+            <a:ext cx="1861168" cy="369332"/>
+          </a:xfrm>
+          <a:prstGeom prst="rect">
+            <a:avLst/>
+          </a:prstGeom>
+          <a:noFill/>
+        </p:spPr>
+        <p:txBody>
+          <a:bodyPr wrap="square" rtlCol="0">
+            <a:spAutoFit/>
+          </a:bodyPr>
+          <a:lstStyle/>
+          <a:p>
+            <a:r>
+              <a:rPr lang="zh-TW" altLang="en-US" dirty="0" smtClean="0"/>
+              <a:t>頁尾及相關資訊</a:t>
+            </a:r>
+            <a:endParaRPr lang="zh-TW" altLang="en-US" dirty="0"/>
+          </a:p>
+        </p:txBody>
+      </p:sp>
+      <p:sp>
+        <p:nvSpPr>
+          <p:cNvPr id="35" name="橢圓 34"/>
+          <p:cNvSpPr/>
+          <p:nvPr/>
+        </p:nvSpPr>
+        <p:spPr>
+          <a:xfrm>
+            <a:off x="9126468" y="296606"/>
+            <a:ext cx="226577" cy="218485"/>
+          </a:xfrm>
+          <a:prstGeom prst="ellipse">
+            <a:avLst/>
+          </a:prstGeom>
+        </p:spPr>
+        <p:style>
+          <a:lnRef idx="2">
+            <a:schemeClr val="accent1">
+              <a:shade val="50000"/>
+            </a:schemeClr>
+          </a:lnRef>
+          <a:fillRef idx="1">
+            <a:schemeClr val="accent1"/>
+          </a:fillRef>
+          <a:effectRef idx="0">
+            <a:schemeClr val="accent1"/>
+          </a:effectRef>
+          <a:fontRef idx="minor">
+            <a:schemeClr val="lt1"/>
+          </a:fontRef>
+        </p:style>
+        <p:txBody>
+          <a:bodyPr rtlCol="0" anchor="ctr"/>
+          <a:lstStyle/>
+          <a:p>
+            <a:pPr algn="ctr"/>
+            <a:r>
+              <a:rPr lang="en-US" altLang="zh-TW" dirty="0" smtClean="0"/>
+              <a:t>1</a:t>
+            </a:r>
+            <a:endParaRPr lang="zh-TW" altLang="en-US" dirty="0"/>
+          </a:p>
+        </p:txBody>
+      </p:sp>
+      <p:sp>
+        <p:nvSpPr>
+          <p:cNvPr id="36" name="橢圓 35"/>
+          <p:cNvSpPr/>
+          <p:nvPr/>
+        </p:nvSpPr>
+        <p:spPr>
+          <a:xfrm>
+            <a:off x="9126464" y="842300"/>
+            <a:ext cx="226577" cy="218485"/>
+          </a:xfrm>
+          <a:prstGeom prst="ellipse">
+            <a:avLst/>
+          </a:prstGeom>
+        </p:spPr>
+        <p:style>
+          <a:lnRef idx="2">
+            <a:schemeClr val="accent1">
+              <a:shade val="50000"/>
+            </a:schemeClr>
+          </a:lnRef>
+          <a:fillRef idx="1">
+            <a:schemeClr val="accent1"/>
+          </a:fillRef>
+          <a:effectRef idx="0">
+            <a:schemeClr val="accent1"/>
+          </a:effectRef>
+          <a:fontRef idx="minor">
+            <a:schemeClr val="lt1"/>
+          </a:fontRef>
+        </p:style>
+        <p:txBody>
+          <a:bodyPr rtlCol="0" anchor="ctr"/>
+          <a:lstStyle/>
+          <a:p>
+            <a:pPr algn="ctr"/>
+            <a:r>
+              <a:rPr lang="en-US" altLang="zh-TW" dirty="0"/>
+              <a:t>2</a:t>
+            </a:r>
+            <a:endParaRPr lang="zh-TW" altLang="en-US" dirty="0"/>
+          </a:p>
+        </p:txBody>
+      </p:sp>
+      <p:sp>
+        <p:nvSpPr>
+          <p:cNvPr id="37" name="橢圓 36"/>
+          <p:cNvSpPr/>
+          <p:nvPr/>
+        </p:nvSpPr>
+        <p:spPr>
+          <a:xfrm>
+            <a:off x="9126464" y="1358324"/>
+            <a:ext cx="226577" cy="218485"/>
+          </a:xfrm>
+          <a:prstGeom prst="ellipse">
+            <a:avLst/>
+          </a:prstGeom>
+        </p:spPr>
+        <p:style>
+          <a:lnRef idx="2">
+            <a:schemeClr val="accent1">
+              <a:shade val="50000"/>
+            </a:schemeClr>
+          </a:lnRef>
+          <a:fillRef idx="1">
+            <a:schemeClr val="accent1"/>
+          </a:fillRef>
+          <a:effectRef idx="0">
+            <a:schemeClr val="accent1"/>
+          </a:effectRef>
+          <a:fontRef idx="minor">
+            <a:schemeClr val="lt1"/>
+          </a:fontRef>
+        </p:style>
+        <p:txBody>
+          <a:bodyPr rtlCol="0" anchor="ctr"/>
+          <a:lstStyle/>
+          <a:p>
+            <a:pPr algn="ctr"/>
+            <a:r>
+              <a:rPr lang="en-US" altLang="zh-TW" dirty="0"/>
+              <a:t>3</a:t>
+            </a:r>
+            <a:endParaRPr lang="zh-TW" altLang="en-US" dirty="0"/>
+          </a:p>
+        </p:txBody>
+      </p:sp>
+      <p:sp>
+        <p:nvSpPr>
+          <p:cNvPr id="38" name="橢圓 37"/>
+          <p:cNvSpPr/>
+          <p:nvPr/>
+        </p:nvSpPr>
+        <p:spPr>
+          <a:xfrm>
+            <a:off x="9126464" y="1913820"/>
+            <a:ext cx="226577" cy="218485"/>
+          </a:xfrm>
+          <a:prstGeom prst="ellipse">
+            <a:avLst/>
+          </a:prstGeom>
+        </p:spPr>
+        <p:style>
+          <a:lnRef idx="2">
+            <a:schemeClr val="accent1">
+              <a:shade val="50000"/>
+            </a:schemeClr>
+          </a:lnRef>
+          <a:fillRef idx="1">
+            <a:schemeClr val="accent1"/>
+          </a:fillRef>
+          <a:effectRef idx="0">
+            <a:schemeClr val="accent1"/>
+          </a:effectRef>
+          <a:fontRef idx="minor">
+            <a:schemeClr val="lt1"/>
+          </a:fontRef>
+        </p:style>
+        <p:txBody>
+          <a:bodyPr rtlCol="0" anchor="ctr"/>
+          <a:lstStyle/>
+          <a:p>
+            <a:pPr algn="ctr"/>
+            <a:r>
+              <a:rPr lang="en-US" altLang="zh-TW" dirty="0"/>
+              <a:t>4</a:t>
+            </a:r>
+            <a:endParaRPr lang="zh-TW" altLang="en-US" dirty="0"/>
+          </a:p>
+        </p:txBody>
+      </p:sp>
+      <p:sp>
+        <p:nvSpPr>
+          <p:cNvPr id="39" name="橢圓 38"/>
+          <p:cNvSpPr/>
+          <p:nvPr/>
+        </p:nvSpPr>
+        <p:spPr>
+          <a:xfrm>
+            <a:off x="9126464" y="2463345"/>
+            <a:ext cx="226577" cy="218485"/>
+          </a:xfrm>
+          <a:prstGeom prst="ellipse">
+            <a:avLst/>
+          </a:prstGeom>
+        </p:spPr>
+        <p:style>
+          <a:lnRef idx="2">
+            <a:schemeClr val="accent1">
+              <a:shade val="50000"/>
+            </a:schemeClr>
+          </a:lnRef>
+          <a:fillRef idx="1">
+            <a:schemeClr val="accent1"/>
+          </a:fillRef>
+          <a:effectRef idx="0">
+            <a:schemeClr val="accent1"/>
+          </a:effectRef>
+          <a:fontRef idx="minor">
+            <a:schemeClr val="lt1"/>
+          </a:fontRef>
+        </p:style>
+        <p:txBody>
+          <a:bodyPr rtlCol="0" anchor="ctr"/>
+          <a:lstStyle/>
+          <a:p>
+            <a:pPr algn="ctr"/>
+            <a:r>
+              <a:rPr lang="en-US" altLang="zh-TW" dirty="0"/>
+              <a:t>5</a:t>
+            </a:r>
+            <a:endParaRPr lang="zh-TW" altLang="en-US" dirty="0"/>
+          </a:p>
+        </p:txBody>
+      </p:sp>
+      <p:sp>
+        <p:nvSpPr>
+          <p:cNvPr id="41" name="文字方塊 40"/>
+          <p:cNvSpPr txBox="1"/>
+          <p:nvPr/>
+        </p:nvSpPr>
+        <p:spPr>
+          <a:xfrm>
+            <a:off x="9409688" y="236119"/>
+            <a:ext cx="1116702" cy="369332"/>
+          </a:xfrm>
+          <a:prstGeom prst="rect">
+            <a:avLst/>
+          </a:prstGeom>
+          <a:noFill/>
+        </p:spPr>
+        <p:txBody>
+          <a:bodyPr wrap="square" rtlCol="0">
+            <a:spAutoFit/>
+          </a:bodyPr>
+          <a:lstStyle/>
+          <a:p>
+            <a:r>
+              <a:rPr lang="zh-TW" altLang="en-US" dirty="0" smtClean="0"/>
+              <a:t>主導覽</a:t>
+            </a:r>
+            <a:r>
+              <a:rPr lang="zh-TW" altLang="en-US" dirty="0"/>
+              <a:t>列</a:t>
+            </a:r>
+            <a:endParaRPr lang="zh-TW" altLang="en-US" dirty="0"/>
+          </a:p>
+        </p:txBody>
+      </p:sp>
+      <p:sp>
+        <p:nvSpPr>
+          <p:cNvPr id="46" name="文字方塊 45"/>
+          <p:cNvSpPr txBox="1"/>
+          <p:nvPr/>
+        </p:nvSpPr>
+        <p:spPr>
+          <a:xfrm>
+            <a:off x="9409688" y="766876"/>
+            <a:ext cx="2391015" cy="369332"/>
+          </a:xfrm>
+          <a:prstGeom prst="rect">
+            <a:avLst/>
+          </a:prstGeom>
+          <a:noFill/>
+        </p:spPr>
+        <p:txBody>
+          <a:bodyPr wrap="square" rtlCol="0">
+            <a:spAutoFit/>
+          </a:bodyPr>
+          <a:lstStyle/>
+          <a:p>
+            <a:r>
+              <a:rPr lang="zh-TW" altLang="en-US" dirty="0" smtClean="0"/>
+              <a:t>課程講師</a:t>
+            </a:r>
+            <a:endParaRPr lang="zh-TW" altLang="en-US" dirty="0"/>
+          </a:p>
+        </p:txBody>
+      </p:sp>
+      <p:sp>
+        <p:nvSpPr>
+          <p:cNvPr id="47" name="文字方塊 46"/>
+          <p:cNvSpPr txBox="1"/>
+          <p:nvPr/>
+        </p:nvSpPr>
+        <p:spPr>
+          <a:xfrm>
+            <a:off x="9409689" y="1282900"/>
+            <a:ext cx="2391014" cy="646331"/>
+          </a:xfrm>
+          <a:prstGeom prst="rect">
+            <a:avLst/>
+          </a:prstGeom>
+          <a:noFill/>
+        </p:spPr>
+        <p:txBody>
+          <a:bodyPr wrap="square" rtlCol="0">
+            <a:spAutoFit/>
+          </a:bodyPr>
+          <a:lstStyle/>
+          <a:p>
+            <a:r>
+              <a:rPr lang="zh-TW" altLang="en-US" dirty="0" smtClean="0"/>
+              <a:t>主題</a:t>
+            </a:r>
+            <a:r>
+              <a:rPr lang="zh-TW" altLang="en-US" dirty="0"/>
+              <a:t>介紹</a:t>
+            </a:r>
+          </a:p>
+          <a:p>
+            <a:endParaRPr lang="zh-TW" altLang="en-US" dirty="0"/>
+          </a:p>
+        </p:txBody>
+      </p:sp>
+      <p:sp>
+        <p:nvSpPr>
+          <p:cNvPr id="48" name="文字方塊 47"/>
+          <p:cNvSpPr txBox="1"/>
+          <p:nvPr/>
+        </p:nvSpPr>
+        <p:spPr>
+          <a:xfrm>
+            <a:off x="9412785" y="1838396"/>
+            <a:ext cx="1716862" cy="369332"/>
+          </a:xfrm>
+          <a:prstGeom prst="rect">
+            <a:avLst/>
+          </a:prstGeom>
+          <a:noFill/>
+        </p:spPr>
+        <p:txBody>
+          <a:bodyPr wrap="square" rtlCol="0">
+            <a:spAutoFit/>
+          </a:bodyPr>
+          <a:lstStyle/>
+          <a:p>
+            <a:r>
+              <a:rPr lang="zh-TW" altLang="en-US" dirty="0" smtClean="0"/>
+              <a:t>課程大綱</a:t>
+            </a:r>
+            <a:endParaRPr lang="zh-TW" altLang="en-US" dirty="0"/>
+          </a:p>
+        </p:txBody>
+      </p:sp>
+      <p:sp>
+        <p:nvSpPr>
+          <p:cNvPr id="49" name="文字方塊 48"/>
+          <p:cNvSpPr txBox="1"/>
+          <p:nvPr/>
+        </p:nvSpPr>
+        <p:spPr>
+          <a:xfrm>
+            <a:off x="9409688" y="2932656"/>
+            <a:ext cx="2007955" cy="646331"/>
+          </a:xfrm>
+          <a:prstGeom prst="rect">
+            <a:avLst/>
+          </a:prstGeom>
+          <a:noFill/>
+        </p:spPr>
+        <p:txBody>
+          <a:bodyPr wrap="square" rtlCol="0">
+            <a:spAutoFit/>
+          </a:bodyPr>
+          <a:lstStyle/>
+          <a:p>
+            <a:r>
+              <a:rPr lang="zh-TW" altLang="en-US" dirty="0"/>
+              <a:t>頁尾及相關資訊</a:t>
+            </a:r>
+          </a:p>
+          <a:p>
+            <a:endParaRPr lang="zh-TW" altLang="en-US" dirty="0"/>
+          </a:p>
+        </p:txBody>
+      </p:sp>
+      <p:sp>
+        <p:nvSpPr>
+          <p:cNvPr id="54" name="橢圓 53"/>
+          <p:cNvSpPr/>
+          <p:nvPr/>
+        </p:nvSpPr>
+        <p:spPr>
+          <a:xfrm>
+            <a:off x="4942416" y="6583875"/>
+            <a:ext cx="226577" cy="218485"/>
+          </a:xfrm>
+          <a:prstGeom prst="ellipse">
+            <a:avLst/>
+          </a:prstGeom>
+        </p:spPr>
+        <p:style>
+          <a:lnRef idx="2">
+            <a:schemeClr val="accent1">
+              <a:shade val="50000"/>
+            </a:schemeClr>
+          </a:lnRef>
+          <a:fillRef idx="1">
+            <a:schemeClr val="accent1"/>
+          </a:fillRef>
+          <a:effectRef idx="0">
+            <a:schemeClr val="accent1"/>
+          </a:effectRef>
+          <a:fontRef idx="minor">
+            <a:schemeClr val="lt1"/>
+          </a:fontRef>
+        </p:style>
+        <p:txBody>
+          <a:bodyPr rtlCol="0" anchor="ctr"/>
+          <a:lstStyle/>
+          <a:p>
+            <a:pPr algn="ctr"/>
+            <a:r>
+              <a:rPr lang="en-US" altLang="zh-TW" dirty="0"/>
+              <a:t>6</a:t>
+            </a:r>
+            <a:endParaRPr lang="zh-TW" altLang="en-US" dirty="0"/>
+          </a:p>
+        </p:txBody>
+      </p:sp>
+      <p:sp>
+        <p:nvSpPr>
+          <p:cNvPr id="27" name="文字方塊 26"/>
+          <p:cNvSpPr txBox="1"/>
+          <p:nvPr/>
+        </p:nvSpPr>
+        <p:spPr>
+          <a:xfrm>
+            <a:off x="5037285" y="5747364"/>
+            <a:ext cx="1716862" cy="369332"/>
+          </a:xfrm>
+          <a:prstGeom prst="rect">
+            <a:avLst/>
+          </a:prstGeom>
+          <a:noFill/>
+        </p:spPr>
+        <p:txBody>
+          <a:bodyPr wrap="square" rtlCol="0">
+            <a:spAutoFit/>
+          </a:bodyPr>
+          <a:lstStyle/>
+          <a:p>
+            <a:r>
+              <a:rPr lang="zh-TW" altLang="en-US" dirty="0" smtClean="0"/>
+              <a:t>回首頁按鈕</a:t>
+            </a:r>
+            <a:endParaRPr lang="zh-TW" altLang="en-US" dirty="0"/>
+          </a:p>
+        </p:txBody>
+      </p:sp>
+      <p:sp>
+        <p:nvSpPr>
+          <p:cNvPr id="29" name="橢圓 28"/>
+          <p:cNvSpPr/>
+          <p:nvPr/>
+        </p:nvSpPr>
+        <p:spPr>
+          <a:xfrm>
+            <a:off x="5379849" y="2898837"/>
+            <a:ext cx="226577" cy="218485"/>
+          </a:xfrm>
+          <a:prstGeom prst="ellipse">
+            <a:avLst/>
+          </a:prstGeom>
+        </p:spPr>
+        <p:style>
+          <a:lnRef idx="2">
+            <a:schemeClr val="accent1">
+              <a:shade val="50000"/>
+            </a:schemeClr>
+          </a:lnRef>
+          <a:fillRef idx="1">
+            <a:schemeClr val="accent1"/>
+          </a:fillRef>
+          <a:effectRef idx="0">
+            <a:schemeClr val="accent1"/>
+          </a:effectRef>
+          <a:fontRef idx="minor">
+            <a:schemeClr val="lt1"/>
+          </a:fontRef>
+        </p:style>
+        <p:txBody>
+          <a:bodyPr rtlCol="0" anchor="ctr"/>
+          <a:lstStyle/>
+          <a:p>
+            <a:pPr algn="ctr"/>
+            <a:r>
+              <a:rPr lang="en-US" altLang="zh-TW" dirty="0"/>
+              <a:t>3</a:t>
+            </a:r>
+            <a:endParaRPr lang="zh-TW" altLang="en-US" dirty="0"/>
+          </a:p>
+        </p:txBody>
+      </p:sp>
+      <p:cxnSp>
+        <p:nvCxnSpPr>
+          <p:cNvPr id="31" name="直線單箭頭接點 30"/>
+          <p:cNvCxnSpPr/>
+          <p:nvPr/>
+        </p:nvCxnSpPr>
+        <p:spPr>
+          <a:xfrm>
+            <a:off x="5699292" y="3008079"/>
+            <a:ext cx="873940" cy="0"/>
+          </a:xfrm>
+          <a:prstGeom prst="straightConnector1">
+            <a:avLst/>
+          </a:prstGeom>
+          <a:ln>
+            <a:tailEnd type="triangle"/>
+          </a:ln>
+        </p:spPr>
+        <p:style>
+          <a:lnRef idx="1">
+            <a:schemeClr val="accent1"/>
+          </a:lnRef>
+          <a:fillRef idx="0">
+            <a:schemeClr val="accent1"/>
+          </a:fillRef>
+          <a:effectRef idx="0">
+            <a:schemeClr val="accent1"/>
+          </a:effectRef>
+          <a:fontRef idx="minor">
+            <a:schemeClr val="tx1"/>
+          </a:fontRef>
+        </p:style>
+      </p:cxnSp>
+      <p:sp>
+        <p:nvSpPr>
+          <p:cNvPr id="32" name="橢圓 31"/>
+          <p:cNvSpPr/>
+          <p:nvPr/>
+        </p:nvSpPr>
+        <p:spPr>
+          <a:xfrm>
+            <a:off x="4889734" y="3723302"/>
+            <a:ext cx="226577" cy="218485"/>
+          </a:xfrm>
+          <a:prstGeom prst="ellipse">
+            <a:avLst/>
+          </a:prstGeom>
+        </p:spPr>
+        <p:style>
+          <a:lnRef idx="2">
+            <a:schemeClr val="accent1">
+              <a:shade val="50000"/>
+            </a:schemeClr>
+          </a:lnRef>
+          <a:fillRef idx="1">
+            <a:schemeClr val="accent1"/>
+          </a:fillRef>
+          <a:effectRef idx="0">
+            <a:schemeClr val="accent1"/>
+          </a:effectRef>
+          <a:fontRef idx="minor">
+            <a:schemeClr val="lt1"/>
+          </a:fontRef>
+        </p:style>
+        <p:txBody>
+          <a:bodyPr rtlCol="0" anchor="ctr"/>
+          <a:lstStyle/>
+          <a:p>
+            <a:pPr algn="ctr"/>
+            <a:r>
+              <a:rPr lang="en-US" altLang="zh-TW" dirty="0"/>
+              <a:t>4</a:t>
+            </a:r>
+            <a:endParaRPr lang="zh-TW" altLang="en-US" dirty="0"/>
+          </a:p>
+        </p:txBody>
+      </p:sp>
+      <p:cxnSp>
+        <p:nvCxnSpPr>
+          <p:cNvPr id="33" name="直線單箭頭接點 32"/>
+          <p:cNvCxnSpPr/>
+          <p:nvPr/>
+        </p:nvCxnSpPr>
+        <p:spPr>
+          <a:xfrm>
+            <a:off x="5169456" y="3832544"/>
+            <a:ext cx="873940" cy="0"/>
+          </a:xfrm>
+          <a:prstGeom prst="straightConnector1">
+            <a:avLst/>
+          </a:prstGeom>
+          <a:ln>
+            <a:tailEnd type="triangle"/>
+          </a:ln>
+        </p:spPr>
+        <p:style>
+          <a:lnRef idx="1">
+            <a:schemeClr val="accent1"/>
+          </a:lnRef>
+          <a:fillRef idx="0">
+            <a:schemeClr val="accent1"/>
+          </a:fillRef>
+          <a:effectRef idx="0">
+            <a:schemeClr val="accent1"/>
+          </a:effectRef>
+          <a:fontRef idx="minor">
+            <a:schemeClr val="tx1"/>
+          </a:fontRef>
+        </p:style>
+      </p:cxnSp>
+      <p:sp>
+        <p:nvSpPr>
+          <p:cNvPr id="40" name="文字方塊 39"/>
+          <p:cNvSpPr txBox="1"/>
+          <p:nvPr/>
+        </p:nvSpPr>
+        <p:spPr>
+          <a:xfrm>
+            <a:off x="6629878" y="2747990"/>
+            <a:ext cx="2242844" cy="369332"/>
+          </a:xfrm>
+          <a:prstGeom prst="rect">
+            <a:avLst/>
+          </a:prstGeom>
+          <a:noFill/>
+        </p:spPr>
+        <p:txBody>
+          <a:bodyPr wrap="square" rtlCol="0">
+            <a:spAutoFit/>
+          </a:bodyPr>
+          <a:lstStyle/>
+          <a:p>
+            <a:r>
+              <a:rPr lang="zh-TW" altLang="en-US" dirty="0" smtClean="0"/>
+              <a:t>主題</a:t>
+            </a:r>
+            <a:r>
+              <a:rPr lang="zh-TW" altLang="en-US" dirty="0"/>
+              <a:t>介紹</a:t>
+            </a:r>
+            <a:endParaRPr lang="zh-TW" altLang="en-US" dirty="0"/>
+          </a:p>
+        </p:txBody>
+      </p:sp>
+      <p:sp>
+        <p:nvSpPr>
+          <p:cNvPr id="42" name="文字方塊 41"/>
+          <p:cNvSpPr txBox="1"/>
+          <p:nvPr/>
+        </p:nvSpPr>
+        <p:spPr>
+          <a:xfrm>
+            <a:off x="6081463" y="3639058"/>
+            <a:ext cx="2242844" cy="369332"/>
+          </a:xfrm>
+          <a:prstGeom prst="rect">
+            <a:avLst/>
+          </a:prstGeom>
+          <a:noFill/>
+        </p:spPr>
+        <p:txBody>
+          <a:bodyPr wrap="square" rtlCol="0">
+            <a:spAutoFit/>
+          </a:bodyPr>
+          <a:lstStyle/>
+          <a:p>
+            <a:r>
+              <a:rPr lang="zh-TW" altLang="en-US" dirty="0" smtClean="0"/>
+              <a:t>課程</a:t>
+            </a:r>
+            <a:r>
+              <a:rPr lang="zh-TW" altLang="en-US" dirty="0"/>
+              <a:t>大綱</a:t>
+            </a:r>
+            <a:endParaRPr lang="zh-TW" altLang="en-US" dirty="0"/>
+          </a:p>
+        </p:txBody>
+      </p:sp>
+      <p:sp>
+        <p:nvSpPr>
+          <p:cNvPr id="43" name="文字方塊 42"/>
+          <p:cNvSpPr txBox="1"/>
+          <p:nvPr/>
+        </p:nvSpPr>
+        <p:spPr>
+          <a:xfrm>
+            <a:off x="9451166" y="2387921"/>
+            <a:ext cx="1716862" cy="369332"/>
+          </a:xfrm>
+          <a:prstGeom prst="rect">
+            <a:avLst/>
+          </a:prstGeom>
+          <a:noFill/>
+        </p:spPr>
+        <p:txBody>
+          <a:bodyPr wrap="square" rtlCol="0">
+            <a:spAutoFit/>
+          </a:bodyPr>
+          <a:lstStyle/>
+          <a:p>
+            <a:r>
+              <a:rPr lang="zh-TW" altLang="en-US" dirty="0" smtClean="0"/>
+              <a:t>回首頁</a:t>
+            </a:r>
+            <a:r>
+              <a:rPr lang="zh-TW" altLang="en-US" dirty="0"/>
+              <a:t>按鈕</a:t>
+            </a:r>
+            <a:endParaRPr lang="zh-TW" altLang="en-US" dirty="0"/>
+          </a:p>
+        </p:txBody>
+      </p:sp>
+      <p:sp>
+        <p:nvSpPr>
+          <p:cNvPr id="44" name="橢圓 43"/>
+          <p:cNvSpPr/>
+          <p:nvPr/>
+        </p:nvSpPr>
+        <p:spPr>
+          <a:xfrm>
+            <a:off x="9126463" y="3008079"/>
+            <a:ext cx="226577" cy="218485"/>
+          </a:xfrm>
+          <a:prstGeom prst="ellipse">
+            <a:avLst/>
+          </a:prstGeom>
+        </p:spPr>
+        <p:style>
+          <a:lnRef idx="2">
+            <a:schemeClr val="accent1">
+              <a:shade val="50000"/>
+            </a:schemeClr>
+          </a:lnRef>
+          <a:fillRef idx="1">
+            <a:schemeClr val="accent1"/>
+          </a:fillRef>
+          <a:effectRef idx="0">
+            <a:schemeClr val="accent1"/>
+          </a:effectRef>
+          <a:fontRef idx="minor">
+            <a:schemeClr val="lt1"/>
+          </a:fontRef>
+        </p:style>
+        <p:txBody>
+          <a:bodyPr rtlCol="0" anchor="ctr"/>
+          <a:lstStyle/>
+          <a:p>
+            <a:pPr algn="ctr"/>
+            <a:r>
+              <a:rPr lang="en-US" altLang="zh-TW" dirty="0"/>
+              <a:t>6</a:t>
+            </a:r>
+            <a:endParaRPr lang="zh-TW" altLang="en-US" dirty="0"/>
+          </a:p>
+        </p:txBody>
+      </p:sp>
+    </p:spTree>
+    <p:extLst>
+      <p:ext uri="{BB962C8B-B14F-4D97-AF65-F5344CB8AC3E}">
+        <p14:creationId xmlns:p14="http://schemas.microsoft.com/office/powerpoint/2010/main" val="929866664"/>
       </p:ext>
     </p:extLst>
   </p:cSld>
@@ -9539,6 +11901,6128 @@
     <p:extLst>
       <p:ext uri="{BB962C8B-B14F-4D97-AF65-F5344CB8AC3E}">
         <p14:creationId xmlns:p14="http://schemas.microsoft.com/office/powerpoint/2010/main" val="3873230736"/>
+      </p:ext>
+    </p:extLst>
+  </p:cSld>
+  <p:clrMapOvr>
+    <a:masterClrMapping/>
+  </p:clrMapOvr>
+  <p:timing>
+    <p:tnLst>
+      <p:par>
+        <p:cTn id="1" dur="indefinite" restart="never" nodeType="tmRoot"/>
+      </p:par>
+    </p:tnLst>
+  </p:timing>
+</p:sld>
+</file>
+
+<file path=ppt/slides/slide4.xml><?xml version="1.0" encoding="utf-8"?>
+<p:sld xmlns:a="http://schemas.openxmlformats.org/drawingml/2006/main" xmlns:r="http://schemas.openxmlformats.org/officeDocument/2006/relationships" xmlns:p="http://schemas.openxmlformats.org/presentationml/2006/main">
+  <p:cSld>
+    <p:spTree>
+      <p:nvGrpSpPr>
+        <p:cNvPr id="1" name=""/>
+        <p:cNvGrpSpPr/>
+        <p:nvPr/>
+      </p:nvGrpSpPr>
+      <p:grpSpPr>
+        <a:xfrm>
+          <a:off x="0" y="0"/>
+          <a:ext cx="0" cy="0"/>
+          <a:chOff x="0" y="0"/>
+          <a:chExt cx="0" cy="0"/>
+        </a:xfrm>
+      </p:grpSpPr>
+      <p:pic>
+        <p:nvPicPr>
+          <p:cNvPr id="2" name="圖片 1"/>
+          <p:cNvPicPr>
+            <a:picLocks noChangeAspect="1"/>
+          </p:cNvPicPr>
+          <p:nvPr/>
+        </p:nvPicPr>
+        <p:blipFill>
+          <a:blip r:embed="rId2">
+            <a:extLst>
+              <a:ext uri="{28A0092B-C50C-407E-A947-70E740481C1C}">
+                <a14:useLocalDpi xmlns:a14="http://schemas.microsoft.com/office/drawing/2010/main" val="0"/>
+              </a:ext>
+            </a:extLst>
+          </a:blip>
+          <a:stretch>
+            <a:fillRect/>
+          </a:stretch>
+        </p:blipFill>
+        <p:spPr>
+          <a:xfrm>
+            <a:off x="278746" y="0"/>
+            <a:ext cx="6550925" cy="6858000"/>
+          </a:xfrm>
+          <a:prstGeom prst="rect">
+            <a:avLst/>
+          </a:prstGeom>
+        </p:spPr>
+      </p:pic>
+      <p:sp>
+        <p:nvSpPr>
+          <p:cNvPr id="5" name="橢圓 4"/>
+          <p:cNvSpPr/>
+          <p:nvPr/>
+        </p:nvSpPr>
+        <p:spPr>
+          <a:xfrm>
+            <a:off x="5143832" y="368127"/>
+            <a:ext cx="226577" cy="218485"/>
+          </a:xfrm>
+          <a:prstGeom prst="ellipse">
+            <a:avLst/>
+          </a:prstGeom>
+        </p:spPr>
+        <p:style>
+          <a:lnRef idx="2">
+            <a:schemeClr val="accent1">
+              <a:shade val="50000"/>
+            </a:schemeClr>
+          </a:lnRef>
+          <a:fillRef idx="1">
+            <a:schemeClr val="accent1"/>
+          </a:fillRef>
+          <a:effectRef idx="0">
+            <a:schemeClr val="accent1"/>
+          </a:effectRef>
+          <a:fontRef idx="minor">
+            <a:schemeClr val="lt1"/>
+          </a:fontRef>
+        </p:style>
+        <p:txBody>
+          <a:bodyPr rtlCol="0" anchor="ctr"/>
+          <a:lstStyle/>
+          <a:p>
+            <a:pPr algn="ctr"/>
+            <a:r>
+              <a:rPr lang="en-US" altLang="zh-TW" dirty="0" smtClean="0"/>
+              <a:t>1</a:t>
+            </a:r>
+            <a:endParaRPr lang="zh-TW" altLang="en-US" dirty="0"/>
+          </a:p>
+        </p:txBody>
+      </p:sp>
+      <p:cxnSp>
+        <p:nvCxnSpPr>
+          <p:cNvPr id="7" name="直線單箭頭接點 6"/>
+          <p:cNvCxnSpPr/>
+          <p:nvPr/>
+        </p:nvCxnSpPr>
+        <p:spPr>
+          <a:xfrm>
+            <a:off x="5606426" y="496209"/>
+            <a:ext cx="873940" cy="0"/>
+          </a:xfrm>
+          <a:prstGeom prst="straightConnector1">
+            <a:avLst/>
+          </a:prstGeom>
+          <a:ln>
+            <a:tailEnd type="triangle"/>
+          </a:ln>
+        </p:spPr>
+        <p:style>
+          <a:lnRef idx="1">
+            <a:schemeClr val="accent1"/>
+          </a:lnRef>
+          <a:fillRef idx="0">
+            <a:schemeClr val="accent1"/>
+          </a:fillRef>
+          <a:effectRef idx="0">
+            <a:schemeClr val="accent1"/>
+          </a:effectRef>
+          <a:fontRef idx="minor">
+            <a:schemeClr val="tx1"/>
+          </a:fontRef>
+        </p:style>
+      </p:cxnSp>
+      <p:sp>
+        <p:nvSpPr>
+          <p:cNvPr id="9" name="文字方塊 8"/>
+          <p:cNvSpPr txBox="1"/>
+          <p:nvPr/>
+        </p:nvSpPr>
+        <p:spPr>
+          <a:xfrm>
+            <a:off x="6480366" y="311543"/>
+            <a:ext cx="1116702" cy="369332"/>
+          </a:xfrm>
+          <a:prstGeom prst="rect">
+            <a:avLst/>
+          </a:prstGeom>
+          <a:noFill/>
+        </p:spPr>
+        <p:txBody>
+          <a:bodyPr wrap="square" rtlCol="0">
+            <a:spAutoFit/>
+          </a:bodyPr>
+          <a:lstStyle/>
+          <a:p>
+            <a:r>
+              <a:rPr lang="zh-TW" altLang="en-US" dirty="0" smtClean="0"/>
+              <a:t>主導覽列</a:t>
+            </a:r>
+            <a:endParaRPr lang="zh-TW" altLang="en-US" dirty="0"/>
+          </a:p>
+        </p:txBody>
+      </p:sp>
+      <p:sp>
+        <p:nvSpPr>
+          <p:cNvPr id="11" name="橢圓 10"/>
+          <p:cNvSpPr/>
+          <p:nvPr/>
+        </p:nvSpPr>
+        <p:spPr>
+          <a:xfrm>
+            <a:off x="4468798" y="2589562"/>
+            <a:ext cx="226577" cy="218485"/>
+          </a:xfrm>
+          <a:prstGeom prst="ellipse">
+            <a:avLst/>
+          </a:prstGeom>
+        </p:spPr>
+        <p:style>
+          <a:lnRef idx="2">
+            <a:schemeClr val="accent1">
+              <a:shade val="50000"/>
+            </a:schemeClr>
+          </a:lnRef>
+          <a:fillRef idx="1">
+            <a:schemeClr val="accent1"/>
+          </a:fillRef>
+          <a:effectRef idx="0">
+            <a:schemeClr val="accent1"/>
+          </a:effectRef>
+          <a:fontRef idx="minor">
+            <a:schemeClr val="lt1"/>
+          </a:fontRef>
+        </p:style>
+        <p:txBody>
+          <a:bodyPr rtlCol="0" anchor="ctr"/>
+          <a:lstStyle/>
+          <a:p>
+            <a:pPr algn="ctr"/>
+            <a:r>
+              <a:rPr lang="en-US" altLang="zh-TW" dirty="0"/>
+              <a:t>2</a:t>
+            </a:r>
+            <a:endParaRPr lang="zh-TW" altLang="en-US" dirty="0"/>
+          </a:p>
+        </p:txBody>
+      </p:sp>
+      <p:sp>
+        <p:nvSpPr>
+          <p:cNvPr id="17" name="橢圓 16"/>
+          <p:cNvSpPr/>
+          <p:nvPr/>
+        </p:nvSpPr>
+        <p:spPr>
+          <a:xfrm>
+            <a:off x="4070294" y="5053187"/>
+            <a:ext cx="226577" cy="218485"/>
+          </a:xfrm>
+          <a:prstGeom prst="ellipse">
+            <a:avLst/>
+          </a:prstGeom>
+        </p:spPr>
+        <p:style>
+          <a:lnRef idx="2">
+            <a:schemeClr val="accent1">
+              <a:shade val="50000"/>
+            </a:schemeClr>
+          </a:lnRef>
+          <a:fillRef idx="1">
+            <a:schemeClr val="accent1"/>
+          </a:fillRef>
+          <a:effectRef idx="0">
+            <a:schemeClr val="accent1"/>
+          </a:effectRef>
+          <a:fontRef idx="minor">
+            <a:schemeClr val="lt1"/>
+          </a:fontRef>
+        </p:style>
+        <p:txBody>
+          <a:bodyPr rtlCol="0" anchor="ctr"/>
+          <a:lstStyle/>
+          <a:p>
+            <a:pPr algn="ctr"/>
+            <a:r>
+              <a:rPr lang="en-US" altLang="zh-TW" dirty="0"/>
+              <a:t>3</a:t>
+            </a:r>
+            <a:endParaRPr lang="zh-TW" altLang="en-US" dirty="0"/>
+          </a:p>
+        </p:txBody>
+      </p:sp>
+      <p:sp>
+        <p:nvSpPr>
+          <p:cNvPr id="18" name="橢圓 17"/>
+          <p:cNvSpPr/>
+          <p:nvPr/>
+        </p:nvSpPr>
+        <p:spPr>
+          <a:xfrm>
+            <a:off x="3936768" y="6226232"/>
+            <a:ext cx="226577" cy="218485"/>
+          </a:xfrm>
+          <a:prstGeom prst="ellipse">
+            <a:avLst/>
+          </a:prstGeom>
+        </p:spPr>
+        <p:style>
+          <a:lnRef idx="2">
+            <a:schemeClr val="accent1">
+              <a:shade val="50000"/>
+            </a:schemeClr>
+          </a:lnRef>
+          <a:fillRef idx="1">
+            <a:schemeClr val="accent1"/>
+          </a:fillRef>
+          <a:effectRef idx="0">
+            <a:schemeClr val="accent1"/>
+          </a:effectRef>
+          <a:fontRef idx="minor">
+            <a:schemeClr val="lt1"/>
+          </a:fontRef>
+        </p:style>
+        <p:txBody>
+          <a:bodyPr rtlCol="0" anchor="ctr"/>
+          <a:lstStyle/>
+          <a:p>
+            <a:pPr algn="ctr"/>
+            <a:r>
+              <a:rPr lang="en-US" altLang="zh-TW" dirty="0"/>
+              <a:t>4</a:t>
+            </a:r>
+            <a:endParaRPr lang="zh-TW" altLang="en-US" dirty="0"/>
+          </a:p>
+        </p:txBody>
+      </p:sp>
+      <p:cxnSp>
+        <p:nvCxnSpPr>
+          <p:cNvPr id="21" name="直線單箭頭接點 20"/>
+          <p:cNvCxnSpPr/>
+          <p:nvPr/>
+        </p:nvCxnSpPr>
+        <p:spPr>
+          <a:xfrm>
+            <a:off x="4784395" y="2706616"/>
+            <a:ext cx="873940" cy="0"/>
+          </a:xfrm>
+          <a:prstGeom prst="straightConnector1">
+            <a:avLst/>
+          </a:prstGeom>
+          <a:ln>
+            <a:tailEnd type="triangle"/>
+          </a:ln>
+        </p:spPr>
+        <p:style>
+          <a:lnRef idx="1">
+            <a:schemeClr val="accent1"/>
+          </a:lnRef>
+          <a:fillRef idx="0">
+            <a:schemeClr val="accent1"/>
+          </a:fillRef>
+          <a:effectRef idx="0">
+            <a:schemeClr val="accent1"/>
+          </a:effectRef>
+          <a:fontRef idx="minor">
+            <a:schemeClr val="tx1"/>
+          </a:fontRef>
+        </p:style>
+      </p:cxnSp>
+      <p:cxnSp>
+        <p:nvCxnSpPr>
+          <p:cNvPr id="24" name="直線單箭頭接點 23"/>
+          <p:cNvCxnSpPr/>
+          <p:nvPr/>
+        </p:nvCxnSpPr>
+        <p:spPr>
+          <a:xfrm>
+            <a:off x="4421642" y="5162430"/>
+            <a:ext cx="873940" cy="0"/>
+          </a:xfrm>
+          <a:prstGeom prst="straightConnector1">
+            <a:avLst/>
+          </a:prstGeom>
+          <a:ln>
+            <a:tailEnd type="triangle"/>
+          </a:ln>
+        </p:spPr>
+        <p:style>
+          <a:lnRef idx="1">
+            <a:schemeClr val="accent1"/>
+          </a:lnRef>
+          <a:fillRef idx="0">
+            <a:schemeClr val="accent1"/>
+          </a:fillRef>
+          <a:effectRef idx="0">
+            <a:schemeClr val="accent1"/>
+          </a:effectRef>
+          <a:fontRef idx="minor">
+            <a:schemeClr val="tx1"/>
+          </a:fontRef>
+        </p:style>
+      </p:cxnSp>
+      <p:cxnSp>
+        <p:nvCxnSpPr>
+          <p:cNvPr id="25" name="直線單箭頭接點 24"/>
+          <p:cNvCxnSpPr/>
+          <p:nvPr/>
+        </p:nvCxnSpPr>
+        <p:spPr>
+          <a:xfrm>
+            <a:off x="4185103" y="6335474"/>
+            <a:ext cx="873940" cy="0"/>
+          </a:xfrm>
+          <a:prstGeom prst="straightConnector1">
+            <a:avLst/>
+          </a:prstGeom>
+          <a:ln>
+            <a:tailEnd type="triangle"/>
+          </a:ln>
+        </p:spPr>
+        <p:style>
+          <a:lnRef idx="1">
+            <a:schemeClr val="accent1"/>
+          </a:lnRef>
+          <a:fillRef idx="0">
+            <a:schemeClr val="accent1"/>
+          </a:fillRef>
+          <a:effectRef idx="0">
+            <a:schemeClr val="accent1"/>
+          </a:effectRef>
+          <a:fontRef idx="minor">
+            <a:schemeClr val="tx1"/>
+          </a:fontRef>
+        </p:style>
+      </p:cxnSp>
+      <p:cxnSp>
+        <p:nvCxnSpPr>
+          <p:cNvPr id="26" name="直線單箭頭接點 25"/>
+          <p:cNvCxnSpPr/>
+          <p:nvPr/>
+        </p:nvCxnSpPr>
+        <p:spPr>
+          <a:xfrm>
+            <a:off x="4296871" y="6800007"/>
+            <a:ext cx="873940" cy="0"/>
+          </a:xfrm>
+          <a:prstGeom prst="straightConnector1">
+            <a:avLst/>
+          </a:prstGeom>
+          <a:ln>
+            <a:tailEnd type="triangle"/>
+          </a:ln>
+        </p:spPr>
+        <p:style>
+          <a:lnRef idx="1">
+            <a:schemeClr val="accent1"/>
+          </a:lnRef>
+          <a:fillRef idx="0">
+            <a:schemeClr val="accent1"/>
+          </a:fillRef>
+          <a:effectRef idx="0">
+            <a:schemeClr val="accent1"/>
+          </a:effectRef>
+          <a:fontRef idx="minor">
+            <a:schemeClr val="tx1"/>
+          </a:fontRef>
+        </p:style>
+      </p:cxnSp>
+      <p:sp>
+        <p:nvSpPr>
+          <p:cNvPr id="28" name="文字方塊 27"/>
+          <p:cNvSpPr txBox="1"/>
+          <p:nvPr/>
+        </p:nvSpPr>
+        <p:spPr>
+          <a:xfrm>
+            <a:off x="5658335" y="2497164"/>
+            <a:ext cx="2242844" cy="369332"/>
+          </a:xfrm>
+          <a:prstGeom prst="rect">
+            <a:avLst/>
+          </a:prstGeom>
+          <a:noFill/>
+        </p:spPr>
+        <p:txBody>
+          <a:bodyPr wrap="square" rtlCol="0">
+            <a:spAutoFit/>
+          </a:bodyPr>
+          <a:lstStyle/>
+          <a:p>
+            <a:r>
+              <a:rPr lang="zh-TW" altLang="en-US" dirty="0" smtClean="0"/>
+              <a:t>所有最新資訊、公告</a:t>
+            </a:r>
+            <a:endParaRPr lang="zh-TW" altLang="en-US" dirty="0"/>
+          </a:p>
+        </p:txBody>
+      </p:sp>
+      <p:sp>
+        <p:nvSpPr>
+          <p:cNvPr id="34" name="文字方塊 33"/>
+          <p:cNvSpPr txBox="1"/>
+          <p:nvPr/>
+        </p:nvSpPr>
+        <p:spPr>
+          <a:xfrm>
+            <a:off x="5170811" y="6544506"/>
+            <a:ext cx="1861168" cy="369332"/>
+          </a:xfrm>
+          <a:prstGeom prst="rect">
+            <a:avLst/>
+          </a:prstGeom>
+          <a:noFill/>
+        </p:spPr>
+        <p:txBody>
+          <a:bodyPr wrap="square" rtlCol="0">
+            <a:spAutoFit/>
+          </a:bodyPr>
+          <a:lstStyle/>
+          <a:p>
+            <a:r>
+              <a:rPr lang="zh-TW" altLang="en-US" dirty="0" smtClean="0"/>
+              <a:t>頁尾及相關資訊</a:t>
+            </a:r>
+            <a:endParaRPr lang="zh-TW" altLang="en-US" dirty="0"/>
+          </a:p>
+        </p:txBody>
+      </p:sp>
+      <p:sp>
+        <p:nvSpPr>
+          <p:cNvPr id="35" name="橢圓 34"/>
+          <p:cNvSpPr/>
+          <p:nvPr/>
+        </p:nvSpPr>
+        <p:spPr>
+          <a:xfrm>
+            <a:off x="9126468" y="296606"/>
+            <a:ext cx="226577" cy="218485"/>
+          </a:xfrm>
+          <a:prstGeom prst="ellipse">
+            <a:avLst/>
+          </a:prstGeom>
+        </p:spPr>
+        <p:style>
+          <a:lnRef idx="2">
+            <a:schemeClr val="accent1">
+              <a:shade val="50000"/>
+            </a:schemeClr>
+          </a:lnRef>
+          <a:fillRef idx="1">
+            <a:schemeClr val="accent1"/>
+          </a:fillRef>
+          <a:effectRef idx="0">
+            <a:schemeClr val="accent1"/>
+          </a:effectRef>
+          <a:fontRef idx="minor">
+            <a:schemeClr val="lt1"/>
+          </a:fontRef>
+        </p:style>
+        <p:txBody>
+          <a:bodyPr rtlCol="0" anchor="ctr"/>
+          <a:lstStyle/>
+          <a:p>
+            <a:pPr algn="ctr"/>
+            <a:r>
+              <a:rPr lang="en-US" altLang="zh-TW" dirty="0" smtClean="0"/>
+              <a:t>1</a:t>
+            </a:r>
+            <a:endParaRPr lang="zh-TW" altLang="en-US" dirty="0"/>
+          </a:p>
+        </p:txBody>
+      </p:sp>
+      <p:sp>
+        <p:nvSpPr>
+          <p:cNvPr id="36" name="橢圓 35"/>
+          <p:cNvSpPr/>
+          <p:nvPr/>
+        </p:nvSpPr>
+        <p:spPr>
+          <a:xfrm>
+            <a:off x="9126464" y="842300"/>
+            <a:ext cx="226577" cy="218485"/>
+          </a:xfrm>
+          <a:prstGeom prst="ellipse">
+            <a:avLst/>
+          </a:prstGeom>
+        </p:spPr>
+        <p:style>
+          <a:lnRef idx="2">
+            <a:schemeClr val="accent1">
+              <a:shade val="50000"/>
+            </a:schemeClr>
+          </a:lnRef>
+          <a:fillRef idx="1">
+            <a:schemeClr val="accent1"/>
+          </a:fillRef>
+          <a:effectRef idx="0">
+            <a:schemeClr val="accent1"/>
+          </a:effectRef>
+          <a:fontRef idx="minor">
+            <a:schemeClr val="lt1"/>
+          </a:fontRef>
+        </p:style>
+        <p:txBody>
+          <a:bodyPr rtlCol="0" anchor="ctr"/>
+          <a:lstStyle/>
+          <a:p>
+            <a:pPr algn="ctr"/>
+            <a:r>
+              <a:rPr lang="en-US" altLang="zh-TW" dirty="0"/>
+              <a:t>2</a:t>
+            </a:r>
+            <a:endParaRPr lang="zh-TW" altLang="en-US" dirty="0"/>
+          </a:p>
+        </p:txBody>
+      </p:sp>
+      <p:sp>
+        <p:nvSpPr>
+          <p:cNvPr id="37" name="橢圓 36"/>
+          <p:cNvSpPr/>
+          <p:nvPr/>
+        </p:nvSpPr>
+        <p:spPr>
+          <a:xfrm>
+            <a:off x="9126464" y="1358324"/>
+            <a:ext cx="226577" cy="218485"/>
+          </a:xfrm>
+          <a:prstGeom prst="ellipse">
+            <a:avLst/>
+          </a:prstGeom>
+        </p:spPr>
+        <p:style>
+          <a:lnRef idx="2">
+            <a:schemeClr val="accent1">
+              <a:shade val="50000"/>
+            </a:schemeClr>
+          </a:lnRef>
+          <a:fillRef idx="1">
+            <a:schemeClr val="accent1"/>
+          </a:fillRef>
+          <a:effectRef idx="0">
+            <a:schemeClr val="accent1"/>
+          </a:effectRef>
+          <a:fontRef idx="minor">
+            <a:schemeClr val="lt1"/>
+          </a:fontRef>
+        </p:style>
+        <p:txBody>
+          <a:bodyPr rtlCol="0" anchor="ctr"/>
+          <a:lstStyle/>
+          <a:p>
+            <a:pPr algn="ctr"/>
+            <a:r>
+              <a:rPr lang="en-US" altLang="zh-TW" dirty="0"/>
+              <a:t>3</a:t>
+            </a:r>
+            <a:endParaRPr lang="zh-TW" altLang="en-US" dirty="0"/>
+          </a:p>
+        </p:txBody>
+      </p:sp>
+      <p:sp>
+        <p:nvSpPr>
+          <p:cNvPr id="38" name="橢圓 37"/>
+          <p:cNvSpPr/>
+          <p:nvPr/>
+        </p:nvSpPr>
+        <p:spPr>
+          <a:xfrm>
+            <a:off x="9126464" y="1913820"/>
+            <a:ext cx="226577" cy="218485"/>
+          </a:xfrm>
+          <a:prstGeom prst="ellipse">
+            <a:avLst/>
+          </a:prstGeom>
+        </p:spPr>
+        <p:style>
+          <a:lnRef idx="2">
+            <a:schemeClr val="accent1">
+              <a:shade val="50000"/>
+            </a:schemeClr>
+          </a:lnRef>
+          <a:fillRef idx="1">
+            <a:schemeClr val="accent1"/>
+          </a:fillRef>
+          <a:effectRef idx="0">
+            <a:schemeClr val="accent1"/>
+          </a:effectRef>
+          <a:fontRef idx="minor">
+            <a:schemeClr val="lt1"/>
+          </a:fontRef>
+        </p:style>
+        <p:txBody>
+          <a:bodyPr rtlCol="0" anchor="ctr"/>
+          <a:lstStyle/>
+          <a:p>
+            <a:pPr algn="ctr"/>
+            <a:r>
+              <a:rPr lang="en-US" altLang="zh-TW" dirty="0"/>
+              <a:t>4</a:t>
+            </a:r>
+            <a:endParaRPr lang="zh-TW" altLang="en-US" dirty="0"/>
+          </a:p>
+        </p:txBody>
+      </p:sp>
+      <p:sp>
+        <p:nvSpPr>
+          <p:cNvPr id="39" name="橢圓 38"/>
+          <p:cNvSpPr/>
+          <p:nvPr/>
+        </p:nvSpPr>
+        <p:spPr>
+          <a:xfrm>
+            <a:off x="9126464" y="2463345"/>
+            <a:ext cx="226577" cy="218485"/>
+          </a:xfrm>
+          <a:prstGeom prst="ellipse">
+            <a:avLst/>
+          </a:prstGeom>
+        </p:spPr>
+        <p:style>
+          <a:lnRef idx="2">
+            <a:schemeClr val="accent1">
+              <a:shade val="50000"/>
+            </a:schemeClr>
+          </a:lnRef>
+          <a:fillRef idx="1">
+            <a:schemeClr val="accent1"/>
+          </a:fillRef>
+          <a:effectRef idx="0">
+            <a:schemeClr val="accent1"/>
+          </a:effectRef>
+          <a:fontRef idx="minor">
+            <a:schemeClr val="lt1"/>
+          </a:fontRef>
+        </p:style>
+        <p:txBody>
+          <a:bodyPr rtlCol="0" anchor="ctr"/>
+          <a:lstStyle/>
+          <a:p>
+            <a:pPr algn="ctr"/>
+            <a:r>
+              <a:rPr lang="en-US" altLang="zh-TW" dirty="0"/>
+              <a:t>5</a:t>
+            </a:r>
+            <a:endParaRPr lang="zh-TW" altLang="en-US" dirty="0"/>
+          </a:p>
+        </p:txBody>
+      </p:sp>
+      <p:sp>
+        <p:nvSpPr>
+          <p:cNvPr id="41" name="文字方塊 40"/>
+          <p:cNvSpPr txBox="1"/>
+          <p:nvPr/>
+        </p:nvSpPr>
+        <p:spPr>
+          <a:xfrm>
+            <a:off x="9409688" y="236119"/>
+            <a:ext cx="1116702" cy="369332"/>
+          </a:xfrm>
+          <a:prstGeom prst="rect">
+            <a:avLst/>
+          </a:prstGeom>
+          <a:noFill/>
+        </p:spPr>
+        <p:txBody>
+          <a:bodyPr wrap="square" rtlCol="0">
+            <a:spAutoFit/>
+          </a:bodyPr>
+          <a:lstStyle/>
+          <a:p>
+            <a:r>
+              <a:rPr lang="zh-TW" altLang="en-US" dirty="0" smtClean="0"/>
+              <a:t>主導覽</a:t>
+            </a:r>
+            <a:r>
+              <a:rPr lang="zh-TW" altLang="en-US" dirty="0"/>
+              <a:t>列</a:t>
+            </a:r>
+            <a:endParaRPr lang="zh-TW" altLang="en-US" dirty="0"/>
+          </a:p>
+        </p:txBody>
+      </p:sp>
+      <p:sp>
+        <p:nvSpPr>
+          <p:cNvPr id="46" name="文字方塊 45"/>
+          <p:cNvSpPr txBox="1"/>
+          <p:nvPr/>
+        </p:nvSpPr>
+        <p:spPr>
+          <a:xfrm>
+            <a:off x="9409688" y="766876"/>
+            <a:ext cx="2391015" cy="369332"/>
+          </a:xfrm>
+          <a:prstGeom prst="rect">
+            <a:avLst/>
+          </a:prstGeom>
+          <a:noFill/>
+        </p:spPr>
+        <p:txBody>
+          <a:bodyPr wrap="square" rtlCol="0">
+            <a:spAutoFit/>
+          </a:bodyPr>
+          <a:lstStyle/>
+          <a:p>
+            <a:r>
+              <a:rPr lang="zh-TW" altLang="en-US" dirty="0"/>
+              <a:t>所有最新資訊、公告</a:t>
+            </a:r>
+            <a:endParaRPr lang="zh-TW" altLang="en-US" dirty="0"/>
+          </a:p>
+        </p:txBody>
+      </p:sp>
+      <p:sp>
+        <p:nvSpPr>
+          <p:cNvPr id="47" name="文字方塊 46"/>
+          <p:cNvSpPr txBox="1"/>
+          <p:nvPr/>
+        </p:nvSpPr>
+        <p:spPr>
+          <a:xfrm>
+            <a:off x="9409689" y="1282900"/>
+            <a:ext cx="2391014" cy="646331"/>
+          </a:xfrm>
+          <a:prstGeom prst="rect">
+            <a:avLst/>
+          </a:prstGeom>
+          <a:noFill/>
+        </p:spPr>
+        <p:txBody>
+          <a:bodyPr wrap="square" rtlCol="0">
+            <a:spAutoFit/>
+          </a:bodyPr>
+          <a:lstStyle/>
+          <a:p>
+            <a:r>
+              <a:rPr lang="zh-TW" altLang="en-US" dirty="0" smtClean="0"/>
+              <a:t>說明最新</a:t>
+            </a:r>
+            <a:r>
+              <a:rPr lang="zh-TW" altLang="en-US" dirty="0"/>
+              <a:t>資訊、公告</a:t>
+            </a:r>
+          </a:p>
+          <a:p>
+            <a:endParaRPr lang="zh-TW" altLang="en-US" dirty="0"/>
+          </a:p>
+        </p:txBody>
+      </p:sp>
+      <p:sp>
+        <p:nvSpPr>
+          <p:cNvPr id="48" name="文字方塊 47"/>
+          <p:cNvSpPr txBox="1"/>
+          <p:nvPr/>
+        </p:nvSpPr>
+        <p:spPr>
+          <a:xfrm>
+            <a:off x="9409688" y="1838396"/>
+            <a:ext cx="1716862" cy="369332"/>
+          </a:xfrm>
+          <a:prstGeom prst="rect">
+            <a:avLst/>
+          </a:prstGeom>
+          <a:noFill/>
+        </p:spPr>
+        <p:txBody>
+          <a:bodyPr wrap="square" rtlCol="0">
+            <a:spAutoFit/>
+          </a:bodyPr>
+          <a:lstStyle/>
+          <a:p>
+            <a:r>
+              <a:rPr lang="zh-TW" altLang="en-US" dirty="0" smtClean="0"/>
+              <a:t>回首頁按鈕</a:t>
+            </a:r>
+            <a:endParaRPr lang="zh-TW" altLang="en-US" dirty="0"/>
+          </a:p>
+        </p:txBody>
+      </p:sp>
+      <p:sp>
+        <p:nvSpPr>
+          <p:cNvPr id="49" name="文字方塊 48"/>
+          <p:cNvSpPr txBox="1"/>
+          <p:nvPr/>
+        </p:nvSpPr>
+        <p:spPr>
+          <a:xfrm>
+            <a:off x="9409687" y="2387921"/>
+            <a:ext cx="2007955" cy="646331"/>
+          </a:xfrm>
+          <a:prstGeom prst="rect">
+            <a:avLst/>
+          </a:prstGeom>
+          <a:noFill/>
+        </p:spPr>
+        <p:txBody>
+          <a:bodyPr wrap="square" rtlCol="0">
+            <a:spAutoFit/>
+          </a:bodyPr>
+          <a:lstStyle/>
+          <a:p>
+            <a:r>
+              <a:rPr lang="zh-TW" altLang="en-US" dirty="0"/>
+              <a:t>頁尾及相關資訊</a:t>
+            </a:r>
+          </a:p>
+          <a:p>
+            <a:endParaRPr lang="zh-TW" altLang="en-US" dirty="0"/>
+          </a:p>
+        </p:txBody>
+      </p:sp>
+      <p:sp>
+        <p:nvSpPr>
+          <p:cNvPr id="54" name="橢圓 53"/>
+          <p:cNvSpPr/>
+          <p:nvPr/>
+        </p:nvSpPr>
+        <p:spPr>
+          <a:xfrm>
+            <a:off x="3990795" y="6639515"/>
+            <a:ext cx="226577" cy="218485"/>
+          </a:xfrm>
+          <a:prstGeom prst="ellipse">
+            <a:avLst/>
+          </a:prstGeom>
+        </p:spPr>
+        <p:style>
+          <a:lnRef idx="2">
+            <a:schemeClr val="accent1">
+              <a:shade val="50000"/>
+            </a:schemeClr>
+          </a:lnRef>
+          <a:fillRef idx="1">
+            <a:schemeClr val="accent1"/>
+          </a:fillRef>
+          <a:effectRef idx="0">
+            <a:schemeClr val="accent1"/>
+          </a:effectRef>
+          <a:fontRef idx="minor">
+            <a:schemeClr val="lt1"/>
+          </a:fontRef>
+        </p:style>
+        <p:txBody>
+          <a:bodyPr rtlCol="0" anchor="ctr"/>
+          <a:lstStyle/>
+          <a:p>
+            <a:pPr algn="ctr"/>
+            <a:r>
+              <a:rPr lang="en-US" altLang="zh-TW" dirty="0"/>
+              <a:t>5</a:t>
+            </a:r>
+            <a:endParaRPr lang="zh-TW" altLang="en-US" dirty="0"/>
+          </a:p>
+        </p:txBody>
+      </p:sp>
+      <p:sp>
+        <p:nvSpPr>
+          <p:cNvPr id="55" name="文字方塊 54"/>
+          <p:cNvSpPr txBox="1"/>
+          <p:nvPr/>
+        </p:nvSpPr>
+        <p:spPr>
+          <a:xfrm>
+            <a:off x="5420353" y="4978127"/>
+            <a:ext cx="2391014" cy="646331"/>
+          </a:xfrm>
+          <a:prstGeom prst="rect">
+            <a:avLst/>
+          </a:prstGeom>
+          <a:noFill/>
+        </p:spPr>
+        <p:txBody>
+          <a:bodyPr wrap="square" rtlCol="0">
+            <a:spAutoFit/>
+          </a:bodyPr>
+          <a:lstStyle/>
+          <a:p>
+            <a:r>
+              <a:rPr lang="zh-TW" altLang="en-US" dirty="0" smtClean="0"/>
+              <a:t>說明最新</a:t>
+            </a:r>
+            <a:r>
+              <a:rPr lang="zh-TW" altLang="en-US" dirty="0"/>
+              <a:t>資訊、公告</a:t>
+            </a:r>
+          </a:p>
+          <a:p>
+            <a:endParaRPr lang="zh-TW" altLang="en-US" dirty="0"/>
+          </a:p>
+        </p:txBody>
+      </p:sp>
+      <p:sp>
+        <p:nvSpPr>
+          <p:cNvPr id="56" name="文字方塊 55"/>
+          <p:cNvSpPr txBox="1"/>
+          <p:nvPr/>
+        </p:nvSpPr>
+        <p:spPr>
+          <a:xfrm>
+            <a:off x="5080801" y="6138449"/>
+            <a:ext cx="1716862" cy="369332"/>
+          </a:xfrm>
+          <a:prstGeom prst="rect">
+            <a:avLst/>
+          </a:prstGeom>
+          <a:noFill/>
+        </p:spPr>
+        <p:txBody>
+          <a:bodyPr wrap="square" rtlCol="0">
+            <a:spAutoFit/>
+          </a:bodyPr>
+          <a:lstStyle/>
+          <a:p>
+            <a:r>
+              <a:rPr lang="zh-TW" altLang="en-US" dirty="0" smtClean="0"/>
+              <a:t>回首頁按鈕</a:t>
+            </a:r>
+            <a:endParaRPr lang="zh-TW" altLang="en-US" dirty="0"/>
+          </a:p>
+        </p:txBody>
+      </p:sp>
+    </p:spTree>
+    <p:extLst>
+      <p:ext uri="{BB962C8B-B14F-4D97-AF65-F5344CB8AC3E}">
+        <p14:creationId xmlns:p14="http://schemas.microsoft.com/office/powerpoint/2010/main" val="1537929663"/>
+      </p:ext>
+    </p:extLst>
+  </p:cSld>
+  <p:clrMapOvr>
+    <a:masterClrMapping/>
+  </p:clrMapOvr>
+  <p:timing>
+    <p:tnLst>
+      <p:par>
+        <p:cTn id="1" dur="indefinite" restart="never" nodeType="tmRoot"/>
+      </p:par>
+    </p:tnLst>
+  </p:timing>
+</p:sld>
+</file>
+
+<file path=ppt/slides/slide5.xml><?xml version="1.0" encoding="utf-8"?>
+<p:sld xmlns:a="http://schemas.openxmlformats.org/drawingml/2006/main" xmlns:r="http://schemas.openxmlformats.org/officeDocument/2006/relationships" xmlns:p="http://schemas.openxmlformats.org/presentationml/2006/main">
+  <p:cSld>
+    <p:spTree>
+      <p:nvGrpSpPr>
+        <p:cNvPr id="1" name=""/>
+        <p:cNvGrpSpPr/>
+        <p:nvPr/>
+      </p:nvGrpSpPr>
+      <p:grpSpPr>
+        <a:xfrm>
+          <a:off x="0" y="0"/>
+          <a:ext cx="0" cy="0"/>
+          <a:chOff x="0" y="0"/>
+          <a:chExt cx="0" cy="0"/>
+        </a:xfrm>
+      </p:grpSpPr>
+      <p:pic>
+        <p:nvPicPr>
+          <p:cNvPr id="3" name="圖片 2"/>
+          <p:cNvPicPr>
+            <a:picLocks noChangeAspect="1"/>
+          </p:cNvPicPr>
+          <p:nvPr/>
+        </p:nvPicPr>
+        <p:blipFill>
+          <a:blip r:embed="rId2">
+            <a:extLst>
+              <a:ext uri="{28A0092B-C50C-407E-A947-70E740481C1C}">
+                <a14:useLocalDpi xmlns:a14="http://schemas.microsoft.com/office/drawing/2010/main" val="0"/>
+              </a:ext>
+            </a:extLst>
+          </a:blip>
+          <a:stretch>
+            <a:fillRect/>
+          </a:stretch>
+        </p:blipFill>
+        <p:spPr>
+          <a:xfrm>
+            <a:off x="365948" y="-26337"/>
+            <a:ext cx="6550925" cy="6858000"/>
+          </a:xfrm>
+          <a:prstGeom prst="rect">
+            <a:avLst/>
+          </a:prstGeom>
+        </p:spPr>
+      </p:pic>
+      <p:sp>
+        <p:nvSpPr>
+          <p:cNvPr id="5" name="橢圓 4"/>
+          <p:cNvSpPr/>
+          <p:nvPr/>
+        </p:nvSpPr>
+        <p:spPr>
+          <a:xfrm>
+            <a:off x="5143832" y="368127"/>
+            <a:ext cx="226577" cy="218485"/>
+          </a:xfrm>
+          <a:prstGeom prst="ellipse">
+            <a:avLst/>
+          </a:prstGeom>
+        </p:spPr>
+        <p:style>
+          <a:lnRef idx="2">
+            <a:schemeClr val="accent1">
+              <a:shade val="50000"/>
+            </a:schemeClr>
+          </a:lnRef>
+          <a:fillRef idx="1">
+            <a:schemeClr val="accent1"/>
+          </a:fillRef>
+          <a:effectRef idx="0">
+            <a:schemeClr val="accent1"/>
+          </a:effectRef>
+          <a:fontRef idx="minor">
+            <a:schemeClr val="lt1"/>
+          </a:fontRef>
+        </p:style>
+        <p:txBody>
+          <a:bodyPr rtlCol="0" anchor="ctr"/>
+          <a:lstStyle/>
+          <a:p>
+            <a:pPr algn="ctr"/>
+            <a:r>
+              <a:rPr lang="en-US" altLang="zh-TW" dirty="0" smtClean="0"/>
+              <a:t>1</a:t>
+            </a:r>
+            <a:endParaRPr lang="zh-TW" altLang="en-US" dirty="0"/>
+          </a:p>
+        </p:txBody>
+      </p:sp>
+      <p:cxnSp>
+        <p:nvCxnSpPr>
+          <p:cNvPr id="7" name="直線單箭頭接點 6"/>
+          <p:cNvCxnSpPr/>
+          <p:nvPr/>
+        </p:nvCxnSpPr>
+        <p:spPr>
+          <a:xfrm>
+            <a:off x="5606426" y="496209"/>
+            <a:ext cx="873940" cy="0"/>
+          </a:xfrm>
+          <a:prstGeom prst="straightConnector1">
+            <a:avLst/>
+          </a:prstGeom>
+          <a:ln>
+            <a:tailEnd type="triangle"/>
+          </a:ln>
+        </p:spPr>
+        <p:style>
+          <a:lnRef idx="1">
+            <a:schemeClr val="accent1"/>
+          </a:lnRef>
+          <a:fillRef idx="0">
+            <a:schemeClr val="accent1"/>
+          </a:fillRef>
+          <a:effectRef idx="0">
+            <a:schemeClr val="accent1"/>
+          </a:effectRef>
+          <a:fontRef idx="minor">
+            <a:schemeClr val="tx1"/>
+          </a:fontRef>
+        </p:style>
+      </p:cxnSp>
+      <p:sp>
+        <p:nvSpPr>
+          <p:cNvPr id="9" name="文字方塊 8"/>
+          <p:cNvSpPr txBox="1"/>
+          <p:nvPr/>
+        </p:nvSpPr>
+        <p:spPr>
+          <a:xfrm>
+            <a:off x="6480366" y="311543"/>
+            <a:ext cx="1116702" cy="369332"/>
+          </a:xfrm>
+          <a:prstGeom prst="rect">
+            <a:avLst/>
+          </a:prstGeom>
+          <a:noFill/>
+        </p:spPr>
+        <p:txBody>
+          <a:bodyPr wrap="square" rtlCol="0">
+            <a:spAutoFit/>
+          </a:bodyPr>
+          <a:lstStyle/>
+          <a:p>
+            <a:r>
+              <a:rPr lang="zh-TW" altLang="en-US" dirty="0" smtClean="0"/>
+              <a:t>主導覽列</a:t>
+            </a:r>
+            <a:endParaRPr lang="zh-TW" altLang="en-US" dirty="0"/>
+          </a:p>
+        </p:txBody>
+      </p:sp>
+      <p:sp>
+        <p:nvSpPr>
+          <p:cNvPr id="11" name="橢圓 10"/>
+          <p:cNvSpPr/>
+          <p:nvPr/>
+        </p:nvSpPr>
+        <p:spPr>
+          <a:xfrm>
+            <a:off x="4468798" y="2589562"/>
+            <a:ext cx="226577" cy="218485"/>
+          </a:xfrm>
+          <a:prstGeom prst="ellipse">
+            <a:avLst/>
+          </a:prstGeom>
+        </p:spPr>
+        <p:style>
+          <a:lnRef idx="2">
+            <a:schemeClr val="accent1">
+              <a:shade val="50000"/>
+            </a:schemeClr>
+          </a:lnRef>
+          <a:fillRef idx="1">
+            <a:schemeClr val="accent1"/>
+          </a:fillRef>
+          <a:effectRef idx="0">
+            <a:schemeClr val="accent1"/>
+          </a:effectRef>
+          <a:fontRef idx="minor">
+            <a:schemeClr val="lt1"/>
+          </a:fontRef>
+        </p:style>
+        <p:txBody>
+          <a:bodyPr rtlCol="0" anchor="ctr"/>
+          <a:lstStyle/>
+          <a:p>
+            <a:pPr algn="ctr"/>
+            <a:r>
+              <a:rPr lang="en-US" altLang="zh-TW" dirty="0"/>
+              <a:t>2</a:t>
+            </a:r>
+            <a:endParaRPr lang="zh-TW" altLang="en-US" dirty="0"/>
+          </a:p>
+        </p:txBody>
+      </p:sp>
+      <p:sp>
+        <p:nvSpPr>
+          <p:cNvPr id="17" name="橢圓 16"/>
+          <p:cNvSpPr/>
+          <p:nvPr/>
+        </p:nvSpPr>
+        <p:spPr>
+          <a:xfrm>
+            <a:off x="4238383" y="5602242"/>
+            <a:ext cx="226577" cy="218485"/>
+          </a:xfrm>
+          <a:prstGeom prst="ellipse">
+            <a:avLst/>
+          </a:prstGeom>
+        </p:spPr>
+        <p:style>
+          <a:lnRef idx="2">
+            <a:schemeClr val="accent1">
+              <a:shade val="50000"/>
+            </a:schemeClr>
+          </a:lnRef>
+          <a:fillRef idx="1">
+            <a:schemeClr val="accent1"/>
+          </a:fillRef>
+          <a:effectRef idx="0">
+            <a:schemeClr val="accent1"/>
+          </a:effectRef>
+          <a:fontRef idx="minor">
+            <a:schemeClr val="lt1"/>
+          </a:fontRef>
+        </p:style>
+        <p:txBody>
+          <a:bodyPr rtlCol="0" anchor="ctr"/>
+          <a:lstStyle/>
+          <a:p>
+            <a:pPr algn="ctr"/>
+            <a:r>
+              <a:rPr lang="en-US" altLang="zh-TW" dirty="0"/>
+              <a:t>3</a:t>
+            </a:r>
+            <a:endParaRPr lang="zh-TW" altLang="en-US" dirty="0"/>
+          </a:p>
+        </p:txBody>
+      </p:sp>
+      <p:sp>
+        <p:nvSpPr>
+          <p:cNvPr id="18" name="橢圓 17"/>
+          <p:cNvSpPr/>
+          <p:nvPr/>
+        </p:nvSpPr>
+        <p:spPr>
+          <a:xfrm>
+            <a:off x="3936768" y="6226232"/>
+            <a:ext cx="226577" cy="218485"/>
+          </a:xfrm>
+          <a:prstGeom prst="ellipse">
+            <a:avLst/>
+          </a:prstGeom>
+        </p:spPr>
+        <p:style>
+          <a:lnRef idx="2">
+            <a:schemeClr val="accent1">
+              <a:shade val="50000"/>
+            </a:schemeClr>
+          </a:lnRef>
+          <a:fillRef idx="1">
+            <a:schemeClr val="accent1"/>
+          </a:fillRef>
+          <a:effectRef idx="0">
+            <a:schemeClr val="accent1"/>
+          </a:effectRef>
+          <a:fontRef idx="minor">
+            <a:schemeClr val="lt1"/>
+          </a:fontRef>
+        </p:style>
+        <p:txBody>
+          <a:bodyPr rtlCol="0" anchor="ctr"/>
+          <a:lstStyle/>
+          <a:p>
+            <a:pPr algn="ctr"/>
+            <a:r>
+              <a:rPr lang="en-US" altLang="zh-TW" dirty="0"/>
+              <a:t>4</a:t>
+            </a:r>
+            <a:endParaRPr lang="zh-TW" altLang="en-US" dirty="0"/>
+          </a:p>
+        </p:txBody>
+      </p:sp>
+      <p:cxnSp>
+        <p:nvCxnSpPr>
+          <p:cNvPr id="21" name="直線單箭頭接點 20"/>
+          <p:cNvCxnSpPr/>
+          <p:nvPr/>
+        </p:nvCxnSpPr>
+        <p:spPr>
+          <a:xfrm>
+            <a:off x="4784395" y="2706616"/>
+            <a:ext cx="873940" cy="0"/>
+          </a:xfrm>
+          <a:prstGeom prst="straightConnector1">
+            <a:avLst/>
+          </a:prstGeom>
+          <a:ln>
+            <a:tailEnd type="triangle"/>
+          </a:ln>
+        </p:spPr>
+        <p:style>
+          <a:lnRef idx="1">
+            <a:schemeClr val="accent1"/>
+          </a:lnRef>
+          <a:fillRef idx="0">
+            <a:schemeClr val="accent1"/>
+          </a:fillRef>
+          <a:effectRef idx="0">
+            <a:schemeClr val="accent1"/>
+          </a:effectRef>
+          <a:fontRef idx="minor">
+            <a:schemeClr val="tx1"/>
+          </a:fontRef>
+        </p:style>
+      </p:cxnSp>
+      <p:cxnSp>
+        <p:nvCxnSpPr>
+          <p:cNvPr id="24" name="直線單箭頭接點 23"/>
+          <p:cNvCxnSpPr/>
+          <p:nvPr/>
+        </p:nvCxnSpPr>
+        <p:spPr>
+          <a:xfrm>
+            <a:off x="4582086" y="5711484"/>
+            <a:ext cx="873940" cy="0"/>
+          </a:xfrm>
+          <a:prstGeom prst="straightConnector1">
+            <a:avLst/>
+          </a:prstGeom>
+          <a:ln>
+            <a:tailEnd type="triangle"/>
+          </a:ln>
+        </p:spPr>
+        <p:style>
+          <a:lnRef idx="1">
+            <a:schemeClr val="accent1"/>
+          </a:lnRef>
+          <a:fillRef idx="0">
+            <a:schemeClr val="accent1"/>
+          </a:fillRef>
+          <a:effectRef idx="0">
+            <a:schemeClr val="accent1"/>
+          </a:effectRef>
+          <a:fontRef idx="minor">
+            <a:schemeClr val="tx1"/>
+          </a:fontRef>
+        </p:style>
+      </p:cxnSp>
+      <p:cxnSp>
+        <p:nvCxnSpPr>
+          <p:cNvPr id="25" name="直線單箭頭接點 24"/>
+          <p:cNvCxnSpPr/>
+          <p:nvPr/>
+        </p:nvCxnSpPr>
+        <p:spPr>
+          <a:xfrm>
+            <a:off x="4185103" y="6335474"/>
+            <a:ext cx="873940" cy="0"/>
+          </a:xfrm>
+          <a:prstGeom prst="straightConnector1">
+            <a:avLst/>
+          </a:prstGeom>
+          <a:ln>
+            <a:tailEnd type="triangle"/>
+          </a:ln>
+        </p:spPr>
+        <p:style>
+          <a:lnRef idx="1">
+            <a:schemeClr val="accent1"/>
+          </a:lnRef>
+          <a:fillRef idx="0">
+            <a:schemeClr val="accent1"/>
+          </a:fillRef>
+          <a:effectRef idx="0">
+            <a:schemeClr val="accent1"/>
+          </a:effectRef>
+          <a:fontRef idx="minor">
+            <a:schemeClr val="tx1"/>
+          </a:fontRef>
+        </p:style>
+      </p:cxnSp>
+      <p:cxnSp>
+        <p:nvCxnSpPr>
+          <p:cNvPr id="26" name="直線單箭頭接點 25"/>
+          <p:cNvCxnSpPr/>
+          <p:nvPr/>
+        </p:nvCxnSpPr>
+        <p:spPr>
+          <a:xfrm>
+            <a:off x="5531515" y="6689482"/>
+            <a:ext cx="873940" cy="0"/>
+          </a:xfrm>
+          <a:prstGeom prst="straightConnector1">
+            <a:avLst/>
+          </a:prstGeom>
+          <a:ln>
+            <a:tailEnd type="triangle"/>
+          </a:ln>
+        </p:spPr>
+        <p:style>
+          <a:lnRef idx="1">
+            <a:schemeClr val="accent1"/>
+          </a:lnRef>
+          <a:fillRef idx="0">
+            <a:schemeClr val="accent1"/>
+          </a:fillRef>
+          <a:effectRef idx="0">
+            <a:schemeClr val="accent1"/>
+          </a:effectRef>
+          <a:fontRef idx="minor">
+            <a:schemeClr val="tx1"/>
+          </a:fontRef>
+        </p:style>
+      </p:cxnSp>
+      <p:sp>
+        <p:nvSpPr>
+          <p:cNvPr id="28" name="文字方塊 27"/>
+          <p:cNvSpPr txBox="1"/>
+          <p:nvPr/>
+        </p:nvSpPr>
+        <p:spPr>
+          <a:xfrm>
+            <a:off x="5658335" y="2497164"/>
+            <a:ext cx="2242844" cy="369332"/>
+          </a:xfrm>
+          <a:prstGeom prst="rect">
+            <a:avLst/>
+          </a:prstGeom>
+          <a:noFill/>
+        </p:spPr>
+        <p:txBody>
+          <a:bodyPr wrap="square" rtlCol="0">
+            <a:spAutoFit/>
+          </a:bodyPr>
+          <a:lstStyle/>
+          <a:p>
+            <a:r>
+              <a:rPr lang="zh-TW" altLang="en-US" dirty="0" smtClean="0"/>
+              <a:t>海報，主打活動形象</a:t>
+            </a:r>
+            <a:endParaRPr lang="zh-TW" altLang="en-US" dirty="0"/>
+          </a:p>
+        </p:txBody>
+      </p:sp>
+      <p:sp>
+        <p:nvSpPr>
+          <p:cNvPr id="34" name="文字方塊 33"/>
+          <p:cNvSpPr txBox="1"/>
+          <p:nvPr/>
+        </p:nvSpPr>
+        <p:spPr>
+          <a:xfrm>
+            <a:off x="6405455" y="6488668"/>
+            <a:ext cx="1861168" cy="369332"/>
+          </a:xfrm>
+          <a:prstGeom prst="rect">
+            <a:avLst/>
+          </a:prstGeom>
+          <a:noFill/>
+        </p:spPr>
+        <p:txBody>
+          <a:bodyPr wrap="square" rtlCol="0">
+            <a:spAutoFit/>
+          </a:bodyPr>
+          <a:lstStyle/>
+          <a:p>
+            <a:r>
+              <a:rPr lang="zh-TW" altLang="en-US" dirty="0" smtClean="0"/>
+              <a:t>頁尾及相關資訊</a:t>
+            </a:r>
+            <a:endParaRPr lang="zh-TW" altLang="en-US" dirty="0"/>
+          </a:p>
+        </p:txBody>
+      </p:sp>
+      <p:sp>
+        <p:nvSpPr>
+          <p:cNvPr id="35" name="橢圓 34"/>
+          <p:cNvSpPr/>
+          <p:nvPr/>
+        </p:nvSpPr>
+        <p:spPr>
+          <a:xfrm>
+            <a:off x="9126468" y="296606"/>
+            <a:ext cx="226577" cy="218485"/>
+          </a:xfrm>
+          <a:prstGeom prst="ellipse">
+            <a:avLst/>
+          </a:prstGeom>
+        </p:spPr>
+        <p:style>
+          <a:lnRef idx="2">
+            <a:schemeClr val="accent1">
+              <a:shade val="50000"/>
+            </a:schemeClr>
+          </a:lnRef>
+          <a:fillRef idx="1">
+            <a:schemeClr val="accent1"/>
+          </a:fillRef>
+          <a:effectRef idx="0">
+            <a:schemeClr val="accent1"/>
+          </a:effectRef>
+          <a:fontRef idx="minor">
+            <a:schemeClr val="lt1"/>
+          </a:fontRef>
+        </p:style>
+        <p:txBody>
+          <a:bodyPr rtlCol="0" anchor="ctr"/>
+          <a:lstStyle/>
+          <a:p>
+            <a:pPr algn="ctr"/>
+            <a:r>
+              <a:rPr lang="en-US" altLang="zh-TW" dirty="0" smtClean="0"/>
+              <a:t>1</a:t>
+            </a:r>
+            <a:endParaRPr lang="zh-TW" altLang="en-US" dirty="0"/>
+          </a:p>
+        </p:txBody>
+      </p:sp>
+      <p:sp>
+        <p:nvSpPr>
+          <p:cNvPr id="36" name="橢圓 35"/>
+          <p:cNvSpPr/>
+          <p:nvPr/>
+        </p:nvSpPr>
+        <p:spPr>
+          <a:xfrm>
+            <a:off x="9126464" y="842300"/>
+            <a:ext cx="226577" cy="218485"/>
+          </a:xfrm>
+          <a:prstGeom prst="ellipse">
+            <a:avLst/>
+          </a:prstGeom>
+        </p:spPr>
+        <p:style>
+          <a:lnRef idx="2">
+            <a:schemeClr val="accent1">
+              <a:shade val="50000"/>
+            </a:schemeClr>
+          </a:lnRef>
+          <a:fillRef idx="1">
+            <a:schemeClr val="accent1"/>
+          </a:fillRef>
+          <a:effectRef idx="0">
+            <a:schemeClr val="accent1"/>
+          </a:effectRef>
+          <a:fontRef idx="minor">
+            <a:schemeClr val="lt1"/>
+          </a:fontRef>
+        </p:style>
+        <p:txBody>
+          <a:bodyPr rtlCol="0" anchor="ctr"/>
+          <a:lstStyle/>
+          <a:p>
+            <a:pPr algn="ctr"/>
+            <a:r>
+              <a:rPr lang="en-US" altLang="zh-TW" dirty="0"/>
+              <a:t>2</a:t>
+            </a:r>
+            <a:endParaRPr lang="zh-TW" altLang="en-US" dirty="0"/>
+          </a:p>
+        </p:txBody>
+      </p:sp>
+      <p:sp>
+        <p:nvSpPr>
+          <p:cNvPr id="37" name="橢圓 36"/>
+          <p:cNvSpPr/>
+          <p:nvPr/>
+        </p:nvSpPr>
+        <p:spPr>
+          <a:xfrm>
+            <a:off x="9126464" y="1358324"/>
+            <a:ext cx="226577" cy="218485"/>
+          </a:xfrm>
+          <a:prstGeom prst="ellipse">
+            <a:avLst/>
+          </a:prstGeom>
+        </p:spPr>
+        <p:style>
+          <a:lnRef idx="2">
+            <a:schemeClr val="accent1">
+              <a:shade val="50000"/>
+            </a:schemeClr>
+          </a:lnRef>
+          <a:fillRef idx="1">
+            <a:schemeClr val="accent1"/>
+          </a:fillRef>
+          <a:effectRef idx="0">
+            <a:schemeClr val="accent1"/>
+          </a:effectRef>
+          <a:fontRef idx="minor">
+            <a:schemeClr val="lt1"/>
+          </a:fontRef>
+        </p:style>
+        <p:txBody>
+          <a:bodyPr rtlCol="0" anchor="ctr"/>
+          <a:lstStyle/>
+          <a:p>
+            <a:pPr algn="ctr"/>
+            <a:r>
+              <a:rPr lang="en-US" altLang="zh-TW" dirty="0"/>
+              <a:t>3</a:t>
+            </a:r>
+            <a:endParaRPr lang="zh-TW" altLang="en-US" dirty="0"/>
+          </a:p>
+        </p:txBody>
+      </p:sp>
+      <p:sp>
+        <p:nvSpPr>
+          <p:cNvPr id="38" name="橢圓 37"/>
+          <p:cNvSpPr/>
+          <p:nvPr/>
+        </p:nvSpPr>
+        <p:spPr>
+          <a:xfrm>
+            <a:off x="9126464" y="1913820"/>
+            <a:ext cx="226577" cy="218485"/>
+          </a:xfrm>
+          <a:prstGeom prst="ellipse">
+            <a:avLst/>
+          </a:prstGeom>
+        </p:spPr>
+        <p:style>
+          <a:lnRef idx="2">
+            <a:schemeClr val="accent1">
+              <a:shade val="50000"/>
+            </a:schemeClr>
+          </a:lnRef>
+          <a:fillRef idx="1">
+            <a:schemeClr val="accent1"/>
+          </a:fillRef>
+          <a:effectRef idx="0">
+            <a:schemeClr val="accent1"/>
+          </a:effectRef>
+          <a:fontRef idx="minor">
+            <a:schemeClr val="lt1"/>
+          </a:fontRef>
+        </p:style>
+        <p:txBody>
+          <a:bodyPr rtlCol="0" anchor="ctr"/>
+          <a:lstStyle/>
+          <a:p>
+            <a:pPr algn="ctr"/>
+            <a:r>
+              <a:rPr lang="en-US" altLang="zh-TW" dirty="0"/>
+              <a:t>4</a:t>
+            </a:r>
+            <a:endParaRPr lang="zh-TW" altLang="en-US" dirty="0"/>
+          </a:p>
+        </p:txBody>
+      </p:sp>
+      <p:sp>
+        <p:nvSpPr>
+          <p:cNvPr id="39" name="橢圓 38"/>
+          <p:cNvSpPr/>
+          <p:nvPr/>
+        </p:nvSpPr>
+        <p:spPr>
+          <a:xfrm>
+            <a:off x="9126464" y="2463345"/>
+            <a:ext cx="226577" cy="218485"/>
+          </a:xfrm>
+          <a:prstGeom prst="ellipse">
+            <a:avLst/>
+          </a:prstGeom>
+        </p:spPr>
+        <p:style>
+          <a:lnRef idx="2">
+            <a:schemeClr val="accent1">
+              <a:shade val="50000"/>
+            </a:schemeClr>
+          </a:lnRef>
+          <a:fillRef idx="1">
+            <a:schemeClr val="accent1"/>
+          </a:fillRef>
+          <a:effectRef idx="0">
+            <a:schemeClr val="accent1"/>
+          </a:effectRef>
+          <a:fontRef idx="minor">
+            <a:schemeClr val="lt1"/>
+          </a:fontRef>
+        </p:style>
+        <p:txBody>
+          <a:bodyPr rtlCol="0" anchor="ctr"/>
+          <a:lstStyle/>
+          <a:p>
+            <a:pPr algn="ctr"/>
+            <a:r>
+              <a:rPr lang="en-US" altLang="zh-TW" dirty="0"/>
+              <a:t>5</a:t>
+            </a:r>
+            <a:endParaRPr lang="zh-TW" altLang="en-US" dirty="0"/>
+          </a:p>
+        </p:txBody>
+      </p:sp>
+      <p:sp>
+        <p:nvSpPr>
+          <p:cNvPr id="41" name="文字方塊 40"/>
+          <p:cNvSpPr txBox="1"/>
+          <p:nvPr/>
+        </p:nvSpPr>
+        <p:spPr>
+          <a:xfrm>
+            <a:off x="9409688" y="236119"/>
+            <a:ext cx="1116702" cy="369332"/>
+          </a:xfrm>
+          <a:prstGeom prst="rect">
+            <a:avLst/>
+          </a:prstGeom>
+          <a:noFill/>
+        </p:spPr>
+        <p:txBody>
+          <a:bodyPr wrap="square" rtlCol="0">
+            <a:spAutoFit/>
+          </a:bodyPr>
+          <a:lstStyle/>
+          <a:p>
+            <a:r>
+              <a:rPr lang="zh-TW" altLang="en-US" dirty="0" smtClean="0"/>
+              <a:t>主導覽</a:t>
+            </a:r>
+            <a:r>
+              <a:rPr lang="zh-TW" altLang="en-US" dirty="0"/>
+              <a:t>列</a:t>
+            </a:r>
+            <a:endParaRPr lang="zh-TW" altLang="en-US" dirty="0"/>
+          </a:p>
+        </p:txBody>
+      </p:sp>
+      <p:sp>
+        <p:nvSpPr>
+          <p:cNvPr id="46" name="文字方塊 45"/>
+          <p:cNvSpPr txBox="1"/>
+          <p:nvPr/>
+        </p:nvSpPr>
+        <p:spPr>
+          <a:xfrm>
+            <a:off x="9409688" y="766876"/>
+            <a:ext cx="2391015" cy="369332"/>
+          </a:xfrm>
+          <a:prstGeom prst="rect">
+            <a:avLst/>
+          </a:prstGeom>
+          <a:noFill/>
+        </p:spPr>
+        <p:txBody>
+          <a:bodyPr wrap="square" rtlCol="0">
+            <a:spAutoFit/>
+          </a:bodyPr>
+          <a:lstStyle/>
+          <a:p>
+            <a:r>
+              <a:rPr lang="zh-TW" altLang="en-US" dirty="0"/>
+              <a:t>海報，主打活動形象</a:t>
+            </a:r>
+            <a:endParaRPr lang="zh-TW" altLang="en-US" dirty="0"/>
+          </a:p>
+        </p:txBody>
+      </p:sp>
+      <p:sp>
+        <p:nvSpPr>
+          <p:cNvPr id="47" name="文字方塊 46"/>
+          <p:cNvSpPr txBox="1"/>
+          <p:nvPr/>
+        </p:nvSpPr>
+        <p:spPr>
+          <a:xfrm>
+            <a:off x="9409689" y="1282900"/>
+            <a:ext cx="2391014" cy="646331"/>
+          </a:xfrm>
+          <a:prstGeom prst="rect">
+            <a:avLst/>
+          </a:prstGeom>
+          <a:noFill/>
+        </p:spPr>
+        <p:txBody>
+          <a:bodyPr wrap="square" rtlCol="0">
+            <a:spAutoFit/>
+          </a:bodyPr>
+          <a:lstStyle/>
+          <a:p>
+            <a:r>
+              <a:rPr lang="zh-TW" altLang="en-US" dirty="0" smtClean="0"/>
+              <a:t>說明最新</a:t>
+            </a:r>
+            <a:r>
+              <a:rPr lang="zh-TW" altLang="en-US" dirty="0"/>
+              <a:t>資訊、公告</a:t>
+            </a:r>
+          </a:p>
+          <a:p>
+            <a:endParaRPr lang="zh-TW" altLang="en-US" dirty="0"/>
+          </a:p>
+        </p:txBody>
+      </p:sp>
+      <p:sp>
+        <p:nvSpPr>
+          <p:cNvPr id="48" name="文字方塊 47"/>
+          <p:cNvSpPr txBox="1"/>
+          <p:nvPr/>
+        </p:nvSpPr>
+        <p:spPr>
+          <a:xfrm>
+            <a:off x="9412785" y="1838396"/>
+            <a:ext cx="1716862" cy="369332"/>
+          </a:xfrm>
+          <a:prstGeom prst="rect">
+            <a:avLst/>
+          </a:prstGeom>
+          <a:noFill/>
+        </p:spPr>
+        <p:txBody>
+          <a:bodyPr wrap="square" rtlCol="0">
+            <a:spAutoFit/>
+          </a:bodyPr>
+          <a:lstStyle/>
+          <a:p>
+            <a:r>
+              <a:rPr lang="zh-TW" altLang="en-US" dirty="0" smtClean="0"/>
+              <a:t>回首頁按鈕</a:t>
+            </a:r>
+            <a:endParaRPr lang="zh-TW" altLang="en-US" dirty="0"/>
+          </a:p>
+        </p:txBody>
+      </p:sp>
+      <p:sp>
+        <p:nvSpPr>
+          <p:cNvPr id="49" name="文字方塊 48"/>
+          <p:cNvSpPr txBox="1"/>
+          <p:nvPr/>
+        </p:nvSpPr>
+        <p:spPr>
+          <a:xfrm>
+            <a:off x="9409687" y="2387921"/>
+            <a:ext cx="2007955" cy="646331"/>
+          </a:xfrm>
+          <a:prstGeom prst="rect">
+            <a:avLst/>
+          </a:prstGeom>
+          <a:noFill/>
+        </p:spPr>
+        <p:txBody>
+          <a:bodyPr wrap="square" rtlCol="0">
+            <a:spAutoFit/>
+          </a:bodyPr>
+          <a:lstStyle/>
+          <a:p>
+            <a:r>
+              <a:rPr lang="zh-TW" altLang="en-US" dirty="0"/>
+              <a:t>頁尾及相關資訊</a:t>
+            </a:r>
+          </a:p>
+          <a:p>
+            <a:endParaRPr lang="zh-TW" altLang="en-US" dirty="0"/>
+          </a:p>
+        </p:txBody>
+      </p:sp>
+      <p:sp>
+        <p:nvSpPr>
+          <p:cNvPr id="54" name="橢圓 53"/>
+          <p:cNvSpPr/>
+          <p:nvPr/>
+        </p:nvSpPr>
+        <p:spPr>
+          <a:xfrm>
+            <a:off x="4942416" y="6583875"/>
+            <a:ext cx="226577" cy="218485"/>
+          </a:xfrm>
+          <a:prstGeom prst="ellipse">
+            <a:avLst/>
+          </a:prstGeom>
+        </p:spPr>
+        <p:style>
+          <a:lnRef idx="2">
+            <a:schemeClr val="accent1">
+              <a:shade val="50000"/>
+            </a:schemeClr>
+          </a:lnRef>
+          <a:fillRef idx="1">
+            <a:schemeClr val="accent1"/>
+          </a:fillRef>
+          <a:effectRef idx="0">
+            <a:schemeClr val="accent1"/>
+          </a:effectRef>
+          <a:fontRef idx="minor">
+            <a:schemeClr val="lt1"/>
+          </a:fontRef>
+        </p:style>
+        <p:txBody>
+          <a:bodyPr rtlCol="0" anchor="ctr"/>
+          <a:lstStyle/>
+          <a:p>
+            <a:pPr algn="ctr"/>
+            <a:r>
+              <a:rPr lang="en-US" altLang="zh-TW" dirty="0"/>
+              <a:t>5</a:t>
+            </a:r>
+            <a:endParaRPr lang="zh-TW" altLang="en-US" dirty="0"/>
+          </a:p>
+        </p:txBody>
+      </p:sp>
+      <p:sp>
+        <p:nvSpPr>
+          <p:cNvPr id="27" name="文字方塊 26"/>
+          <p:cNvSpPr txBox="1"/>
+          <p:nvPr/>
+        </p:nvSpPr>
+        <p:spPr>
+          <a:xfrm>
+            <a:off x="5110054" y="6140603"/>
+            <a:ext cx="1716862" cy="369332"/>
+          </a:xfrm>
+          <a:prstGeom prst="rect">
+            <a:avLst/>
+          </a:prstGeom>
+          <a:noFill/>
+        </p:spPr>
+        <p:txBody>
+          <a:bodyPr wrap="square" rtlCol="0">
+            <a:spAutoFit/>
+          </a:bodyPr>
+          <a:lstStyle/>
+          <a:p>
+            <a:r>
+              <a:rPr lang="zh-TW" altLang="en-US" dirty="0" smtClean="0"/>
+              <a:t>回首頁按鈕</a:t>
+            </a:r>
+            <a:endParaRPr lang="zh-TW" altLang="en-US" dirty="0"/>
+          </a:p>
+        </p:txBody>
+      </p:sp>
+      <p:sp>
+        <p:nvSpPr>
+          <p:cNvPr id="29" name="文字方塊 28"/>
+          <p:cNvSpPr txBox="1"/>
+          <p:nvPr/>
+        </p:nvSpPr>
+        <p:spPr>
+          <a:xfrm>
+            <a:off x="5510165" y="5467935"/>
+            <a:ext cx="2391014" cy="646331"/>
+          </a:xfrm>
+          <a:prstGeom prst="rect">
+            <a:avLst/>
+          </a:prstGeom>
+          <a:noFill/>
+        </p:spPr>
+        <p:txBody>
+          <a:bodyPr wrap="square" rtlCol="0">
+            <a:spAutoFit/>
+          </a:bodyPr>
+          <a:lstStyle/>
+          <a:p>
+            <a:r>
+              <a:rPr lang="zh-TW" altLang="en-US" dirty="0" smtClean="0"/>
+              <a:t>說明最新</a:t>
+            </a:r>
+            <a:r>
+              <a:rPr lang="zh-TW" altLang="en-US" dirty="0"/>
+              <a:t>資訊、公告</a:t>
+            </a:r>
+          </a:p>
+          <a:p>
+            <a:endParaRPr lang="zh-TW" altLang="en-US" dirty="0"/>
+          </a:p>
+        </p:txBody>
+      </p:sp>
+    </p:spTree>
+    <p:extLst>
+      <p:ext uri="{BB962C8B-B14F-4D97-AF65-F5344CB8AC3E}">
+        <p14:creationId xmlns:p14="http://schemas.microsoft.com/office/powerpoint/2010/main" val="2763525522"/>
+      </p:ext>
+    </p:extLst>
+  </p:cSld>
+  <p:clrMapOvr>
+    <a:masterClrMapping/>
+  </p:clrMapOvr>
+  <p:timing>
+    <p:tnLst>
+      <p:par>
+        <p:cTn id="1" dur="indefinite" restart="never" nodeType="tmRoot"/>
+      </p:par>
+    </p:tnLst>
+  </p:timing>
+</p:sld>
+</file>
+
+<file path=ppt/slides/slide6.xml><?xml version="1.0" encoding="utf-8"?>
+<p:sld xmlns:a="http://schemas.openxmlformats.org/drawingml/2006/main" xmlns:r="http://schemas.openxmlformats.org/officeDocument/2006/relationships" xmlns:p="http://schemas.openxmlformats.org/presentationml/2006/main">
+  <p:cSld>
+    <p:spTree>
+      <p:nvGrpSpPr>
+        <p:cNvPr id="1" name=""/>
+        <p:cNvGrpSpPr/>
+        <p:nvPr/>
+      </p:nvGrpSpPr>
+      <p:grpSpPr>
+        <a:xfrm>
+          <a:off x="0" y="0"/>
+          <a:ext cx="0" cy="0"/>
+          <a:chOff x="0" y="0"/>
+          <a:chExt cx="0" cy="0"/>
+        </a:xfrm>
+      </p:grpSpPr>
+      <p:pic>
+        <p:nvPicPr>
+          <p:cNvPr id="2" name="圖片 1"/>
+          <p:cNvPicPr>
+            <a:picLocks noChangeAspect="1"/>
+          </p:cNvPicPr>
+          <p:nvPr/>
+        </p:nvPicPr>
+        <p:blipFill>
+          <a:blip r:embed="rId2">
+            <a:extLst>
+              <a:ext uri="{28A0092B-C50C-407E-A947-70E740481C1C}">
+                <a14:useLocalDpi xmlns:a14="http://schemas.microsoft.com/office/drawing/2010/main" val="0"/>
+              </a:ext>
+            </a:extLst>
+          </a:blip>
+          <a:stretch>
+            <a:fillRect/>
+          </a:stretch>
+        </p:blipFill>
+        <p:spPr>
+          <a:xfrm>
+            <a:off x="487792" y="0"/>
+            <a:ext cx="6550925" cy="6858000"/>
+          </a:xfrm>
+          <a:prstGeom prst="rect">
+            <a:avLst/>
+          </a:prstGeom>
+        </p:spPr>
+      </p:pic>
+      <p:sp>
+        <p:nvSpPr>
+          <p:cNvPr id="5" name="橢圓 4"/>
+          <p:cNvSpPr/>
+          <p:nvPr/>
+        </p:nvSpPr>
+        <p:spPr>
+          <a:xfrm>
+            <a:off x="5143832" y="368127"/>
+            <a:ext cx="226577" cy="218485"/>
+          </a:xfrm>
+          <a:prstGeom prst="ellipse">
+            <a:avLst/>
+          </a:prstGeom>
+        </p:spPr>
+        <p:style>
+          <a:lnRef idx="2">
+            <a:schemeClr val="accent1">
+              <a:shade val="50000"/>
+            </a:schemeClr>
+          </a:lnRef>
+          <a:fillRef idx="1">
+            <a:schemeClr val="accent1"/>
+          </a:fillRef>
+          <a:effectRef idx="0">
+            <a:schemeClr val="accent1"/>
+          </a:effectRef>
+          <a:fontRef idx="minor">
+            <a:schemeClr val="lt1"/>
+          </a:fontRef>
+        </p:style>
+        <p:txBody>
+          <a:bodyPr rtlCol="0" anchor="ctr"/>
+          <a:lstStyle/>
+          <a:p>
+            <a:pPr algn="ctr"/>
+            <a:r>
+              <a:rPr lang="en-US" altLang="zh-TW" dirty="0" smtClean="0"/>
+              <a:t>1</a:t>
+            </a:r>
+            <a:endParaRPr lang="zh-TW" altLang="en-US" dirty="0"/>
+          </a:p>
+        </p:txBody>
+      </p:sp>
+      <p:cxnSp>
+        <p:nvCxnSpPr>
+          <p:cNvPr id="7" name="直線單箭頭接點 6"/>
+          <p:cNvCxnSpPr/>
+          <p:nvPr/>
+        </p:nvCxnSpPr>
+        <p:spPr>
+          <a:xfrm>
+            <a:off x="5606426" y="496209"/>
+            <a:ext cx="873940" cy="0"/>
+          </a:xfrm>
+          <a:prstGeom prst="straightConnector1">
+            <a:avLst/>
+          </a:prstGeom>
+          <a:ln>
+            <a:tailEnd type="triangle"/>
+          </a:ln>
+        </p:spPr>
+        <p:style>
+          <a:lnRef idx="1">
+            <a:schemeClr val="accent1"/>
+          </a:lnRef>
+          <a:fillRef idx="0">
+            <a:schemeClr val="accent1"/>
+          </a:fillRef>
+          <a:effectRef idx="0">
+            <a:schemeClr val="accent1"/>
+          </a:effectRef>
+          <a:fontRef idx="minor">
+            <a:schemeClr val="tx1"/>
+          </a:fontRef>
+        </p:style>
+      </p:cxnSp>
+      <p:sp>
+        <p:nvSpPr>
+          <p:cNvPr id="9" name="文字方塊 8"/>
+          <p:cNvSpPr txBox="1"/>
+          <p:nvPr/>
+        </p:nvSpPr>
+        <p:spPr>
+          <a:xfrm>
+            <a:off x="6480366" y="311543"/>
+            <a:ext cx="1116702" cy="369332"/>
+          </a:xfrm>
+          <a:prstGeom prst="rect">
+            <a:avLst/>
+          </a:prstGeom>
+          <a:noFill/>
+        </p:spPr>
+        <p:txBody>
+          <a:bodyPr wrap="square" rtlCol="0">
+            <a:spAutoFit/>
+          </a:bodyPr>
+          <a:lstStyle/>
+          <a:p>
+            <a:r>
+              <a:rPr lang="zh-TW" altLang="en-US" dirty="0" smtClean="0"/>
+              <a:t>主導覽列</a:t>
+            </a:r>
+            <a:endParaRPr lang="zh-TW" altLang="en-US" dirty="0"/>
+          </a:p>
+        </p:txBody>
+      </p:sp>
+      <p:sp>
+        <p:nvSpPr>
+          <p:cNvPr id="11" name="橢圓 10"/>
+          <p:cNvSpPr/>
+          <p:nvPr/>
+        </p:nvSpPr>
+        <p:spPr>
+          <a:xfrm>
+            <a:off x="5323203" y="2630478"/>
+            <a:ext cx="226577" cy="218485"/>
+          </a:xfrm>
+          <a:prstGeom prst="ellipse">
+            <a:avLst/>
+          </a:prstGeom>
+        </p:spPr>
+        <p:style>
+          <a:lnRef idx="2">
+            <a:schemeClr val="accent1">
+              <a:shade val="50000"/>
+            </a:schemeClr>
+          </a:lnRef>
+          <a:fillRef idx="1">
+            <a:schemeClr val="accent1"/>
+          </a:fillRef>
+          <a:effectRef idx="0">
+            <a:schemeClr val="accent1"/>
+          </a:effectRef>
+          <a:fontRef idx="minor">
+            <a:schemeClr val="lt1"/>
+          </a:fontRef>
+        </p:style>
+        <p:txBody>
+          <a:bodyPr rtlCol="0" anchor="ctr"/>
+          <a:lstStyle/>
+          <a:p>
+            <a:pPr algn="ctr"/>
+            <a:r>
+              <a:rPr lang="en-US" altLang="zh-TW" dirty="0"/>
+              <a:t>2</a:t>
+            </a:r>
+            <a:endParaRPr lang="zh-TW" altLang="en-US" dirty="0"/>
+          </a:p>
+        </p:txBody>
+      </p:sp>
+      <p:sp>
+        <p:nvSpPr>
+          <p:cNvPr id="17" name="橢圓 16"/>
+          <p:cNvSpPr/>
+          <p:nvPr/>
+        </p:nvSpPr>
+        <p:spPr>
+          <a:xfrm>
+            <a:off x="4238383" y="5602242"/>
+            <a:ext cx="226577" cy="218485"/>
+          </a:xfrm>
+          <a:prstGeom prst="ellipse">
+            <a:avLst/>
+          </a:prstGeom>
+        </p:spPr>
+        <p:style>
+          <a:lnRef idx="2">
+            <a:schemeClr val="accent1">
+              <a:shade val="50000"/>
+            </a:schemeClr>
+          </a:lnRef>
+          <a:fillRef idx="1">
+            <a:schemeClr val="accent1"/>
+          </a:fillRef>
+          <a:effectRef idx="0">
+            <a:schemeClr val="accent1"/>
+          </a:effectRef>
+          <a:fontRef idx="minor">
+            <a:schemeClr val="lt1"/>
+          </a:fontRef>
+        </p:style>
+        <p:txBody>
+          <a:bodyPr rtlCol="0" anchor="ctr"/>
+          <a:lstStyle/>
+          <a:p>
+            <a:pPr algn="ctr"/>
+            <a:r>
+              <a:rPr lang="en-US" altLang="zh-TW" dirty="0"/>
+              <a:t>3</a:t>
+            </a:r>
+            <a:endParaRPr lang="zh-TW" altLang="en-US" dirty="0"/>
+          </a:p>
+        </p:txBody>
+      </p:sp>
+      <p:sp>
+        <p:nvSpPr>
+          <p:cNvPr id="18" name="橢圓 17"/>
+          <p:cNvSpPr/>
+          <p:nvPr/>
+        </p:nvSpPr>
+        <p:spPr>
+          <a:xfrm>
+            <a:off x="3936768" y="6226232"/>
+            <a:ext cx="226577" cy="218485"/>
+          </a:xfrm>
+          <a:prstGeom prst="ellipse">
+            <a:avLst/>
+          </a:prstGeom>
+        </p:spPr>
+        <p:style>
+          <a:lnRef idx="2">
+            <a:schemeClr val="accent1">
+              <a:shade val="50000"/>
+            </a:schemeClr>
+          </a:lnRef>
+          <a:fillRef idx="1">
+            <a:schemeClr val="accent1"/>
+          </a:fillRef>
+          <a:effectRef idx="0">
+            <a:schemeClr val="accent1"/>
+          </a:effectRef>
+          <a:fontRef idx="minor">
+            <a:schemeClr val="lt1"/>
+          </a:fontRef>
+        </p:style>
+        <p:txBody>
+          <a:bodyPr rtlCol="0" anchor="ctr"/>
+          <a:lstStyle/>
+          <a:p>
+            <a:pPr algn="ctr"/>
+            <a:r>
+              <a:rPr lang="en-US" altLang="zh-TW" dirty="0"/>
+              <a:t>4</a:t>
+            </a:r>
+            <a:endParaRPr lang="zh-TW" altLang="en-US" dirty="0"/>
+          </a:p>
+        </p:txBody>
+      </p:sp>
+      <p:cxnSp>
+        <p:nvCxnSpPr>
+          <p:cNvPr id="21" name="直線單箭頭接點 20"/>
+          <p:cNvCxnSpPr/>
+          <p:nvPr/>
+        </p:nvCxnSpPr>
+        <p:spPr>
+          <a:xfrm>
+            <a:off x="5606426" y="2719458"/>
+            <a:ext cx="873940" cy="0"/>
+          </a:xfrm>
+          <a:prstGeom prst="straightConnector1">
+            <a:avLst/>
+          </a:prstGeom>
+          <a:ln>
+            <a:tailEnd type="triangle"/>
+          </a:ln>
+        </p:spPr>
+        <p:style>
+          <a:lnRef idx="1">
+            <a:schemeClr val="accent1"/>
+          </a:lnRef>
+          <a:fillRef idx="0">
+            <a:schemeClr val="accent1"/>
+          </a:fillRef>
+          <a:effectRef idx="0">
+            <a:schemeClr val="accent1"/>
+          </a:effectRef>
+          <a:fontRef idx="minor">
+            <a:schemeClr val="tx1"/>
+          </a:fontRef>
+        </p:style>
+      </p:cxnSp>
+      <p:cxnSp>
+        <p:nvCxnSpPr>
+          <p:cNvPr id="24" name="直線單箭頭接點 23"/>
+          <p:cNvCxnSpPr/>
+          <p:nvPr/>
+        </p:nvCxnSpPr>
+        <p:spPr>
+          <a:xfrm>
+            <a:off x="4582086" y="5711484"/>
+            <a:ext cx="873940" cy="0"/>
+          </a:xfrm>
+          <a:prstGeom prst="straightConnector1">
+            <a:avLst/>
+          </a:prstGeom>
+          <a:ln>
+            <a:tailEnd type="triangle"/>
+          </a:ln>
+        </p:spPr>
+        <p:style>
+          <a:lnRef idx="1">
+            <a:schemeClr val="accent1"/>
+          </a:lnRef>
+          <a:fillRef idx="0">
+            <a:schemeClr val="accent1"/>
+          </a:fillRef>
+          <a:effectRef idx="0">
+            <a:schemeClr val="accent1"/>
+          </a:effectRef>
+          <a:fontRef idx="minor">
+            <a:schemeClr val="tx1"/>
+          </a:fontRef>
+        </p:style>
+      </p:cxnSp>
+      <p:cxnSp>
+        <p:nvCxnSpPr>
+          <p:cNvPr id="25" name="直線單箭頭接點 24"/>
+          <p:cNvCxnSpPr/>
+          <p:nvPr/>
+        </p:nvCxnSpPr>
+        <p:spPr>
+          <a:xfrm>
+            <a:off x="4185103" y="6335474"/>
+            <a:ext cx="873940" cy="0"/>
+          </a:xfrm>
+          <a:prstGeom prst="straightConnector1">
+            <a:avLst/>
+          </a:prstGeom>
+          <a:ln>
+            <a:tailEnd type="triangle"/>
+          </a:ln>
+        </p:spPr>
+        <p:style>
+          <a:lnRef idx="1">
+            <a:schemeClr val="accent1"/>
+          </a:lnRef>
+          <a:fillRef idx="0">
+            <a:schemeClr val="accent1"/>
+          </a:fillRef>
+          <a:effectRef idx="0">
+            <a:schemeClr val="accent1"/>
+          </a:effectRef>
+          <a:fontRef idx="minor">
+            <a:schemeClr val="tx1"/>
+          </a:fontRef>
+        </p:style>
+      </p:cxnSp>
+      <p:cxnSp>
+        <p:nvCxnSpPr>
+          <p:cNvPr id="26" name="直線單箭頭接點 25"/>
+          <p:cNvCxnSpPr/>
+          <p:nvPr/>
+        </p:nvCxnSpPr>
+        <p:spPr>
+          <a:xfrm>
+            <a:off x="5531515" y="6689482"/>
+            <a:ext cx="873940" cy="0"/>
+          </a:xfrm>
+          <a:prstGeom prst="straightConnector1">
+            <a:avLst/>
+          </a:prstGeom>
+          <a:ln>
+            <a:tailEnd type="triangle"/>
+          </a:ln>
+        </p:spPr>
+        <p:style>
+          <a:lnRef idx="1">
+            <a:schemeClr val="accent1"/>
+          </a:lnRef>
+          <a:fillRef idx="0">
+            <a:schemeClr val="accent1"/>
+          </a:fillRef>
+          <a:effectRef idx="0">
+            <a:schemeClr val="accent1"/>
+          </a:effectRef>
+          <a:fontRef idx="minor">
+            <a:schemeClr val="tx1"/>
+          </a:fontRef>
+        </p:style>
+      </p:cxnSp>
+      <p:sp>
+        <p:nvSpPr>
+          <p:cNvPr id="28" name="文字方塊 27"/>
+          <p:cNvSpPr txBox="1"/>
+          <p:nvPr/>
+        </p:nvSpPr>
+        <p:spPr>
+          <a:xfrm>
+            <a:off x="6531248" y="2526420"/>
+            <a:ext cx="2242844" cy="369332"/>
+          </a:xfrm>
+          <a:prstGeom prst="rect">
+            <a:avLst/>
+          </a:prstGeom>
+          <a:noFill/>
+        </p:spPr>
+        <p:txBody>
+          <a:bodyPr wrap="square" rtlCol="0">
+            <a:spAutoFit/>
+          </a:bodyPr>
+          <a:lstStyle/>
+          <a:p>
+            <a:r>
+              <a:rPr lang="zh-TW" altLang="en-US" dirty="0" smtClean="0"/>
+              <a:t>活動三天行程</a:t>
+            </a:r>
+            <a:endParaRPr lang="zh-TW" altLang="en-US" dirty="0"/>
+          </a:p>
+        </p:txBody>
+      </p:sp>
+      <p:sp>
+        <p:nvSpPr>
+          <p:cNvPr id="34" name="文字方塊 33"/>
+          <p:cNvSpPr txBox="1"/>
+          <p:nvPr/>
+        </p:nvSpPr>
+        <p:spPr>
+          <a:xfrm>
+            <a:off x="6405455" y="6488668"/>
+            <a:ext cx="1861168" cy="369332"/>
+          </a:xfrm>
+          <a:prstGeom prst="rect">
+            <a:avLst/>
+          </a:prstGeom>
+          <a:noFill/>
+        </p:spPr>
+        <p:txBody>
+          <a:bodyPr wrap="square" rtlCol="0">
+            <a:spAutoFit/>
+          </a:bodyPr>
+          <a:lstStyle/>
+          <a:p>
+            <a:r>
+              <a:rPr lang="zh-TW" altLang="en-US" dirty="0" smtClean="0"/>
+              <a:t>頁尾及相關資訊</a:t>
+            </a:r>
+            <a:endParaRPr lang="zh-TW" altLang="en-US" dirty="0"/>
+          </a:p>
+        </p:txBody>
+      </p:sp>
+      <p:sp>
+        <p:nvSpPr>
+          <p:cNvPr id="35" name="橢圓 34"/>
+          <p:cNvSpPr/>
+          <p:nvPr/>
+        </p:nvSpPr>
+        <p:spPr>
+          <a:xfrm>
+            <a:off x="9126468" y="296606"/>
+            <a:ext cx="226577" cy="218485"/>
+          </a:xfrm>
+          <a:prstGeom prst="ellipse">
+            <a:avLst/>
+          </a:prstGeom>
+        </p:spPr>
+        <p:style>
+          <a:lnRef idx="2">
+            <a:schemeClr val="accent1">
+              <a:shade val="50000"/>
+            </a:schemeClr>
+          </a:lnRef>
+          <a:fillRef idx="1">
+            <a:schemeClr val="accent1"/>
+          </a:fillRef>
+          <a:effectRef idx="0">
+            <a:schemeClr val="accent1"/>
+          </a:effectRef>
+          <a:fontRef idx="minor">
+            <a:schemeClr val="lt1"/>
+          </a:fontRef>
+        </p:style>
+        <p:txBody>
+          <a:bodyPr rtlCol="0" anchor="ctr"/>
+          <a:lstStyle/>
+          <a:p>
+            <a:pPr algn="ctr"/>
+            <a:r>
+              <a:rPr lang="en-US" altLang="zh-TW" dirty="0" smtClean="0"/>
+              <a:t>1</a:t>
+            </a:r>
+            <a:endParaRPr lang="zh-TW" altLang="en-US" dirty="0"/>
+          </a:p>
+        </p:txBody>
+      </p:sp>
+      <p:sp>
+        <p:nvSpPr>
+          <p:cNvPr id="36" name="橢圓 35"/>
+          <p:cNvSpPr/>
+          <p:nvPr/>
+        </p:nvSpPr>
+        <p:spPr>
+          <a:xfrm>
+            <a:off x="9126464" y="842300"/>
+            <a:ext cx="226577" cy="218485"/>
+          </a:xfrm>
+          <a:prstGeom prst="ellipse">
+            <a:avLst/>
+          </a:prstGeom>
+        </p:spPr>
+        <p:style>
+          <a:lnRef idx="2">
+            <a:schemeClr val="accent1">
+              <a:shade val="50000"/>
+            </a:schemeClr>
+          </a:lnRef>
+          <a:fillRef idx="1">
+            <a:schemeClr val="accent1"/>
+          </a:fillRef>
+          <a:effectRef idx="0">
+            <a:schemeClr val="accent1"/>
+          </a:effectRef>
+          <a:fontRef idx="minor">
+            <a:schemeClr val="lt1"/>
+          </a:fontRef>
+        </p:style>
+        <p:txBody>
+          <a:bodyPr rtlCol="0" anchor="ctr"/>
+          <a:lstStyle/>
+          <a:p>
+            <a:pPr algn="ctr"/>
+            <a:r>
+              <a:rPr lang="en-US" altLang="zh-TW" dirty="0"/>
+              <a:t>2</a:t>
+            </a:r>
+            <a:endParaRPr lang="zh-TW" altLang="en-US" dirty="0"/>
+          </a:p>
+        </p:txBody>
+      </p:sp>
+      <p:sp>
+        <p:nvSpPr>
+          <p:cNvPr id="37" name="橢圓 36"/>
+          <p:cNvSpPr/>
+          <p:nvPr/>
+        </p:nvSpPr>
+        <p:spPr>
+          <a:xfrm>
+            <a:off x="9126464" y="1358324"/>
+            <a:ext cx="226577" cy="218485"/>
+          </a:xfrm>
+          <a:prstGeom prst="ellipse">
+            <a:avLst/>
+          </a:prstGeom>
+        </p:spPr>
+        <p:style>
+          <a:lnRef idx="2">
+            <a:schemeClr val="accent1">
+              <a:shade val="50000"/>
+            </a:schemeClr>
+          </a:lnRef>
+          <a:fillRef idx="1">
+            <a:schemeClr val="accent1"/>
+          </a:fillRef>
+          <a:effectRef idx="0">
+            <a:schemeClr val="accent1"/>
+          </a:effectRef>
+          <a:fontRef idx="minor">
+            <a:schemeClr val="lt1"/>
+          </a:fontRef>
+        </p:style>
+        <p:txBody>
+          <a:bodyPr rtlCol="0" anchor="ctr"/>
+          <a:lstStyle/>
+          <a:p>
+            <a:pPr algn="ctr"/>
+            <a:r>
+              <a:rPr lang="en-US" altLang="zh-TW" dirty="0"/>
+              <a:t>3</a:t>
+            </a:r>
+            <a:endParaRPr lang="zh-TW" altLang="en-US" dirty="0"/>
+          </a:p>
+        </p:txBody>
+      </p:sp>
+      <p:sp>
+        <p:nvSpPr>
+          <p:cNvPr id="38" name="橢圓 37"/>
+          <p:cNvSpPr/>
+          <p:nvPr/>
+        </p:nvSpPr>
+        <p:spPr>
+          <a:xfrm>
+            <a:off x="9126464" y="1913820"/>
+            <a:ext cx="226577" cy="218485"/>
+          </a:xfrm>
+          <a:prstGeom prst="ellipse">
+            <a:avLst/>
+          </a:prstGeom>
+        </p:spPr>
+        <p:style>
+          <a:lnRef idx="2">
+            <a:schemeClr val="accent1">
+              <a:shade val="50000"/>
+            </a:schemeClr>
+          </a:lnRef>
+          <a:fillRef idx="1">
+            <a:schemeClr val="accent1"/>
+          </a:fillRef>
+          <a:effectRef idx="0">
+            <a:schemeClr val="accent1"/>
+          </a:effectRef>
+          <a:fontRef idx="minor">
+            <a:schemeClr val="lt1"/>
+          </a:fontRef>
+        </p:style>
+        <p:txBody>
+          <a:bodyPr rtlCol="0" anchor="ctr"/>
+          <a:lstStyle/>
+          <a:p>
+            <a:pPr algn="ctr"/>
+            <a:r>
+              <a:rPr lang="en-US" altLang="zh-TW" dirty="0"/>
+              <a:t>4</a:t>
+            </a:r>
+            <a:endParaRPr lang="zh-TW" altLang="en-US" dirty="0"/>
+          </a:p>
+        </p:txBody>
+      </p:sp>
+      <p:sp>
+        <p:nvSpPr>
+          <p:cNvPr id="39" name="橢圓 38"/>
+          <p:cNvSpPr/>
+          <p:nvPr/>
+        </p:nvSpPr>
+        <p:spPr>
+          <a:xfrm>
+            <a:off x="9126464" y="2463345"/>
+            <a:ext cx="226577" cy="218485"/>
+          </a:xfrm>
+          <a:prstGeom prst="ellipse">
+            <a:avLst/>
+          </a:prstGeom>
+        </p:spPr>
+        <p:style>
+          <a:lnRef idx="2">
+            <a:schemeClr val="accent1">
+              <a:shade val="50000"/>
+            </a:schemeClr>
+          </a:lnRef>
+          <a:fillRef idx="1">
+            <a:schemeClr val="accent1"/>
+          </a:fillRef>
+          <a:effectRef idx="0">
+            <a:schemeClr val="accent1"/>
+          </a:effectRef>
+          <a:fontRef idx="minor">
+            <a:schemeClr val="lt1"/>
+          </a:fontRef>
+        </p:style>
+        <p:txBody>
+          <a:bodyPr rtlCol="0" anchor="ctr"/>
+          <a:lstStyle/>
+          <a:p>
+            <a:pPr algn="ctr"/>
+            <a:r>
+              <a:rPr lang="en-US" altLang="zh-TW" dirty="0"/>
+              <a:t>5</a:t>
+            </a:r>
+            <a:endParaRPr lang="zh-TW" altLang="en-US" dirty="0"/>
+          </a:p>
+        </p:txBody>
+      </p:sp>
+      <p:sp>
+        <p:nvSpPr>
+          <p:cNvPr id="41" name="文字方塊 40"/>
+          <p:cNvSpPr txBox="1"/>
+          <p:nvPr/>
+        </p:nvSpPr>
+        <p:spPr>
+          <a:xfrm>
+            <a:off x="9409688" y="236119"/>
+            <a:ext cx="1116702" cy="369332"/>
+          </a:xfrm>
+          <a:prstGeom prst="rect">
+            <a:avLst/>
+          </a:prstGeom>
+          <a:noFill/>
+        </p:spPr>
+        <p:txBody>
+          <a:bodyPr wrap="square" rtlCol="0">
+            <a:spAutoFit/>
+          </a:bodyPr>
+          <a:lstStyle/>
+          <a:p>
+            <a:r>
+              <a:rPr lang="zh-TW" altLang="en-US" dirty="0" smtClean="0"/>
+              <a:t>主導覽</a:t>
+            </a:r>
+            <a:r>
+              <a:rPr lang="zh-TW" altLang="en-US" dirty="0"/>
+              <a:t>列</a:t>
+            </a:r>
+            <a:endParaRPr lang="zh-TW" altLang="en-US" dirty="0"/>
+          </a:p>
+        </p:txBody>
+      </p:sp>
+      <p:sp>
+        <p:nvSpPr>
+          <p:cNvPr id="46" name="文字方塊 45"/>
+          <p:cNvSpPr txBox="1"/>
+          <p:nvPr/>
+        </p:nvSpPr>
+        <p:spPr>
+          <a:xfrm>
+            <a:off x="9409688" y="766876"/>
+            <a:ext cx="2391015" cy="369332"/>
+          </a:xfrm>
+          <a:prstGeom prst="rect">
+            <a:avLst/>
+          </a:prstGeom>
+          <a:noFill/>
+        </p:spPr>
+        <p:txBody>
+          <a:bodyPr wrap="square" rtlCol="0">
+            <a:spAutoFit/>
+          </a:bodyPr>
+          <a:lstStyle/>
+          <a:p>
+            <a:r>
+              <a:rPr lang="zh-TW" altLang="en-US" dirty="0"/>
+              <a:t>活動三天行程</a:t>
+            </a:r>
+            <a:endParaRPr lang="zh-TW" altLang="en-US" dirty="0"/>
+          </a:p>
+        </p:txBody>
+      </p:sp>
+      <p:sp>
+        <p:nvSpPr>
+          <p:cNvPr id="47" name="文字方塊 46"/>
+          <p:cNvSpPr txBox="1"/>
+          <p:nvPr/>
+        </p:nvSpPr>
+        <p:spPr>
+          <a:xfrm>
+            <a:off x="9409689" y="1282900"/>
+            <a:ext cx="2391014" cy="646331"/>
+          </a:xfrm>
+          <a:prstGeom prst="rect">
+            <a:avLst/>
+          </a:prstGeom>
+          <a:noFill/>
+        </p:spPr>
+        <p:txBody>
+          <a:bodyPr wrap="square" rtlCol="0">
+            <a:spAutoFit/>
+          </a:bodyPr>
+          <a:lstStyle/>
+          <a:p>
+            <a:r>
+              <a:rPr lang="zh-TW" altLang="en-US" dirty="0"/>
+              <a:t>說明活動三天行程</a:t>
+            </a:r>
+          </a:p>
+          <a:p>
+            <a:endParaRPr lang="zh-TW" altLang="en-US" dirty="0"/>
+          </a:p>
+        </p:txBody>
+      </p:sp>
+      <p:sp>
+        <p:nvSpPr>
+          <p:cNvPr id="48" name="文字方塊 47"/>
+          <p:cNvSpPr txBox="1"/>
+          <p:nvPr/>
+        </p:nvSpPr>
+        <p:spPr>
+          <a:xfrm>
+            <a:off x="9412785" y="1838396"/>
+            <a:ext cx="1716862" cy="369332"/>
+          </a:xfrm>
+          <a:prstGeom prst="rect">
+            <a:avLst/>
+          </a:prstGeom>
+          <a:noFill/>
+        </p:spPr>
+        <p:txBody>
+          <a:bodyPr wrap="square" rtlCol="0">
+            <a:spAutoFit/>
+          </a:bodyPr>
+          <a:lstStyle/>
+          <a:p>
+            <a:r>
+              <a:rPr lang="zh-TW" altLang="en-US" dirty="0" smtClean="0"/>
+              <a:t>回首頁按鈕</a:t>
+            </a:r>
+            <a:endParaRPr lang="zh-TW" altLang="en-US" dirty="0"/>
+          </a:p>
+        </p:txBody>
+      </p:sp>
+      <p:sp>
+        <p:nvSpPr>
+          <p:cNvPr id="49" name="文字方塊 48"/>
+          <p:cNvSpPr txBox="1"/>
+          <p:nvPr/>
+        </p:nvSpPr>
+        <p:spPr>
+          <a:xfrm>
+            <a:off x="9409687" y="2387921"/>
+            <a:ext cx="2007955" cy="646331"/>
+          </a:xfrm>
+          <a:prstGeom prst="rect">
+            <a:avLst/>
+          </a:prstGeom>
+          <a:noFill/>
+        </p:spPr>
+        <p:txBody>
+          <a:bodyPr wrap="square" rtlCol="0">
+            <a:spAutoFit/>
+          </a:bodyPr>
+          <a:lstStyle/>
+          <a:p>
+            <a:r>
+              <a:rPr lang="zh-TW" altLang="en-US" dirty="0"/>
+              <a:t>頁尾及相關資訊</a:t>
+            </a:r>
+          </a:p>
+          <a:p>
+            <a:endParaRPr lang="zh-TW" altLang="en-US" dirty="0"/>
+          </a:p>
+        </p:txBody>
+      </p:sp>
+      <p:sp>
+        <p:nvSpPr>
+          <p:cNvPr id="54" name="橢圓 53"/>
+          <p:cNvSpPr/>
+          <p:nvPr/>
+        </p:nvSpPr>
+        <p:spPr>
+          <a:xfrm>
+            <a:off x="4942416" y="6583875"/>
+            <a:ext cx="226577" cy="218485"/>
+          </a:xfrm>
+          <a:prstGeom prst="ellipse">
+            <a:avLst/>
+          </a:prstGeom>
+        </p:spPr>
+        <p:style>
+          <a:lnRef idx="2">
+            <a:schemeClr val="accent1">
+              <a:shade val="50000"/>
+            </a:schemeClr>
+          </a:lnRef>
+          <a:fillRef idx="1">
+            <a:schemeClr val="accent1"/>
+          </a:fillRef>
+          <a:effectRef idx="0">
+            <a:schemeClr val="accent1"/>
+          </a:effectRef>
+          <a:fontRef idx="minor">
+            <a:schemeClr val="lt1"/>
+          </a:fontRef>
+        </p:style>
+        <p:txBody>
+          <a:bodyPr rtlCol="0" anchor="ctr"/>
+          <a:lstStyle/>
+          <a:p>
+            <a:pPr algn="ctr"/>
+            <a:r>
+              <a:rPr lang="en-US" altLang="zh-TW" dirty="0"/>
+              <a:t>5</a:t>
+            </a:r>
+            <a:endParaRPr lang="zh-TW" altLang="en-US" dirty="0"/>
+          </a:p>
+        </p:txBody>
+      </p:sp>
+      <p:sp>
+        <p:nvSpPr>
+          <p:cNvPr id="27" name="文字方塊 26"/>
+          <p:cNvSpPr txBox="1"/>
+          <p:nvPr/>
+        </p:nvSpPr>
+        <p:spPr>
+          <a:xfrm>
+            <a:off x="5110054" y="6140603"/>
+            <a:ext cx="1716862" cy="369332"/>
+          </a:xfrm>
+          <a:prstGeom prst="rect">
+            <a:avLst/>
+          </a:prstGeom>
+          <a:noFill/>
+        </p:spPr>
+        <p:txBody>
+          <a:bodyPr wrap="square" rtlCol="0">
+            <a:spAutoFit/>
+          </a:bodyPr>
+          <a:lstStyle/>
+          <a:p>
+            <a:r>
+              <a:rPr lang="zh-TW" altLang="en-US" dirty="0" smtClean="0"/>
+              <a:t>回首頁按鈕</a:t>
+            </a:r>
+            <a:endParaRPr lang="zh-TW" altLang="en-US" dirty="0"/>
+          </a:p>
+        </p:txBody>
+      </p:sp>
+      <p:sp>
+        <p:nvSpPr>
+          <p:cNvPr id="30" name="文字方塊 29"/>
+          <p:cNvSpPr txBox="1"/>
+          <p:nvPr/>
+        </p:nvSpPr>
+        <p:spPr>
+          <a:xfrm>
+            <a:off x="5531515" y="5499391"/>
+            <a:ext cx="2457910" cy="923330"/>
+          </a:xfrm>
+          <a:prstGeom prst="rect">
+            <a:avLst/>
+          </a:prstGeom>
+          <a:noFill/>
+        </p:spPr>
+        <p:txBody>
+          <a:bodyPr wrap="square" rtlCol="0">
+            <a:spAutoFit/>
+          </a:bodyPr>
+          <a:lstStyle/>
+          <a:p>
+            <a:r>
+              <a:rPr lang="zh-TW" altLang="en-US" dirty="0" smtClean="0"/>
+              <a:t>說明</a:t>
+            </a:r>
+            <a:r>
+              <a:rPr lang="zh-TW" altLang="en-US" dirty="0"/>
+              <a:t>活動三天行程</a:t>
+            </a:r>
+          </a:p>
+          <a:p>
+            <a:endParaRPr lang="zh-TW" altLang="en-US" dirty="0"/>
+          </a:p>
+          <a:p>
+            <a:endParaRPr lang="zh-TW" altLang="en-US" dirty="0"/>
+          </a:p>
+        </p:txBody>
+      </p:sp>
+    </p:spTree>
+    <p:extLst>
+      <p:ext uri="{BB962C8B-B14F-4D97-AF65-F5344CB8AC3E}">
+        <p14:creationId xmlns:p14="http://schemas.microsoft.com/office/powerpoint/2010/main" val="3206764747"/>
+      </p:ext>
+    </p:extLst>
+  </p:cSld>
+  <p:clrMapOvr>
+    <a:masterClrMapping/>
+  </p:clrMapOvr>
+  <p:timing>
+    <p:tnLst>
+      <p:par>
+        <p:cTn id="1" dur="indefinite" restart="never" nodeType="tmRoot"/>
+      </p:par>
+    </p:tnLst>
+  </p:timing>
+</p:sld>
+</file>
+
+<file path=ppt/slides/slide7.xml><?xml version="1.0" encoding="utf-8"?>
+<p:sld xmlns:a="http://schemas.openxmlformats.org/drawingml/2006/main" xmlns:r="http://schemas.openxmlformats.org/officeDocument/2006/relationships" xmlns:p="http://schemas.openxmlformats.org/presentationml/2006/main">
+  <p:cSld>
+    <p:spTree>
+      <p:nvGrpSpPr>
+        <p:cNvPr id="1" name=""/>
+        <p:cNvGrpSpPr/>
+        <p:nvPr/>
+      </p:nvGrpSpPr>
+      <p:grpSpPr>
+        <a:xfrm>
+          <a:off x="0" y="0"/>
+          <a:ext cx="0" cy="0"/>
+          <a:chOff x="0" y="0"/>
+          <a:chExt cx="0" cy="0"/>
+        </a:xfrm>
+      </p:grpSpPr>
+      <p:pic>
+        <p:nvPicPr>
+          <p:cNvPr id="3" name="圖片 2"/>
+          <p:cNvPicPr>
+            <a:picLocks noChangeAspect="1"/>
+          </p:cNvPicPr>
+          <p:nvPr/>
+        </p:nvPicPr>
+        <p:blipFill>
+          <a:blip r:embed="rId2">
+            <a:extLst>
+              <a:ext uri="{28A0092B-C50C-407E-A947-70E740481C1C}">
+                <a14:useLocalDpi xmlns:a14="http://schemas.microsoft.com/office/drawing/2010/main" val="0"/>
+              </a:ext>
+            </a:extLst>
+          </a:blip>
+          <a:stretch>
+            <a:fillRect/>
+          </a:stretch>
+        </p:blipFill>
+        <p:spPr>
+          <a:xfrm>
+            <a:off x="275991" y="0"/>
+            <a:ext cx="6550925" cy="6858000"/>
+          </a:xfrm>
+          <a:prstGeom prst="rect">
+            <a:avLst/>
+          </a:prstGeom>
+        </p:spPr>
+      </p:pic>
+      <p:sp>
+        <p:nvSpPr>
+          <p:cNvPr id="5" name="橢圓 4"/>
+          <p:cNvSpPr/>
+          <p:nvPr/>
+        </p:nvSpPr>
+        <p:spPr>
+          <a:xfrm>
+            <a:off x="5143832" y="368127"/>
+            <a:ext cx="226577" cy="218485"/>
+          </a:xfrm>
+          <a:prstGeom prst="ellipse">
+            <a:avLst/>
+          </a:prstGeom>
+        </p:spPr>
+        <p:style>
+          <a:lnRef idx="2">
+            <a:schemeClr val="accent1">
+              <a:shade val="50000"/>
+            </a:schemeClr>
+          </a:lnRef>
+          <a:fillRef idx="1">
+            <a:schemeClr val="accent1"/>
+          </a:fillRef>
+          <a:effectRef idx="0">
+            <a:schemeClr val="accent1"/>
+          </a:effectRef>
+          <a:fontRef idx="minor">
+            <a:schemeClr val="lt1"/>
+          </a:fontRef>
+        </p:style>
+        <p:txBody>
+          <a:bodyPr rtlCol="0" anchor="ctr"/>
+          <a:lstStyle/>
+          <a:p>
+            <a:pPr algn="ctr"/>
+            <a:r>
+              <a:rPr lang="en-US" altLang="zh-TW" dirty="0" smtClean="0"/>
+              <a:t>1</a:t>
+            </a:r>
+            <a:endParaRPr lang="zh-TW" altLang="en-US" dirty="0"/>
+          </a:p>
+        </p:txBody>
+      </p:sp>
+      <p:cxnSp>
+        <p:nvCxnSpPr>
+          <p:cNvPr id="7" name="直線單箭頭接點 6"/>
+          <p:cNvCxnSpPr/>
+          <p:nvPr/>
+        </p:nvCxnSpPr>
+        <p:spPr>
+          <a:xfrm>
+            <a:off x="5606426" y="496209"/>
+            <a:ext cx="873940" cy="0"/>
+          </a:xfrm>
+          <a:prstGeom prst="straightConnector1">
+            <a:avLst/>
+          </a:prstGeom>
+          <a:ln>
+            <a:tailEnd type="triangle"/>
+          </a:ln>
+        </p:spPr>
+        <p:style>
+          <a:lnRef idx="1">
+            <a:schemeClr val="accent1"/>
+          </a:lnRef>
+          <a:fillRef idx="0">
+            <a:schemeClr val="accent1"/>
+          </a:fillRef>
+          <a:effectRef idx="0">
+            <a:schemeClr val="accent1"/>
+          </a:effectRef>
+          <a:fontRef idx="minor">
+            <a:schemeClr val="tx1"/>
+          </a:fontRef>
+        </p:style>
+      </p:cxnSp>
+      <p:sp>
+        <p:nvSpPr>
+          <p:cNvPr id="9" name="文字方塊 8"/>
+          <p:cNvSpPr txBox="1"/>
+          <p:nvPr/>
+        </p:nvSpPr>
+        <p:spPr>
+          <a:xfrm>
+            <a:off x="6480366" y="311543"/>
+            <a:ext cx="1116702" cy="369332"/>
+          </a:xfrm>
+          <a:prstGeom prst="rect">
+            <a:avLst/>
+          </a:prstGeom>
+          <a:noFill/>
+        </p:spPr>
+        <p:txBody>
+          <a:bodyPr wrap="square" rtlCol="0">
+            <a:spAutoFit/>
+          </a:bodyPr>
+          <a:lstStyle/>
+          <a:p>
+            <a:r>
+              <a:rPr lang="zh-TW" altLang="en-US" dirty="0" smtClean="0"/>
+              <a:t>主導覽列</a:t>
+            </a:r>
+            <a:endParaRPr lang="zh-TW" altLang="en-US" dirty="0"/>
+          </a:p>
+        </p:txBody>
+      </p:sp>
+      <p:sp>
+        <p:nvSpPr>
+          <p:cNvPr id="11" name="橢圓 10"/>
+          <p:cNvSpPr/>
+          <p:nvPr/>
+        </p:nvSpPr>
+        <p:spPr>
+          <a:xfrm>
+            <a:off x="5323203" y="2630478"/>
+            <a:ext cx="226577" cy="218485"/>
+          </a:xfrm>
+          <a:prstGeom prst="ellipse">
+            <a:avLst/>
+          </a:prstGeom>
+        </p:spPr>
+        <p:style>
+          <a:lnRef idx="2">
+            <a:schemeClr val="accent1">
+              <a:shade val="50000"/>
+            </a:schemeClr>
+          </a:lnRef>
+          <a:fillRef idx="1">
+            <a:schemeClr val="accent1"/>
+          </a:fillRef>
+          <a:effectRef idx="0">
+            <a:schemeClr val="accent1"/>
+          </a:effectRef>
+          <a:fontRef idx="minor">
+            <a:schemeClr val="lt1"/>
+          </a:fontRef>
+        </p:style>
+        <p:txBody>
+          <a:bodyPr rtlCol="0" anchor="ctr"/>
+          <a:lstStyle/>
+          <a:p>
+            <a:pPr algn="ctr"/>
+            <a:r>
+              <a:rPr lang="en-US" altLang="zh-TW" dirty="0"/>
+              <a:t>2</a:t>
+            </a:r>
+            <a:endParaRPr lang="zh-TW" altLang="en-US" dirty="0"/>
+          </a:p>
+        </p:txBody>
+      </p:sp>
+      <p:sp>
+        <p:nvSpPr>
+          <p:cNvPr id="17" name="橢圓 16"/>
+          <p:cNvSpPr/>
+          <p:nvPr/>
+        </p:nvSpPr>
+        <p:spPr>
+          <a:xfrm>
+            <a:off x="4163345" y="4885550"/>
+            <a:ext cx="226577" cy="218485"/>
+          </a:xfrm>
+          <a:prstGeom prst="ellipse">
+            <a:avLst/>
+          </a:prstGeom>
+        </p:spPr>
+        <p:style>
+          <a:lnRef idx="2">
+            <a:schemeClr val="accent1">
+              <a:shade val="50000"/>
+            </a:schemeClr>
+          </a:lnRef>
+          <a:fillRef idx="1">
+            <a:schemeClr val="accent1"/>
+          </a:fillRef>
+          <a:effectRef idx="0">
+            <a:schemeClr val="accent1"/>
+          </a:effectRef>
+          <a:fontRef idx="minor">
+            <a:schemeClr val="lt1"/>
+          </a:fontRef>
+        </p:style>
+        <p:txBody>
+          <a:bodyPr rtlCol="0" anchor="ctr"/>
+          <a:lstStyle/>
+          <a:p>
+            <a:pPr algn="ctr"/>
+            <a:r>
+              <a:rPr lang="en-US" altLang="zh-TW" dirty="0"/>
+              <a:t>3</a:t>
+            </a:r>
+            <a:endParaRPr lang="zh-TW" altLang="en-US" dirty="0"/>
+          </a:p>
+        </p:txBody>
+      </p:sp>
+      <p:sp>
+        <p:nvSpPr>
+          <p:cNvPr id="18" name="橢圓 17"/>
+          <p:cNvSpPr/>
+          <p:nvPr/>
+        </p:nvSpPr>
+        <p:spPr>
+          <a:xfrm>
+            <a:off x="3816246" y="5577527"/>
+            <a:ext cx="226577" cy="218485"/>
+          </a:xfrm>
+          <a:prstGeom prst="ellipse">
+            <a:avLst/>
+          </a:prstGeom>
+        </p:spPr>
+        <p:style>
+          <a:lnRef idx="2">
+            <a:schemeClr val="accent1">
+              <a:shade val="50000"/>
+            </a:schemeClr>
+          </a:lnRef>
+          <a:fillRef idx="1">
+            <a:schemeClr val="accent1"/>
+          </a:fillRef>
+          <a:effectRef idx="0">
+            <a:schemeClr val="accent1"/>
+          </a:effectRef>
+          <a:fontRef idx="minor">
+            <a:schemeClr val="lt1"/>
+          </a:fontRef>
+        </p:style>
+        <p:txBody>
+          <a:bodyPr rtlCol="0" anchor="ctr"/>
+          <a:lstStyle/>
+          <a:p>
+            <a:pPr algn="ctr"/>
+            <a:r>
+              <a:rPr lang="en-US" altLang="zh-TW" dirty="0"/>
+              <a:t>4</a:t>
+            </a:r>
+            <a:endParaRPr lang="zh-TW" altLang="en-US" dirty="0"/>
+          </a:p>
+        </p:txBody>
+      </p:sp>
+      <p:cxnSp>
+        <p:nvCxnSpPr>
+          <p:cNvPr id="21" name="直線單箭頭接點 20"/>
+          <p:cNvCxnSpPr/>
+          <p:nvPr/>
+        </p:nvCxnSpPr>
+        <p:spPr>
+          <a:xfrm>
+            <a:off x="5606426" y="2719458"/>
+            <a:ext cx="873940" cy="0"/>
+          </a:xfrm>
+          <a:prstGeom prst="straightConnector1">
+            <a:avLst/>
+          </a:prstGeom>
+          <a:ln>
+            <a:tailEnd type="triangle"/>
+          </a:ln>
+        </p:spPr>
+        <p:style>
+          <a:lnRef idx="1">
+            <a:schemeClr val="accent1"/>
+          </a:lnRef>
+          <a:fillRef idx="0">
+            <a:schemeClr val="accent1"/>
+          </a:fillRef>
+          <a:effectRef idx="0">
+            <a:schemeClr val="accent1"/>
+          </a:effectRef>
+          <a:fontRef idx="minor">
+            <a:schemeClr val="tx1"/>
+          </a:fontRef>
+        </p:style>
+      </p:cxnSp>
+      <p:cxnSp>
+        <p:nvCxnSpPr>
+          <p:cNvPr id="24" name="直線單箭頭接點 23"/>
+          <p:cNvCxnSpPr/>
+          <p:nvPr/>
+        </p:nvCxnSpPr>
+        <p:spPr>
+          <a:xfrm>
+            <a:off x="4495302" y="4994792"/>
+            <a:ext cx="873940" cy="0"/>
+          </a:xfrm>
+          <a:prstGeom prst="straightConnector1">
+            <a:avLst/>
+          </a:prstGeom>
+          <a:ln>
+            <a:tailEnd type="triangle"/>
+          </a:ln>
+        </p:spPr>
+        <p:style>
+          <a:lnRef idx="1">
+            <a:schemeClr val="accent1"/>
+          </a:lnRef>
+          <a:fillRef idx="0">
+            <a:schemeClr val="accent1"/>
+          </a:fillRef>
+          <a:effectRef idx="0">
+            <a:schemeClr val="accent1"/>
+          </a:effectRef>
+          <a:fontRef idx="minor">
+            <a:schemeClr val="tx1"/>
+          </a:fontRef>
+        </p:style>
+      </p:cxnSp>
+      <p:cxnSp>
+        <p:nvCxnSpPr>
+          <p:cNvPr id="25" name="直線單箭頭接點 24"/>
+          <p:cNvCxnSpPr/>
+          <p:nvPr/>
+        </p:nvCxnSpPr>
+        <p:spPr>
+          <a:xfrm>
+            <a:off x="4058332" y="5686769"/>
+            <a:ext cx="873940" cy="0"/>
+          </a:xfrm>
+          <a:prstGeom prst="straightConnector1">
+            <a:avLst/>
+          </a:prstGeom>
+          <a:ln>
+            <a:tailEnd type="triangle"/>
+          </a:ln>
+        </p:spPr>
+        <p:style>
+          <a:lnRef idx="1">
+            <a:schemeClr val="accent1"/>
+          </a:lnRef>
+          <a:fillRef idx="0">
+            <a:schemeClr val="accent1"/>
+          </a:fillRef>
+          <a:effectRef idx="0">
+            <a:schemeClr val="accent1"/>
+          </a:effectRef>
+          <a:fontRef idx="minor">
+            <a:schemeClr val="tx1"/>
+          </a:fontRef>
+        </p:style>
+      </p:cxnSp>
+      <p:cxnSp>
+        <p:nvCxnSpPr>
+          <p:cNvPr id="26" name="直線單箭頭接點 25"/>
+          <p:cNvCxnSpPr/>
+          <p:nvPr/>
+        </p:nvCxnSpPr>
+        <p:spPr>
+          <a:xfrm>
+            <a:off x="5531515" y="6689482"/>
+            <a:ext cx="873940" cy="0"/>
+          </a:xfrm>
+          <a:prstGeom prst="straightConnector1">
+            <a:avLst/>
+          </a:prstGeom>
+          <a:ln>
+            <a:tailEnd type="triangle"/>
+          </a:ln>
+        </p:spPr>
+        <p:style>
+          <a:lnRef idx="1">
+            <a:schemeClr val="accent1"/>
+          </a:lnRef>
+          <a:fillRef idx="0">
+            <a:schemeClr val="accent1"/>
+          </a:fillRef>
+          <a:effectRef idx="0">
+            <a:schemeClr val="accent1"/>
+          </a:effectRef>
+          <a:fontRef idx="minor">
+            <a:schemeClr val="tx1"/>
+          </a:fontRef>
+        </p:style>
+      </p:cxnSp>
+      <p:sp>
+        <p:nvSpPr>
+          <p:cNvPr id="28" name="文字方塊 27"/>
+          <p:cNvSpPr txBox="1"/>
+          <p:nvPr/>
+        </p:nvSpPr>
+        <p:spPr>
+          <a:xfrm>
+            <a:off x="6531248" y="2526420"/>
+            <a:ext cx="2242844" cy="369332"/>
+          </a:xfrm>
+          <a:prstGeom prst="rect">
+            <a:avLst/>
+          </a:prstGeom>
+          <a:noFill/>
+        </p:spPr>
+        <p:txBody>
+          <a:bodyPr wrap="square" rtlCol="0">
+            <a:spAutoFit/>
+          </a:bodyPr>
+          <a:lstStyle/>
+          <a:p>
+            <a:r>
+              <a:rPr lang="zh-TW" altLang="en-US" dirty="0" smtClean="0"/>
+              <a:t>課程內容簡介</a:t>
+            </a:r>
+            <a:endParaRPr lang="zh-TW" altLang="en-US" dirty="0"/>
+          </a:p>
+        </p:txBody>
+      </p:sp>
+      <p:sp>
+        <p:nvSpPr>
+          <p:cNvPr id="34" name="文字方塊 33"/>
+          <p:cNvSpPr txBox="1"/>
+          <p:nvPr/>
+        </p:nvSpPr>
+        <p:spPr>
+          <a:xfrm>
+            <a:off x="6405455" y="6488668"/>
+            <a:ext cx="1861168" cy="369332"/>
+          </a:xfrm>
+          <a:prstGeom prst="rect">
+            <a:avLst/>
+          </a:prstGeom>
+          <a:noFill/>
+        </p:spPr>
+        <p:txBody>
+          <a:bodyPr wrap="square" rtlCol="0">
+            <a:spAutoFit/>
+          </a:bodyPr>
+          <a:lstStyle/>
+          <a:p>
+            <a:r>
+              <a:rPr lang="zh-TW" altLang="en-US" dirty="0" smtClean="0"/>
+              <a:t>頁尾及相關資訊</a:t>
+            </a:r>
+            <a:endParaRPr lang="zh-TW" altLang="en-US" dirty="0"/>
+          </a:p>
+        </p:txBody>
+      </p:sp>
+      <p:sp>
+        <p:nvSpPr>
+          <p:cNvPr id="35" name="橢圓 34"/>
+          <p:cNvSpPr/>
+          <p:nvPr/>
+        </p:nvSpPr>
+        <p:spPr>
+          <a:xfrm>
+            <a:off x="9126468" y="296606"/>
+            <a:ext cx="226577" cy="218485"/>
+          </a:xfrm>
+          <a:prstGeom prst="ellipse">
+            <a:avLst/>
+          </a:prstGeom>
+        </p:spPr>
+        <p:style>
+          <a:lnRef idx="2">
+            <a:schemeClr val="accent1">
+              <a:shade val="50000"/>
+            </a:schemeClr>
+          </a:lnRef>
+          <a:fillRef idx="1">
+            <a:schemeClr val="accent1"/>
+          </a:fillRef>
+          <a:effectRef idx="0">
+            <a:schemeClr val="accent1"/>
+          </a:effectRef>
+          <a:fontRef idx="minor">
+            <a:schemeClr val="lt1"/>
+          </a:fontRef>
+        </p:style>
+        <p:txBody>
+          <a:bodyPr rtlCol="0" anchor="ctr"/>
+          <a:lstStyle/>
+          <a:p>
+            <a:pPr algn="ctr"/>
+            <a:r>
+              <a:rPr lang="en-US" altLang="zh-TW" dirty="0" smtClean="0"/>
+              <a:t>1</a:t>
+            </a:r>
+            <a:endParaRPr lang="zh-TW" altLang="en-US" dirty="0"/>
+          </a:p>
+        </p:txBody>
+      </p:sp>
+      <p:sp>
+        <p:nvSpPr>
+          <p:cNvPr id="36" name="橢圓 35"/>
+          <p:cNvSpPr/>
+          <p:nvPr/>
+        </p:nvSpPr>
+        <p:spPr>
+          <a:xfrm>
+            <a:off x="9126464" y="842300"/>
+            <a:ext cx="226577" cy="218485"/>
+          </a:xfrm>
+          <a:prstGeom prst="ellipse">
+            <a:avLst/>
+          </a:prstGeom>
+        </p:spPr>
+        <p:style>
+          <a:lnRef idx="2">
+            <a:schemeClr val="accent1">
+              <a:shade val="50000"/>
+            </a:schemeClr>
+          </a:lnRef>
+          <a:fillRef idx="1">
+            <a:schemeClr val="accent1"/>
+          </a:fillRef>
+          <a:effectRef idx="0">
+            <a:schemeClr val="accent1"/>
+          </a:effectRef>
+          <a:fontRef idx="minor">
+            <a:schemeClr val="lt1"/>
+          </a:fontRef>
+        </p:style>
+        <p:txBody>
+          <a:bodyPr rtlCol="0" anchor="ctr"/>
+          <a:lstStyle/>
+          <a:p>
+            <a:pPr algn="ctr"/>
+            <a:r>
+              <a:rPr lang="en-US" altLang="zh-TW" dirty="0"/>
+              <a:t>2</a:t>
+            </a:r>
+            <a:endParaRPr lang="zh-TW" altLang="en-US" dirty="0"/>
+          </a:p>
+        </p:txBody>
+      </p:sp>
+      <p:sp>
+        <p:nvSpPr>
+          <p:cNvPr id="37" name="橢圓 36"/>
+          <p:cNvSpPr/>
+          <p:nvPr/>
+        </p:nvSpPr>
+        <p:spPr>
+          <a:xfrm>
+            <a:off x="9126464" y="1358324"/>
+            <a:ext cx="226577" cy="218485"/>
+          </a:xfrm>
+          <a:prstGeom prst="ellipse">
+            <a:avLst/>
+          </a:prstGeom>
+        </p:spPr>
+        <p:style>
+          <a:lnRef idx="2">
+            <a:schemeClr val="accent1">
+              <a:shade val="50000"/>
+            </a:schemeClr>
+          </a:lnRef>
+          <a:fillRef idx="1">
+            <a:schemeClr val="accent1"/>
+          </a:fillRef>
+          <a:effectRef idx="0">
+            <a:schemeClr val="accent1"/>
+          </a:effectRef>
+          <a:fontRef idx="minor">
+            <a:schemeClr val="lt1"/>
+          </a:fontRef>
+        </p:style>
+        <p:txBody>
+          <a:bodyPr rtlCol="0" anchor="ctr"/>
+          <a:lstStyle/>
+          <a:p>
+            <a:pPr algn="ctr"/>
+            <a:r>
+              <a:rPr lang="en-US" altLang="zh-TW" dirty="0"/>
+              <a:t>3</a:t>
+            </a:r>
+            <a:endParaRPr lang="zh-TW" altLang="en-US" dirty="0"/>
+          </a:p>
+        </p:txBody>
+      </p:sp>
+      <p:sp>
+        <p:nvSpPr>
+          <p:cNvPr id="38" name="橢圓 37"/>
+          <p:cNvSpPr/>
+          <p:nvPr/>
+        </p:nvSpPr>
+        <p:spPr>
+          <a:xfrm>
+            <a:off x="9126464" y="1913820"/>
+            <a:ext cx="226577" cy="218485"/>
+          </a:xfrm>
+          <a:prstGeom prst="ellipse">
+            <a:avLst/>
+          </a:prstGeom>
+        </p:spPr>
+        <p:style>
+          <a:lnRef idx="2">
+            <a:schemeClr val="accent1">
+              <a:shade val="50000"/>
+            </a:schemeClr>
+          </a:lnRef>
+          <a:fillRef idx="1">
+            <a:schemeClr val="accent1"/>
+          </a:fillRef>
+          <a:effectRef idx="0">
+            <a:schemeClr val="accent1"/>
+          </a:effectRef>
+          <a:fontRef idx="minor">
+            <a:schemeClr val="lt1"/>
+          </a:fontRef>
+        </p:style>
+        <p:txBody>
+          <a:bodyPr rtlCol="0" anchor="ctr"/>
+          <a:lstStyle/>
+          <a:p>
+            <a:pPr algn="ctr"/>
+            <a:r>
+              <a:rPr lang="en-US" altLang="zh-TW" dirty="0"/>
+              <a:t>4</a:t>
+            </a:r>
+            <a:endParaRPr lang="zh-TW" altLang="en-US" dirty="0"/>
+          </a:p>
+        </p:txBody>
+      </p:sp>
+      <p:sp>
+        <p:nvSpPr>
+          <p:cNvPr id="39" name="橢圓 38"/>
+          <p:cNvSpPr/>
+          <p:nvPr/>
+        </p:nvSpPr>
+        <p:spPr>
+          <a:xfrm>
+            <a:off x="9126464" y="2463345"/>
+            <a:ext cx="226577" cy="218485"/>
+          </a:xfrm>
+          <a:prstGeom prst="ellipse">
+            <a:avLst/>
+          </a:prstGeom>
+        </p:spPr>
+        <p:style>
+          <a:lnRef idx="2">
+            <a:schemeClr val="accent1">
+              <a:shade val="50000"/>
+            </a:schemeClr>
+          </a:lnRef>
+          <a:fillRef idx="1">
+            <a:schemeClr val="accent1"/>
+          </a:fillRef>
+          <a:effectRef idx="0">
+            <a:schemeClr val="accent1"/>
+          </a:effectRef>
+          <a:fontRef idx="minor">
+            <a:schemeClr val="lt1"/>
+          </a:fontRef>
+        </p:style>
+        <p:txBody>
+          <a:bodyPr rtlCol="0" anchor="ctr"/>
+          <a:lstStyle/>
+          <a:p>
+            <a:pPr algn="ctr"/>
+            <a:r>
+              <a:rPr lang="en-US" altLang="zh-TW" dirty="0"/>
+              <a:t>5</a:t>
+            </a:r>
+            <a:endParaRPr lang="zh-TW" altLang="en-US" dirty="0"/>
+          </a:p>
+        </p:txBody>
+      </p:sp>
+      <p:sp>
+        <p:nvSpPr>
+          <p:cNvPr id="41" name="文字方塊 40"/>
+          <p:cNvSpPr txBox="1"/>
+          <p:nvPr/>
+        </p:nvSpPr>
+        <p:spPr>
+          <a:xfrm>
+            <a:off x="9409688" y="236119"/>
+            <a:ext cx="1116702" cy="369332"/>
+          </a:xfrm>
+          <a:prstGeom prst="rect">
+            <a:avLst/>
+          </a:prstGeom>
+          <a:noFill/>
+        </p:spPr>
+        <p:txBody>
+          <a:bodyPr wrap="square" rtlCol="0">
+            <a:spAutoFit/>
+          </a:bodyPr>
+          <a:lstStyle/>
+          <a:p>
+            <a:r>
+              <a:rPr lang="zh-TW" altLang="en-US" dirty="0" smtClean="0"/>
+              <a:t>主導覽</a:t>
+            </a:r>
+            <a:r>
+              <a:rPr lang="zh-TW" altLang="en-US" dirty="0"/>
+              <a:t>列</a:t>
+            </a:r>
+            <a:endParaRPr lang="zh-TW" altLang="en-US" dirty="0"/>
+          </a:p>
+        </p:txBody>
+      </p:sp>
+      <p:sp>
+        <p:nvSpPr>
+          <p:cNvPr id="46" name="文字方塊 45"/>
+          <p:cNvSpPr txBox="1"/>
+          <p:nvPr/>
+        </p:nvSpPr>
+        <p:spPr>
+          <a:xfrm>
+            <a:off x="9409688" y="766876"/>
+            <a:ext cx="2391015" cy="369332"/>
+          </a:xfrm>
+          <a:prstGeom prst="rect">
+            <a:avLst/>
+          </a:prstGeom>
+          <a:noFill/>
+        </p:spPr>
+        <p:txBody>
+          <a:bodyPr wrap="square" rtlCol="0">
+            <a:spAutoFit/>
+          </a:bodyPr>
+          <a:lstStyle/>
+          <a:p>
+            <a:r>
+              <a:rPr lang="zh-TW" altLang="en-US" dirty="0"/>
+              <a:t>課程內容簡介</a:t>
+            </a:r>
+            <a:endParaRPr lang="zh-TW" altLang="en-US" dirty="0"/>
+          </a:p>
+        </p:txBody>
+      </p:sp>
+      <p:sp>
+        <p:nvSpPr>
+          <p:cNvPr id="47" name="文字方塊 46"/>
+          <p:cNvSpPr txBox="1"/>
+          <p:nvPr/>
+        </p:nvSpPr>
+        <p:spPr>
+          <a:xfrm>
+            <a:off x="9409689" y="1282900"/>
+            <a:ext cx="2391014" cy="646331"/>
+          </a:xfrm>
+          <a:prstGeom prst="rect">
+            <a:avLst/>
+          </a:prstGeom>
+          <a:noFill/>
+        </p:spPr>
+        <p:txBody>
+          <a:bodyPr wrap="square" rtlCol="0">
+            <a:spAutoFit/>
+          </a:bodyPr>
+          <a:lstStyle/>
+          <a:p>
+            <a:r>
+              <a:rPr lang="zh-TW" altLang="en-US" dirty="0" smtClean="0"/>
+              <a:t>說明</a:t>
+            </a:r>
+            <a:r>
+              <a:rPr lang="zh-TW" altLang="en-US" dirty="0"/>
+              <a:t>課程上課方式</a:t>
+            </a:r>
+          </a:p>
+          <a:p>
+            <a:endParaRPr lang="zh-TW" altLang="en-US" dirty="0"/>
+          </a:p>
+        </p:txBody>
+      </p:sp>
+      <p:sp>
+        <p:nvSpPr>
+          <p:cNvPr id="48" name="文字方塊 47"/>
+          <p:cNvSpPr txBox="1"/>
+          <p:nvPr/>
+        </p:nvSpPr>
+        <p:spPr>
+          <a:xfrm>
+            <a:off x="9412785" y="1838396"/>
+            <a:ext cx="1716862" cy="369332"/>
+          </a:xfrm>
+          <a:prstGeom prst="rect">
+            <a:avLst/>
+          </a:prstGeom>
+          <a:noFill/>
+        </p:spPr>
+        <p:txBody>
+          <a:bodyPr wrap="square" rtlCol="0">
+            <a:spAutoFit/>
+          </a:bodyPr>
+          <a:lstStyle/>
+          <a:p>
+            <a:r>
+              <a:rPr lang="zh-TW" altLang="en-US" dirty="0" smtClean="0"/>
+              <a:t>回首頁按鈕</a:t>
+            </a:r>
+            <a:endParaRPr lang="zh-TW" altLang="en-US" dirty="0"/>
+          </a:p>
+        </p:txBody>
+      </p:sp>
+      <p:sp>
+        <p:nvSpPr>
+          <p:cNvPr id="49" name="文字方塊 48"/>
+          <p:cNvSpPr txBox="1"/>
+          <p:nvPr/>
+        </p:nvSpPr>
+        <p:spPr>
+          <a:xfrm>
+            <a:off x="9409687" y="2387921"/>
+            <a:ext cx="2007955" cy="646331"/>
+          </a:xfrm>
+          <a:prstGeom prst="rect">
+            <a:avLst/>
+          </a:prstGeom>
+          <a:noFill/>
+        </p:spPr>
+        <p:txBody>
+          <a:bodyPr wrap="square" rtlCol="0">
+            <a:spAutoFit/>
+          </a:bodyPr>
+          <a:lstStyle/>
+          <a:p>
+            <a:r>
+              <a:rPr lang="zh-TW" altLang="en-US" dirty="0"/>
+              <a:t>頁尾及相關資訊</a:t>
+            </a:r>
+          </a:p>
+          <a:p>
+            <a:endParaRPr lang="zh-TW" altLang="en-US" dirty="0"/>
+          </a:p>
+        </p:txBody>
+      </p:sp>
+      <p:sp>
+        <p:nvSpPr>
+          <p:cNvPr id="54" name="橢圓 53"/>
+          <p:cNvSpPr/>
+          <p:nvPr/>
+        </p:nvSpPr>
+        <p:spPr>
+          <a:xfrm>
+            <a:off x="4942416" y="6583875"/>
+            <a:ext cx="226577" cy="218485"/>
+          </a:xfrm>
+          <a:prstGeom prst="ellipse">
+            <a:avLst/>
+          </a:prstGeom>
+        </p:spPr>
+        <p:style>
+          <a:lnRef idx="2">
+            <a:schemeClr val="accent1">
+              <a:shade val="50000"/>
+            </a:schemeClr>
+          </a:lnRef>
+          <a:fillRef idx="1">
+            <a:schemeClr val="accent1"/>
+          </a:fillRef>
+          <a:effectRef idx="0">
+            <a:schemeClr val="accent1"/>
+          </a:effectRef>
+          <a:fontRef idx="minor">
+            <a:schemeClr val="lt1"/>
+          </a:fontRef>
+        </p:style>
+        <p:txBody>
+          <a:bodyPr rtlCol="0" anchor="ctr"/>
+          <a:lstStyle/>
+          <a:p>
+            <a:pPr algn="ctr"/>
+            <a:r>
+              <a:rPr lang="en-US" altLang="zh-TW" dirty="0"/>
+              <a:t>5</a:t>
+            </a:r>
+            <a:endParaRPr lang="zh-TW" altLang="en-US" dirty="0"/>
+          </a:p>
+        </p:txBody>
+      </p:sp>
+      <p:sp>
+        <p:nvSpPr>
+          <p:cNvPr id="27" name="文字方塊 26"/>
+          <p:cNvSpPr txBox="1"/>
+          <p:nvPr/>
+        </p:nvSpPr>
+        <p:spPr>
+          <a:xfrm>
+            <a:off x="4932272" y="5502103"/>
+            <a:ext cx="1716862" cy="369332"/>
+          </a:xfrm>
+          <a:prstGeom prst="rect">
+            <a:avLst/>
+          </a:prstGeom>
+          <a:noFill/>
+        </p:spPr>
+        <p:txBody>
+          <a:bodyPr wrap="square" rtlCol="0">
+            <a:spAutoFit/>
+          </a:bodyPr>
+          <a:lstStyle/>
+          <a:p>
+            <a:r>
+              <a:rPr lang="zh-TW" altLang="en-US" dirty="0" smtClean="0"/>
+              <a:t>回首頁按鈕</a:t>
+            </a:r>
+            <a:endParaRPr lang="zh-TW" altLang="en-US" dirty="0"/>
+          </a:p>
+        </p:txBody>
+      </p:sp>
+      <p:sp>
+        <p:nvSpPr>
+          <p:cNvPr id="30" name="文字方塊 29"/>
+          <p:cNvSpPr txBox="1"/>
+          <p:nvPr/>
+        </p:nvSpPr>
+        <p:spPr>
+          <a:xfrm>
+            <a:off x="5369242" y="4763440"/>
+            <a:ext cx="2457910" cy="923330"/>
+          </a:xfrm>
+          <a:prstGeom prst="rect">
+            <a:avLst/>
+          </a:prstGeom>
+          <a:noFill/>
+        </p:spPr>
+        <p:txBody>
+          <a:bodyPr wrap="square" rtlCol="0">
+            <a:spAutoFit/>
+          </a:bodyPr>
+          <a:lstStyle/>
+          <a:p>
+            <a:r>
+              <a:rPr lang="zh-TW" altLang="en-US" dirty="0" smtClean="0"/>
+              <a:t>說明課程上課方</a:t>
+            </a:r>
+            <a:r>
+              <a:rPr lang="zh-TW" altLang="en-US" dirty="0"/>
+              <a:t>式</a:t>
+            </a:r>
+          </a:p>
+          <a:p>
+            <a:endParaRPr lang="zh-TW" altLang="en-US" dirty="0"/>
+          </a:p>
+          <a:p>
+            <a:endParaRPr lang="zh-TW" altLang="en-US" dirty="0"/>
+          </a:p>
+        </p:txBody>
+      </p:sp>
+    </p:spTree>
+    <p:extLst>
+      <p:ext uri="{BB962C8B-B14F-4D97-AF65-F5344CB8AC3E}">
+        <p14:creationId xmlns:p14="http://schemas.microsoft.com/office/powerpoint/2010/main" val="3979643264"/>
+      </p:ext>
+    </p:extLst>
+  </p:cSld>
+  <p:clrMapOvr>
+    <a:masterClrMapping/>
+  </p:clrMapOvr>
+  <p:timing>
+    <p:tnLst>
+      <p:par>
+        <p:cTn id="1" dur="indefinite" restart="never" nodeType="tmRoot"/>
+      </p:par>
+    </p:tnLst>
+  </p:timing>
+</p:sld>
+</file>
+
+<file path=ppt/slides/slide8.xml><?xml version="1.0" encoding="utf-8"?>
+<p:sld xmlns:a="http://schemas.openxmlformats.org/drawingml/2006/main" xmlns:r="http://schemas.openxmlformats.org/officeDocument/2006/relationships" xmlns:p="http://schemas.openxmlformats.org/presentationml/2006/main">
+  <p:cSld>
+    <p:spTree>
+      <p:nvGrpSpPr>
+        <p:cNvPr id="1" name=""/>
+        <p:cNvGrpSpPr/>
+        <p:nvPr/>
+      </p:nvGrpSpPr>
+      <p:grpSpPr>
+        <a:xfrm>
+          <a:off x="0" y="0"/>
+          <a:ext cx="0" cy="0"/>
+          <a:chOff x="0" y="0"/>
+          <a:chExt cx="0" cy="0"/>
+        </a:xfrm>
+      </p:grpSpPr>
+      <p:pic>
+        <p:nvPicPr>
+          <p:cNvPr id="2" name="圖片 1"/>
+          <p:cNvPicPr>
+            <a:picLocks noChangeAspect="1"/>
+          </p:cNvPicPr>
+          <p:nvPr/>
+        </p:nvPicPr>
+        <p:blipFill>
+          <a:blip r:embed="rId2">
+            <a:extLst>
+              <a:ext uri="{28A0092B-C50C-407E-A947-70E740481C1C}">
+                <a14:useLocalDpi xmlns:a14="http://schemas.microsoft.com/office/drawing/2010/main" val="0"/>
+              </a:ext>
+            </a:extLst>
+          </a:blip>
+          <a:stretch>
+            <a:fillRect/>
+          </a:stretch>
+        </p:blipFill>
+        <p:spPr>
+          <a:xfrm>
+            <a:off x="373899" y="0"/>
+            <a:ext cx="6550925" cy="6858000"/>
+          </a:xfrm>
+          <a:prstGeom prst="rect">
+            <a:avLst/>
+          </a:prstGeom>
+        </p:spPr>
+      </p:pic>
+      <p:sp>
+        <p:nvSpPr>
+          <p:cNvPr id="5" name="橢圓 4"/>
+          <p:cNvSpPr/>
+          <p:nvPr/>
+        </p:nvSpPr>
+        <p:spPr>
+          <a:xfrm>
+            <a:off x="5143832" y="368127"/>
+            <a:ext cx="226577" cy="218485"/>
+          </a:xfrm>
+          <a:prstGeom prst="ellipse">
+            <a:avLst/>
+          </a:prstGeom>
+        </p:spPr>
+        <p:style>
+          <a:lnRef idx="2">
+            <a:schemeClr val="accent1">
+              <a:shade val="50000"/>
+            </a:schemeClr>
+          </a:lnRef>
+          <a:fillRef idx="1">
+            <a:schemeClr val="accent1"/>
+          </a:fillRef>
+          <a:effectRef idx="0">
+            <a:schemeClr val="accent1"/>
+          </a:effectRef>
+          <a:fontRef idx="minor">
+            <a:schemeClr val="lt1"/>
+          </a:fontRef>
+        </p:style>
+        <p:txBody>
+          <a:bodyPr rtlCol="0" anchor="ctr"/>
+          <a:lstStyle/>
+          <a:p>
+            <a:pPr algn="ctr"/>
+            <a:r>
+              <a:rPr lang="en-US" altLang="zh-TW" dirty="0" smtClean="0"/>
+              <a:t>1</a:t>
+            </a:r>
+            <a:endParaRPr lang="zh-TW" altLang="en-US" dirty="0"/>
+          </a:p>
+        </p:txBody>
+      </p:sp>
+      <p:cxnSp>
+        <p:nvCxnSpPr>
+          <p:cNvPr id="7" name="直線單箭頭接點 6"/>
+          <p:cNvCxnSpPr/>
+          <p:nvPr/>
+        </p:nvCxnSpPr>
+        <p:spPr>
+          <a:xfrm>
+            <a:off x="5606426" y="496209"/>
+            <a:ext cx="873940" cy="0"/>
+          </a:xfrm>
+          <a:prstGeom prst="straightConnector1">
+            <a:avLst/>
+          </a:prstGeom>
+          <a:ln>
+            <a:tailEnd type="triangle"/>
+          </a:ln>
+        </p:spPr>
+        <p:style>
+          <a:lnRef idx="1">
+            <a:schemeClr val="accent1"/>
+          </a:lnRef>
+          <a:fillRef idx="0">
+            <a:schemeClr val="accent1"/>
+          </a:fillRef>
+          <a:effectRef idx="0">
+            <a:schemeClr val="accent1"/>
+          </a:effectRef>
+          <a:fontRef idx="minor">
+            <a:schemeClr val="tx1"/>
+          </a:fontRef>
+        </p:style>
+      </p:cxnSp>
+      <p:sp>
+        <p:nvSpPr>
+          <p:cNvPr id="9" name="文字方塊 8"/>
+          <p:cNvSpPr txBox="1"/>
+          <p:nvPr/>
+        </p:nvSpPr>
+        <p:spPr>
+          <a:xfrm>
+            <a:off x="6480366" y="311543"/>
+            <a:ext cx="1116702" cy="369332"/>
+          </a:xfrm>
+          <a:prstGeom prst="rect">
+            <a:avLst/>
+          </a:prstGeom>
+          <a:noFill/>
+        </p:spPr>
+        <p:txBody>
+          <a:bodyPr wrap="square" rtlCol="0">
+            <a:spAutoFit/>
+          </a:bodyPr>
+          <a:lstStyle/>
+          <a:p>
+            <a:r>
+              <a:rPr lang="zh-TW" altLang="en-US" dirty="0" smtClean="0"/>
+              <a:t>主導覽列</a:t>
+            </a:r>
+            <a:endParaRPr lang="zh-TW" altLang="en-US" dirty="0"/>
+          </a:p>
+        </p:txBody>
+      </p:sp>
+      <p:sp>
+        <p:nvSpPr>
+          <p:cNvPr id="11" name="橢圓 10"/>
+          <p:cNvSpPr/>
+          <p:nvPr/>
+        </p:nvSpPr>
+        <p:spPr>
+          <a:xfrm>
+            <a:off x="3112708" y="2532037"/>
+            <a:ext cx="226577" cy="218485"/>
+          </a:xfrm>
+          <a:prstGeom prst="ellipse">
+            <a:avLst/>
+          </a:prstGeom>
+        </p:spPr>
+        <p:style>
+          <a:lnRef idx="2">
+            <a:schemeClr val="accent1">
+              <a:shade val="50000"/>
+            </a:schemeClr>
+          </a:lnRef>
+          <a:fillRef idx="1">
+            <a:schemeClr val="accent1"/>
+          </a:fillRef>
+          <a:effectRef idx="0">
+            <a:schemeClr val="accent1"/>
+          </a:effectRef>
+          <a:fontRef idx="minor">
+            <a:schemeClr val="lt1"/>
+          </a:fontRef>
+        </p:style>
+        <p:txBody>
+          <a:bodyPr rtlCol="0" anchor="ctr"/>
+          <a:lstStyle/>
+          <a:p>
+            <a:pPr algn="ctr"/>
+            <a:r>
+              <a:rPr lang="en-US" altLang="zh-TW" dirty="0"/>
+              <a:t>2</a:t>
+            </a:r>
+            <a:endParaRPr lang="zh-TW" altLang="en-US" dirty="0"/>
+          </a:p>
+        </p:txBody>
+      </p:sp>
+      <p:sp>
+        <p:nvSpPr>
+          <p:cNvPr id="17" name="橢圓 16"/>
+          <p:cNvSpPr/>
+          <p:nvPr/>
+        </p:nvSpPr>
+        <p:spPr>
+          <a:xfrm>
+            <a:off x="4696998" y="4721388"/>
+            <a:ext cx="226577" cy="218485"/>
+          </a:xfrm>
+          <a:prstGeom prst="ellipse">
+            <a:avLst/>
+          </a:prstGeom>
+        </p:spPr>
+        <p:style>
+          <a:lnRef idx="2">
+            <a:schemeClr val="accent1">
+              <a:shade val="50000"/>
+            </a:schemeClr>
+          </a:lnRef>
+          <a:fillRef idx="1">
+            <a:schemeClr val="accent1"/>
+          </a:fillRef>
+          <a:effectRef idx="0">
+            <a:schemeClr val="accent1"/>
+          </a:effectRef>
+          <a:fontRef idx="minor">
+            <a:schemeClr val="lt1"/>
+          </a:fontRef>
+        </p:style>
+        <p:txBody>
+          <a:bodyPr rtlCol="0" anchor="ctr"/>
+          <a:lstStyle/>
+          <a:p>
+            <a:pPr algn="ctr"/>
+            <a:r>
+              <a:rPr lang="en-US" altLang="zh-TW" dirty="0"/>
+              <a:t>3</a:t>
+            </a:r>
+            <a:endParaRPr lang="zh-TW" altLang="en-US" dirty="0"/>
+          </a:p>
+        </p:txBody>
+      </p:sp>
+      <p:sp>
+        <p:nvSpPr>
+          <p:cNvPr id="18" name="橢圓 17"/>
+          <p:cNvSpPr/>
+          <p:nvPr/>
+        </p:nvSpPr>
+        <p:spPr>
+          <a:xfrm>
+            <a:off x="3870989" y="5898809"/>
+            <a:ext cx="226577" cy="218485"/>
+          </a:xfrm>
+          <a:prstGeom prst="ellipse">
+            <a:avLst/>
+          </a:prstGeom>
+        </p:spPr>
+        <p:style>
+          <a:lnRef idx="2">
+            <a:schemeClr val="accent1">
+              <a:shade val="50000"/>
+            </a:schemeClr>
+          </a:lnRef>
+          <a:fillRef idx="1">
+            <a:schemeClr val="accent1"/>
+          </a:fillRef>
+          <a:effectRef idx="0">
+            <a:schemeClr val="accent1"/>
+          </a:effectRef>
+          <a:fontRef idx="minor">
+            <a:schemeClr val="lt1"/>
+          </a:fontRef>
+        </p:style>
+        <p:txBody>
+          <a:bodyPr rtlCol="0" anchor="ctr"/>
+          <a:lstStyle/>
+          <a:p>
+            <a:pPr algn="ctr"/>
+            <a:r>
+              <a:rPr lang="en-US" altLang="zh-TW" dirty="0"/>
+              <a:t>4</a:t>
+            </a:r>
+            <a:endParaRPr lang="zh-TW" altLang="en-US" dirty="0"/>
+          </a:p>
+        </p:txBody>
+      </p:sp>
+      <p:cxnSp>
+        <p:nvCxnSpPr>
+          <p:cNvPr id="21" name="直線單箭頭接點 20"/>
+          <p:cNvCxnSpPr/>
+          <p:nvPr/>
+        </p:nvCxnSpPr>
+        <p:spPr>
+          <a:xfrm>
+            <a:off x="3402693" y="2681830"/>
+            <a:ext cx="873940" cy="0"/>
+          </a:xfrm>
+          <a:prstGeom prst="straightConnector1">
+            <a:avLst/>
+          </a:prstGeom>
+          <a:ln>
+            <a:tailEnd type="triangle"/>
+          </a:ln>
+        </p:spPr>
+        <p:style>
+          <a:lnRef idx="1">
+            <a:schemeClr val="accent1"/>
+          </a:lnRef>
+          <a:fillRef idx="0">
+            <a:schemeClr val="accent1"/>
+          </a:fillRef>
+          <a:effectRef idx="0">
+            <a:schemeClr val="accent1"/>
+          </a:effectRef>
+          <a:fontRef idx="minor">
+            <a:schemeClr val="tx1"/>
+          </a:fontRef>
+        </p:style>
+      </p:cxnSp>
+      <p:cxnSp>
+        <p:nvCxnSpPr>
+          <p:cNvPr id="24" name="直線單箭頭接點 23"/>
+          <p:cNvCxnSpPr/>
+          <p:nvPr/>
+        </p:nvCxnSpPr>
+        <p:spPr>
+          <a:xfrm>
+            <a:off x="5003023" y="4833292"/>
+            <a:ext cx="873940" cy="0"/>
+          </a:xfrm>
+          <a:prstGeom prst="straightConnector1">
+            <a:avLst/>
+          </a:prstGeom>
+          <a:ln>
+            <a:tailEnd type="triangle"/>
+          </a:ln>
+        </p:spPr>
+        <p:style>
+          <a:lnRef idx="1">
+            <a:schemeClr val="accent1"/>
+          </a:lnRef>
+          <a:fillRef idx="0">
+            <a:schemeClr val="accent1"/>
+          </a:fillRef>
+          <a:effectRef idx="0">
+            <a:schemeClr val="accent1"/>
+          </a:effectRef>
+          <a:fontRef idx="minor">
+            <a:schemeClr val="tx1"/>
+          </a:fontRef>
+        </p:style>
+      </p:cxnSp>
+      <p:cxnSp>
+        <p:nvCxnSpPr>
+          <p:cNvPr id="25" name="直線單箭頭接點 24"/>
+          <p:cNvCxnSpPr/>
+          <p:nvPr/>
+        </p:nvCxnSpPr>
+        <p:spPr>
+          <a:xfrm>
+            <a:off x="4163345" y="6008051"/>
+            <a:ext cx="873940" cy="0"/>
+          </a:xfrm>
+          <a:prstGeom prst="straightConnector1">
+            <a:avLst/>
+          </a:prstGeom>
+          <a:ln>
+            <a:tailEnd type="triangle"/>
+          </a:ln>
+        </p:spPr>
+        <p:style>
+          <a:lnRef idx="1">
+            <a:schemeClr val="accent1"/>
+          </a:lnRef>
+          <a:fillRef idx="0">
+            <a:schemeClr val="accent1"/>
+          </a:fillRef>
+          <a:effectRef idx="0">
+            <a:schemeClr val="accent1"/>
+          </a:effectRef>
+          <a:fontRef idx="minor">
+            <a:schemeClr val="tx1"/>
+          </a:fontRef>
+        </p:style>
+      </p:cxnSp>
+      <p:cxnSp>
+        <p:nvCxnSpPr>
+          <p:cNvPr id="26" name="直線單箭頭接點 25"/>
+          <p:cNvCxnSpPr/>
+          <p:nvPr/>
+        </p:nvCxnSpPr>
+        <p:spPr>
+          <a:xfrm>
+            <a:off x="5531515" y="6689482"/>
+            <a:ext cx="873940" cy="0"/>
+          </a:xfrm>
+          <a:prstGeom prst="straightConnector1">
+            <a:avLst/>
+          </a:prstGeom>
+          <a:ln>
+            <a:tailEnd type="triangle"/>
+          </a:ln>
+        </p:spPr>
+        <p:style>
+          <a:lnRef idx="1">
+            <a:schemeClr val="accent1"/>
+          </a:lnRef>
+          <a:fillRef idx="0">
+            <a:schemeClr val="accent1"/>
+          </a:fillRef>
+          <a:effectRef idx="0">
+            <a:schemeClr val="accent1"/>
+          </a:effectRef>
+          <a:fontRef idx="minor">
+            <a:schemeClr val="tx1"/>
+          </a:fontRef>
+        </p:style>
+      </p:cxnSp>
+      <p:sp>
+        <p:nvSpPr>
+          <p:cNvPr id="28" name="文字方塊 27"/>
+          <p:cNvSpPr txBox="1"/>
+          <p:nvPr/>
+        </p:nvSpPr>
+        <p:spPr>
+          <a:xfrm>
+            <a:off x="4318571" y="2478732"/>
+            <a:ext cx="2242844" cy="369332"/>
+          </a:xfrm>
+          <a:prstGeom prst="rect">
+            <a:avLst/>
+          </a:prstGeom>
+          <a:noFill/>
+        </p:spPr>
+        <p:txBody>
+          <a:bodyPr wrap="square" rtlCol="0">
+            <a:spAutoFit/>
+          </a:bodyPr>
+          <a:lstStyle/>
+          <a:p>
+            <a:r>
+              <a:rPr lang="zh-TW" altLang="en-US" dirty="0" smtClean="0"/>
+              <a:t>活動主辦負責人</a:t>
+            </a:r>
+            <a:endParaRPr lang="zh-TW" altLang="en-US" dirty="0"/>
+          </a:p>
+        </p:txBody>
+      </p:sp>
+      <p:sp>
+        <p:nvSpPr>
+          <p:cNvPr id="34" name="文字方塊 33"/>
+          <p:cNvSpPr txBox="1"/>
+          <p:nvPr/>
+        </p:nvSpPr>
+        <p:spPr>
+          <a:xfrm>
+            <a:off x="6405455" y="6488668"/>
+            <a:ext cx="1861168" cy="369332"/>
+          </a:xfrm>
+          <a:prstGeom prst="rect">
+            <a:avLst/>
+          </a:prstGeom>
+          <a:noFill/>
+        </p:spPr>
+        <p:txBody>
+          <a:bodyPr wrap="square" rtlCol="0">
+            <a:spAutoFit/>
+          </a:bodyPr>
+          <a:lstStyle/>
+          <a:p>
+            <a:r>
+              <a:rPr lang="zh-TW" altLang="en-US" dirty="0" smtClean="0"/>
+              <a:t>頁尾及相關資訊</a:t>
+            </a:r>
+            <a:endParaRPr lang="zh-TW" altLang="en-US" dirty="0"/>
+          </a:p>
+        </p:txBody>
+      </p:sp>
+      <p:sp>
+        <p:nvSpPr>
+          <p:cNvPr id="35" name="橢圓 34"/>
+          <p:cNvSpPr/>
+          <p:nvPr/>
+        </p:nvSpPr>
+        <p:spPr>
+          <a:xfrm>
+            <a:off x="9126468" y="296606"/>
+            <a:ext cx="226577" cy="218485"/>
+          </a:xfrm>
+          <a:prstGeom prst="ellipse">
+            <a:avLst/>
+          </a:prstGeom>
+        </p:spPr>
+        <p:style>
+          <a:lnRef idx="2">
+            <a:schemeClr val="accent1">
+              <a:shade val="50000"/>
+            </a:schemeClr>
+          </a:lnRef>
+          <a:fillRef idx="1">
+            <a:schemeClr val="accent1"/>
+          </a:fillRef>
+          <a:effectRef idx="0">
+            <a:schemeClr val="accent1"/>
+          </a:effectRef>
+          <a:fontRef idx="minor">
+            <a:schemeClr val="lt1"/>
+          </a:fontRef>
+        </p:style>
+        <p:txBody>
+          <a:bodyPr rtlCol="0" anchor="ctr"/>
+          <a:lstStyle/>
+          <a:p>
+            <a:pPr algn="ctr"/>
+            <a:r>
+              <a:rPr lang="en-US" altLang="zh-TW" dirty="0" smtClean="0"/>
+              <a:t>1</a:t>
+            </a:r>
+            <a:endParaRPr lang="zh-TW" altLang="en-US" dirty="0"/>
+          </a:p>
+        </p:txBody>
+      </p:sp>
+      <p:sp>
+        <p:nvSpPr>
+          <p:cNvPr id="36" name="橢圓 35"/>
+          <p:cNvSpPr/>
+          <p:nvPr/>
+        </p:nvSpPr>
+        <p:spPr>
+          <a:xfrm>
+            <a:off x="9126464" y="842300"/>
+            <a:ext cx="226577" cy="218485"/>
+          </a:xfrm>
+          <a:prstGeom prst="ellipse">
+            <a:avLst/>
+          </a:prstGeom>
+        </p:spPr>
+        <p:style>
+          <a:lnRef idx="2">
+            <a:schemeClr val="accent1">
+              <a:shade val="50000"/>
+            </a:schemeClr>
+          </a:lnRef>
+          <a:fillRef idx="1">
+            <a:schemeClr val="accent1"/>
+          </a:fillRef>
+          <a:effectRef idx="0">
+            <a:schemeClr val="accent1"/>
+          </a:effectRef>
+          <a:fontRef idx="minor">
+            <a:schemeClr val="lt1"/>
+          </a:fontRef>
+        </p:style>
+        <p:txBody>
+          <a:bodyPr rtlCol="0" anchor="ctr"/>
+          <a:lstStyle/>
+          <a:p>
+            <a:pPr algn="ctr"/>
+            <a:r>
+              <a:rPr lang="en-US" altLang="zh-TW" dirty="0"/>
+              <a:t>2</a:t>
+            </a:r>
+            <a:endParaRPr lang="zh-TW" altLang="en-US" dirty="0"/>
+          </a:p>
+        </p:txBody>
+      </p:sp>
+      <p:sp>
+        <p:nvSpPr>
+          <p:cNvPr id="37" name="橢圓 36"/>
+          <p:cNvSpPr/>
+          <p:nvPr/>
+        </p:nvSpPr>
+        <p:spPr>
+          <a:xfrm>
+            <a:off x="9126464" y="1358324"/>
+            <a:ext cx="226577" cy="218485"/>
+          </a:xfrm>
+          <a:prstGeom prst="ellipse">
+            <a:avLst/>
+          </a:prstGeom>
+        </p:spPr>
+        <p:style>
+          <a:lnRef idx="2">
+            <a:schemeClr val="accent1">
+              <a:shade val="50000"/>
+            </a:schemeClr>
+          </a:lnRef>
+          <a:fillRef idx="1">
+            <a:schemeClr val="accent1"/>
+          </a:fillRef>
+          <a:effectRef idx="0">
+            <a:schemeClr val="accent1"/>
+          </a:effectRef>
+          <a:fontRef idx="minor">
+            <a:schemeClr val="lt1"/>
+          </a:fontRef>
+        </p:style>
+        <p:txBody>
+          <a:bodyPr rtlCol="0" anchor="ctr"/>
+          <a:lstStyle/>
+          <a:p>
+            <a:pPr algn="ctr"/>
+            <a:r>
+              <a:rPr lang="en-US" altLang="zh-TW" dirty="0"/>
+              <a:t>3</a:t>
+            </a:r>
+            <a:endParaRPr lang="zh-TW" altLang="en-US" dirty="0"/>
+          </a:p>
+        </p:txBody>
+      </p:sp>
+      <p:sp>
+        <p:nvSpPr>
+          <p:cNvPr id="38" name="橢圓 37"/>
+          <p:cNvSpPr/>
+          <p:nvPr/>
+        </p:nvSpPr>
+        <p:spPr>
+          <a:xfrm>
+            <a:off x="9126464" y="1913820"/>
+            <a:ext cx="226577" cy="218485"/>
+          </a:xfrm>
+          <a:prstGeom prst="ellipse">
+            <a:avLst/>
+          </a:prstGeom>
+        </p:spPr>
+        <p:style>
+          <a:lnRef idx="2">
+            <a:schemeClr val="accent1">
+              <a:shade val="50000"/>
+            </a:schemeClr>
+          </a:lnRef>
+          <a:fillRef idx="1">
+            <a:schemeClr val="accent1"/>
+          </a:fillRef>
+          <a:effectRef idx="0">
+            <a:schemeClr val="accent1"/>
+          </a:effectRef>
+          <a:fontRef idx="minor">
+            <a:schemeClr val="lt1"/>
+          </a:fontRef>
+        </p:style>
+        <p:txBody>
+          <a:bodyPr rtlCol="0" anchor="ctr"/>
+          <a:lstStyle/>
+          <a:p>
+            <a:pPr algn="ctr"/>
+            <a:r>
+              <a:rPr lang="en-US" altLang="zh-TW" dirty="0"/>
+              <a:t>4</a:t>
+            </a:r>
+            <a:endParaRPr lang="zh-TW" altLang="en-US" dirty="0"/>
+          </a:p>
+        </p:txBody>
+      </p:sp>
+      <p:sp>
+        <p:nvSpPr>
+          <p:cNvPr id="39" name="橢圓 38"/>
+          <p:cNvSpPr/>
+          <p:nvPr/>
+        </p:nvSpPr>
+        <p:spPr>
+          <a:xfrm>
+            <a:off x="9126464" y="2463345"/>
+            <a:ext cx="226577" cy="218485"/>
+          </a:xfrm>
+          <a:prstGeom prst="ellipse">
+            <a:avLst/>
+          </a:prstGeom>
+        </p:spPr>
+        <p:style>
+          <a:lnRef idx="2">
+            <a:schemeClr val="accent1">
+              <a:shade val="50000"/>
+            </a:schemeClr>
+          </a:lnRef>
+          <a:fillRef idx="1">
+            <a:schemeClr val="accent1"/>
+          </a:fillRef>
+          <a:effectRef idx="0">
+            <a:schemeClr val="accent1"/>
+          </a:effectRef>
+          <a:fontRef idx="minor">
+            <a:schemeClr val="lt1"/>
+          </a:fontRef>
+        </p:style>
+        <p:txBody>
+          <a:bodyPr rtlCol="0" anchor="ctr"/>
+          <a:lstStyle/>
+          <a:p>
+            <a:pPr algn="ctr"/>
+            <a:r>
+              <a:rPr lang="en-US" altLang="zh-TW" dirty="0"/>
+              <a:t>5</a:t>
+            </a:r>
+            <a:endParaRPr lang="zh-TW" altLang="en-US" dirty="0"/>
+          </a:p>
+        </p:txBody>
+      </p:sp>
+      <p:sp>
+        <p:nvSpPr>
+          <p:cNvPr id="41" name="文字方塊 40"/>
+          <p:cNvSpPr txBox="1"/>
+          <p:nvPr/>
+        </p:nvSpPr>
+        <p:spPr>
+          <a:xfrm>
+            <a:off x="9409688" y="236119"/>
+            <a:ext cx="1116702" cy="369332"/>
+          </a:xfrm>
+          <a:prstGeom prst="rect">
+            <a:avLst/>
+          </a:prstGeom>
+          <a:noFill/>
+        </p:spPr>
+        <p:txBody>
+          <a:bodyPr wrap="square" rtlCol="0">
+            <a:spAutoFit/>
+          </a:bodyPr>
+          <a:lstStyle/>
+          <a:p>
+            <a:r>
+              <a:rPr lang="zh-TW" altLang="en-US" dirty="0" smtClean="0"/>
+              <a:t>主導覽</a:t>
+            </a:r>
+            <a:r>
+              <a:rPr lang="zh-TW" altLang="en-US" dirty="0"/>
+              <a:t>列</a:t>
+            </a:r>
+            <a:endParaRPr lang="zh-TW" altLang="en-US" dirty="0"/>
+          </a:p>
+        </p:txBody>
+      </p:sp>
+      <p:sp>
+        <p:nvSpPr>
+          <p:cNvPr id="46" name="文字方塊 45"/>
+          <p:cNvSpPr txBox="1"/>
+          <p:nvPr/>
+        </p:nvSpPr>
+        <p:spPr>
+          <a:xfrm>
+            <a:off x="9409688" y="766876"/>
+            <a:ext cx="2391015" cy="369332"/>
+          </a:xfrm>
+          <a:prstGeom prst="rect">
+            <a:avLst/>
+          </a:prstGeom>
+          <a:noFill/>
+        </p:spPr>
+        <p:txBody>
+          <a:bodyPr wrap="square" rtlCol="0">
+            <a:spAutoFit/>
+          </a:bodyPr>
+          <a:lstStyle/>
+          <a:p>
+            <a:r>
+              <a:rPr lang="zh-TW" altLang="en-US" dirty="0"/>
+              <a:t>活動主辦負責人</a:t>
+            </a:r>
+            <a:endParaRPr lang="zh-TW" altLang="en-US" dirty="0"/>
+          </a:p>
+        </p:txBody>
+      </p:sp>
+      <p:sp>
+        <p:nvSpPr>
+          <p:cNvPr id="47" name="文字方塊 46"/>
+          <p:cNvSpPr txBox="1"/>
+          <p:nvPr/>
+        </p:nvSpPr>
+        <p:spPr>
+          <a:xfrm>
+            <a:off x="9409689" y="1282900"/>
+            <a:ext cx="2391014" cy="646331"/>
+          </a:xfrm>
+          <a:prstGeom prst="rect">
+            <a:avLst/>
+          </a:prstGeom>
+          <a:noFill/>
+        </p:spPr>
+        <p:txBody>
+          <a:bodyPr wrap="square" rtlCol="0">
+            <a:spAutoFit/>
+          </a:bodyPr>
+          <a:lstStyle/>
+          <a:p>
+            <a:r>
+              <a:rPr lang="zh-TW" altLang="en-US" dirty="0"/>
+              <a:t>聯絡方式</a:t>
+            </a:r>
+          </a:p>
+          <a:p>
+            <a:endParaRPr lang="zh-TW" altLang="en-US" dirty="0"/>
+          </a:p>
+        </p:txBody>
+      </p:sp>
+      <p:sp>
+        <p:nvSpPr>
+          <p:cNvPr id="48" name="文字方塊 47"/>
+          <p:cNvSpPr txBox="1"/>
+          <p:nvPr/>
+        </p:nvSpPr>
+        <p:spPr>
+          <a:xfrm>
+            <a:off x="9412785" y="1838396"/>
+            <a:ext cx="1716862" cy="369332"/>
+          </a:xfrm>
+          <a:prstGeom prst="rect">
+            <a:avLst/>
+          </a:prstGeom>
+          <a:noFill/>
+        </p:spPr>
+        <p:txBody>
+          <a:bodyPr wrap="square" rtlCol="0">
+            <a:spAutoFit/>
+          </a:bodyPr>
+          <a:lstStyle/>
+          <a:p>
+            <a:r>
+              <a:rPr lang="zh-TW" altLang="en-US" dirty="0" smtClean="0"/>
+              <a:t>回首頁按鈕</a:t>
+            </a:r>
+            <a:endParaRPr lang="zh-TW" altLang="en-US" dirty="0"/>
+          </a:p>
+        </p:txBody>
+      </p:sp>
+      <p:sp>
+        <p:nvSpPr>
+          <p:cNvPr id="49" name="文字方塊 48"/>
+          <p:cNvSpPr txBox="1"/>
+          <p:nvPr/>
+        </p:nvSpPr>
+        <p:spPr>
+          <a:xfrm>
+            <a:off x="9409687" y="2387921"/>
+            <a:ext cx="2007955" cy="646331"/>
+          </a:xfrm>
+          <a:prstGeom prst="rect">
+            <a:avLst/>
+          </a:prstGeom>
+          <a:noFill/>
+        </p:spPr>
+        <p:txBody>
+          <a:bodyPr wrap="square" rtlCol="0">
+            <a:spAutoFit/>
+          </a:bodyPr>
+          <a:lstStyle/>
+          <a:p>
+            <a:r>
+              <a:rPr lang="zh-TW" altLang="en-US" dirty="0"/>
+              <a:t>頁尾及相關資訊</a:t>
+            </a:r>
+          </a:p>
+          <a:p>
+            <a:endParaRPr lang="zh-TW" altLang="en-US" dirty="0"/>
+          </a:p>
+        </p:txBody>
+      </p:sp>
+      <p:sp>
+        <p:nvSpPr>
+          <p:cNvPr id="54" name="橢圓 53"/>
+          <p:cNvSpPr/>
+          <p:nvPr/>
+        </p:nvSpPr>
+        <p:spPr>
+          <a:xfrm>
+            <a:off x="4942416" y="6583875"/>
+            <a:ext cx="226577" cy="218485"/>
+          </a:xfrm>
+          <a:prstGeom prst="ellipse">
+            <a:avLst/>
+          </a:prstGeom>
+        </p:spPr>
+        <p:style>
+          <a:lnRef idx="2">
+            <a:schemeClr val="accent1">
+              <a:shade val="50000"/>
+            </a:schemeClr>
+          </a:lnRef>
+          <a:fillRef idx="1">
+            <a:schemeClr val="accent1"/>
+          </a:fillRef>
+          <a:effectRef idx="0">
+            <a:schemeClr val="accent1"/>
+          </a:effectRef>
+          <a:fontRef idx="minor">
+            <a:schemeClr val="lt1"/>
+          </a:fontRef>
+        </p:style>
+        <p:txBody>
+          <a:bodyPr rtlCol="0" anchor="ctr"/>
+          <a:lstStyle/>
+          <a:p>
+            <a:pPr algn="ctr"/>
+            <a:r>
+              <a:rPr lang="en-US" altLang="zh-TW" dirty="0"/>
+              <a:t>5</a:t>
+            </a:r>
+            <a:endParaRPr lang="zh-TW" altLang="en-US" dirty="0"/>
+          </a:p>
+        </p:txBody>
+      </p:sp>
+      <p:sp>
+        <p:nvSpPr>
+          <p:cNvPr id="27" name="文字方塊 26"/>
+          <p:cNvSpPr txBox="1"/>
+          <p:nvPr/>
+        </p:nvSpPr>
+        <p:spPr>
+          <a:xfrm>
+            <a:off x="5037285" y="5747364"/>
+            <a:ext cx="1716862" cy="369332"/>
+          </a:xfrm>
+          <a:prstGeom prst="rect">
+            <a:avLst/>
+          </a:prstGeom>
+          <a:noFill/>
+        </p:spPr>
+        <p:txBody>
+          <a:bodyPr wrap="square" rtlCol="0">
+            <a:spAutoFit/>
+          </a:bodyPr>
+          <a:lstStyle/>
+          <a:p>
+            <a:r>
+              <a:rPr lang="zh-TW" altLang="en-US" dirty="0" smtClean="0"/>
+              <a:t>回首頁按鈕</a:t>
+            </a:r>
+            <a:endParaRPr lang="zh-TW" altLang="en-US" dirty="0"/>
+          </a:p>
+        </p:txBody>
+      </p:sp>
+      <p:sp>
+        <p:nvSpPr>
+          <p:cNvPr id="30" name="文字方塊 29"/>
+          <p:cNvSpPr txBox="1"/>
+          <p:nvPr/>
+        </p:nvSpPr>
+        <p:spPr>
+          <a:xfrm>
+            <a:off x="5856904" y="4639369"/>
+            <a:ext cx="2457910" cy="646331"/>
+          </a:xfrm>
+          <a:prstGeom prst="rect">
+            <a:avLst/>
+          </a:prstGeom>
+          <a:noFill/>
+        </p:spPr>
+        <p:txBody>
+          <a:bodyPr wrap="square" rtlCol="0">
+            <a:spAutoFit/>
+          </a:bodyPr>
+          <a:lstStyle/>
+          <a:p>
+            <a:r>
+              <a:rPr lang="zh-TW" altLang="en-US" dirty="0" smtClean="0"/>
+              <a:t>聯絡方式</a:t>
+            </a:r>
+            <a:endParaRPr lang="zh-TW" altLang="en-US" dirty="0"/>
+          </a:p>
+          <a:p>
+            <a:endParaRPr lang="zh-TW" altLang="en-US" dirty="0"/>
+          </a:p>
+        </p:txBody>
+      </p:sp>
+    </p:spTree>
+    <p:extLst>
+      <p:ext uri="{BB962C8B-B14F-4D97-AF65-F5344CB8AC3E}">
+        <p14:creationId xmlns:p14="http://schemas.microsoft.com/office/powerpoint/2010/main" val="2576990379"/>
+      </p:ext>
+    </p:extLst>
+  </p:cSld>
+  <p:clrMapOvr>
+    <a:masterClrMapping/>
+  </p:clrMapOvr>
+  <p:timing>
+    <p:tnLst>
+      <p:par>
+        <p:cTn id="1" dur="indefinite" restart="never" nodeType="tmRoot"/>
+      </p:par>
+    </p:tnLst>
+  </p:timing>
+</p:sld>
+</file>
+
+<file path=ppt/slides/slide9.xml><?xml version="1.0" encoding="utf-8"?>
+<p:sld xmlns:a="http://schemas.openxmlformats.org/drawingml/2006/main" xmlns:r="http://schemas.openxmlformats.org/officeDocument/2006/relationships" xmlns:p="http://schemas.openxmlformats.org/presentationml/2006/main">
+  <p:cSld>
+    <p:spTree>
+      <p:nvGrpSpPr>
+        <p:cNvPr id="1" name=""/>
+        <p:cNvGrpSpPr/>
+        <p:nvPr/>
+      </p:nvGrpSpPr>
+      <p:grpSpPr>
+        <a:xfrm>
+          <a:off x="0" y="0"/>
+          <a:ext cx="0" cy="0"/>
+          <a:chOff x="0" y="0"/>
+          <a:chExt cx="0" cy="0"/>
+        </a:xfrm>
+      </p:grpSpPr>
+      <p:pic>
+        <p:nvPicPr>
+          <p:cNvPr id="3" name="圖片 2"/>
+          <p:cNvPicPr>
+            <a:picLocks noChangeAspect="1"/>
+          </p:cNvPicPr>
+          <p:nvPr/>
+        </p:nvPicPr>
+        <p:blipFill>
+          <a:blip r:embed="rId2">
+            <a:extLst>
+              <a:ext uri="{28A0092B-C50C-407E-A947-70E740481C1C}">
+                <a14:useLocalDpi xmlns:a14="http://schemas.microsoft.com/office/drawing/2010/main" val="0"/>
+              </a:ext>
+            </a:extLst>
+          </a:blip>
+          <a:stretch>
+            <a:fillRect/>
+          </a:stretch>
+        </p:blipFill>
+        <p:spPr>
+          <a:xfrm>
+            <a:off x="361542" y="0"/>
+            <a:ext cx="6550925" cy="6858000"/>
+          </a:xfrm>
+          <a:prstGeom prst="rect">
+            <a:avLst/>
+          </a:prstGeom>
+        </p:spPr>
+      </p:pic>
+      <p:sp>
+        <p:nvSpPr>
+          <p:cNvPr id="5" name="橢圓 4"/>
+          <p:cNvSpPr/>
+          <p:nvPr/>
+        </p:nvSpPr>
+        <p:spPr>
+          <a:xfrm>
+            <a:off x="5143832" y="368127"/>
+            <a:ext cx="226577" cy="218485"/>
+          </a:xfrm>
+          <a:prstGeom prst="ellipse">
+            <a:avLst/>
+          </a:prstGeom>
+        </p:spPr>
+        <p:style>
+          <a:lnRef idx="2">
+            <a:schemeClr val="accent1">
+              <a:shade val="50000"/>
+            </a:schemeClr>
+          </a:lnRef>
+          <a:fillRef idx="1">
+            <a:schemeClr val="accent1"/>
+          </a:fillRef>
+          <a:effectRef idx="0">
+            <a:schemeClr val="accent1"/>
+          </a:effectRef>
+          <a:fontRef idx="minor">
+            <a:schemeClr val="lt1"/>
+          </a:fontRef>
+        </p:style>
+        <p:txBody>
+          <a:bodyPr rtlCol="0" anchor="ctr"/>
+          <a:lstStyle/>
+          <a:p>
+            <a:pPr algn="ctr"/>
+            <a:r>
+              <a:rPr lang="en-US" altLang="zh-TW" dirty="0" smtClean="0"/>
+              <a:t>1</a:t>
+            </a:r>
+            <a:endParaRPr lang="zh-TW" altLang="en-US" dirty="0"/>
+          </a:p>
+        </p:txBody>
+      </p:sp>
+      <p:cxnSp>
+        <p:nvCxnSpPr>
+          <p:cNvPr id="7" name="直線單箭頭接點 6"/>
+          <p:cNvCxnSpPr/>
+          <p:nvPr/>
+        </p:nvCxnSpPr>
+        <p:spPr>
+          <a:xfrm>
+            <a:off x="5606426" y="496209"/>
+            <a:ext cx="873940" cy="0"/>
+          </a:xfrm>
+          <a:prstGeom prst="straightConnector1">
+            <a:avLst/>
+          </a:prstGeom>
+          <a:ln>
+            <a:tailEnd type="triangle"/>
+          </a:ln>
+        </p:spPr>
+        <p:style>
+          <a:lnRef idx="1">
+            <a:schemeClr val="accent1"/>
+          </a:lnRef>
+          <a:fillRef idx="0">
+            <a:schemeClr val="accent1"/>
+          </a:fillRef>
+          <a:effectRef idx="0">
+            <a:schemeClr val="accent1"/>
+          </a:effectRef>
+          <a:fontRef idx="minor">
+            <a:schemeClr val="tx1"/>
+          </a:fontRef>
+        </p:style>
+      </p:cxnSp>
+      <p:sp>
+        <p:nvSpPr>
+          <p:cNvPr id="9" name="文字方塊 8"/>
+          <p:cNvSpPr txBox="1"/>
+          <p:nvPr/>
+        </p:nvSpPr>
+        <p:spPr>
+          <a:xfrm>
+            <a:off x="6480366" y="311543"/>
+            <a:ext cx="1116702" cy="369332"/>
+          </a:xfrm>
+          <a:prstGeom prst="rect">
+            <a:avLst/>
+          </a:prstGeom>
+          <a:noFill/>
+        </p:spPr>
+        <p:txBody>
+          <a:bodyPr wrap="square" rtlCol="0">
+            <a:spAutoFit/>
+          </a:bodyPr>
+          <a:lstStyle/>
+          <a:p>
+            <a:r>
+              <a:rPr lang="zh-TW" altLang="en-US" dirty="0" smtClean="0"/>
+              <a:t>主導覽列</a:t>
+            </a:r>
+            <a:endParaRPr lang="zh-TW" altLang="en-US" dirty="0"/>
+          </a:p>
+        </p:txBody>
+      </p:sp>
+      <p:sp>
+        <p:nvSpPr>
+          <p:cNvPr id="11" name="橢圓 10"/>
+          <p:cNvSpPr/>
+          <p:nvPr/>
+        </p:nvSpPr>
+        <p:spPr>
+          <a:xfrm>
+            <a:off x="2877930" y="1860043"/>
+            <a:ext cx="226577" cy="218485"/>
+          </a:xfrm>
+          <a:prstGeom prst="ellipse">
+            <a:avLst/>
+          </a:prstGeom>
+        </p:spPr>
+        <p:style>
+          <a:lnRef idx="2">
+            <a:schemeClr val="accent1">
+              <a:shade val="50000"/>
+            </a:schemeClr>
+          </a:lnRef>
+          <a:fillRef idx="1">
+            <a:schemeClr val="accent1"/>
+          </a:fillRef>
+          <a:effectRef idx="0">
+            <a:schemeClr val="accent1"/>
+          </a:effectRef>
+          <a:fontRef idx="minor">
+            <a:schemeClr val="lt1"/>
+          </a:fontRef>
+        </p:style>
+        <p:txBody>
+          <a:bodyPr rtlCol="0" anchor="ctr"/>
+          <a:lstStyle/>
+          <a:p>
+            <a:pPr algn="ctr"/>
+            <a:r>
+              <a:rPr lang="en-US" altLang="zh-TW" dirty="0"/>
+              <a:t>2</a:t>
+            </a:r>
+            <a:endParaRPr lang="zh-TW" altLang="en-US" dirty="0"/>
+          </a:p>
+        </p:txBody>
+      </p:sp>
+      <p:sp>
+        <p:nvSpPr>
+          <p:cNvPr id="18" name="橢圓 17"/>
+          <p:cNvSpPr/>
+          <p:nvPr/>
+        </p:nvSpPr>
+        <p:spPr>
+          <a:xfrm>
+            <a:off x="3870989" y="5898809"/>
+            <a:ext cx="226577" cy="218485"/>
+          </a:xfrm>
+          <a:prstGeom prst="ellipse">
+            <a:avLst/>
+          </a:prstGeom>
+        </p:spPr>
+        <p:style>
+          <a:lnRef idx="2">
+            <a:schemeClr val="accent1">
+              <a:shade val="50000"/>
+            </a:schemeClr>
+          </a:lnRef>
+          <a:fillRef idx="1">
+            <a:schemeClr val="accent1"/>
+          </a:fillRef>
+          <a:effectRef idx="0">
+            <a:schemeClr val="accent1"/>
+          </a:effectRef>
+          <a:fontRef idx="minor">
+            <a:schemeClr val="lt1"/>
+          </a:fontRef>
+        </p:style>
+        <p:txBody>
+          <a:bodyPr rtlCol="0" anchor="ctr"/>
+          <a:lstStyle/>
+          <a:p>
+            <a:pPr algn="ctr"/>
+            <a:r>
+              <a:rPr lang="en-US" altLang="zh-TW" dirty="0"/>
+              <a:t>5</a:t>
+            </a:r>
+            <a:endParaRPr lang="zh-TW" altLang="en-US" dirty="0"/>
+          </a:p>
+        </p:txBody>
+      </p:sp>
+      <p:cxnSp>
+        <p:nvCxnSpPr>
+          <p:cNvPr id="21" name="直線單箭頭接點 20"/>
+          <p:cNvCxnSpPr/>
+          <p:nvPr/>
+        </p:nvCxnSpPr>
+        <p:spPr>
+          <a:xfrm>
+            <a:off x="3223626" y="1969285"/>
+            <a:ext cx="873940" cy="0"/>
+          </a:xfrm>
+          <a:prstGeom prst="straightConnector1">
+            <a:avLst/>
+          </a:prstGeom>
+          <a:ln>
+            <a:tailEnd type="triangle"/>
+          </a:ln>
+        </p:spPr>
+        <p:style>
+          <a:lnRef idx="1">
+            <a:schemeClr val="accent1"/>
+          </a:lnRef>
+          <a:fillRef idx="0">
+            <a:schemeClr val="accent1"/>
+          </a:fillRef>
+          <a:effectRef idx="0">
+            <a:schemeClr val="accent1"/>
+          </a:effectRef>
+          <a:fontRef idx="minor">
+            <a:schemeClr val="tx1"/>
+          </a:fontRef>
+        </p:style>
+      </p:cxnSp>
+      <p:cxnSp>
+        <p:nvCxnSpPr>
+          <p:cNvPr id="25" name="直線單箭頭接點 24"/>
+          <p:cNvCxnSpPr/>
+          <p:nvPr/>
+        </p:nvCxnSpPr>
+        <p:spPr>
+          <a:xfrm>
+            <a:off x="4163345" y="6008051"/>
+            <a:ext cx="873940" cy="0"/>
+          </a:xfrm>
+          <a:prstGeom prst="straightConnector1">
+            <a:avLst/>
+          </a:prstGeom>
+          <a:ln>
+            <a:tailEnd type="triangle"/>
+          </a:ln>
+        </p:spPr>
+        <p:style>
+          <a:lnRef idx="1">
+            <a:schemeClr val="accent1"/>
+          </a:lnRef>
+          <a:fillRef idx="0">
+            <a:schemeClr val="accent1"/>
+          </a:fillRef>
+          <a:effectRef idx="0">
+            <a:schemeClr val="accent1"/>
+          </a:effectRef>
+          <a:fontRef idx="minor">
+            <a:schemeClr val="tx1"/>
+          </a:fontRef>
+        </p:style>
+      </p:cxnSp>
+      <p:cxnSp>
+        <p:nvCxnSpPr>
+          <p:cNvPr id="26" name="直線單箭頭接點 25"/>
+          <p:cNvCxnSpPr/>
+          <p:nvPr/>
+        </p:nvCxnSpPr>
+        <p:spPr>
+          <a:xfrm>
+            <a:off x="5531515" y="6689482"/>
+            <a:ext cx="873940" cy="0"/>
+          </a:xfrm>
+          <a:prstGeom prst="straightConnector1">
+            <a:avLst/>
+          </a:prstGeom>
+          <a:ln>
+            <a:tailEnd type="triangle"/>
+          </a:ln>
+        </p:spPr>
+        <p:style>
+          <a:lnRef idx="1">
+            <a:schemeClr val="accent1"/>
+          </a:lnRef>
+          <a:fillRef idx="0">
+            <a:schemeClr val="accent1"/>
+          </a:fillRef>
+          <a:effectRef idx="0">
+            <a:schemeClr val="accent1"/>
+          </a:effectRef>
+          <a:fontRef idx="minor">
+            <a:schemeClr val="tx1"/>
+          </a:fontRef>
+        </p:style>
+      </p:cxnSp>
+      <p:sp>
+        <p:nvSpPr>
+          <p:cNvPr id="28" name="文字方塊 27"/>
+          <p:cNvSpPr txBox="1"/>
+          <p:nvPr/>
+        </p:nvSpPr>
+        <p:spPr>
+          <a:xfrm>
+            <a:off x="4163345" y="1724677"/>
+            <a:ext cx="2242844" cy="369332"/>
+          </a:xfrm>
+          <a:prstGeom prst="rect">
+            <a:avLst/>
+          </a:prstGeom>
+          <a:noFill/>
+        </p:spPr>
+        <p:txBody>
+          <a:bodyPr wrap="square" rtlCol="0">
+            <a:spAutoFit/>
+          </a:bodyPr>
+          <a:lstStyle/>
+          <a:p>
+            <a:r>
+              <a:rPr lang="zh-TW" altLang="en-US" dirty="0" smtClean="0"/>
+              <a:t>課程講師</a:t>
+            </a:r>
+            <a:endParaRPr lang="zh-TW" altLang="en-US" dirty="0"/>
+          </a:p>
+        </p:txBody>
+      </p:sp>
+      <p:sp>
+        <p:nvSpPr>
+          <p:cNvPr id="34" name="文字方塊 33"/>
+          <p:cNvSpPr txBox="1"/>
+          <p:nvPr/>
+        </p:nvSpPr>
+        <p:spPr>
+          <a:xfrm>
+            <a:off x="6405455" y="6488668"/>
+            <a:ext cx="1861168" cy="369332"/>
+          </a:xfrm>
+          <a:prstGeom prst="rect">
+            <a:avLst/>
+          </a:prstGeom>
+          <a:noFill/>
+        </p:spPr>
+        <p:txBody>
+          <a:bodyPr wrap="square" rtlCol="0">
+            <a:spAutoFit/>
+          </a:bodyPr>
+          <a:lstStyle/>
+          <a:p>
+            <a:r>
+              <a:rPr lang="zh-TW" altLang="en-US" dirty="0" smtClean="0"/>
+              <a:t>頁尾及相關資訊</a:t>
+            </a:r>
+            <a:endParaRPr lang="zh-TW" altLang="en-US" dirty="0"/>
+          </a:p>
+        </p:txBody>
+      </p:sp>
+      <p:sp>
+        <p:nvSpPr>
+          <p:cNvPr id="35" name="橢圓 34"/>
+          <p:cNvSpPr/>
+          <p:nvPr/>
+        </p:nvSpPr>
+        <p:spPr>
+          <a:xfrm>
+            <a:off x="9126468" y="296606"/>
+            <a:ext cx="226577" cy="218485"/>
+          </a:xfrm>
+          <a:prstGeom prst="ellipse">
+            <a:avLst/>
+          </a:prstGeom>
+        </p:spPr>
+        <p:style>
+          <a:lnRef idx="2">
+            <a:schemeClr val="accent1">
+              <a:shade val="50000"/>
+            </a:schemeClr>
+          </a:lnRef>
+          <a:fillRef idx="1">
+            <a:schemeClr val="accent1"/>
+          </a:fillRef>
+          <a:effectRef idx="0">
+            <a:schemeClr val="accent1"/>
+          </a:effectRef>
+          <a:fontRef idx="minor">
+            <a:schemeClr val="lt1"/>
+          </a:fontRef>
+        </p:style>
+        <p:txBody>
+          <a:bodyPr rtlCol="0" anchor="ctr"/>
+          <a:lstStyle/>
+          <a:p>
+            <a:pPr algn="ctr"/>
+            <a:r>
+              <a:rPr lang="en-US" altLang="zh-TW" dirty="0" smtClean="0"/>
+              <a:t>1</a:t>
+            </a:r>
+            <a:endParaRPr lang="zh-TW" altLang="en-US" dirty="0"/>
+          </a:p>
+        </p:txBody>
+      </p:sp>
+      <p:sp>
+        <p:nvSpPr>
+          <p:cNvPr id="36" name="橢圓 35"/>
+          <p:cNvSpPr/>
+          <p:nvPr/>
+        </p:nvSpPr>
+        <p:spPr>
+          <a:xfrm>
+            <a:off x="9126464" y="842300"/>
+            <a:ext cx="226577" cy="218485"/>
+          </a:xfrm>
+          <a:prstGeom prst="ellipse">
+            <a:avLst/>
+          </a:prstGeom>
+        </p:spPr>
+        <p:style>
+          <a:lnRef idx="2">
+            <a:schemeClr val="accent1">
+              <a:shade val="50000"/>
+            </a:schemeClr>
+          </a:lnRef>
+          <a:fillRef idx="1">
+            <a:schemeClr val="accent1"/>
+          </a:fillRef>
+          <a:effectRef idx="0">
+            <a:schemeClr val="accent1"/>
+          </a:effectRef>
+          <a:fontRef idx="minor">
+            <a:schemeClr val="lt1"/>
+          </a:fontRef>
+        </p:style>
+        <p:txBody>
+          <a:bodyPr rtlCol="0" anchor="ctr"/>
+          <a:lstStyle/>
+          <a:p>
+            <a:pPr algn="ctr"/>
+            <a:r>
+              <a:rPr lang="en-US" altLang="zh-TW" dirty="0"/>
+              <a:t>2</a:t>
+            </a:r>
+            <a:endParaRPr lang="zh-TW" altLang="en-US" dirty="0"/>
+          </a:p>
+        </p:txBody>
+      </p:sp>
+      <p:sp>
+        <p:nvSpPr>
+          <p:cNvPr id="37" name="橢圓 36"/>
+          <p:cNvSpPr/>
+          <p:nvPr/>
+        </p:nvSpPr>
+        <p:spPr>
+          <a:xfrm>
+            <a:off x="9126464" y="1358324"/>
+            <a:ext cx="226577" cy="218485"/>
+          </a:xfrm>
+          <a:prstGeom prst="ellipse">
+            <a:avLst/>
+          </a:prstGeom>
+        </p:spPr>
+        <p:style>
+          <a:lnRef idx="2">
+            <a:schemeClr val="accent1">
+              <a:shade val="50000"/>
+            </a:schemeClr>
+          </a:lnRef>
+          <a:fillRef idx="1">
+            <a:schemeClr val="accent1"/>
+          </a:fillRef>
+          <a:effectRef idx="0">
+            <a:schemeClr val="accent1"/>
+          </a:effectRef>
+          <a:fontRef idx="minor">
+            <a:schemeClr val="lt1"/>
+          </a:fontRef>
+        </p:style>
+        <p:txBody>
+          <a:bodyPr rtlCol="0" anchor="ctr"/>
+          <a:lstStyle/>
+          <a:p>
+            <a:pPr algn="ctr"/>
+            <a:r>
+              <a:rPr lang="en-US" altLang="zh-TW" dirty="0"/>
+              <a:t>3</a:t>
+            </a:r>
+            <a:endParaRPr lang="zh-TW" altLang="en-US" dirty="0"/>
+          </a:p>
+        </p:txBody>
+      </p:sp>
+      <p:sp>
+        <p:nvSpPr>
+          <p:cNvPr id="38" name="橢圓 37"/>
+          <p:cNvSpPr/>
+          <p:nvPr/>
+        </p:nvSpPr>
+        <p:spPr>
+          <a:xfrm>
+            <a:off x="9126464" y="1913820"/>
+            <a:ext cx="226577" cy="218485"/>
+          </a:xfrm>
+          <a:prstGeom prst="ellipse">
+            <a:avLst/>
+          </a:prstGeom>
+        </p:spPr>
+        <p:style>
+          <a:lnRef idx="2">
+            <a:schemeClr val="accent1">
+              <a:shade val="50000"/>
+            </a:schemeClr>
+          </a:lnRef>
+          <a:fillRef idx="1">
+            <a:schemeClr val="accent1"/>
+          </a:fillRef>
+          <a:effectRef idx="0">
+            <a:schemeClr val="accent1"/>
+          </a:effectRef>
+          <a:fontRef idx="minor">
+            <a:schemeClr val="lt1"/>
+          </a:fontRef>
+        </p:style>
+        <p:txBody>
+          <a:bodyPr rtlCol="0" anchor="ctr"/>
+          <a:lstStyle/>
+          <a:p>
+            <a:pPr algn="ctr"/>
+            <a:r>
+              <a:rPr lang="en-US" altLang="zh-TW" dirty="0"/>
+              <a:t>4</a:t>
+            </a:r>
+            <a:endParaRPr lang="zh-TW" altLang="en-US" dirty="0"/>
+          </a:p>
+        </p:txBody>
+      </p:sp>
+      <p:sp>
+        <p:nvSpPr>
+          <p:cNvPr id="39" name="橢圓 38"/>
+          <p:cNvSpPr/>
+          <p:nvPr/>
+        </p:nvSpPr>
+        <p:spPr>
+          <a:xfrm>
+            <a:off x="9126464" y="2463345"/>
+            <a:ext cx="226577" cy="218485"/>
+          </a:xfrm>
+          <a:prstGeom prst="ellipse">
+            <a:avLst/>
+          </a:prstGeom>
+        </p:spPr>
+        <p:style>
+          <a:lnRef idx="2">
+            <a:schemeClr val="accent1">
+              <a:shade val="50000"/>
+            </a:schemeClr>
+          </a:lnRef>
+          <a:fillRef idx="1">
+            <a:schemeClr val="accent1"/>
+          </a:fillRef>
+          <a:effectRef idx="0">
+            <a:schemeClr val="accent1"/>
+          </a:effectRef>
+          <a:fontRef idx="minor">
+            <a:schemeClr val="lt1"/>
+          </a:fontRef>
+        </p:style>
+        <p:txBody>
+          <a:bodyPr rtlCol="0" anchor="ctr"/>
+          <a:lstStyle/>
+          <a:p>
+            <a:pPr algn="ctr"/>
+            <a:r>
+              <a:rPr lang="en-US" altLang="zh-TW" dirty="0"/>
+              <a:t>5</a:t>
+            </a:r>
+            <a:endParaRPr lang="zh-TW" altLang="en-US" dirty="0"/>
+          </a:p>
+        </p:txBody>
+      </p:sp>
+      <p:sp>
+        <p:nvSpPr>
+          <p:cNvPr id="41" name="文字方塊 40"/>
+          <p:cNvSpPr txBox="1"/>
+          <p:nvPr/>
+        </p:nvSpPr>
+        <p:spPr>
+          <a:xfrm>
+            <a:off x="9409688" y="236119"/>
+            <a:ext cx="1116702" cy="369332"/>
+          </a:xfrm>
+          <a:prstGeom prst="rect">
+            <a:avLst/>
+          </a:prstGeom>
+          <a:noFill/>
+        </p:spPr>
+        <p:txBody>
+          <a:bodyPr wrap="square" rtlCol="0">
+            <a:spAutoFit/>
+          </a:bodyPr>
+          <a:lstStyle/>
+          <a:p>
+            <a:r>
+              <a:rPr lang="zh-TW" altLang="en-US" dirty="0" smtClean="0"/>
+              <a:t>主導覽</a:t>
+            </a:r>
+            <a:r>
+              <a:rPr lang="zh-TW" altLang="en-US" dirty="0"/>
+              <a:t>列</a:t>
+            </a:r>
+            <a:endParaRPr lang="zh-TW" altLang="en-US" dirty="0"/>
+          </a:p>
+        </p:txBody>
+      </p:sp>
+      <p:sp>
+        <p:nvSpPr>
+          <p:cNvPr id="46" name="文字方塊 45"/>
+          <p:cNvSpPr txBox="1"/>
+          <p:nvPr/>
+        </p:nvSpPr>
+        <p:spPr>
+          <a:xfrm>
+            <a:off x="9409688" y="766876"/>
+            <a:ext cx="2391015" cy="369332"/>
+          </a:xfrm>
+          <a:prstGeom prst="rect">
+            <a:avLst/>
+          </a:prstGeom>
+          <a:noFill/>
+        </p:spPr>
+        <p:txBody>
+          <a:bodyPr wrap="square" rtlCol="0">
+            <a:spAutoFit/>
+          </a:bodyPr>
+          <a:lstStyle/>
+          <a:p>
+            <a:r>
+              <a:rPr lang="zh-TW" altLang="en-US" dirty="0" smtClean="0"/>
+              <a:t>課程講師</a:t>
+            </a:r>
+            <a:endParaRPr lang="zh-TW" altLang="en-US" dirty="0"/>
+          </a:p>
+        </p:txBody>
+      </p:sp>
+      <p:sp>
+        <p:nvSpPr>
+          <p:cNvPr id="47" name="文字方塊 46"/>
+          <p:cNvSpPr txBox="1"/>
+          <p:nvPr/>
+        </p:nvSpPr>
+        <p:spPr>
+          <a:xfrm>
+            <a:off x="9409689" y="1282900"/>
+            <a:ext cx="2391014" cy="646331"/>
+          </a:xfrm>
+          <a:prstGeom prst="rect">
+            <a:avLst/>
+          </a:prstGeom>
+          <a:noFill/>
+        </p:spPr>
+        <p:txBody>
+          <a:bodyPr wrap="square" rtlCol="0">
+            <a:spAutoFit/>
+          </a:bodyPr>
+          <a:lstStyle/>
+          <a:p>
+            <a:r>
+              <a:rPr lang="zh-TW" altLang="en-US" dirty="0" smtClean="0"/>
+              <a:t>主題</a:t>
+            </a:r>
+            <a:r>
+              <a:rPr lang="zh-TW" altLang="en-US" dirty="0"/>
+              <a:t>介紹</a:t>
+            </a:r>
+          </a:p>
+          <a:p>
+            <a:endParaRPr lang="zh-TW" altLang="en-US" dirty="0"/>
+          </a:p>
+        </p:txBody>
+      </p:sp>
+      <p:sp>
+        <p:nvSpPr>
+          <p:cNvPr id="48" name="文字方塊 47"/>
+          <p:cNvSpPr txBox="1"/>
+          <p:nvPr/>
+        </p:nvSpPr>
+        <p:spPr>
+          <a:xfrm>
+            <a:off x="9412785" y="1838396"/>
+            <a:ext cx="1716862" cy="369332"/>
+          </a:xfrm>
+          <a:prstGeom prst="rect">
+            <a:avLst/>
+          </a:prstGeom>
+          <a:noFill/>
+        </p:spPr>
+        <p:txBody>
+          <a:bodyPr wrap="square" rtlCol="0">
+            <a:spAutoFit/>
+          </a:bodyPr>
+          <a:lstStyle/>
+          <a:p>
+            <a:r>
+              <a:rPr lang="zh-TW" altLang="en-US" dirty="0" smtClean="0"/>
+              <a:t>課程大綱</a:t>
+            </a:r>
+            <a:endParaRPr lang="zh-TW" altLang="en-US" dirty="0"/>
+          </a:p>
+        </p:txBody>
+      </p:sp>
+      <p:sp>
+        <p:nvSpPr>
+          <p:cNvPr id="49" name="文字方塊 48"/>
+          <p:cNvSpPr txBox="1"/>
+          <p:nvPr/>
+        </p:nvSpPr>
+        <p:spPr>
+          <a:xfrm>
+            <a:off x="9409688" y="2932656"/>
+            <a:ext cx="2007955" cy="646331"/>
+          </a:xfrm>
+          <a:prstGeom prst="rect">
+            <a:avLst/>
+          </a:prstGeom>
+          <a:noFill/>
+        </p:spPr>
+        <p:txBody>
+          <a:bodyPr wrap="square" rtlCol="0">
+            <a:spAutoFit/>
+          </a:bodyPr>
+          <a:lstStyle/>
+          <a:p>
+            <a:r>
+              <a:rPr lang="zh-TW" altLang="en-US" dirty="0"/>
+              <a:t>頁尾及相關資訊</a:t>
+            </a:r>
+          </a:p>
+          <a:p>
+            <a:endParaRPr lang="zh-TW" altLang="en-US" dirty="0"/>
+          </a:p>
+        </p:txBody>
+      </p:sp>
+      <p:sp>
+        <p:nvSpPr>
+          <p:cNvPr id="54" name="橢圓 53"/>
+          <p:cNvSpPr/>
+          <p:nvPr/>
+        </p:nvSpPr>
+        <p:spPr>
+          <a:xfrm>
+            <a:off x="4942416" y="6583875"/>
+            <a:ext cx="226577" cy="218485"/>
+          </a:xfrm>
+          <a:prstGeom prst="ellipse">
+            <a:avLst/>
+          </a:prstGeom>
+        </p:spPr>
+        <p:style>
+          <a:lnRef idx="2">
+            <a:schemeClr val="accent1">
+              <a:shade val="50000"/>
+            </a:schemeClr>
+          </a:lnRef>
+          <a:fillRef idx="1">
+            <a:schemeClr val="accent1"/>
+          </a:fillRef>
+          <a:effectRef idx="0">
+            <a:schemeClr val="accent1"/>
+          </a:effectRef>
+          <a:fontRef idx="minor">
+            <a:schemeClr val="lt1"/>
+          </a:fontRef>
+        </p:style>
+        <p:txBody>
+          <a:bodyPr rtlCol="0" anchor="ctr"/>
+          <a:lstStyle/>
+          <a:p>
+            <a:pPr algn="ctr"/>
+            <a:r>
+              <a:rPr lang="en-US" altLang="zh-TW" dirty="0"/>
+              <a:t>6</a:t>
+            </a:r>
+            <a:endParaRPr lang="zh-TW" altLang="en-US" dirty="0"/>
+          </a:p>
+        </p:txBody>
+      </p:sp>
+      <p:sp>
+        <p:nvSpPr>
+          <p:cNvPr id="27" name="文字方塊 26"/>
+          <p:cNvSpPr txBox="1"/>
+          <p:nvPr/>
+        </p:nvSpPr>
+        <p:spPr>
+          <a:xfrm>
+            <a:off x="5037285" y="5747364"/>
+            <a:ext cx="1716862" cy="369332"/>
+          </a:xfrm>
+          <a:prstGeom prst="rect">
+            <a:avLst/>
+          </a:prstGeom>
+          <a:noFill/>
+        </p:spPr>
+        <p:txBody>
+          <a:bodyPr wrap="square" rtlCol="0">
+            <a:spAutoFit/>
+          </a:bodyPr>
+          <a:lstStyle/>
+          <a:p>
+            <a:r>
+              <a:rPr lang="zh-TW" altLang="en-US" dirty="0" smtClean="0"/>
+              <a:t>回首頁按鈕</a:t>
+            </a:r>
+            <a:endParaRPr lang="zh-TW" altLang="en-US" dirty="0"/>
+          </a:p>
+        </p:txBody>
+      </p:sp>
+      <p:sp>
+        <p:nvSpPr>
+          <p:cNvPr id="29" name="橢圓 28"/>
+          <p:cNvSpPr/>
+          <p:nvPr/>
+        </p:nvSpPr>
+        <p:spPr>
+          <a:xfrm>
+            <a:off x="5379849" y="2898837"/>
+            <a:ext cx="226577" cy="218485"/>
+          </a:xfrm>
+          <a:prstGeom prst="ellipse">
+            <a:avLst/>
+          </a:prstGeom>
+        </p:spPr>
+        <p:style>
+          <a:lnRef idx="2">
+            <a:schemeClr val="accent1">
+              <a:shade val="50000"/>
+            </a:schemeClr>
+          </a:lnRef>
+          <a:fillRef idx="1">
+            <a:schemeClr val="accent1"/>
+          </a:fillRef>
+          <a:effectRef idx="0">
+            <a:schemeClr val="accent1"/>
+          </a:effectRef>
+          <a:fontRef idx="minor">
+            <a:schemeClr val="lt1"/>
+          </a:fontRef>
+        </p:style>
+        <p:txBody>
+          <a:bodyPr rtlCol="0" anchor="ctr"/>
+          <a:lstStyle/>
+          <a:p>
+            <a:pPr algn="ctr"/>
+            <a:r>
+              <a:rPr lang="en-US" altLang="zh-TW" dirty="0"/>
+              <a:t>3</a:t>
+            </a:r>
+            <a:endParaRPr lang="zh-TW" altLang="en-US" dirty="0"/>
+          </a:p>
+        </p:txBody>
+      </p:sp>
+      <p:cxnSp>
+        <p:nvCxnSpPr>
+          <p:cNvPr id="31" name="直線單箭頭接點 30"/>
+          <p:cNvCxnSpPr/>
+          <p:nvPr/>
+        </p:nvCxnSpPr>
+        <p:spPr>
+          <a:xfrm>
+            <a:off x="5699292" y="3008079"/>
+            <a:ext cx="873940" cy="0"/>
+          </a:xfrm>
+          <a:prstGeom prst="straightConnector1">
+            <a:avLst/>
+          </a:prstGeom>
+          <a:ln>
+            <a:tailEnd type="triangle"/>
+          </a:ln>
+        </p:spPr>
+        <p:style>
+          <a:lnRef idx="1">
+            <a:schemeClr val="accent1"/>
+          </a:lnRef>
+          <a:fillRef idx="0">
+            <a:schemeClr val="accent1"/>
+          </a:fillRef>
+          <a:effectRef idx="0">
+            <a:schemeClr val="accent1"/>
+          </a:effectRef>
+          <a:fontRef idx="minor">
+            <a:schemeClr val="tx1"/>
+          </a:fontRef>
+        </p:style>
+      </p:cxnSp>
+      <p:sp>
+        <p:nvSpPr>
+          <p:cNvPr id="32" name="橢圓 31"/>
+          <p:cNvSpPr/>
+          <p:nvPr/>
+        </p:nvSpPr>
+        <p:spPr>
+          <a:xfrm>
+            <a:off x="4889734" y="3723302"/>
+            <a:ext cx="226577" cy="218485"/>
+          </a:xfrm>
+          <a:prstGeom prst="ellipse">
+            <a:avLst/>
+          </a:prstGeom>
+        </p:spPr>
+        <p:style>
+          <a:lnRef idx="2">
+            <a:schemeClr val="accent1">
+              <a:shade val="50000"/>
+            </a:schemeClr>
+          </a:lnRef>
+          <a:fillRef idx="1">
+            <a:schemeClr val="accent1"/>
+          </a:fillRef>
+          <a:effectRef idx="0">
+            <a:schemeClr val="accent1"/>
+          </a:effectRef>
+          <a:fontRef idx="minor">
+            <a:schemeClr val="lt1"/>
+          </a:fontRef>
+        </p:style>
+        <p:txBody>
+          <a:bodyPr rtlCol="0" anchor="ctr"/>
+          <a:lstStyle/>
+          <a:p>
+            <a:pPr algn="ctr"/>
+            <a:r>
+              <a:rPr lang="en-US" altLang="zh-TW" dirty="0"/>
+              <a:t>4</a:t>
+            </a:r>
+            <a:endParaRPr lang="zh-TW" altLang="en-US" dirty="0"/>
+          </a:p>
+        </p:txBody>
+      </p:sp>
+      <p:cxnSp>
+        <p:nvCxnSpPr>
+          <p:cNvPr id="33" name="直線單箭頭接點 32"/>
+          <p:cNvCxnSpPr/>
+          <p:nvPr/>
+        </p:nvCxnSpPr>
+        <p:spPr>
+          <a:xfrm>
+            <a:off x="5169456" y="3832544"/>
+            <a:ext cx="873940" cy="0"/>
+          </a:xfrm>
+          <a:prstGeom prst="straightConnector1">
+            <a:avLst/>
+          </a:prstGeom>
+          <a:ln>
+            <a:tailEnd type="triangle"/>
+          </a:ln>
+        </p:spPr>
+        <p:style>
+          <a:lnRef idx="1">
+            <a:schemeClr val="accent1"/>
+          </a:lnRef>
+          <a:fillRef idx="0">
+            <a:schemeClr val="accent1"/>
+          </a:fillRef>
+          <a:effectRef idx="0">
+            <a:schemeClr val="accent1"/>
+          </a:effectRef>
+          <a:fontRef idx="minor">
+            <a:schemeClr val="tx1"/>
+          </a:fontRef>
+        </p:style>
+      </p:cxnSp>
+      <p:sp>
+        <p:nvSpPr>
+          <p:cNvPr id="40" name="文字方塊 39"/>
+          <p:cNvSpPr txBox="1"/>
+          <p:nvPr/>
+        </p:nvSpPr>
+        <p:spPr>
+          <a:xfrm>
+            <a:off x="6629878" y="2747990"/>
+            <a:ext cx="2242844" cy="369332"/>
+          </a:xfrm>
+          <a:prstGeom prst="rect">
+            <a:avLst/>
+          </a:prstGeom>
+          <a:noFill/>
+        </p:spPr>
+        <p:txBody>
+          <a:bodyPr wrap="square" rtlCol="0">
+            <a:spAutoFit/>
+          </a:bodyPr>
+          <a:lstStyle/>
+          <a:p>
+            <a:r>
+              <a:rPr lang="zh-TW" altLang="en-US" dirty="0" smtClean="0"/>
+              <a:t>主題</a:t>
+            </a:r>
+            <a:r>
+              <a:rPr lang="zh-TW" altLang="en-US" dirty="0"/>
+              <a:t>介紹</a:t>
+            </a:r>
+            <a:endParaRPr lang="zh-TW" altLang="en-US" dirty="0"/>
+          </a:p>
+        </p:txBody>
+      </p:sp>
+      <p:sp>
+        <p:nvSpPr>
+          <p:cNvPr id="42" name="文字方塊 41"/>
+          <p:cNvSpPr txBox="1"/>
+          <p:nvPr/>
+        </p:nvSpPr>
+        <p:spPr>
+          <a:xfrm>
+            <a:off x="6081463" y="3639058"/>
+            <a:ext cx="2242844" cy="369332"/>
+          </a:xfrm>
+          <a:prstGeom prst="rect">
+            <a:avLst/>
+          </a:prstGeom>
+          <a:noFill/>
+        </p:spPr>
+        <p:txBody>
+          <a:bodyPr wrap="square" rtlCol="0">
+            <a:spAutoFit/>
+          </a:bodyPr>
+          <a:lstStyle/>
+          <a:p>
+            <a:r>
+              <a:rPr lang="zh-TW" altLang="en-US" dirty="0" smtClean="0"/>
+              <a:t>課程</a:t>
+            </a:r>
+            <a:r>
+              <a:rPr lang="zh-TW" altLang="en-US" dirty="0"/>
+              <a:t>大綱</a:t>
+            </a:r>
+            <a:endParaRPr lang="zh-TW" altLang="en-US" dirty="0"/>
+          </a:p>
+        </p:txBody>
+      </p:sp>
+      <p:sp>
+        <p:nvSpPr>
+          <p:cNvPr id="43" name="文字方塊 42"/>
+          <p:cNvSpPr txBox="1"/>
+          <p:nvPr/>
+        </p:nvSpPr>
+        <p:spPr>
+          <a:xfrm>
+            <a:off x="9451166" y="2387921"/>
+            <a:ext cx="1716862" cy="369332"/>
+          </a:xfrm>
+          <a:prstGeom prst="rect">
+            <a:avLst/>
+          </a:prstGeom>
+          <a:noFill/>
+        </p:spPr>
+        <p:txBody>
+          <a:bodyPr wrap="square" rtlCol="0">
+            <a:spAutoFit/>
+          </a:bodyPr>
+          <a:lstStyle/>
+          <a:p>
+            <a:r>
+              <a:rPr lang="zh-TW" altLang="en-US" dirty="0" smtClean="0"/>
+              <a:t>回首頁</a:t>
+            </a:r>
+            <a:r>
+              <a:rPr lang="zh-TW" altLang="en-US" dirty="0"/>
+              <a:t>按鈕</a:t>
+            </a:r>
+            <a:endParaRPr lang="zh-TW" altLang="en-US" dirty="0"/>
+          </a:p>
+        </p:txBody>
+      </p:sp>
+      <p:sp>
+        <p:nvSpPr>
+          <p:cNvPr id="44" name="橢圓 43"/>
+          <p:cNvSpPr/>
+          <p:nvPr/>
+        </p:nvSpPr>
+        <p:spPr>
+          <a:xfrm>
+            <a:off x="9126463" y="3008079"/>
+            <a:ext cx="226577" cy="218485"/>
+          </a:xfrm>
+          <a:prstGeom prst="ellipse">
+            <a:avLst/>
+          </a:prstGeom>
+        </p:spPr>
+        <p:style>
+          <a:lnRef idx="2">
+            <a:schemeClr val="accent1">
+              <a:shade val="50000"/>
+            </a:schemeClr>
+          </a:lnRef>
+          <a:fillRef idx="1">
+            <a:schemeClr val="accent1"/>
+          </a:fillRef>
+          <a:effectRef idx="0">
+            <a:schemeClr val="accent1"/>
+          </a:effectRef>
+          <a:fontRef idx="minor">
+            <a:schemeClr val="lt1"/>
+          </a:fontRef>
+        </p:style>
+        <p:txBody>
+          <a:bodyPr rtlCol="0" anchor="ctr"/>
+          <a:lstStyle/>
+          <a:p>
+            <a:pPr algn="ctr"/>
+            <a:r>
+              <a:rPr lang="en-US" altLang="zh-TW" dirty="0"/>
+              <a:t>6</a:t>
+            </a:r>
+            <a:endParaRPr lang="zh-TW" altLang="en-US" dirty="0"/>
+          </a:p>
+        </p:txBody>
+      </p:sp>
+    </p:spTree>
+    <p:extLst>
+      <p:ext uri="{BB962C8B-B14F-4D97-AF65-F5344CB8AC3E}">
+        <p14:creationId xmlns:p14="http://schemas.microsoft.com/office/powerpoint/2010/main" val="2838417385"/>
       </p:ext>
     </p:extLst>
   </p:cSld>

--- a/前端網頁導覽版面設計.pptx
+++ b/前端網頁導覽版面設計.pptx
@@ -11,11 +11,12 @@
     <p:sldId id="259" r:id="rId5"/>
     <p:sldId id="260" r:id="rId6"/>
     <p:sldId id="261" r:id="rId7"/>
-    <p:sldId id="262" r:id="rId8"/>
-    <p:sldId id="263" r:id="rId9"/>
-    <p:sldId id="264" r:id="rId10"/>
-    <p:sldId id="265" r:id="rId11"/>
-    <p:sldId id="266" r:id="rId12"/>
+    <p:sldId id="267" r:id="rId8"/>
+    <p:sldId id="262" r:id="rId9"/>
+    <p:sldId id="263" r:id="rId10"/>
+    <p:sldId id="264" r:id="rId11"/>
+    <p:sldId id="265" r:id="rId12"/>
+    <p:sldId id="266" r:id="rId13"/>
   </p:sldIdLst>
   <p:sldSz cx="12192000" cy="6858000"/>
   <p:notesSz cx="6858000" cy="9144000"/>
@@ -293,7 +294,7 @@
           <a:p>
             <a:fld id="{11A1DDC2-9279-4E20-B66E-447FAB20CB64}" type="datetimeFigureOut">
               <a:rPr lang="zh-TW" altLang="en-US" smtClean="0"/>
-              <a:t>2018/4/24</a:t>
+              <a:t>2018/4/25</a:t>
             </a:fld>
             <a:endParaRPr lang="zh-TW" altLang="en-US"/>
           </a:p>
@@ -605,7 +606,7 @@
           <a:p>
             <a:fld id="{11A1DDC2-9279-4E20-B66E-447FAB20CB64}" type="datetimeFigureOut">
               <a:rPr lang="zh-TW" altLang="en-US" smtClean="0"/>
-              <a:t>2018/4/24</a:t>
+              <a:t>2018/4/25</a:t>
             </a:fld>
             <a:endParaRPr lang="zh-TW" altLang="en-US"/>
           </a:p>
@@ -827,7 +828,7 @@
           <a:p>
             <a:fld id="{11A1DDC2-9279-4E20-B66E-447FAB20CB64}" type="datetimeFigureOut">
               <a:rPr lang="zh-TW" altLang="en-US" smtClean="0"/>
-              <a:t>2018/4/24</a:t>
+              <a:t>2018/4/25</a:t>
             </a:fld>
             <a:endParaRPr lang="zh-TW" altLang="en-US"/>
           </a:p>
@@ -1118,7 +1119,7 @@
           <a:p>
             <a:fld id="{11A1DDC2-9279-4E20-B66E-447FAB20CB64}" type="datetimeFigureOut">
               <a:rPr lang="zh-TW" altLang="en-US" smtClean="0"/>
-              <a:t>2018/4/24</a:t>
+              <a:t>2018/4/25</a:t>
             </a:fld>
             <a:endParaRPr lang="zh-TW" altLang="en-US"/>
           </a:p>
@@ -1572,7 +1573,7 @@
           <a:p>
             <a:fld id="{11A1DDC2-9279-4E20-B66E-447FAB20CB64}" type="datetimeFigureOut">
               <a:rPr lang="zh-TW" altLang="en-US" smtClean="0"/>
-              <a:t>2018/4/24</a:t>
+              <a:t>2018/4/25</a:t>
             </a:fld>
             <a:endParaRPr lang="zh-TW" altLang="en-US"/>
           </a:p>
@@ -2148,7 +2149,7 @@
           <a:p>
             <a:fld id="{11A1DDC2-9279-4E20-B66E-447FAB20CB64}" type="datetimeFigureOut">
               <a:rPr lang="zh-TW" altLang="en-US" smtClean="0"/>
-              <a:t>2018/4/24</a:t>
+              <a:t>2018/4/25</a:t>
             </a:fld>
             <a:endParaRPr lang="zh-TW" altLang="en-US"/>
           </a:p>
@@ -3000,7 +3001,7 @@
           <a:p>
             <a:fld id="{11A1DDC2-9279-4E20-B66E-447FAB20CB64}" type="datetimeFigureOut">
               <a:rPr lang="zh-TW" altLang="en-US" smtClean="0"/>
-              <a:t>2018/4/24</a:t>
+              <a:t>2018/4/25</a:t>
             </a:fld>
             <a:endParaRPr lang="zh-TW" altLang="en-US"/>
           </a:p>
@@ -3205,7 +3206,7 @@
           <a:p>
             <a:fld id="{11A1DDC2-9279-4E20-B66E-447FAB20CB64}" type="datetimeFigureOut">
               <a:rPr lang="zh-TW" altLang="en-US" smtClean="0"/>
-              <a:t>2018/4/24</a:t>
+              <a:t>2018/4/25</a:t>
             </a:fld>
             <a:endParaRPr lang="zh-TW" altLang="en-US"/>
           </a:p>
@@ -3419,7 +3420,7 @@
           <a:p>
             <a:fld id="{11A1DDC2-9279-4E20-B66E-447FAB20CB64}" type="datetimeFigureOut">
               <a:rPr lang="zh-TW" altLang="en-US" smtClean="0"/>
-              <a:t>2018/4/24</a:t>
+              <a:t>2018/4/25</a:t>
             </a:fld>
             <a:endParaRPr lang="zh-TW" altLang="en-US"/>
           </a:p>
@@ -3624,7 +3625,7 @@
           <a:p>
             <a:fld id="{11A1DDC2-9279-4E20-B66E-447FAB20CB64}" type="datetimeFigureOut">
               <a:rPr lang="zh-TW" altLang="en-US" smtClean="0"/>
-              <a:t>2018/4/24</a:t>
+              <a:t>2018/4/25</a:t>
             </a:fld>
             <a:endParaRPr lang="zh-TW" altLang="en-US"/>
           </a:p>
@@ -3904,7 +3905,7 @@
           <a:p>
             <a:fld id="{11A1DDC2-9279-4E20-B66E-447FAB20CB64}" type="datetimeFigureOut">
               <a:rPr lang="zh-TW" altLang="en-US" smtClean="0"/>
-              <a:t>2018/4/24</a:t>
+              <a:t>2018/4/25</a:t>
             </a:fld>
             <a:endParaRPr lang="zh-TW" altLang="en-US"/>
           </a:p>
@@ -4171,7 +4172,7 @@
           <a:p>
             <a:fld id="{11A1DDC2-9279-4E20-B66E-447FAB20CB64}" type="datetimeFigureOut">
               <a:rPr lang="zh-TW" altLang="en-US" smtClean="0"/>
-              <a:t>2018/4/24</a:t>
+              <a:t>2018/4/25</a:t>
             </a:fld>
             <a:endParaRPr lang="zh-TW" altLang="en-US"/>
           </a:p>
@@ -4586,7 +4587,7 @@
           <a:p>
             <a:fld id="{11A1DDC2-9279-4E20-B66E-447FAB20CB64}" type="datetimeFigureOut">
               <a:rPr lang="zh-TW" altLang="en-US" smtClean="0"/>
-              <a:t>2018/4/24</a:t>
+              <a:t>2018/4/25</a:t>
             </a:fld>
             <a:endParaRPr lang="zh-TW" altLang="en-US"/>
           </a:p>
@@ -4734,7 +4735,7 @@
           <a:p>
             <a:fld id="{11A1DDC2-9279-4E20-B66E-447FAB20CB64}" type="datetimeFigureOut">
               <a:rPr lang="zh-TW" altLang="en-US" smtClean="0"/>
-              <a:t>2018/4/24</a:t>
+              <a:t>2018/4/25</a:t>
             </a:fld>
             <a:endParaRPr lang="zh-TW" altLang="en-US"/>
           </a:p>
@@ -4859,7 +4860,7 @@
           <a:p>
             <a:fld id="{11A1DDC2-9279-4E20-B66E-447FAB20CB64}" type="datetimeFigureOut">
               <a:rPr lang="zh-TW" altLang="en-US" smtClean="0"/>
-              <a:t>2018/4/24</a:t>
+              <a:t>2018/4/25</a:t>
             </a:fld>
             <a:endParaRPr lang="zh-TW" altLang="en-US"/>
           </a:p>
@@ -5138,7 +5139,7 @@
           <a:p>
             <a:fld id="{11A1DDC2-9279-4E20-B66E-447FAB20CB64}" type="datetimeFigureOut">
               <a:rPr lang="zh-TW" altLang="en-US" smtClean="0"/>
-              <a:t>2018/4/24</a:t>
+              <a:t>2018/4/25</a:t>
             </a:fld>
             <a:endParaRPr lang="zh-TW" altLang="en-US"/>
           </a:p>
@@ -5450,7 +5451,7 @@
           <a:p>
             <a:fld id="{11A1DDC2-9279-4E20-B66E-447FAB20CB64}" type="datetimeFigureOut">
               <a:rPr lang="zh-TW" altLang="en-US" smtClean="0"/>
-              <a:t>2018/4/24</a:t>
+              <a:t>2018/4/25</a:t>
             </a:fld>
             <a:endParaRPr lang="zh-TW" altLang="en-US"/>
           </a:p>
@@ -5703,7 +5704,7 @@
           <a:p>
             <a:fld id="{11A1DDC2-9279-4E20-B66E-447FAB20CB64}" type="datetimeFigureOut">
               <a:rPr lang="zh-TW" altLang="en-US" smtClean="0"/>
-              <a:t>2018/4/24</a:t>
+              <a:t>2018/4/25</a:t>
             </a:fld>
             <a:endParaRPr lang="zh-TW" altLang="en-US"/>
           </a:p>
@@ -6401,7 +6402,7 @@
       </p:grpSpPr>
       <p:pic>
         <p:nvPicPr>
-          <p:cNvPr id="2" name="圖片 1"/>
+          <p:cNvPr id="3" name="圖片 2"/>
           <p:cNvPicPr>
             <a:picLocks noChangeAspect="1"/>
           </p:cNvPicPr>
@@ -6421,7 +6422,7 @@
         </p:blipFill>
         <p:spPr>
           <a:xfrm>
-            <a:off x="385133" y="0"/>
+            <a:off x="361542" y="0"/>
             <a:ext cx="6550925" cy="6858000"/>
           </a:xfrm>
           <a:prstGeom prst="rect">
@@ -7033,7 +7034,6 @@
               <a:rPr lang="zh-TW" altLang="en-US" dirty="0"/>
               <a:t>列</a:t>
             </a:r>
-            <a:endParaRPr lang="zh-TW" altLang="en-US" dirty="0"/>
           </a:p>
         </p:txBody>
       </p:sp>
@@ -7423,7 +7423,6 @@
               <a:rPr lang="zh-TW" altLang="en-US" dirty="0"/>
               <a:t>介紹</a:t>
             </a:r>
-            <a:endParaRPr lang="zh-TW" altLang="en-US" dirty="0"/>
           </a:p>
         </p:txBody>
       </p:sp>
@@ -7457,7 +7456,6 @@
               <a:rPr lang="zh-TW" altLang="en-US" dirty="0"/>
               <a:t>大綱</a:t>
             </a:r>
-            <a:endParaRPr lang="zh-TW" altLang="en-US" dirty="0"/>
           </a:p>
         </p:txBody>
       </p:sp>
@@ -7491,7 +7489,6 @@
               <a:rPr lang="zh-TW" altLang="en-US" dirty="0"/>
               <a:t>按鈕</a:t>
             </a:r>
-            <a:endParaRPr lang="zh-TW" altLang="en-US" dirty="0"/>
           </a:p>
         </p:txBody>
       </p:sp>
@@ -7542,7 +7539,7 @@
     </p:spTree>
     <p:extLst>
       <p:ext uri="{BB962C8B-B14F-4D97-AF65-F5344CB8AC3E}">
-        <p14:creationId xmlns:p14="http://schemas.microsoft.com/office/powerpoint/2010/main" val="2404833598"/>
+        <p14:creationId xmlns:p14="http://schemas.microsoft.com/office/powerpoint/2010/main" val="2838417385"/>
       </p:ext>
     </p:extLst>
   </p:cSld>
@@ -7578,7 +7575,7 @@
       </p:grpSpPr>
       <p:pic>
         <p:nvPicPr>
-          <p:cNvPr id="3" name="圖片 2"/>
+          <p:cNvPr id="2" name="圖片 1"/>
           <p:cNvPicPr>
             <a:picLocks noChangeAspect="1"/>
           </p:cNvPicPr>
@@ -8210,7 +8207,6 @@
               <a:rPr lang="zh-TW" altLang="en-US" dirty="0"/>
               <a:t>列</a:t>
             </a:r>
-            <a:endParaRPr lang="zh-TW" altLang="en-US" dirty="0"/>
           </a:p>
         </p:txBody>
       </p:sp>
@@ -8600,7 +8596,6 @@
               <a:rPr lang="zh-TW" altLang="en-US" dirty="0"/>
               <a:t>介紹</a:t>
             </a:r>
-            <a:endParaRPr lang="zh-TW" altLang="en-US" dirty="0"/>
           </a:p>
         </p:txBody>
       </p:sp>
@@ -8634,7 +8629,6 @@
               <a:rPr lang="zh-TW" altLang="en-US" dirty="0"/>
               <a:t>大綱</a:t>
             </a:r>
-            <a:endParaRPr lang="zh-TW" altLang="en-US" dirty="0"/>
           </a:p>
         </p:txBody>
       </p:sp>
@@ -8668,7 +8662,1179 @@
               <a:rPr lang="zh-TW" altLang="en-US" dirty="0"/>
               <a:t>按鈕</a:t>
             </a:r>
-            <a:endParaRPr lang="zh-TW" altLang="en-US" dirty="0"/>
+          </a:p>
+        </p:txBody>
+      </p:sp>
+      <p:sp>
+        <p:nvSpPr>
+          <p:cNvPr id="44" name="橢圓 43"/>
+          <p:cNvSpPr/>
+          <p:nvPr/>
+        </p:nvSpPr>
+        <p:spPr>
+          <a:xfrm>
+            <a:off x="9126463" y="3008079"/>
+            <a:ext cx="226577" cy="218485"/>
+          </a:xfrm>
+          <a:prstGeom prst="ellipse">
+            <a:avLst/>
+          </a:prstGeom>
+        </p:spPr>
+        <p:style>
+          <a:lnRef idx="2">
+            <a:schemeClr val="accent1">
+              <a:shade val="50000"/>
+            </a:schemeClr>
+          </a:lnRef>
+          <a:fillRef idx="1">
+            <a:schemeClr val="accent1"/>
+          </a:fillRef>
+          <a:effectRef idx="0">
+            <a:schemeClr val="accent1"/>
+          </a:effectRef>
+          <a:fontRef idx="minor">
+            <a:schemeClr val="lt1"/>
+          </a:fontRef>
+        </p:style>
+        <p:txBody>
+          <a:bodyPr rtlCol="0" anchor="ctr"/>
+          <a:lstStyle/>
+          <a:p>
+            <a:pPr algn="ctr"/>
+            <a:r>
+              <a:rPr lang="en-US" altLang="zh-TW" dirty="0"/>
+              <a:t>6</a:t>
+            </a:r>
+            <a:endParaRPr lang="zh-TW" altLang="en-US" dirty="0"/>
+          </a:p>
+        </p:txBody>
+      </p:sp>
+    </p:spTree>
+    <p:extLst>
+      <p:ext uri="{BB962C8B-B14F-4D97-AF65-F5344CB8AC3E}">
+        <p14:creationId xmlns:p14="http://schemas.microsoft.com/office/powerpoint/2010/main" val="2404833598"/>
+      </p:ext>
+    </p:extLst>
+  </p:cSld>
+  <p:clrMapOvr>
+    <a:masterClrMapping/>
+  </p:clrMapOvr>
+  <p:timing>
+    <p:tnLst>
+      <p:par>
+        <p:cTn id="1" dur="indefinite" restart="never" nodeType="tmRoot"/>
+      </p:par>
+    </p:tnLst>
+  </p:timing>
+</p:sld>
+</file>
+
+<file path=ppt/slides/slide12.xml><?xml version="1.0" encoding="utf-8"?>
+<p:sld xmlns:a="http://schemas.openxmlformats.org/drawingml/2006/main" xmlns:r="http://schemas.openxmlformats.org/officeDocument/2006/relationships" xmlns:p="http://schemas.openxmlformats.org/presentationml/2006/main">
+  <p:cSld>
+    <p:spTree>
+      <p:nvGrpSpPr>
+        <p:cNvPr id="1" name=""/>
+        <p:cNvGrpSpPr/>
+        <p:nvPr/>
+      </p:nvGrpSpPr>
+      <p:grpSpPr>
+        <a:xfrm>
+          <a:off x="0" y="0"/>
+          <a:ext cx="0" cy="0"/>
+          <a:chOff x="0" y="0"/>
+          <a:chExt cx="0" cy="0"/>
+        </a:xfrm>
+      </p:grpSpPr>
+      <p:pic>
+        <p:nvPicPr>
+          <p:cNvPr id="3" name="圖片 2"/>
+          <p:cNvPicPr>
+            <a:picLocks noChangeAspect="1"/>
+          </p:cNvPicPr>
+          <p:nvPr/>
+        </p:nvPicPr>
+        <p:blipFill>
+          <a:blip r:embed="rId2">
+            <a:extLst>
+              <a:ext uri="{28A0092B-C50C-407E-A947-70E740481C1C}">
+                <a14:useLocalDpi xmlns:a14="http://schemas.microsoft.com/office/drawing/2010/main" val="0"/>
+              </a:ext>
+            </a:extLst>
+          </a:blip>
+          <a:stretch>
+            <a:fillRect/>
+          </a:stretch>
+        </p:blipFill>
+        <p:spPr>
+          <a:xfrm>
+            <a:off x="385133" y="0"/>
+            <a:ext cx="6550925" cy="6858000"/>
+          </a:xfrm>
+          <a:prstGeom prst="rect">
+            <a:avLst/>
+          </a:prstGeom>
+        </p:spPr>
+      </p:pic>
+      <p:sp>
+        <p:nvSpPr>
+          <p:cNvPr id="5" name="橢圓 4"/>
+          <p:cNvSpPr/>
+          <p:nvPr/>
+        </p:nvSpPr>
+        <p:spPr>
+          <a:xfrm>
+            <a:off x="5143832" y="368127"/>
+            <a:ext cx="226577" cy="218485"/>
+          </a:xfrm>
+          <a:prstGeom prst="ellipse">
+            <a:avLst/>
+          </a:prstGeom>
+        </p:spPr>
+        <p:style>
+          <a:lnRef idx="2">
+            <a:schemeClr val="accent1">
+              <a:shade val="50000"/>
+            </a:schemeClr>
+          </a:lnRef>
+          <a:fillRef idx="1">
+            <a:schemeClr val="accent1"/>
+          </a:fillRef>
+          <a:effectRef idx="0">
+            <a:schemeClr val="accent1"/>
+          </a:effectRef>
+          <a:fontRef idx="minor">
+            <a:schemeClr val="lt1"/>
+          </a:fontRef>
+        </p:style>
+        <p:txBody>
+          <a:bodyPr rtlCol="0" anchor="ctr"/>
+          <a:lstStyle/>
+          <a:p>
+            <a:pPr algn="ctr"/>
+            <a:r>
+              <a:rPr lang="en-US" altLang="zh-TW" dirty="0" smtClean="0"/>
+              <a:t>1</a:t>
+            </a:r>
+            <a:endParaRPr lang="zh-TW" altLang="en-US" dirty="0"/>
+          </a:p>
+        </p:txBody>
+      </p:sp>
+      <p:cxnSp>
+        <p:nvCxnSpPr>
+          <p:cNvPr id="7" name="直線單箭頭接點 6"/>
+          <p:cNvCxnSpPr/>
+          <p:nvPr/>
+        </p:nvCxnSpPr>
+        <p:spPr>
+          <a:xfrm>
+            <a:off x="5606426" y="496209"/>
+            <a:ext cx="873940" cy="0"/>
+          </a:xfrm>
+          <a:prstGeom prst="straightConnector1">
+            <a:avLst/>
+          </a:prstGeom>
+          <a:ln>
+            <a:tailEnd type="triangle"/>
+          </a:ln>
+        </p:spPr>
+        <p:style>
+          <a:lnRef idx="1">
+            <a:schemeClr val="accent1"/>
+          </a:lnRef>
+          <a:fillRef idx="0">
+            <a:schemeClr val="accent1"/>
+          </a:fillRef>
+          <a:effectRef idx="0">
+            <a:schemeClr val="accent1"/>
+          </a:effectRef>
+          <a:fontRef idx="minor">
+            <a:schemeClr val="tx1"/>
+          </a:fontRef>
+        </p:style>
+      </p:cxnSp>
+      <p:sp>
+        <p:nvSpPr>
+          <p:cNvPr id="9" name="文字方塊 8"/>
+          <p:cNvSpPr txBox="1"/>
+          <p:nvPr/>
+        </p:nvSpPr>
+        <p:spPr>
+          <a:xfrm>
+            <a:off x="6480366" y="311543"/>
+            <a:ext cx="1116702" cy="369332"/>
+          </a:xfrm>
+          <a:prstGeom prst="rect">
+            <a:avLst/>
+          </a:prstGeom>
+          <a:noFill/>
+        </p:spPr>
+        <p:txBody>
+          <a:bodyPr wrap="square" rtlCol="0">
+            <a:spAutoFit/>
+          </a:bodyPr>
+          <a:lstStyle/>
+          <a:p>
+            <a:r>
+              <a:rPr lang="zh-TW" altLang="en-US" dirty="0" smtClean="0"/>
+              <a:t>主導覽列</a:t>
+            </a:r>
+            <a:endParaRPr lang="zh-TW" altLang="en-US" dirty="0"/>
+          </a:p>
+        </p:txBody>
+      </p:sp>
+      <p:sp>
+        <p:nvSpPr>
+          <p:cNvPr id="11" name="橢圓 10"/>
+          <p:cNvSpPr/>
+          <p:nvPr/>
+        </p:nvSpPr>
+        <p:spPr>
+          <a:xfrm>
+            <a:off x="2877930" y="1860043"/>
+            <a:ext cx="226577" cy="218485"/>
+          </a:xfrm>
+          <a:prstGeom prst="ellipse">
+            <a:avLst/>
+          </a:prstGeom>
+        </p:spPr>
+        <p:style>
+          <a:lnRef idx="2">
+            <a:schemeClr val="accent1">
+              <a:shade val="50000"/>
+            </a:schemeClr>
+          </a:lnRef>
+          <a:fillRef idx="1">
+            <a:schemeClr val="accent1"/>
+          </a:fillRef>
+          <a:effectRef idx="0">
+            <a:schemeClr val="accent1"/>
+          </a:effectRef>
+          <a:fontRef idx="minor">
+            <a:schemeClr val="lt1"/>
+          </a:fontRef>
+        </p:style>
+        <p:txBody>
+          <a:bodyPr rtlCol="0" anchor="ctr"/>
+          <a:lstStyle/>
+          <a:p>
+            <a:pPr algn="ctr"/>
+            <a:r>
+              <a:rPr lang="en-US" altLang="zh-TW" dirty="0"/>
+              <a:t>2</a:t>
+            </a:r>
+            <a:endParaRPr lang="zh-TW" altLang="en-US" dirty="0"/>
+          </a:p>
+        </p:txBody>
+      </p:sp>
+      <p:sp>
+        <p:nvSpPr>
+          <p:cNvPr id="18" name="橢圓 17"/>
+          <p:cNvSpPr/>
+          <p:nvPr/>
+        </p:nvSpPr>
+        <p:spPr>
+          <a:xfrm>
+            <a:off x="3870989" y="5898809"/>
+            <a:ext cx="226577" cy="218485"/>
+          </a:xfrm>
+          <a:prstGeom prst="ellipse">
+            <a:avLst/>
+          </a:prstGeom>
+        </p:spPr>
+        <p:style>
+          <a:lnRef idx="2">
+            <a:schemeClr val="accent1">
+              <a:shade val="50000"/>
+            </a:schemeClr>
+          </a:lnRef>
+          <a:fillRef idx="1">
+            <a:schemeClr val="accent1"/>
+          </a:fillRef>
+          <a:effectRef idx="0">
+            <a:schemeClr val="accent1"/>
+          </a:effectRef>
+          <a:fontRef idx="minor">
+            <a:schemeClr val="lt1"/>
+          </a:fontRef>
+        </p:style>
+        <p:txBody>
+          <a:bodyPr rtlCol="0" anchor="ctr"/>
+          <a:lstStyle/>
+          <a:p>
+            <a:pPr algn="ctr"/>
+            <a:r>
+              <a:rPr lang="en-US" altLang="zh-TW" dirty="0"/>
+              <a:t>5</a:t>
+            </a:r>
+            <a:endParaRPr lang="zh-TW" altLang="en-US" dirty="0"/>
+          </a:p>
+        </p:txBody>
+      </p:sp>
+      <p:cxnSp>
+        <p:nvCxnSpPr>
+          <p:cNvPr id="21" name="直線單箭頭接點 20"/>
+          <p:cNvCxnSpPr/>
+          <p:nvPr/>
+        </p:nvCxnSpPr>
+        <p:spPr>
+          <a:xfrm>
+            <a:off x="3223626" y="1969285"/>
+            <a:ext cx="873940" cy="0"/>
+          </a:xfrm>
+          <a:prstGeom prst="straightConnector1">
+            <a:avLst/>
+          </a:prstGeom>
+          <a:ln>
+            <a:tailEnd type="triangle"/>
+          </a:ln>
+        </p:spPr>
+        <p:style>
+          <a:lnRef idx="1">
+            <a:schemeClr val="accent1"/>
+          </a:lnRef>
+          <a:fillRef idx="0">
+            <a:schemeClr val="accent1"/>
+          </a:fillRef>
+          <a:effectRef idx="0">
+            <a:schemeClr val="accent1"/>
+          </a:effectRef>
+          <a:fontRef idx="minor">
+            <a:schemeClr val="tx1"/>
+          </a:fontRef>
+        </p:style>
+      </p:cxnSp>
+      <p:cxnSp>
+        <p:nvCxnSpPr>
+          <p:cNvPr id="25" name="直線單箭頭接點 24"/>
+          <p:cNvCxnSpPr/>
+          <p:nvPr/>
+        </p:nvCxnSpPr>
+        <p:spPr>
+          <a:xfrm>
+            <a:off x="4163345" y="6008051"/>
+            <a:ext cx="873940" cy="0"/>
+          </a:xfrm>
+          <a:prstGeom prst="straightConnector1">
+            <a:avLst/>
+          </a:prstGeom>
+          <a:ln>
+            <a:tailEnd type="triangle"/>
+          </a:ln>
+        </p:spPr>
+        <p:style>
+          <a:lnRef idx="1">
+            <a:schemeClr val="accent1"/>
+          </a:lnRef>
+          <a:fillRef idx="0">
+            <a:schemeClr val="accent1"/>
+          </a:fillRef>
+          <a:effectRef idx="0">
+            <a:schemeClr val="accent1"/>
+          </a:effectRef>
+          <a:fontRef idx="minor">
+            <a:schemeClr val="tx1"/>
+          </a:fontRef>
+        </p:style>
+      </p:cxnSp>
+      <p:cxnSp>
+        <p:nvCxnSpPr>
+          <p:cNvPr id="26" name="直線單箭頭接點 25"/>
+          <p:cNvCxnSpPr/>
+          <p:nvPr/>
+        </p:nvCxnSpPr>
+        <p:spPr>
+          <a:xfrm>
+            <a:off x="5531515" y="6689482"/>
+            <a:ext cx="873940" cy="0"/>
+          </a:xfrm>
+          <a:prstGeom prst="straightConnector1">
+            <a:avLst/>
+          </a:prstGeom>
+          <a:ln>
+            <a:tailEnd type="triangle"/>
+          </a:ln>
+        </p:spPr>
+        <p:style>
+          <a:lnRef idx="1">
+            <a:schemeClr val="accent1"/>
+          </a:lnRef>
+          <a:fillRef idx="0">
+            <a:schemeClr val="accent1"/>
+          </a:fillRef>
+          <a:effectRef idx="0">
+            <a:schemeClr val="accent1"/>
+          </a:effectRef>
+          <a:fontRef idx="minor">
+            <a:schemeClr val="tx1"/>
+          </a:fontRef>
+        </p:style>
+      </p:cxnSp>
+      <p:sp>
+        <p:nvSpPr>
+          <p:cNvPr id="28" name="文字方塊 27"/>
+          <p:cNvSpPr txBox="1"/>
+          <p:nvPr/>
+        </p:nvSpPr>
+        <p:spPr>
+          <a:xfrm>
+            <a:off x="4163345" y="1724677"/>
+            <a:ext cx="2242844" cy="369332"/>
+          </a:xfrm>
+          <a:prstGeom prst="rect">
+            <a:avLst/>
+          </a:prstGeom>
+          <a:noFill/>
+        </p:spPr>
+        <p:txBody>
+          <a:bodyPr wrap="square" rtlCol="0">
+            <a:spAutoFit/>
+          </a:bodyPr>
+          <a:lstStyle/>
+          <a:p>
+            <a:r>
+              <a:rPr lang="zh-TW" altLang="en-US" dirty="0" smtClean="0"/>
+              <a:t>課程講師</a:t>
+            </a:r>
+            <a:endParaRPr lang="zh-TW" altLang="en-US" dirty="0"/>
+          </a:p>
+        </p:txBody>
+      </p:sp>
+      <p:sp>
+        <p:nvSpPr>
+          <p:cNvPr id="34" name="文字方塊 33"/>
+          <p:cNvSpPr txBox="1"/>
+          <p:nvPr/>
+        </p:nvSpPr>
+        <p:spPr>
+          <a:xfrm>
+            <a:off x="6405455" y="6488668"/>
+            <a:ext cx="1861168" cy="369332"/>
+          </a:xfrm>
+          <a:prstGeom prst="rect">
+            <a:avLst/>
+          </a:prstGeom>
+          <a:noFill/>
+        </p:spPr>
+        <p:txBody>
+          <a:bodyPr wrap="square" rtlCol="0">
+            <a:spAutoFit/>
+          </a:bodyPr>
+          <a:lstStyle/>
+          <a:p>
+            <a:r>
+              <a:rPr lang="zh-TW" altLang="en-US" dirty="0" smtClean="0"/>
+              <a:t>頁尾及相關資訊</a:t>
+            </a:r>
+            <a:endParaRPr lang="zh-TW" altLang="en-US" dirty="0"/>
+          </a:p>
+        </p:txBody>
+      </p:sp>
+      <p:sp>
+        <p:nvSpPr>
+          <p:cNvPr id="35" name="橢圓 34"/>
+          <p:cNvSpPr/>
+          <p:nvPr/>
+        </p:nvSpPr>
+        <p:spPr>
+          <a:xfrm>
+            <a:off x="9126468" y="296606"/>
+            <a:ext cx="226577" cy="218485"/>
+          </a:xfrm>
+          <a:prstGeom prst="ellipse">
+            <a:avLst/>
+          </a:prstGeom>
+        </p:spPr>
+        <p:style>
+          <a:lnRef idx="2">
+            <a:schemeClr val="accent1">
+              <a:shade val="50000"/>
+            </a:schemeClr>
+          </a:lnRef>
+          <a:fillRef idx="1">
+            <a:schemeClr val="accent1"/>
+          </a:fillRef>
+          <a:effectRef idx="0">
+            <a:schemeClr val="accent1"/>
+          </a:effectRef>
+          <a:fontRef idx="minor">
+            <a:schemeClr val="lt1"/>
+          </a:fontRef>
+        </p:style>
+        <p:txBody>
+          <a:bodyPr rtlCol="0" anchor="ctr"/>
+          <a:lstStyle/>
+          <a:p>
+            <a:pPr algn="ctr"/>
+            <a:r>
+              <a:rPr lang="en-US" altLang="zh-TW" dirty="0" smtClean="0"/>
+              <a:t>1</a:t>
+            </a:r>
+            <a:endParaRPr lang="zh-TW" altLang="en-US" dirty="0"/>
+          </a:p>
+        </p:txBody>
+      </p:sp>
+      <p:sp>
+        <p:nvSpPr>
+          <p:cNvPr id="36" name="橢圓 35"/>
+          <p:cNvSpPr/>
+          <p:nvPr/>
+        </p:nvSpPr>
+        <p:spPr>
+          <a:xfrm>
+            <a:off x="9126464" y="842300"/>
+            <a:ext cx="226577" cy="218485"/>
+          </a:xfrm>
+          <a:prstGeom prst="ellipse">
+            <a:avLst/>
+          </a:prstGeom>
+        </p:spPr>
+        <p:style>
+          <a:lnRef idx="2">
+            <a:schemeClr val="accent1">
+              <a:shade val="50000"/>
+            </a:schemeClr>
+          </a:lnRef>
+          <a:fillRef idx="1">
+            <a:schemeClr val="accent1"/>
+          </a:fillRef>
+          <a:effectRef idx="0">
+            <a:schemeClr val="accent1"/>
+          </a:effectRef>
+          <a:fontRef idx="minor">
+            <a:schemeClr val="lt1"/>
+          </a:fontRef>
+        </p:style>
+        <p:txBody>
+          <a:bodyPr rtlCol="0" anchor="ctr"/>
+          <a:lstStyle/>
+          <a:p>
+            <a:pPr algn="ctr"/>
+            <a:r>
+              <a:rPr lang="en-US" altLang="zh-TW" dirty="0"/>
+              <a:t>2</a:t>
+            </a:r>
+            <a:endParaRPr lang="zh-TW" altLang="en-US" dirty="0"/>
+          </a:p>
+        </p:txBody>
+      </p:sp>
+      <p:sp>
+        <p:nvSpPr>
+          <p:cNvPr id="37" name="橢圓 36"/>
+          <p:cNvSpPr/>
+          <p:nvPr/>
+        </p:nvSpPr>
+        <p:spPr>
+          <a:xfrm>
+            <a:off x="9126464" y="1358324"/>
+            <a:ext cx="226577" cy="218485"/>
+          </a:xfrm>
+          <a:prstGeom prst="ellipse">
+            <a:avLst/>
+          </a:prstGeom>
+        </p:spPr>
+        <p:style>
+          <a:lnRef idx="2">
+            <a:schemeClr val="accent1">
+              <a:shade val="50000"/>
+            </a:schemeClr>
+          </a:lnRef>
+          <a:fillRef idx="1">
+            <a:schemeClr val="accent1"/>
+          </a:fillRef>
+          <a:effectRef idx="0">
+            <a:schemeClr val="accent1"/>
+          </a:effectRef>
+          <a:fontRef idx="minor">
+            <a:schemeClr val="lt1"/>
+          </a:fontRef>
+        </p:style>
+        <p:txBody>
+          <a:bodyPr rtlCol="0" anchor="ctr"/>
+          <a:lstStyle/>
+          <a:p>
+            <a:pPr algn="ctr"/>
+            <a:r>
+              <a:rPr lang="en-US" altLang="zh-TW" dirty="0"/>
+              <a:t>3</a:t>
+            </a:r>
+            <a:endParaRPr lang="zh-TW" altLang="en-US" dirty="0"/>
+          </a:p>
+        </p:txBody>
+      </p:sp>
+      <p:sp>
+        <p:nvSpPr>
+          <p:cNvPr id="38" name="橢圓 37"/>
+          <p:cNvSpPr/>
+          <p:nvPr/>
+        </p:nvSpPr>
+        <p:spPr>
+          <a:xfrm>
+            <a:off x="9126464" y="1913820"/>
+            <a:ext cx="226577" cy="218485"/>
+          </a:xfrm>
+          <a:prstGeom prst="ellipse">
+            <a:avLst/>
+          </a:prstGeom>
+        </p:spPr>
+        <p:style>
+          <a:lnRef idx="2">
+            <a:schemeClr val="accent1">
+              <a:shade val="50000"/>
+            </a:schemeClr>
+          </a:lnRef>
+          <a:fillRef idx="1">
+            <a:schemeClr val="accent1"/>
+          </a:fillRef>
+          <a:effectRef idx="0">
+            <a:schemeClr val="accent1"/>
+          </a:effectRef>
+          <a:fontRef idx="minor">
+            <a:schemeClr val="lt1"/>
+          </a:fontRef>
+        </p:style>
+        <p:txBody>
+          <a:bodyPr rtlCol="0" anchor="ctr"/>
+          <a:lstStyle/>
+          <a:p>
+            <a:pPr algn="ctr"/>
+            <a:r>
+              <a:rPr lang="en-US" altLang="zh-TW" dirty="0"/>
+              <a:t>4</a:t>
+            </a:r>
+            <a:endParaRPr lang="zh-TW" altLang="en-US" dirty="0"/>
+          </a:p>
+        </p:txBody>
+      </p:sp>
+      <p:sp>
+        <p:nvSpPr>
+          <p:cNvPr id="39" name="橢圓 38"/>
+          <p:cNvSpPr/>
+          <p:nvPr/>
+        </p:nvSpPr>
+        <p:spPr>
+          <a:xfrm>
+            <a:off x="9126464" y="2463345"/>
+            <a:ext cx="226577" cy="218485"/>
+          </a:xfrm>
+          <a:prstGeom prst="ellipse">
+            <a:avLst/>
+          </a:prstGeom>
+        </p:spPr>
+        <p:style>
+          <a:lnRef idx="2">
+            <a:schemeClr val="accent1">
+              <a:shade val="50000"/>
+            </a:schemeClr>
+          </a:lnRef>
+          <a:fillRef idx="1">
+            <a:schemeClr val="accent1"/>
+          </a:fillRef>
+          <a:effectRef idx="0">
+            <a:schemeClr val="accent1"/>
+          </a:effectRef>
+          <a:fontRef idx="minor">
+            <a:schemeClr val="lt1"/>
+          </a:fontRef>
+        </p:style>
+        <p:txBody>
+          <a:bodyPr rtlCol="0" anchor="ctr"/>
+          <a:lstStyle/>
+          <a:p>
+            <a:pPr algn="ctr"/>
+            <a:r>
+              <a:rPr lang="en-US" altLang="zh-TW" dirty="0"/>
+              <a:t>5</a:t>
+            </a:r>
+            <a:endParaRPr lang="zh-TW" altLang="en-US" dirty="0"/>
+          </a:p>
+        </p:txBody>
+      </p:sp>
+      <p:sp>
+        <p:nvSpPr>
+          <p:cNvPr id="41" name="文字方塊 40"/>
+          <p:cNvSpPr txBox="1"/>
+          <p:nvPr/>
+        </p:nvSpPr>
+        <p:spPr>
+          <a:xfrm>
+            <a:off x="9409688" y="236119"/>
+            <a:ext cx="1116702" cy="369332"/>
+          </a:xfrm>
+          <a:prstGeom prst="rect">
+            <a:avLst/>
+          </a:prstGeom>
+          <a:noFill/>
+        </p:spPr>
+        <p:txBody>
+          <a:bodyPr wrap="square" rtlCol="0">
+            <a:spAutoFit/>
+          </a:bodyPr>
+          <a:lstStyle/>
+          <a:p>
+            <a:r>
+              <a:rPr lang="zh-TW" altLang="en-US" dirty="0" smtClean="0"/>
+              <a:t>主導覽</a:t>
+            </a:r>
+            <a:r>
+              <a:rPr lang="zh-TW" altLang="en-US" dirty="0"/>
+              <a:t>列</a:t>
+            </a:r>
+          </a:p>
+        </p:txBody>
+      </p:sp>
+      <p:sp>
+        <p:nvSpPr>
+          <p:cNvPr id="46" name="文字方塊 45"/>
+          <p:cNvSpPr txBox="1"/>
+          <p:nvPr/>
+        </p:nvSpPr>
+        <p:spPr>
+          <a:xfrm>
+            <a:off x="9409688" y="766876"/>
+            <a:ext cx="2391015" cy="369332"/>
+          </a:xfrm>
+          <a:prstGeom prst="rect">
+            <a:avLst/>
+          </a:prstGeom>
+          <a:noFill/>
+        </p:spPr>
+        <p:txBody>
+          <a:bodyPr wrap="square" rtlCol="0">
+            <a:spAutoFit/>
+          </a:bodyPr>
+          <a:lstStyle/>
+          <a:p>
+            <a:r>
+              <a:rPr lang="zh-TW" altLang="en-US" dirty="0" smtClean="0"/>
+              <a:t>課程講師</a:t>
+            </a:r>
+            <a:endParaRPr lang="zh-TW" altLang="en-US" dirty="0"/>
+          </a:p>
+        </p:txBody>
+      </p:sp>
+      <p:sp>
+        <p:nvSpPr>
+          <p:cNvPr id="47" name="文字方塊 46"/>
+          <p:cNvSpPr txBox="1"/>
+          <p:nvPr/>
+        </p:nvSpPr>
+        <p:spPr>
+          <a:xfrm>
+            <a:off x="9409689" y="1282900"/>
+            <a:ext cx="2391014" cy="646331"/>
+          </a:xfrm>
+          <a:prstGeom prst="rect">
+            <a:avLst/>
+          </a:prstGeom>
+          <a:noFill/>
+        </p:spPr>
+        <p:txBody>
+          <a:bodyPr wrap="square" rtlCol="0">
+            <a:spAutoFit/>
+          </a:bodyPr>
+          <a:lstStyle/>
+          <a:p>
+            <a:r>
+              <a:rPr lang="zh-TW" altLang="en-US" dirty="0" smtClean="0"/>
+              <a:t>主題</a:t>
+            </a:r>
+            <a:r>
+              <a:rPr lang="zh-TW" altLang="en-US" dirty="0"/>
+              <a:t>介紹</a:t>
+            </a:r>
+          </a:p>
+          <a:p>
+            <a:endParaRPr lang="zh-TW" altLang="en-US" dirty="0"/>
+          </a:p>
+        </p:txBody>
+      </p:sp>
+      <p:sp>
+        <p:nvSpPr>
+          <p:cNvPr id="48" name="文字方塊 47"/>
+          <p:cNvSpPr txBox="1"/>
+          <p:nvPr/>
+        </p:nvSpPr>
+        <p:spPr>
+          <a:xfrm>
+            <a:off x="9412785" y="1838396"/>
+            <a:ext cx="1716862" cy="369332"/>
+          </a:xfrm>
+          <a:prstGeom prst="rect">
+            <a:avLst/>
+          </a:prstGeom>
+          <a:noFill/>
+        </p:spPr>
+        <p:txBody>
+          <a:bodyPr wrap="square" rtlCol="0">
+            <a:spAutoFit/>
+          </a:bodyPr>
+          <a:lstStyle/>
+          <a:p>
+            <a:r>
+              <a:rPr lang="zh-TW" altLang="en-US" dirty="0" smtClean="0"/>
+              <a:t>課程大綱</a:t>
+            </a:r>
+            <a:endParaRPr lang="zh-TW" altLang="en-US" dirty="0"/>
+          </a:p>
+        </p:txBody>
+      </p:sp>
+      <p:sp>
+        <p:nvSpPr>
+          <p:cNvPr id="49" name="文字方塊 48"/>
+          <p:cNvSpPr txBox="1"/>
+          <p:nvPr/>
+        </p:nvSpPr>
+        <p:spPr>
+          <a:xfrm>
+            <a:off x="9409688" y="2932656"/>
+            <a:ext cx="2007955" cy="646331"/>
+          </a:xfrm>
+          <a:prstGeom prst="rect">
+            <a:avLst/>
+          </a:prstGeom>
+          <a:noFill/>
+        </p:spPr>
+        <p:txBody>
+          <a:bodyPr wrap="square" rtlCol="0">
+            <a:spAutoFit/>
+          </a:bodyPr>
+          <a:lstStyle/>
+          <a:p>
+            <a:r>
+              <a:rPr lang="zh-TW" altLang="en-US" dirty="0"/>
+              <a:t>頁尾及相關資訊</a:t>
+            </a:r>
+          </a:p>
+          <a:p>
+            <a:endParaRPr lang="zh-TW" altLang="en-US" dirty="0"/>
+          </a:p>
+        </p:txBody>
+      </p:sp>
+      <p:sp>
+        <p:nvSpPr>
+          <p:cNvPr id="54" name="橢圓 53"/>
+          <p:cNvSpPr/>
+          <p:nvPr/>
+        </p:nvSpPr>
+        <p:spPr>
+          <a:xfrm>
+            <a:off x="4942416" y="6583875"/>
+            <a:ext cx="226577" cy="218485"/>
+          </a:xfrm>
+          <a:prstGeom prst="ellipse">
+            <a:avLst/>
+          </a:prstGeom>
+        </p:spPr>
+        <p:style>
+          <a:lnRef idx="2">
+            <a:schemeClr val="accent1">
+              <a:shade val="50000"/>
+            </a:schemeClr>
+          </a:lnRef>
+          <a:fillRef idx="1">
+            <a:schemeClr val="accent1"/>
+          </a:fillRef>
+          <a:effectRef idx="0">
+            <a:schemeClr val="accent1"/>
+          </a:effectRef>
+          <a:fontRef idx="minor">
+            <a:schemeClr val="lt1"/>
+          </a:fontRef>
+        </p:style>
+        <p:txBody>
+          <a:bodyPr rtlCol="0" anchor="ctr"/>
+          <a:lstStyle/>
+          <a:p>
+            <a:pPr algn="ctr"/>
+            <a:r>
+              <a:rPr lang="en-US" altLang="zh-TW" dirty="0"/>
+              <a:t>6</a:t>
+            </a:r>
+            <a:endParaRPr lang="zh-TW" altLang="en-US" dirty="0"/>
+          </a:p>
+        </p:txBody>
+      </p:sp>
+      <p:sp>
+        <p:nvSpPr>
+          <p:cNvPr id="27" name="文字方塊 26"/>
+          <p:cNvSpPr txBox="1"/>
+          <p:nvPr/>
+        </p:nvSpPr>
+        <p:spPr>
+          <a:xfrm>
+            <a:off x="5037285" y="5747364"/>
+            <a:ext cx="1716862" cy="369332"/>
+          </a:xfrm>
+          <a:prstGeom prst="rect">
+            <a:avLst/>
+          </a:prstGeom>
+          <a:noFill/>
+        </p:spPr>
+        <p:txBody>
+          <a:bodyPr wrap="square" rtlCol="0">
+            <a:spAutoFit/>
+          </a:bodyPr>
+          <a:lstStyle/>
+          <a:p>
+            <a:r>
+              <a:rPr lang="zh-TW" altLang="en-US" dirty="0" smtClean="0"/>
+              <a:t>回首頁按鈕</a:t>
+            </a:r>
+            <a:endParaRPr lang="zh-TW" altLang="en-US" dirty="0"/>
+          </a:p>
+        </p:txBody>
+      </p:sp>
+      <p:sp>
+        <p:nvSpPr>
+          <p:cNvPr id="29" name="橢圓 28"/>
+          <p:cNvSpPr/>
+          <p:nvPr/>
+        </p:nvSpPr>
+        <p:spPr>
+          <a:xfrm>
+            <a:off x="5379849" y="2898837"/>
+            <a:ext cx="226577" cy="218485"/>
+          </a:xfrm>
+          <a:prstGeom prst="ellipse">
+            <a:avLst/>
+          </a:prstGeom>
+        </p:spPr>
+        <p:style>
+          <a:lnRef idx="2">
+            <a:schemeClr val="accent1">
+              <a:shade val="50000"/>
+            </a:schemeClr>
+          </a:lnRef>
+          <a:fillRef idx="1">
+            <a:schemeClr val="accent1"/>
+          </a:fillRef>
+          <a:effectRef idx="0">
+            <a:schemeClr val="accent1"/>
+          </a:effectRef>
+          <a:fontRef idx="minor">
+            <a:schemeClr val="lt1"/>
+          </a:fontRef>
+        </p:style>
+        <p:txBody>
+          <a:bodyPr rtlCol="0" anchor="ctr"/>
+          <a:lstStyle/>
+          <a:p>
+            <a:pPr algn="ctr"/>
+            <a:r>
+              <a:rPr lang="en-US" altLang="zh-TW" dirty="0"/>
+              <a:t>3</a:t>
+            </a:r>
+            <a:endParaRPr lang="zh-TW" altLang="en-US" dirty="0"/>
+          </a:p>
+        </p:txBody>
+      </p:sp>
+      <p:cxnSp>
+        <p:nvCxnSpPr>
+          <p:cNvPr id="31" name="直線單箭頭接點 30"/>
+          <p:cNvCxnSpPr/>
+          <p:nvPr/>
+        </p:nvCxnSpPr>
+        <p:spPr>
+          <a:xfrm>
+            <a:off x="5699292" y="3008079"/>
+            <a:ext cx="873940" cy="0"/>
+          </a:xfrm>
+          <a:prstGeom prst="straightConnector1">
+            <a:avLst/>
+          </a:prstGeom>
+          <a:ln>
+            <a:tailEnd type="triangle"/>
+          </a:ln>
+        </p:spPr>
+        <p:style>
+          <a:lnRef idx="1">
+            <a:schemeClr val="accent1"/>
+          </a:lnRef>
+          <a:fillRef idx="0">
+            <a:schemeClr val="accent1"/>
+          </a:fillRef>
+          <a:effectRef idx="0">
+            <a:schemeClr val="accent1"/>
+          </a:effectRef>
+          <a:fontRef idx="minor">
+            <a:schemeClr val="tx1"/>
+          </a:fontRef>
+        </p:style>
+      </p:cxnSp>
+      <p:sp>
+        <p:nvSpPr>
+          <p:cNvPr id="32" name="橢圓 31"/>
+          <p:cNvSpPr/>
+          <p:nvPr/>
+        </p:nvSpPr>
+        <p:spPr>
+          <a:xfrm>
+            <a:off x="4889734" y="3723302"/>
+            <a:ext cx="226577" cy="218485"/>
+          </a:xfrm>
+          <a:prstGeom prst="ellipse">
+            <a:avLst/>
+          </a:prstGeom>
+        </p:spPr>
+        <p:style>
+          <a:lnRef idx="2">
+            <a:schemeClr val="accent1">
+              <a:shade val="50000"/>
+            </a:schemeClr>
+          </a:lnRef>
+          <a:fillRef idx="1">
+            <a:schemeClr val="accent1"/>
+          </a:fillRef>
+          <a:effectRef idx="0">
+            <a:schemeClr val="accent1"/>
+          </a:effectRef>
+          <a:fontRef idx="minor">
+            <a:schemeClr val="lt1"/>
+          </a:fontRef>
+        </p:style>
+        <p:txBody>
+          <a:bodyPr rtlCol="0" anchor="ctr"/>
+          <a:lstStyle/>
+          <a:p>
+            <a:pPr algn="ctr"/>
+            <a:r>
+              <a:rPr lang="en-US" altLang="zh-TW" dirty="0"/>
+              <a:t>4</a:t>
+            </a:r>
+            <a:endParaRPr lang="zh-TW" altLang="en-US" dirty="0"/>
+          </a:p>
+        </p:txBody>
+      </p:sp>
+      <p:cxnSp>
+        <p:nvCxnSpPr>
+          <p:cNvPr id="33" name="直線單箭頭接點 32"/>
+          <p:cNvCxnSpPr/>
+          <p:nvPr/>
+        </p:nvCxnSpPr>
+        <p:spPr>
+          <a:xfrm>
+            <a:off x="5169456" y="3832544"/>
+            <a:ext cx="873940" cy="0"/>
+          </a:xfrm>
+          <a:prstGeom prst="straightConnector1">
+            <a:avLst/>
+          </a:prstGeom>
+          <a:ln>
+            <a:tailEnd type="triangle"/>
+          </a:ln>
+        </p:spPr>
+        <p:style>
+          <a:lnRef idx="1">
+            <a:schemeClr val="accent1"/>
+          </a:lnRef>
+          <a:fillRef idx="0">
+            <a:schemeClr val="accent1"/>
+          </a:fillRef>
+          <a:effectRef idx="0">
+            <a:schemeClr val="accent1"/>
+          </a:effectRef>
+          <a:fontRef idx="minor">
+            <a:schemeClr val="tx1"/>
+          </a:fontRef>
+        </p:style>
+      </p:cxnSp>
+      <p:sp>
+        <p:nvSpPr>
+          <p:cNvPr id="40" name="文字方塊 39"/>
+          <p:cNvSpPr txBox="1"/>
+          <p:nvPr/>
+        </p:nvSpPr>
+        <p:spPr>
+          <a:xfrm>
+            <a:off x="6629878" y="2747990"/>
+            <a:ext cx="2242844" cy="369332"/>
+          </a:xfrm>
+          <a:prstGeom prst="rect">
+            <a:avLst/>
+          </a:prstGeom>
+          <a:noFill/>
+        </p:spPr>
+        <p:txBody>
+          <a:bodyPr wrap="square" rtlCol="0">
+            <a:spAutoFit/>
+          </a:bodyPr>
+          <a:lstStyle/>
+          <a:p>
+            <a:r>
+              <a:rPr lang="zh-TW" altLang="en-US" dirty="0" smtClean="0"/>
+              <a:t>主題</a:t>
+            </a:r>
+            <a:r>
+              <a:rPr lang="zh-TW" altLang="en-US" dirty="0"/>
+              <a:t>介紹</a:t>
+            </a:r>
+          </a:p>
+        </p:txBody>
+      </p:sp>
+      <p:sp>
+        <p:nvSpPr>
+          <p:cNvPr id="42" name="文字方塊 41"/>
+          <p:cNvSpPr txBox="1"/>
+          <p:nvPr/>
+        </p:nvSpPr>
+        <p:spPr>
+          <a:xfrm>
+            <a:off x="6081463" y="3639058"/>
+            <a:ext cx="2242844" cy="369332"/>
+          </a:xfrm>
+          <a:prstGeom prst="rect">
+            <a:avLst/>
+          </a:prstGeom>
+          <a:noFill/>
+        </p:spPr>
+        <p:txBody>
+          <a:bodyPr wrap="square" rtlCol="0">
+            <a:spAutoFit/>
+          </a:bodyPr>
+          <a:lstStyle/>
+          <a:p>
+            <a:r>
+              <a:rPr lang="zh-TW" altLang="en-US" dirty="0" smtClean="0"/>
+              <a:t>課程</a:t>
+            </a:r>
+            <a:r>
+              <a:rPr lang="zh-TW" altLang="en-US" dirty="0"/>
+              <a:t>大綱</a:t>
+            </a:r>
+          </a:p>
+        </p:txBody>
+      </p:sp>
+      <p:sp>
+        <p:nvSpPr>
+          <p:cNvPr id="43" name="文字方塊 42"/>
+          <p:cNvSpPr txBox="1"/>
+          <p:nvPr/>
+        </p:nvSpPr>
+        <p:spPr>
+          <a:xfrm>
+            <a:off x="9451166" y="2387921"/>
+            <a:ext cx="1716862" cy="369332"/>
+          </a:xfrm>
+          <a:prstGeom prst="rect">
+            <a:avLst/>
+          </a:prstGeom>
+          <a:noFill/>
+        </p:spPr>
+        <p:txBody>
+          <a:bodyPr wrap="square" rtlCol="0">
+            <a:spAutoFit/>
+          </a:bodyPr>
+          <a:lstStyle/>
+          <a:p>
+            <a:r>
+              <a:rPr lang="zh-TW" altLang="en-US" dirty="0" smtClean="0"/>
+              <a:t>回首頁</a:t>
+            </a:r>
+            <a:r>
+              <a:rPr lang="zh-TW" altLang="en-US" dirty="0"/>
+              <a:t>按鈕</a:t>
+            </a:r>
           </a:p>
         </p:txBody>
       </p:sp>
@@ -12645,7 +13811,6 @@
               <a:rPr lang="zh-TW" altLang="en-US" dirty="0"/>
               <a:t>列</a:t>
             </a:r>
-            <a:endParaRPr lang="zh-TW" altLang="en-US" dirty="0"/>
           </a:p>
         </p:txBody>
       </p:sp>
@@ -12675,7 +13840,6 @@
               <a:rPr lang="zh-TW" altLang="en-US" dirty="0"/>
               <a:t>所有最新資訊、公告</a:t>
             </a:r>
-            <a:endParaRPr lang="zh-TW" altLang="en-US" dirty="0"/>
           </a:p>
         </p:txBody>
       </p:sp>
@@ -13635,7 +14799,6 @@
               <a:rPr lang="zh-TW" altLang="en-US" dirty="0"/>
               <a:t>列</a:t>
             </a:r>
-            <a:endParaRPr lang="zh-TW" altLang="en-US" dirty="0"/>
           </a:p>
         </p:txBody>
       </p:sp>
@@ -13665,7 +14828,6 @@
               <a:rPr lang="zh-TW" altLang="en-US" dirty="0"/>
               <a:t>海報，主打活動形象</a:t>
             </a:r>
-            <a:endParaRPr lang="zh-TW" altLang="en-US" dirty="0"/>
           </a:p>
         </p:txBody>
       </p:sp>
@@ -14625,7 +15787,6 @@
               <a:rPr lang="zh-TW" altLang="en-US" dirty="0"/>
               <a:t>列</a:t>
             </a:r>
-            <a:endParaRPr lang="zh-TW" altLang="en-US" dirty="0"/>
           </a:p>
         </p:txBody>
       </p:sp>
@@ -14655,7 +15816,6 @@
               <a:rPr lang="zh-TW" altLang="en-US" dirty="0"/>
               <a:t>活動三天行程</a:t>
             </a:r>
-            <a:endParaRPr lang="zh-TW" altLang="en-US" dirty="0"/>
           </a:p>
         </p:txBody>
       </p:sp>
@@ -14925,7 +16085,7 @@
         </p:blipFill>
         <p:spPr>
           <a:xfrm>
-            <a:off x="275991" y="0"/>
+            <a:off x="487792" y="0"/>
             <a:ext cx="6550925" cy="6858000"/>
           </a:xfrm>
           <a:prstGeom prst="rect">
@@ -15048,7 +16208,7 @@
         </p:nvSpPr>
         <p:spPr>
           <a:xfrm>
-            <a:off x="5323203" y="2630478"/>
+            <a:off x="3871051" y="2677267"/>
             <a:ext cx="226577" cy="218485"/>
           </a:xfrm>
           <a:prstGeom prst="ellipse">
@@ -15092,7 +16252,7 @@
         </p:nvSpPr>
         <p:spPr>
           <a:xfrm>
-            <a:off x="4163345" y="4885550"/>
+            <a:off x="4468797" y="4264904"/>
             <a:ext cx="226577" cy="218485"/>
           </a:xfrm>
           <a:prstGeom prst="ellipse">
@@ -15136,7 +16296,7 @@
         </p:nvSpPr>
         <p:spPr>
           <a:xfrm>
-            <a:off x="3816246" y="5577527"/>
+            <a:off x="3942286" y="6029467"/>
             <a:ext cx="226577" cy="218485"/>
           </a:xfrm>
           <a:prstGeom prst="ellipse">
@@ -15180,7 +16340,7 @@
         </p:nvCxnSpPr>
         <p:spPr>
           <a:xfrm>
-            <a:off x="5606426" y="2719458"/>
+            <a:off x="4181764" y="2815018"/>
             <a:ext cx="873940" cy="0"/>
           </a:xfrm>
           <a:prstGeom prst="straightConnector1">
@@ -15213,7 +16373,7 @@
         </p:nvCxnSpPr>
         <p:spPr>
           <a:xfrm>
-            <a:off x="4495302" y="4994792"/>
+            <a:off x="4796943" y="4374146"/>
             <a:ext cx="873940" cy="0"/>
           </a:xfrm>
           <a:prstGeom prst="straightConnector1">
@@ -15246,7 +16406,7 @@
         </p:nvCxnSpPr>
         <p:spPr>
           <a:xfrm>
-            <a:off x="4058332" y="5686769"/>
+            <a:off x="4234378" y="6151760"/>
             <a:ext cx="873940" cy="0"/>
           </a:xfrm>
           <a:prstGeom prst="straightConnector1">
@@ -15312,7 +16472,7 @@
         </p:nvSpPr>
         <p:spPr>
           <a:xfrm>
-            <a:off x="6531248" y="2526420"/>
+            <a:off x="5183830" y="2608977"/>
             <a:ext cx="2242844" cy="369332"/>
           </a:xfrm>
           <a:prstGeom prst="rect">
@@ -15327,8 +16487,8 @@
           <a:lstStyle/>
           <a:p>
             <a:r>
-              <a:rPr lang="zh-TW" altLang="en-US" dirty="0" smtClean="0"/>
-              <a:t>課程內容簡介</a:t>
+              <a:rPr lang="zh-TW" altLang="en-US" dirty="0"/>
+              <a:t>報名日期說明</a:t>
             </a:r>
             <a:endParaRPr lang="zh-TW" altLang="en-US" dirty="0"/>
           </a:p>
@@ -15614,7 +16774,6 @@
               <a:rPr lang="zh-TW" altLang="en-US" dirty="0"/>
               <a:t>列</a:t>
             </a:r>
-            <a:endParaRPr lang="zh-TW" altLang="en-US" dirty="0"/>
           </a:p>
         </p:txBody>
       </p:sp>
@@ -15641,8 +16800,20 @@
           <a:lstStyle/>
           <a:p>
             <a:r>
+              <a:rPr lang="zh-TW" altLang="en-US" dirty="0" smtClean="0"/>
+              <a:t>報</a:t>
+            </a:r>
+            <a:r>
               <a:rPr lang="zh-TW" altLang="en-US" dirty="0"/>
-              <a:t>課程內容簡介</a:t>
+              <a:t>名</a:t>
+            </a:r>
+            <a:r>
+              <a:rPr lang="zh-TW" altLang="en-US" dirty="0" smtClean="0"/>
+              <a:t>日期說</a:t>
+            </a:r>
+            <a:r>
+              <a:rPr lang="zh-TW" altLang="en-US" dirty="0"/>
+              <a:t>明</a:t>
             </a:r>
             <a:endParaRPr lang="zh-TW" altLang="en-US" dirty="0"/>
           </a:p>
@@ -15672,12 +16843,9 @@
           <a:p>
             <a:r>
               <a:rPr lang="zh-TW" altLang="en-US" dirty="0" smtClean="0"/>
-              <a:t>說明</a:t>
-            </a:r>
-            <a:r>
-              <a:rPr lang="zh-TW" altLang="en-US" dirty="0"/>
-              <a:t>課程上課方式</a:t>
-            </a:r>
+              <a:t>報名內容說明</a:t>
+            </a:r>
+            <a:endParaRPr lang="zh-TW" altLang="en-US" dirty="0"/>
           </a:p>
           <a:p>
             <a:endParaRPr lang="zh-TW" altLang="en-US" dirty="0"/>
@@ -15798,7 +16966,7 @@
         </p:nvSpPr>
         <p:spPr>
           <a:xfrm>
-            <a:off x="4932272" y="5502103"/>
+            <a:off x="5110054" y="5985956"/>
             <a:ext cx="1716862" cy="369332"/>
           </a:xfrm>
           <a:prstGeom prst="rect">
@@ -15828,7 +16996,7 @@
         </p:nvSpPr>
         <p:spPr>
           <a:xfrm>
-            <a:off x="5369242" y="4763440"/>
+            <a:off x="5690917" y="4178866"/>
             <a:ext cx="2457910" cy="923330"/>
           </a:xfrm>
           <a:prstGeom prst="rect">
@@ -15843,12 +17011,8 @@
           <a:lstStyle/>
           <a:p>
             <a:r>
-              <a:rPr lang="zh-TW" altLang="en-US" dirty="0" smtClean="0"/>
-              <a:t>說明課程上課方</a:t>
-            </a:r>
-            <a:r>
               <a:rPr lang="zh-TW" altLang="en-US" dirty="0"/>
-              <a:t>式</a:t>
+              <a:t>報名內容說明</a:t>
             </a:r>
           </a:p>
           <a:p>
@@ -15862,7 +17026,7 @@
     </p:spTree>
     <p:extLst>
       <p:ext uri="{BB962C8B-B14F-4D97-AF65-F5344CB8AC3E}">
-        <p14:creationId xmlns:p14="http://schemas.microsoft.com/office/powerpoint/2010/main" val="3979643264"/>
+        <p14:creationId xmlns:p14="http://schemas.microsoft.com/office/powerpoint/2010/main" val="1441827866"/>
       </p:ext>
     </p:extLst>
   </p:cSld>
@@ -15898,7 +17062,7 @@
       </p:grpSpPr>
       <p:pic>
         <p:nvPicPr>
-          <p:cNvPr id="2" name="圖片 1"/>
+          <p:cNvPr id="3" name="圖片 2"/>
           <p:cNvPicPr>
             <a:picLocks noChangeAspect="1"/>
           </p:cNvPicPr>
@@ -15918,7 +17082,7 @@
         </p:blipFill>
         <p:spPr>
           <a:xfrm>
-            <a:off x="373899" y="0"/>
+            <a:off x="275991" y="0"/>
             <a:ext cx="6550925" cy="6858000"/>
           </a:xfrm>
           <a:prstGeom prst="rect">
@@ -16041,7 +17205,7 @@
         </p:nvSpPr>
         <p:spPr>
           <a:xfrm>
-            <a:off x="3112708" y="2532037"/>
+            <a:off x="5323203" y="2630478"/>
             <a:ext cx="226577" cy="218485"/>
           </a:xfrm>
           <a:prstGeom prst="ellipse">
@@ -16085,7 +17249,7 @@
         </p:nvSpPr>
         <p:spPr>
           <a:xfrm>
-            <a:off x="4696998" y="4721388"/>
+            <a:off x="4163345" y="4885550"/>
             <a:ext cx="226577" cy="218485"/>
           </a:xfrm>
           <a:prstGeom prst="ellipse">
@@ -16129,7 +17293,7 @@
         </p:nvSpPr>
         <p:spPr>
           <a:xfrm>
-            <a:off x="3870989" y="5898809"/>
+            <a:off x="3816246" y="5577527"/>
             <a:ext cx="226577" cy="218485"/>
           </a:xfrm>
           <a:prstGeom prst="ellipse">
@@ -16173,7 +17337,7 @@
         </p:nvCxnSpPr>
         <p:spPr>
           <a:xfrm>
-            <a:off x="3402693" y="2681830"/>
+            <a:off x="5606426" y="2719458"/>
             <a:ext cx="873940" cy="0"/>
           </a:xfrm>
           <a:prstGeom prst="straightConnector1">
@@ -16206,7 +17370,7 @@
         </p:nvCxnSpPr>
         <p:spPr>
           <a:xfrm>
-            <a:off x="5003023" y="4833292"/>
+            <a:off x="4495302" y="4994792"/>
             <a:ext cx="873940" cy="0"/>
           </a:xfrm>
           <a:prstGeom prst="straightConnector1">
@@ -16239,7 +17403,7 @@
         </p:nvCxnSpPr>
         <p:spPr>
           <a:xfrm>
-            <a:off x="4163345" y="6008051"/>
+            <a:off x="4058332" y="5686769"/>
             <a:ext cx="873940" cy="0"/>
           </a:xfrm>
           <a:prstGeom prst="straightConnector1">
@@ -16305,7 +17469,7 @@
         </p:nvSpPr>
         <p:spPr>
           <a:xfrm>
-            <a:off x="4318571" y="2478732"/>
+            <a:off x="6531248" y="2526420"/>
             <a:ext cx="2242844" cy="369332"/>
           </a:xfrm>
           <a:prstGeom prst="rect">
@@ -16321,7 +17485,7 @@
           <a:p>
             <a:r>
               <a:rPr lang="zh-TW" altLang="en-US" dirty="0" smtClean="0"/>
-              <a:t>活動主辦負責人</a:t>
+              <a:t>課程內容簡介</a:t>
             </a:r>
             <a:endParaRPr lang="zh-TW" altLang="en-US" dirty="0"/>
           </a:p>
@@ -16607,7 +17771,6 @@
               <a:rPr lang="zh-TW" altLang="en-US" dirty="0"/>
               <a:t>列</a:t>
             </a:r>
-            <a:endParaRPr lang="zh-TW" altLang="en-US" dirty="0"/>
           </a:p>
         </p:txBody>
       </p:sp>
@@ -16635,9 +17798,8 @@
           <a:p>
             <a:r>
               <a:rPr lang="zh-TW" altLang="en-US" dirty="0"/>
-              <a:t>活動主辦負責人</a:t>
-            </a:r>
-            <a:endParaRPr lang="zh-TW" altLang="en-US" dirty="0"/>
+              <a:t>課程內容簡介</a:t>
+            </a:r>
           </a:p>
         </p:txBody>
       </p:sp>
@@ -16664,8 +17826,12 @@
           <a:lstStyle/>
           <a:p>
             <a:r>
+              <a:rPr lang="zh-TW" altLang="en-US" dirty="0" smtClean="0"/>
+              <a:t>說明</a:t>
+            </a:r>
+            <a:r>
               <a:rPr lang="zh-TW" altLang="en-US" dirty="0"/>
-              <a:t>聯絡方式</a:t>
+              <a:t>課程上課方式</a:t>
             </a:r>
           </a:p>
           <a:p>
@@ -16787,7 +17953,7 @@
         </p:nvSpPr>
         <p:spPr>
           <a:xfrm>
-            <a:off x="5037285" y="5747364"/>
+            <a:off x="4932272" y="5502103"/>
             <a:ext cx="1716862" cy="369332"/>
           </a:xfrm>
           <a:prstGeom prst="rect">
@@ -16817,8 +17983,8 @@
         </p:nvSpPr>
         <p:spPr>
           <a:xfrm>
-            <a:off x="5856904" y="4639369"/>
-            <a:ext cx="2457910" cy="646331"/>
+            <a:off x="5369242" y="4763440"/>
+            <a:ext cx="2457910" cy="923330"/>
           </a:xfrm>
           <a:prstGeom prst="rect">
             <a:avLst/>
@@ -16833,8 +17999,14 @@
           <a:p>
             <a:r>
               <a:rPr lang="zh-TW" altLang="en-US" dirty="0" smtClean="0"/>
-              <a:t>聯絡方式</a:t>
-            </a:r>
+              <a:t>說明課程上課方</a:t>
+            </a:r>
+            <a:r>
+              <a:rPr lang="zh-TW" altLang="en-US" dirty="0"/>
+              <a:t>式</a:t>
+            </a:r>
+          </a:p>
+          <a:p>
             <a:endParaRPr lang="zh-TW" altLang="en-US" dirty="0"/>
           </a:p>
           <a:p>
@@ -16845,7 +18017,7 @@
     </p:spTree>
     <p:extLst>
       <p:ext uri="{BB962C8B-B14F-4D97-AF65-F5344CB8AC3E}">
-        <p14:creationId xmlns:p14="http://schemas.microsoft.com/office/powerpoint/2010/main" val="2576990379"/>
+        <p14:creationId xmlns:p14="http://schemas.microsoft.com/office/powerpoint/2010/main" val="3979643264"/>
       </p:ext>
     </p:extLst>
   </p:cSld>
@@ -16881,7 +18053,7 @@
       </p:grpSpPr>
       <p:pic>
         <p:nvPicPr>
-          <p:cNvPr id="3" name="圖片 2"/>
+          <p:cNvPr id="2" name="圖片 1"/>
           <p:cNvPicPr>
             <a:picLocks noChangeAspect="1"/>
           </p:cNvPicPr>
@@ -16901,7 +18073,7 @@
         </p:blipFill>
         <p:spPr>
           <a:xfrm>
-            <a:off x="361542" y="0"/>
+            <a:off x="373899" y="0"/>
             <a:ext cx="6550925" cy="6858000"/>
           </a:xfrm>
           <a:prstGeom prst="rect">
@@ -17024,7 +18196,7 @@
         </p:nvSpPr>
         <p:spPr>
           <a:xfrm>
-            <a:off x="2877930" y="1860043"/>
+            <a:off x="3112708" y="2532037"/>
             <a:ext cx="226577" cy="218485"/>
           </a:xfrm>
           <a:prstGeom prst="ellipse">
@@ -17062,13 +18234,13 @@
       </p:sp>
       <p:sp>
         <p:nvSpPr>
-          <p:cNvPr id="18" name="橢圓 17"/>
+          <p:cNvPr id="17" name="橢圓 16"/>
           <p:cNvSpPr/>
           <p:nvPr/>
         </p:nvSpPr>
         <p:spPr>
           <a:xfrm>
-            <a:off x="3870989" y="5898809"/>
+            <a:off x="4696998" y="4721388"/>
             <a:ext cx="226577" cy="218485"/>
           </a:xfrm>
           <a:prstGeom prst="ellipse">
@@ -17098,7 +18270,51 @@
             <a:pPr algn="ctr"/>
             <a:r>
               <a:rPr lang="en-US" altLang="zh-TW" dirty="0"/>
-              <a:t>5</a:t>
+              <a:t>3</a:t>
+            </a:r>
+            <a:endParaRPr lang="zh-TW" altLang="en-US" dirty="0"/>
+          </a:p>
+        </p:txBody>
+      </p:sp>
+      <p:sp>
+        <p:nvSpPr>
+          <p:cNvPr id="18" name="橢圓 17"/>
+          <p:cNvSpPr/>
+          <p:nvPr/>
+        </p:nvSpPr>
+        <p:spPr>
+          <a:xfrm>
+            <a:off x="3870989" y="5898809"/>
+            <a:ext cx="226577" cy="218485"/>
+          </a:xfrm>
+          <a:prstGeom prst="ellipse">
+            <a:avLst/>
+          </a:prstGeom>
+        </p:spPr>
+        <p:style>
+          <a:lnRef idx="2">
+            <a:schemeClr val="accent1">
+              <a:shade val="50000"/>
+            </a:schemeClr>
+          </a:lnRef>
+          <a:fillRef idx="1">
+            <a:schemeClr val="accent1"/>
+          </a:fillRef>
+          <a:effectRef idx="0">
+            <a:schemeClr val="accent1"/>
+          </a:effectRef>
+          <a:fontRef idx="minor">
+            <a:schemeClr val="lt1"/>
+          </a:fontRef>
+        </p:style>
+        <p:txBody>
+          <a:bodyPr rtlCol="0" anchor="ctr"/>
+          <a:lstStyle/>
+          <a:p>
+            <a:pPr algn="ctr"/>
+            <a:r>
+              <a:rPr lang="en-US" altLang="zh-TW" dirty="0"/>
+              <a:t>4</a:t>
             </a:r>
             <a:endParaRPr lang="zh-TW" altLang="en-US" dirty="0"/>
           </a:p>
@@ -17112,7 +18328,40 @@
         </p:nvCxnSpPr>
         <p:spPr>
           <a:xfrm>
-            <a:off x="3223626" y="1969285"/>
+            <a:off x="3402693" y="2681830"/>
+            <a:ext cx="873940" cy="0"/>
+          </a:xfrm>
+          <a:prstGeom prst="straightConnector1">
+            <a:avLst/>
+          </a:prstGeom>
+          <a:ln>
+            <a:tailEnd type="triangle"/>
+          </a:ln>
+        </p:spPr>
+        <p:style>
+          <a:lnRef idx="1">
+            <a:schemeClr val="accent1"/>
+          </a:lnRef>
+          <a:fillRef idx="0">
+            <a:schemeClr val="accent1"/>
+          </a:fillRef>
+          <a:effectRef idx="0">
+            <a:schemeClr val="accent1"/>
+          </a:effectRef>
+          <a:fontRef idx="minor">
+            <a:schemeClr val="tx1"/>
+          </a:fontRef>
+        </p:style>
+      </p:cxnSp>
+      <p:cxnSp>
+        <p:nvCxnSpPr>
+          <p:cNvPr id="24" name="直線單箭頭接點 23"/>
+          <p:cNvCxnSpPr/>
+          <p:nvPr/>
+        </p:nvCxnSpPr>
+        <p:spPr>
+          <a:xfrm>
+            <a:off x="5003023" y="4833292"/>
             <a:ext cx="873940" cy="0"/>
           </a:xfrm>
           <a:prstGeom prst="straightConnector1">
@@ -17211,7 +18460,7 @@
         </p:nvSpPr>
         <p:spPr>
           <a:xfrm>
-            <a:off x="4163345" y="1724677"/>
+            <a:off x="4318571" y="2478732"/>
             <a:ext cx="2242844" cy="369332"/>
           </a:xfrm>
           <a:prstGeom prst="rect">
@@ -17227,7 +18476,7 @@
           <a:p>
             <a:r>
               <a:rPr lang="zh-TW" altLang="en-US" dirty="0" smtClean="0"/>
-              <a:t>課程講師</a:t>
+              <a:t>活動主辦負責人</a:t>
             </a:r>
             <a:endParaRPr lang="zh-TW" altLang="en-US" dirty="0"/>
           </a:p>
@@ -17513,7 +18762,6 @@
               <a:rPr lang="zh-TW" altLang="en-US" dirty="0"/>
               <a:t>列</a:t>
             </a:r>
-            <a:endParaRPr lang="zh-TW" altLang="en-US" dirty="0"/>
           </a:p>
         </p:txBody>
       </p:sp>
@@ -17540,10 +18788,9 @@
           <a:lstStyle/>
           <a:p>
             <a:r>
-              <a:rPr lang="zh-TW" altLang="en-US" dirty="0" smtClean="0"/>
-              <a:t>課程講師</a:t>
-            </a:r>
-            <a:endParaRPr lang="zh-TW" altLang="en-US" dirty="0"/>
+              <a:rPr lang="zh-TW" altLang="en-US" dirty="0"/>
+              <a:t>活動主辦負責人</a:t>
+            </a:r>
           </a:p>
         </p:txBody>
       </p:sp>
@@ -17570,12 +18817,8 @@
           <a:lstStyle/>
           <a:p>
             <a:r>
-              <a:rPr lang="zh-TW" altLang="en-US" dirty="0" smtClean="0"/>
-              <a:t>主題</a:t>
-            </a:r>
-            <a:r>
               <a:rPr lang="zh-TW" altLang="en-US" dirty="0"/>
-              <a:t>介紹</a:t>
+              <a:t>聯絡方式</a:t>
             </a:r>
           </a:p>
           <a:p>
@@ -17607,7 +18850,7 @@
           <a:p>
             <a:r>
               <a:rPr lang="zh-TW" altLang="en-US" dirty="0" smtClean="0"/>
-              <a:t>課程大綱</a:t>
+              <a:t>回首頁按鈕</a:t>
             </a:r>
             <a:endParaRPr lang="zh-TW" altLang="en-US" dirty="0"/>
           </a:p>
@@ -17621,7 +18864,7 @@
         </p:nvSpPr>
         <p:spPr>
           <a:xfrm>
-            <a:off x="9409688" y="2932656"/>
+            <a:off x="9409687" y="2387921"/>
             <a:ext cx="2007955" cy="646331"/>
           </a:xfrm>
           <a:prstGeom prst="rect">
@@ -17683,7 +18926,7 @@
             <a:pPr algn="ctr"/>
             <a:r>
               <a:rPr lang="en-US" altLang="zh-TW" dirty="0"/>
-              <a:t>6</a:t>
+              <a:t>5</a:t>
             </a:r>
             <a:endParaRPr lang="zh-TW" altLang="en-US" dirty="0"/>
           </a:p>
@@ -17721,168 +18964,14 @@
       </p:sp>
       <p:sp>
         <p:nvSpPr>
-          <p:cNvPr id="29" name="橢圓 28"/>
-          <p:cNvSpPr/>
-          <p:nvPr/>
-        </p:nvSpPr>
-        <p:spPr>
-          <a:xfrm>
-            <a:off x="5379849" y="2898837"/>
-            <a:ext cx="226577" cy="218485"/>
-          </a:xfrm>
-          <a:prstGeom prst="ellipse">
-            <a:avLst/>
-          </a:prstGeom>
-        </p:spPr>
-        <p:style>
-          <a:lnRef idx="2">
-            <a:schemeClr val="accent1">
-              <a:shade val="50000"/>
-            </a:schemeClr>
-          </a:lnRef>
-          <a:fillRef idx="1">
-            <a:schemeClr val="accent1"/>
-          </a:fillRef>
-          <a:effectRef idx="0">
-            <a:schemeClr val="accent1"/>
-          </a:effectRef>
-          <a:fontRef idx="minor">
-            <a:schemeClr val="lt1"/>
-          </a:fontRef>
-        </p:style>
-        <p:txBody>
-          <a:bodyPr rtlCol="0" anchor="ctr"/>
-          <a:lstStyle/>
-          <a:p>
-            <a:pPr algn="ctr"/>
-            <a:r>
-              <a:rPr lang="en-US" altLang="zh-TW" dirty="0"/>
-              <a:t>3</a:t>
-            </a:r>
-            <a:endParaRPr lang="zh-TW" altLang="en-US" dirty="0"/>
-          </a:p>
-        </p:txBody>
-      </p:sp>
-      <p:cxnSp>
-        <p:nvCxnSpPr>
-          <p:cNvPr id="31" name="直線單箭頭接點 30"/>
-          <p:cNvCxnSpPr/>
-          <p:nvPr/>
-        </p:nvCxnSpPr>
-        <p:spPr>
-          <a:xfrm>
-            <a:off x="5699292" y="3008079"/>
-            <a:ext cx="873940" cy="0"/>
-          </a:xfrm>
-          <a:prstGeom prst="straightConnector1">
-            <a:avLst/>
-          </a:prstGeom>
-          <a:ln>
-            <a:tailEnd type="triangle"/>
-          </a:ln>
-        </p:spPr>
-        <p:style>
-          <a:lnRef idx="1">
-            <a:schemeClr val="accent1"/>
-          </a:lnRef>
-          <a:fillRef idx="0">
-            <a:schemeClr val="accent1"/>
-          </a:fillRef>
-          <a:effectRef idx="0">
-            <a:schemeClr val="accent1"/>
-          </a:effectRef>
-          <a:fontRef idx="minor">
-            <a:schemeClr val="tx1"/>
-          </a:fontRef>
-        </p:style>
-      </p:cxnSp>
-      <p:sp>
-        <p:nvSpPr>
-          <p:cNvPr id="32" name="橢圓 31"/>
-          <p:cNvSpPr/>
-          <p:nvPr/>
-        </p:nvSpPr>
-        <p:spPr>
-          <a:xfrm>
-            <a:off x="4889734" y="3723302"/>
-            <a:ext cx="226577" cy="218485"/>
-          </a:xfrm>
-          <a:prstGeom prst="ellipse">
-            <a:avLst/>
-          </a:prstGeom>
-        </p:spPr>
-        <p:style>
-          <a:lnRef idx="2">
-            <a:schemeClr val="accent1">
-              <a:shade val="50000"/>
-            </a:schemeClr>
-          </a:lnRef>
-          <a:fillRef idx="1">
-            <a:schemeClr val="accent1"/>
-          </a:fillRef>
-          <a:effectRef idx="0">
-            <a:schemeClr val="accent1"/>
-          </a:effectRef>
-          <a:fontRef idx="minor">
-            <a:schemeClr val="lt1"/>
-          </a:fontRef>
-        </p:style>
-        <p:txBody>
-          <a:bodyPr rtlCol="0" anchor="ctr"/>
-          <a:lstStyle/>
-          <a:p>
-            <a:pPr algn="ctr"/>
-            <a:r>
-              <a:rPr lang="en-US" altLang="zh-TW" dirty="0"/>
-              <a:t>4</a:t>
-            </a:r>
-            <a:endParaRPr lang="zh-TW" altLang="en-US" dirty="0"/>
-          </a:p>
-        </p:txBody>
-      </p:sp>
-      <p:cxnSp>
-        <p:nvCxnSpPr>
-          <p:cNvPr id="33" name="直線單箭頭接點 32"/>
-          <p:cNvCxnSpPr/>
-          <p:nvPr/>
-        </p:nvCxnSpPr>
-        <p:spPr>
-          <a:xfrm>
-            <a:off x="5169456" y="3832544"/>
-            <a:ext cx="873940" cy="0"/>
-          </a:xfrm>
-          <a:prstGeom prst="straightConnector1">
-            <a:avLst/>
-          </a:prstGeom>
-          <a:ln>
-            <a:tailEnd type="triangle"/>
-          </a:ln>
-        </p:spPr>
-        <p:style>
-          <a:lnRef idx="1">
-            <a:schemeClr val="accent1"/>
-          </a:lnRef>
-          <a:fillRef idx="0">
-            <a:schemeClr val="accent1"/>
-          </a:fillRef>
-          <a:effectRef idx="0">
-            <a:schemeClr val="accent1"/>
-          </a:effectRef>
-          <a:fontRef idx="minor">
-            <a:schemeClr val="tx1"/>
-          </a:fontRef>
-        </p:style>
-      </p:cxnSp>
-      <p:sp>
-        <p:nvSpPr>
-          <p:cNvPr id="40" name="文字方塊 39"/>
+          <p:cNvPr id="30" name="文字方塊 29"/>
           <p:cNvSpPr txBox="1"/>
           <p:nvPr/>
         </p:nvSpPr>
         <p:spPr>
           <a:xfrm>
-            <a:off x="6629878" y="2747990"/>
-            <a:ext cx="2242844" cy="369332"/>
+            <a:off x="5856904" y="4639369"/>
+            <a:ext cx="2457910" cy="646331"/>
           </a:xfrm>
           <a:prstGeom prst="rect">
             <a:avLst/>
@@ -17897,124 +18986,11 @@
           <a:p>
             <a:r>
               <a:rPr lang="zh-TW" altLang="en-US" dirty="0" smtClean="0"/>
-              <a:t>主題</a:t>
-            </a:r>
-            <a:r>
-              <a:rPr lang="zh-TW" altLang="en-US" dirty="0"/>
-              <a:t>介紹</a:t>
-            </a:r>
-            <a:endParaRPr lang="zh-TW" altLang="en-US" dirty="0"/>
-          </a:p>
-        </p:txBody>
-      </p:sp>
-      <p:sp>
-        <p:nvSpPr>
-          <p:cNvPr id="42" name="文字方塊 41"/>
-          <p:cNvSpPr txBox="1"/>
-          <p:nvPr/>
-        </p:nvSpPr>
-        <p:spPr>
-          <a:xfrm>
-            <a:off x="6081463" y="3639058"/>
-            <a:ext cx="2242844" cy="369332"/>
-          </a:xfrm>
-          <a:prstGeom prst="rect">
-            <a:avLst/>
-          </a:prstGeom>
-          <a:noFill/>
-        </p:spPr>
-        <p:txBody>
-          <a:bodyPr wrap="square" rtlCol="0">
-            <a:spAutoFit/>
-          </a:bodyPr>
-          <a:lstStyle/>
-          <a:p>
-            <a:r>
-              <a:rPr lang="zh-TW" altLang="en-US" dirty="0" smtClean="0"/>
-              <a:t>課程</a:t>
-            </a:r>
-            <a:r>
-              <a:rPr lang="zh-TW" altLang="en-US" dirty="0"/>
-              <a:t>大綱</a:t>
-            </a:r>
-            <a:endParaRPr lang="zh-TW" altLang="en-US" dirty="0"/>
-          </a:p>
-        </p:txBody>
-      </p:sp>
-      <p:sp>
-        <p:nvSpPr>
-          <p:cNvPr id="43" name="文字方塊 42"/>
-          <p:cNvSpPr txBox="1"/>
-          <p:nvPr/>
-        </p:nvSpPr>
-        <p:spPr>
-          <a:xfrm>
-            <a:off x="9451166" y="2387921"/>
-            <a:ext cx="1716862" cy="369332"/>
-          </a:xfrm>
-          <a:prstGeom prst="rect">
-            <a:avLst/>
-          </a:prstGeom>
-          <a:noFill/>
-        </p:spPr>
-        <p:txBody>
-          <a:bodyPr wrap="square" rtlCol="0">
-            <a:spAutoFit/>
-          </a:bodyPr>
-          <a:lstStyle/>
-          <a:p>
-            <a:r>
-              <a:rPr lang="zh-TW" altLang="en-US" dirty="0" smtClean="0"/>
-              <a:t>回首頁</a:t>
-            </a:r>
-            <a:r>
-              <a:rPr lang="zh-TW" altLang="en-US" dirty="0"/>
-              <a:t>按鈕</a:t>
-            </a:r>
-            <a:endParaRPr lang="zh-TW" altLang="en-US" dirty="0"/>
-          </a:p>
-        </p:txBody>
-      </p:sp>
-      <p:sp>
-        <p:nvSpPr>
-          <p:cNvPr id="44" name="橢圓 43"/>
-          <p:cNvSpPr/>
-          <p:nvPr/>
-        </p:nvSpPr>
-        <p:spPr>
-          <a:xfrm>
-            <a:off x="9126463" y="3008079"/>
-            <a:ext cx="226577" cy="218485"/>
-          </a:xfrm>
-          <a:prstGeom prst="ellipse">
-            <a:avLst/>
-          </a:prstGeom>
-        </p:spPr>
-        <p:style>
-          <a:lnRef idx="2">
-            <a:schemeClr val="accent1">
-              <a:shade val="50000"/>
-            </a:schemeClr>
-          </a:lnRef>
-          <a:fillRef idx="1">
-            <a:schemeClr val="accent1"/>
-          </a:fillRef>
-          <a:effectRef idx="0">
-            <a:schemeClr val="accent1"/>
-          </a:effectRef>
-          <a:fontRef idx="minor">
-            <a:schemeClr val="lt1"/>
-          </a:fontRef>
-        </p:style>
-        <p:txBody>
-          <a:bodyPr rtlCol="0" anchor="ctr"/>
-          <a:lstStyle/>
-          <a:p>
-            <a:pPr algn="ctr"/>
-            <a:r>
-              <a:rPr lang="en-US" altLang="zh-TW" dirty="0"/>
-              <a:t>6</a:t>
-            </a:r>
+              <a:t>聯絡方式</a:t>
+            </a:r>
+            <a:endParaRPr lang="zh-TW" altLang="en-US" dirty="0"/>
+          </a:p>
+          <a:p>
             <a:endParaRPr lang="zh-TW" altLang="en-US" dirty="0"/>
           </a:p>
         </p:txBody>
@@ -18022,7 +18998,7 @@
     </p:spTree>
     <p:extLst>
       <p:ext uri="{BB962C8B-B14F-4D97-AF65-F5344CB8AC3E}">
-        <p14:creationId xmlns:p14="http://schemas.microsoft.com/office/powerpoint/2010/main" val="2838417385"/>
+        <p14:creationId xmlns:p14="http://schemas.microsoft.com/office/powerpoint/2010/main" val="2576990379"/>
       </p:ext>
     </p:extLst>
   </p:cSld>
